--- a/Lending Club Case Study.pptx
+++ b/Lending Club Case Study.pptx
@@ -14,9 +14,11 @@
     <p:sldId id="262" r:id="rId8"/>
     <p:sldId id="263" r:id="rId9"/>
     <p:sldId id="272" r:id="rId10"/>
-    <p:sldId id="264" r:id="rId11"/>
-    <p:sldId id="273" r:id="rId12"/>
-    <p:sldId id="265" r:id="rId13"/>
+    <p:sldId id="274" r:id="rId11"/>
+    <p:sldId id="264" r:id="rId12"/>
+    <p:sldId id="273" r:id="rId13"/>
+    <p:sldId id="275" r:id="rId14"/>
+    <p:sldId id="265" r:id="rId15"/>
   </p:sldIdLst>
   <p:sldSz cx="12192000" cy="6858000"/>
   <p:notesSz cx="6858000" cy="9144000"/>
@@ -137,8 +139,10 @@
             <p14:sldId id="262"/>
             <p14:sldId id="263"/>
             <p14:sldId id="272"/>
+            <p14:sldId id="274"/>
             <p14:sldId id="264"/>
             <p14:sldId id="273"/>
+            <p14:sldId id="275"/>
             <p14:sldId id="265"/>
           </p14:sldIdLst>
         </p14:section>
@@ -346,7 +350,7 @@
           <a:p>
             <a:fld id="{4AAD347D-5ACD-4C99-B74B-A9C85AD731AF}" type="datetimeFigureOut">
               <a:rPr lang="en-US" dirty="0"/>
-              <a:t>4/25/2024</a:t>
+              <a:t>5/1/2024</a:t>
             </a:fld>
             <a:endParaRPr lang="en-US" dirty="0"/>
           </a:p>
@@ -616,7 +620,7 @@
           <a:p>
             <a:fld id="{4509A250-FF31-4206-8172-F9D3106AACB1}" type="datetimeFigureOut">
               <a:rPr lang="en-US" dirty="0"/>
-              <a:t>4/25/2024</a:t>
+              <a:t>5/1/2024</a:t>
             </a:fld>
             <a:endParaRPr lang="en-US" dirty="0"/>
           </a:p>
@@ -809,7 +813,7 @@
           <a:p>
             <a:fld id="{4509A250-FF31-4206-8172-F9D3106AACB1}" type="datetimeFigureOut">
               <a:rPr lang="en-US" dirty="0"/>
-              <a:t>4/25/2024</a:t>
+              <a:t>5/1/2024</a:t>
             </a:fld>
             <a:endParaRPr lang="en-US" dirty="0"/>
           </a:p>
@@ -1081,7 +1085,7 @@
           <a:p>
             <a:fld id="{4509A250-FF31-4206-8172-F9D3106AACB1}" type="datetimeFigureOut">
               <a:rPr lang="en-US" dirty="0"/>
-              <a:t>4/25/2024</a:t>
+              <a:t>5/1/2024</a:t>
             </a:fld>
             <a:endParaRPr lang="en-US" dirty="0"/>
           </a:p>
@@ -1421,7 +1425,7 @@
           <a:p>
             <a:fld id="{4509A250-FF31-4206-8172-F9D3106AACB1}" type="datetimeFigureOut">
               <a:rPr lang="en-US" dirty="0"/>
-              <a:t>4/25/2024</a:t>
+              <a:t>5/1/2024</a:t>
             </a:fld>
             <a:endParaRPr lang="en-US" dirty="0"/>
           </a:p>
@@ -2043,7 +2047,7 @@
           <a:p>
             <a:fld id="{4509A250-FF31-4206-8172-F9D3106AACB1}" type="datetimeFigureOut">
               <a:rPr lang="en-US" dirty="0"/>
-              <a:t>4/25/2024</a:t>
+              <a:t>5/1/2024</a:t>
             </a:fld>
             <a:endParaRPr lang="en-US" dirty="0"/>
           </a:p>
@@ -2890,7 +2894,7 @@
           <a:p>
             <a:fld id="{4509A250-FF31-4206-8172-F9D3106AACB1}" type="datetimeFigureOut">
               <a:rPr lang="en-US" dirty="0"/>
-              <a:t>4/25/2024</a:t>
+              <a:t>5/1/2024</a:t>
             </a:fld>
             <a:endParaRPr lang="en-US" dirty="0"/>
           </a:p>
@@ -3058,7 +3062,7 @@
           <a:p>
             <a:fld id="{4509A250-FF31-4206-8172-F9D3106AACB1}" type="datetimeFigureOut">
               <a:rPr lang="en-US" dirty="0"/>
-              <a:t>4/25/2024</a:t>
+              <a:t>5/1/2024</a:t>
             </a:fld>
             <a:endParaRPr lang="en-US" dirty="0"/>
           </a:p>
@@ -3236,7 +3240,7 @@
           <a:p>
             <a:fld id="{4509A250-FF31-4206-8172-F9D3106AACB1}" type="datetimeFigureOut">
               <a:rPr lang="en-US" dirty="0"/>
-              <a:t>4/25/2024</a:t>
+              <a:t>5/1/2024</a:t>
             </a:fld>
             <a:endParaRPr lang="en-US" dirty="0"/>
           </a:p>
@@ -3404,7 +3408,7 @@
           <a:p>
             <a:fld id="{4509A250-FF31-4206-8172-F9D3106AACB1}" type="datetimeFigureOut">
               <a:rPr lang="en-US" dirty="0"/>
-              <a:t>4/25/2024</a:t>
+              <a:t>5/1/2024</a:t>
             </a:fld>
             <a:endParaRPr lang="en-US" dirty="0"/>
           </a:p>
@@ -3650,7 +3654,7 @@
           <a:p>
             <a:fld id="{9796027F-7875-4030-9381-8BD8C4F21935}" type="datetimeFigureOut">
               <a:rPr lang="en-US" dirty="0"/>
-              <a:t>4/25/2024</a:t>
+              <a:t>5/1/2024</a:t>
             </a:fld>
             <a:endParaRPr lang="en-US" dirty="0"/>
           </a:p>
@@ -3939,7 +3943,7 @@
           <a:p>
             <a:fld id="{9796027F-7875-4030-9381-8BD8C4F21935}" type="datetimeFigureOut">
               <a:rPr lang="en-US" dirty="0"/>
-              <a:t>4/25/2024</a:t>
+              <a:t>5/1/2024</a:t>
             </a:fld>
             <a:endParaRPr lang="en-US" dirty="0"/>
           </a:p>
@@ -4380,7 +4384,7 @@
           <a:p>
             <a:fld id="{9796027F-7875-4030-9381-8BD8C4F21935}" type="datetimeFigureOut">
               <a:rPr lang="en-US" dirty="0"/>
-              <a:t>4/25/2024</a:t>
+              <a:t>5/1/2024</a:t>
             </a:fld>
             <a:endParaRPr lang="en-US" dirty="0"/>
           </a:p>
@@ -4497,7 +4501,7 @@
           <a:p>
             <a:fld id="{4509A250-FF31-4206-8172-F9D3106AACB1}" type="datetimeFigureOut">
               <a:rPr lang="en-US" dirty="0"/>
-              <a:t>4/25/2024</a:t>
+              <a:t>5/1/2024</a:t>
             </a:fld>
             <a:endParaRPr lang="en-US" dirty="0"/>
           </a:p>
@@ -4592,7 +4596,7 @@
           <a:p>
             <a:fld id="{4509A250-FF31-4206-8172-F9D3106AACB1}" type="datetimeFigureOut">
               <a:rPr lang="en-US" dirty="0"/>
-              <a:t>4/25/2024</a:t>
+              <a:t>5/1/2024</a:t>
             </a:fld>
             <a:endParaRPr lang="en-US" dirty="0"/>
           </a:p>
@@ -4869,7 +4873,7 @@
           <a:p>
             <a:fld id="{4509A250-FF31-4206-8172-F9D3106AACB1}" type="datetimeFigureOut">
               <a:rPr lang="en-US" dirty="0"/>
-              <a:t>4/25/2024</a:t>
+              <a:t>5/1/2024</a:t>
             </a:fld>
             <a:endParaRPr lang="en-US" dirty="0"/>
           </a:p>
@@ -5139,7 +5143,7 @@
           <a:p>
             <a:fld id="{4509A250-FF31-4206-8172-F9D3106AACB1}" type="datetimeFigureOut">
               <a:rPr lang="en-US" dirty="0"/>
-              <a:t>4/25/2024</a:t>
+              <a:t>5/1/2024</a:t>
             </a:fld>
             <a:endParaRPr lang="en-US" dirty="0"/>
           </a:p>
@@ -5566,7 +5570,7 @@
           <a:p>
             <a:fld id="{4AAD347D-5ACD-4C99-B74B-A9C85AD731AF}" type="datetimeFigureOut">
               <a:rPr lang="en-US" dirty="0"/>
-              <a:t>4/25/2024</a:t>
+              <a:t>5/1/2024</a:t>
             </a:fld>
             <a:endParaRPr lang="en-US" dirty="0"/>
           </a:p>
@@ -6393,13 +6397,6 @@
   <p:clrMapOvr>
     <a:masterClrMapping/>
   </p:clrMapOvr>
-  <p:timing>
-    <p:tnLst>
-      <p:par>
-        <p:cTn id="1" dur="indefinite" restart="never" nodeType="tmRoot"/>
-      </p:par>
-    </p:tnLst>
-  </p:timing>
 </p:sld>
 </file>
 
@@ -6432,8 +6429,8 @@
         </p:nvSpPr>
         <p:spPr>
           <a:xfrm>
-            <a:off x="168439" y="193410"/>
-            <a:ext cx="9404723" cy="843820"/>
+            <a:off x="141144" y="199102"/>
+            <a:ext cx="9404723" cy="838128"/>
           </a:xfrm>
         </p:spPr>
         <p:txBody>
@@ -6442,249 +6439,434 @@
           <a:p>
             <a:r>
               <a:rPr lang="en-IN" dirty="0"/>
-              <a:t>Bivariate </a:t>
-            </a:r>
-            <a:r>
-              <a:rPr lang="en-IN" dirty="0" smtClean="0"/>
-              <a:t>Analysis – Insights (#1)</a:t>
-            </a:r>
-            <a:endParaRPr lang="en-IN" dirty="0"/>
+              <a:t>Univariate Analysis – Insights(#3)</a:t>
+            </a:r>
+          </a:p>
+        </p:txBody>
+      </p:sp>
+      <p:sp>
+        <p:nvSpPr>
+          <p:cNvPr id="7" name="Content Placeholder 2"/>
+          <p:cNvSpPr txBox="1">
+            <a:spLocks/>
+          </p:cNvSpPr>
+          <p:nvPr/>
+        </p:nvSpPr>
+        <p:spPr>
+          <a:xfrm>
+            <a:off x="405757" y="972275"/>
+            <a:ext cx="6020095" cy="514888"/>
+          </a:xfrm>
+          <a:prstGeom prst="rect">
+            <a:avLst/>
+          </a:prstGeom>
+        </p:spPr>
+        <p:txBody>
+          <a:bodyPr vert="horz" lIns="91440" tIns="45720" rIns="91440" bIns="45720" rtlCol="0">
+            <a:normAutofit fontScale="85000" lnSpcReduction="10000"/>
+          </a:bodyPr>
+          <a:lstStyle>
+            <a:lvl1pPr marL="342900" indent="-342900" algn="l" defTabSz="457200" rtl="0" eaLnBrk="1" latinLnBrk="0" hangingPunct="1">
+              <a:spcBef>
+                <a:spcPts val="1000"/>
+              </a:spcBef>
+              <a:spcAft>
+                <a:spcPts val="0"/>
+              </a:spcAft>
+              <a:buClr>
+                <a:schemeClr val="bg2">
+                  <a:lumMod val="40000"/>
+                  <a:lumOff val="60000"/>
+                </a:schemeClr>
+              </a:buClr>
+              <a:buSzPct val="80000"/>
+              <a:buFont typeface="Wingdings 3" charset="2"/>
+              <a:buChar char=""/>
+              <a:defRPr sz="2000" b="0" i="0" kern="1200">
+                <a:solidFill>
+                  <a:schemeClr val="tx1"/>
+                </a:solidFill>
+                <a:latin typeface="+mj-lt"/>
+                <a:ea typeface="+mj-ea"/>
+                <a:cs typeface="+mj-cs"/>
+              </a:defRPr>
+            </a:lvl1pPr>
+            <a:lvl2pPr marL="742950" indent="-285750" algn="l" defTabSz="457200" rtl="0" eaLnBrk="1" latinLnBrk="0" hangingPunct="1">
+              <a:spcBef>
+                <a:spcPts val="1000"/>
+              </a:spcBef>
+              <a:spcAft>
+                <a:spcPts val="0"/>
+              </a:spcAft>
+              <a:buClr>
+                <a:schemeClr val="bg2">
+                  <a:lumMod val="40000"/>
+                  <a:lumOff val="60000"/>
+                </a:schemeClr>
+              </a:buClr>
+              <a:buSzPct val="80000"/>
+              <a:buFont typeface="Wingdings 3" charset="2"/>
+              <a:buChar char=""/>
+              <a:defRPr sz="1800" b="0" i="0" kern="1200">
+                <a:solidFill>
+                  <a:schemeClr val="tx1"/>
+                </a:solidFill>
+                <a:latin typeface="+mj-lt"/>
+                <a:ea typeface="+mj-ea"/>
+                <a:cs typeface="+mj-cs"/>
+              </a:defRPr>
+            </a:lvl2pPr>
+            <a:lvl3pPr marL="1143000" indent="-228600" algn="l" defTabSz="457200" rtl="0" eaLnBrk="1" latinLnBrk="0" hangingPunct="1">
+              <a:spcBef>
+                <a:spcPts val="1000"/>
+              </a:spcBef>
+              <a:spcAft>
+                <a:spcPts val="0"/>
+              </a:spcAft>
+              <a:buClr>
+                <a:schemeClr val="bg2">
+                  <a:lumMod val="40000"/>
+                  <a:lumOff val="60000"/>
+                </a:schemeClr>
+              </a:buClr>
+              <a:buSzPct val="80000"/>
+              <a:buFont typeface="Wingdings 3" charset="2"/>
+              <a:buChar char=""/>
+              <a:defRPr sz="1600" b="0" i="0" kern="1200">
+                <a:solidFill>
+                  <a:schemeClr val="tx1"/>
+                </a:solidFill>
+                <a:latin typeface="+mj-lt"/>
+                <a:ea typeface="+mj-ea"/>
+                <a:cs typeface="+mj-cs"/>
+              </a:defRPr>
+            </a:lvl3pPr>
+            <a:lvl4pPr marL="1600200" indent="-228600" algn="l" defTabSz="457200" rtl="0" eaLnBrk="1" latinLnBrk="0" hangingPunct="1">
+              <a:spcBef>
+                <a:spcPts val="1000"/>
+              </a:spcBef>
+              <a:spcAft>
+                <a:spcPts val="0"/>
+              </a:spcAft>
+              <a:buClr>
+                <a:schemeClr val="bg2">
+                  <a:lumMod val="40000"/>
+                  <a:lumOff val="60000"/>
+                </a:schemeClr>
+              </a:buClr>
+              <a:buSzPct val="80000"/>
+              <a:buFont typeface="Wingdings 3" charset="2"/>
+              <a:buChar char=""/>
+              <a:defRPr sz="1400" b="0" i="0" kern="1200">
+                <a:solidFill>
+                  <a:schemeClr val="tx1"/>
+                </a:solidFill>
+                <a:latin typeface="+mj-lt"/>
+                <a:ea typeface="+mj-ea"/>
+                <a:cs typeface="+mj-cs"/>
+              </a:defRPr>
+            </a:lvl4pPr>
+            <a:lvl5pPr marL="2057400" indent="-228600" algn="l" defTabSz="457200" rtl="0" eaLnBrk="1" latinLnBrk="0" hangingPunct="1">
+              <a:spcBef>
+                <a:spcPts val="1000"/>
+              </a:spcBef>
+              <a:spcAft>
+                <a:spcPts val="0"/>
+              </a:spcAft>
+              <a:buClr>
+                <a:schemeClr val="bg2">
+                  <a:lumMod val="40000"/>
+                  <a:lumOff val="60000"/>
+                </a:schemeClr>
+              </a:buClr>
+              <a:buSzPct val="80000"/>
+              <a:buFont typeface="Wingdings 3" charset="2"/>
+              <a:buChar char=""/>
+              <a:defRPr sz="1400" b="0" i="0" kern="1200">
+                <a:solidFill>
+                  <a:schemeClr val="tx1"/>
+                </a:solidFill>
+                <a:latin typeface="+mj-lt"/>
+                <a:ea typeface="+mj-ea"/>
+                <a:cs typeface="+mj-cs"/>
+              </a:defRPr>
+            </a:lvl5pPr>
+            <a:lvl6pPr marL="2506000" indent="-228600" algn="l" defTabSz="457200" rtl="0" eaLnBrk="1" latinLnBrk="0" hangingPunct="1">
+              <a:spcBef>
+                <a:spcPts val="1000"/>
+              </a:spcBef>
+              <a:spcAft>
+                <a:spcPts val="0"/>
+              </a:spcAft>
+              <a:buClr>
+                <a:schemeClr val="bg2">
+                  <a:lumMod val="40000"/>
+                  <a:lumOff val="60000"/>
+                </a:schemeClr>
+              </a:buClr>
+              <a:buSzPct val="80000"/>
+              <a:buFont typeface="Wingdings 3" charset="2"/>
+              <a:buChar char=""/>
+              <a:defRPr sz="1400" b="0" i="0" kern="1200">
+                <a:solidFill>
+                  <a:schemeClr val="tx1"/>
+                </a:solidFill>
+                <a:latin typeface="+mj-lt"/>
+                <a:ea typeface="+mj-ea"/>
+                <a:cs typeface="+mj-cs"/>
+              </a:defRPr>
+            </a:lvl6pPr>
+            <a:lvl7pPr marL="2971800" indent="-228600" algn="l" defTabSz="457200" rtl="0" eaLnBrk="1" latinLnBrk="0" hangingPunct="1">
+              <a:spcBef>
+                <a:spcPts val="1000"/>
+              </a:spcBef>
+              <a:spcAft>
+                <a:spcPts val="0"/>
+              </a:spcAft>
+              <a:buClr>
+                <a:schemeClr val="bg2">
+                  <a:lumMod val="40000"/>
+                  <a:lumOff val="60000"/>
+                </a:schemeClr>
+              </a:buClr>
+              <a:buSzPct val="80000"/>
+              <a:buFont typeface="Wingdings 3" charset="2"/>
+              <a:buChar char=""/>
+              <a:defRPr sz="1400" b="0" i="0" kern="1200">
+                <a:solidFill>
+                  <a:schemeClr val="tx1"/>
+                </a:solidFill>
+                <a:latin typeface="+mj-lt"/>
+                <a:ea typeface="+mj-ea"/>
+                <a:cs typeface="+mj-cs"/>
+              </a:defRPr>
+            </a:lvl7pPr>
+            <a:lvl8pPr marL="3429000" indent="-228600" algn="l" defTabSz="457200" rtl="0" eaLnBrk="1" latinLnBrk="0" hangingPunct="1">
+              <a:spcBef>
+                <a:spcPts val="1000"/>
+              </a:spcBef>
+              <a:spcAft>
+                <a:spcPts val="0"/>
+              </a:spcAft>
+              <a:buClr>
+                <a:schemeClr val="bg2">
+                  <a:lumMod val="40000"/>
+                  <a:lumOff val="60000"/>
+                </a:schemeClr>
+              </a:buClr>
+              <a:buSzPct val="80000"/>
+              <a:buFont typeface="Wingdings 3" charset="2"/>
+              <a:buChar char=""/>
+              <a:defRPr sz="1400" b="0" i="0" kern="1200">
+                <a:solidFill>
+                  <a:schemeClr val="tx1"/>
+                </a:solidFill>
+                <a:latin typeface="+mj-lt"/>
+                <a:ea typeface="+mj-ea"/>
+                <a:cs typeface="+mj-cs"/>
+              </a:defRPr>
+            </a:lvl8pPr>
+            <a:lvl9pPr marL="3886200" indent="-228600" algn="l" defTabSz="457200" rtl="0" eaLnBrk="1" latinLnBrk="0" hangingPunct="1">
+              <a:spcBef>
+                <a:spcPts val="1000"/>
+              </a:spcBef>
+              <a:spcAft>
+                <a:spcPts val="0"/>
+              </a:spcAft>
+              <a:buClr>
+                <a:schemeClr val="bg2">
+                  <a:lumMod val="40000"/>
+                  <a:lumOff val="60000"/>
+                </a:schemeClr>
+              </a:buClr>
+              <a:buSzPct val="80000"/>
+              <a:buFont typeface="Wingdings 3" charset="2"/>
+              <a:buChar char=""/>
+              <a:defRPr sz="1400" b="0" i="0" kern="1200">
+                <a:solidFill>
+                  <a:schemeClr val="tx1"/>
+                </a:solidFill>
+                <a:latin typeface="+mj-lt"/>
+                <a:ea typeface="+mj-ea"/>
+                <a:cs typeface="+mj-cs"/>
+              </a:defRPr>
+            </a:lvl9pPr>
+          </a:lstStyle>
+          <a:p>
+            <a:pPr marL="0" indent="0">
+              <a:buFont typeface="Wingdings 3" charset="2"/>
+              <a:buNone/>
+            </a:pPr>
+            <a:r>
+              <a:rPr lang="en-IN" b="1" dirty="0"/>
+              <a:t>Public Record of Bankruptcies Distribution (Bar Chart)</a:t>
+            </a:r>
+          </a:p>
+        </p:txBody>
+      </p:sp>
+      <p:sp>
+        <p:nvSpPr>
+          <p:cNvPr id="10" name="Rectangle 9"/>
+          <p:cNvSpPr/>
+          <p:nvPr/>
+        </p:nvSpPr>
+        <p:spPr>
+          <a:xfrm>
+            <a:off x="665773" y="1335475"/>
+            <a:ext cx="10948068" cy="1323439"/>
+          </a:xfrm>
+          <a:prstGeom prst="rect">
+            <a:avLst/>
+          </a:prstGeom>
+        </p:spPr>
+        <p:txBody>
+          <a:bodyPr wrap="square">
+            <a:spAutoFit/>
+          </a:bodyPr>
+          <a:lstStyle/>
+          <a:p>
+            <a:r>
+              <a:rPr lang="en-US" sz="1600" dirty="0">
+                <a:latin typeface="Söhne"/>
+              </a:rPr>
+              <a:t># The chart below represents the </a:t>
+            </a:r>
+            <a:r>
+              <a:rPr lang="en-US" sz="1600" dirty="0"/>
+              <a:t>frequency or count of different categories (Pubic Record of Bankruptcies) within a categorical variable</a:t>
+            </a:r>
+            <a:endParaRPr lang="en-US" sz="1600" dirty="0">
+              <a:latin typeface="Söhne"/>
+            </a:endParaRPr>
+          </a:p>
+          <a:p>
+            <a:r>
+              <a:rPr lang="en-US" sz="1600" dirty="0">
+                <a:latin typeface="Söhne"/>
+              </a:rPr>
+              <a:t># </a:t>
+            </a:r>
+            <a:r>
+              <a:rPr lang="en-US" sz="1600" dirty="0"/>
+              <a:t>Each cluster of bars represents a category (Pubic Record of Bankruptcies), and the height of the bar corresponds to the number of occurrences (count) of that category in the dataset</a:t>
+            </a:r>
+            <a:endParaRPr lang="en-US" sz="1600" dirty="0">
+              <a:latin typeface="Söhne"/>
+            </a:endParaRPr>
+          </a:p>
+          <a:p>
+            <a:r>
+              <a:rPr lang="en-US" sz="1600" dirty="0">
+                <a:latin typeface="Söhne"/>
+              </a:rPr>
+              <a:t># </a:t>
+            </a:r>
+            <a:endParaRPr lang="en-IN" sz="1600" dirty="0"/>
+          </a:p>
+        </p:txBody>
+      </p:sp>
+      <p:sp>
+        <p:nvSpPr>
+          <p:cNvPr id="11" name="Rectangle 10"/>
+          <p:cNvSpPr/>
+          <p:nvPr/>
+        </p:nvSpPr>
+        <p:spPr>
+          <a:xfrm>
+            <a:off x="665773" y="2957160"/>
+            <a:ext cx="4735133" cy="1569660"/>
+          </a:xfrm>
+          <a:prstGeom prst="rect">
+            <a:avLst/>
+          </a:prstGeom>
+        </p:spPr>
+        <p:txBody>
+          <a:bodyPr wrap="square">
+            <a:spAutoFit/>
+          </a:bodyPr>
+          <a:lstStyle/>
+          <a:p>
+            <a:r>
+              <a:rPr lang="en-US" sz="1600" b="1" dirty="0">
+                <a:latin typeface="Söhne"/>
+              </a:rPr>
+              <a:t>Business Implications:-</a:t>
+            </a:r>
+          </a:p>
+          <a:p>
+            <a:r>
+              <a:rPr lang="en-US" sz="1600" dirty="0"/>
+              <a:t># Portfolio Management </a:t>
+            </a:r>
+            <a:r>
+              <a:rPr lang="en-US" sz="1600" dirty="0">
+                <a:sym typeface="Wingdings" panose="05000000000000000000" pitchFamily="2" charset="2"/>
+              </a:rPr>
+              <a:t> Loan status assists in areas that require attention (example: Public record of bankruptcies: 1-2)</a:t>
+            </a:r>
+            <a:endParaRPr lang="en-US" sz="1600" dirty="0"/>
+          </a:p>
+          <a:p>
+            <a:r>
+              <a:rPr lang="en-US" sz="1600" dirty="0"/>
+              <a:t># Risk Assessment </a:t>
+            </a:r>
+            <a:r>
+              <a:rPr lang="en-US" sz="1600" dirty="0">
+                <a:sym typeface="Wingdings" panose="05000000000000000000" pitchFamily="2" charset="2"/>
+              </a:rPr>
+              <a:t> Potential default risk if applicant have previous bankruptcy record</a:t>
+            </a:r>
+            <a:endParaRPr lang="en-US" sz="1600" dirty="0"/>
           </a:p>
         </p:txBody>
       </p:sp>
       <p:pic>
         <p:nvPicPr>
-          <p:cNvPr id="5" name="Picture 4"/>
+          <p:cNvPr id="14" name="Picture 13">
+            <a:extLst>
+              <a:ext uri="{FF2B5EF4-FFF2-40B4-BE49-F238E27FC236}">
+                <a16:creationId xmlns:a16="http://schemas.microsoft.com/office/drawing/2014/main" id="{AADA6BF1-BCA2-4E5C-9A57-10BEEB7C8BEF}"/>
+              </a:ext>
+            </a:extLst>
+          </p:cNvPr>
           <p:cNvPicPr>
             <a:picLocks noChangeAspect="1"/>
           </p:cNvPicPr>
           <p:nvPr/>
         </p:nvPicPr>
         <p:blipFill>
-          <a:blip r:embed="rId2"/>
+          <a:blip r:embed="rId2">
+            <a:extLst>
+              <a:ext uri="{28A0092B-C50C-407E-A947-70E740481C1C}">
+                <a14:useLocalDpi xmlns:a14="http://schemas.microsoft.com/office/drawing/2010/main" val="0"/>
+              </a:ext>
+            </a:extLst>
+          </a:blip>
           <a:stretch>
             <a:fillRect/>
           </a:stretch>
         </p:blipFill>
         <p:spPr>
           <a:xfrm>
-            <a:off x="5600246" y="2701831"/>
-            <a:ext cx="6440421" cy="4026516"/>
+            <a:off x="5339652" y="3130201"/>
+            <a:ext cx="6693598" cy="3346799"/>
           </a:xfrm>
           <a:prstGeom prst="rect">
             <a:avLst/>
           </a:prstGeom>
         </p:spPr>
       </p:pic>
-      <p:sp>
-        <p:nvSpPr>
-          <p:cNvPr id="7" name="Rectangle 6"/>
-          <p:cNvSpPr/>
-          <p:nvPr/>
-        </p:nvSpPr>
-        <p:spPr>
-          <a:xfrm>
-            <a:off x="168439" y="852564"/>
-            <a:ext cx="7010283" cy="369332"/>
-          </a:xfrm>
-          <a:prstGeom prst="rect">
-            <a:avLst/>
-          </a:prstGeom>
-        </p:spPr>
-        <p:txBody>
-          <a:bodyPr wrap="square">
-            <a:spAutoFit/>
-          </a:bodyPr>
-          <a:lstStyle/>
-          <a:p>
-            <a:r>
-              <a:rPr lang="en-IN" b="1" dirty="0"/>
-              <a:t>Loan Amount vs. Debt-to-Income </a:t>
-            </a:r>
-            <a:r>
-              <a:rPr lang="en-IN" b="1" dirty="0" smtClean="0"/>
-              <a:t>Ratio (Scatter Plot) </a:t>
-            </a:r>
-            <a:endParaRPr lang="en-IN" b="1" dirty="0"/>
-          </a:p>
-        </p:txBody>
-      </p:sp>
-      <p:sp>
-        <p:nvSpPr>
-          <p:cNvPr id="10" name="Rectangle 9"/>
-          <p:cNvSpPr/>
-          <p:nvPr/>
-        </p:nvSpPr>
-        <p:spPr>
-          <a:xfrm>
-            <a:off x="665773" y="1335475"/>
-            <a:ext cx="10948068" cy="1077218"/>
-          </a:xfrm>
-          <a:prstGeom prst="rect">
-            <a:avLst/>
-          </a:prstGeom>
-        </p:spPr>
-        <p:txBody>
-          <a:bodyPr wrap="square">
-            <a:spAutoFit/>
-          </a:bodyPr>
-          <a:lstStyle/>
-          <a:p>
-            <a:r>
-              <a:rPr lang="en-US" sz="1600" dirty="0">
-                <a:latin typeface="Söhne"/>
-              </a:rPr>
-              <a:t># Below </a:t>
-            </a:r>
-            <a:r>
-              <a:rPr lang="en-US" sz="1600" dirty="0" smtClean="0">
-                <a:latin typeface="Söhne"/>
-              </a:rPr>
-              <a:t>represents </a:t>
-            </a:r>
-            <a:r>
-              <a:rPr lang="en-US" sz="1600" dirty="0">
-                <a:latin typeface="Söhne"/>
-              </a:rPr>
-              <a:t>in X-axis is loan amount requested by borrowers. Each points position along the x-axis is size of loan. </a:t>
-            </a:r>
-            <a:endParaRPr lang="en-US" sz="1600" dirty="0" smtClean="0">
-              <a:latin typeface="Söhne"/>
-            </a:endParaRPr>
-          </a:p>
-          <a:p>
-            <a:r>
-              <a:rPr lang="en-US" sz="1600" dirty="0" smtClean="0">
-                <a:latin typeface="Söhne"/>
-              </a:rPr>
-              <a:t># And </a:t>
-            </a:r>
-            <a:r>
-              <a:rPr lang="en-US" sz="1600" dirty="0">
-                <a:latin typeface="Söhne"/>
-              </a:rPr>
-              <a:t>in Y-axis, </a:t>
-            </a:r>
-            <a:r>
-              <a:rPr lang="en-US" sz="1600" dirty="0">
-                <a:latin typeface="Söhne"/>
-              </a:rPr>
-              <a:t>represents the debt-to-income ratio, which is the ratio of a borrower's total monthly debt payments to their monthly gross income. Each point's position along this </a:t>
-            </a:r>
-            <a:r>
-              <a:rPr lang="en-US" sz="1600" dirty="0" smtClean="0">
-                <a:latin typeface="Söhne"/>
-              </a:rPr>
-              <a:t>y-axis </a:t>
-            </a:r>
-            <a:r>
-              <a:rPr lang="en-US" sz="1600" dirty="0">
-                <a:latin typeface="Söhne"/>
-              </a:rPr>
-              <a:t>signifies the borrower's DTI ratio</a:t>
-            </a:r>
-            <a:r>
-              <a:rPr lang="en-US" sz="1600" dirty="0" smtClean="0">
-                <a:latin typeface="Söhne"/>
-              </a:rPr>
-              <a:t>.</a:t>
-            </a:r>
-            <a:endParaRPr lang="en-US" sz="1600" dirty="0">
-              <a:latin typeface="Söhne"/>
-            </a:endParaRPr>
-          </a:p>
-        </p:txBody>
-      </p:sp>
-      <p:sp>
-        <p:nvSpPr>
-          <p:cNvPr id="11" name="Rectangle 10"/>
-          <p:cNvSpPr/>
-          <p:nvPr/>
-        </p:nvSpPr>
-        <p:spPr>
-          <a:xfrm>
-            <a:off x="665773" y="2957160"/>
-            <a:ext cx="4735133" cy="2554545"/>
-          </a:xfrm>
-          <a:prstGeom prst="rect">
-            <a:avLst/>
-          </a:prstGeom>
-        </p:spPr>
-        <p:txBody>
-          <a:bodyPr wrap="square">
-            <a:spAutoFit/>
-          </a:bodyPr>
-          <a:lstStyle/>
-          <a:p>
-            <a:r>
-              <a:rPr lang="en-US" sz="1600" b="1" dirty="0" smtClean="0">
-                <a:latin typeface="Söhne"/>
-              </a:rPr>
-              <a:t>Business Implications:-</a:t>
-            </a:r>
-          </a:p>
-          <a:p>
-            <a:r>
-              <a:rPr lang="en-US" sz="1600" dirty="0" smtClean="0"/>
-              <a:t>#Risk Assessment </a:t>
-            </a:r>
-            <a:r>
-              <a:rPr lang="en-US" sz="1600" dirty="0" smtClean="0">
-                <a:sym typeface="Wingdings" panose="05000000000000000000" pitchFamily="2" charset="2"/>
-              </a:rPr>
-              <a:t> </a:t>
-            </a:r>
-            <a:r>
-              <a:rPr lang="en-US" sz="1600" b="1" dirty="0"/>
-              <a:t>High Loan Amounts with High </a:t>
-            </a:r>
-            <a:r>
-              <a:rPr lang="en-US" sz="1600" b="1" dirty="0" smtClean="0"/>
-              <a:t>DTI </a:t>
-            </a:r>
-            <a:r>
-              <a:rPr lang="en-US" sz="1600" b="1" dirty="0" smtClean="0">
-                <a:sym typeface="Wingdings" panose="05000000000000000000" pitchFamily="2" charset="2"/>
-              </a:rPr>
-              <a:t> </a:t>
-            </a:r>
-            <a:r>
-              <a:rPr lang="en-US" sz="1600" dirty="0"/>
-              <a:t>Points clustered at high loan amounts and high DTI ratios may indicate borrowers with potentially higher financial risk.</a:t>
-            </a:r>
-          </a:p>
-          <a:p>
-            <a:r>
-              <a:rPr lang="en-US" sz="1600" dirty="0"/>
-              <a:t/>
-            </a:r>
-            <a:br>
-              <a:rPr lang="en-US" sz="1600" dirty="0"/>
-            </a:br>
-            <a:r>
-              <a:rPr lang="en-US" sz="1600" dirty="0" smtClean="0"/>
-              <a:t>from scatter plot – it indicates that high DTI ratio is 25 &amp; till amounts ($20000) when compared between DTI ratio between 25 – 30 &amp; Loan amounts between $20000 - $ 30000</a:t>
-            </a:r>
-          </a:p>
-        </p:txBody>
-      </p:sp>
     </p:spTree>
     <p:extLst>
       <p:ext uri="{BB962C8B-B14F-4D97-AF65-F5344CB8AC3E}">
-        <p14:creationId xmlns:p14="http://schemas.microsoft.com/office/powerpoint/2010/main" val="3720700355"/>
+        <p14:creationId xmlns:p14="http://schemas.microsoft.com/office/powerpoint/2010/main" val="3549061704"/>
       </p:ext>
     </p:extLst>
   </p:cSld>
   <p:clrMapOvr>
     <a:masterClrMapping/>
   </p:clrMapOvr>
-  <p:timing>
-    <p:tnLst>
-      <p:par>
-        <p:cTn id="1" dur="indefinite" restart="never" nodeType="tmRoot"/>
-      </p:par>
-    </p:tnLst>
-  </p:timing>
 </p:sld>
 </file>
 
@@ -6727,19 +6909,14 @@
           <a:p>
             <a:r>
               <a:rPr lang="en-IN" dirty="0"/>
-              <a:t>Bivariate </a:t>
-            </a:r>
-            <a:r>
-              <a:rPr lang="en-IN" dirty="0" smtClean="0"/>
-              <a:t>Analysis – Insights (#2)</a:t>
-            </a:r>
-            <a:endParaRPr lang="en-IN" dirty="0"/>
+              <a:t>Bivariate Analysis – Insights (#1)</a:t>
+            </a:r>
           </a:p>
         </p:txBody>
       </p:sp>
       <p:pic>
         <p:nvPicPr>
-          <p:cNvPr id="6" name="Picture 5"/>
+          <p:cNvPr id="5" name="Picture 4"/>
           <p:cNvPicPr>
             <a:picLocks noChangeAspect="1"/>
           </p:cNvPicPr>
@@ -6753,8 +6930,8 @@
         </p:blipFill>
         <p:spPr>
           <a:xfrm>
-            <a:off x="6018662" y="2643462"/>
-            <a:ext cx="6037693" cy="4010243"/>
+            <a:off x="5600246" y="2701831"/>
+            <a:ext cx="6440421" cy="4026516"/>
           </a:xfrm>
           <a:prstGeom prst="rect">
             <a:avLst/>
@@ -6763,47 +6940,14 @@
       </p:pic>
       <p:sp>
         <p:nvSpPr>
-          <p:cNvPr id="8" name="Rectangle 7"/>
+          <p:cNvPr id="7" name="Rectangle 6"/>
           <p:cNvSpPr/>
           <p:nvPr/>
         </p:nvSpPr>
         <p:spPr>
           <a:xfrm>
-            <a:off x="302735" y="905142"/>
-            <a:ext cx="4461478" cy="369332"/>
-          </a:xfrm>
-          <a:prstGeom prst="rect">
-            <a:avLst/>
-          </a:prstGeom>
-        </p:spPr>
-        <p:txBody>
-          <a:bodyPr wrap="none">
-            <a:spAutoFit/>
-          </a:bodyPr>
-          <a:lstStyle/>
-          <a:p>
-            <a:r>
-              <a:rPr lang="en-IN" b="1" dirty="0"/>
-              <a:t>Loan Status vs. Loan </a:t>
-            </a:r>
-            <a:r>
-              <a:rPr lang="en-IN" b="1" dirty="0" smtClean="0"/>
-              <a:t>Amount (Box Plot)</a:t>
-            </a:r>
-            <a:endParaRPr lang="en-IN" b="1" dirty="0"/>
-          </a:p>
-        </p:txBody>
-      </p:sp>
-      <p:sp>
-        <p:nvSpPr>
-          <p:cNvPr id="10" name="Rectangle 9"/>
-          <p:cNvSpPr/>
-          <p:nvPr/>
-        </p:nvSpPr>
-        <p:spPr>
-          <a:xfrm>
-            <a:off x="665773" y="1335475"/>
-            <a:ext cx="10948068" cy="830997"/>
+            <a:off x="168439" y="852564"/>
+            <a:ext cx="7010283" cy="369332"/>
           </a:xfrm>
           <a:prstGeom prst="rect">
             <a:avLst/>
@@ -6816,43 +6960,22 @@
           <a:lstStyle/>
           <a:p>
             <a:r>
-              <a:rPr lang="en-US" sz="1600" dirty="0" smtClean="0">
-                <a:latin typeface="Söhne"/>
-              </a:rPr>
-              <a:t># Below </a:t>
-            </a:r>
-            <a:r>
-              <a:rPr lang="en-US" sz="1600" dirty="0"/>
-              <a:t>box plot shows the distribution of loan amounts </a:t>
-            </a:r>
-            <a:r>
-              <a:rPr lang="en-US" sz="1600" dirty="0" smtClean="0"/>
-              <a:t>for </a:t>
-            </a:r>
-            <a:r>
-              <a:rPr lang="en-US" sz="1600" dirty="0"/>
-              <a:t>each loan status category (e.g., fully paid, charged off, current</a:t>
-            </a:r>
-            <a:r>
-              <a:rPr lang="en-US" sz="1600" dirty="0" smtClean="0"/>
-              <a:t>). It visually represents median, quartiles, and potential outliers for loan amounts associated with each loan status.</a:t>
-            </a:r>
-            <a:endParaRPr lang="en-US" sz="1600" dirty="0" smtClean="0">
-              <a:latin typeface="Söhne"/>
-            </a:endParaRPr>
-          </a:p>
-        </p:txBody>
-      </p:sp>
-      <p:sp>
-        <p:nvSpPr>
-          <p:cNvPr id="11" name="Rectangle 10"/>
+              <a:rPr lang="en-IN" b="1" dirty="0"/>
+              <a:t>Loan Amount vs. Debt-to-Income Ratio (Scatter Plot) </a:t>
+            </a:r>
+          </a:p>
+        </p:txBody>
+      </p:sp>
+      <p:sp>
+        <p:nvSpPr>
+          <p:cNvPr id="10" name="Rectangle 9"/>
           <p:cNvSpPr/>
           <p:nvPr/>
         </p:nvSpPr>
         <p:spPr>
           <a:xfrm>
-            <a:off x="665773" y="2464717"/>
-            <a:ext cx="5352889" cy="4278094"/>
+            <a:off x="665773" y="1335475"/>
+            <a:ext cx="10948068" cy="1077218"/>
           </a:xfrm>
           <a:prstGeom prst="rect">
             <a:avLst/>
@@ -6865,7 +6988,45 @@
           <a:lstStyle/>
           <a:p>
             <a:r>
-              <a:rPr lang="en-US" sz="1600" b="1" dirty="0" smtClean="0">
+              <a:rPr lang="en-US" sz="1600" dirty="0">
+                <a:latin typeface="Söhne"/>
+              </a:rPr>
+              <a:t># Below represents in X-axis is loan amount requested by borrowers. Each points position along the x-axis is size of loan. </a:t>
+            </a:r>
+          </a:p>
+          <a:p>
+            <a:r>
+              <a:rPr lang="en-US" sz="1600" dirty="0">
+                <a:latin typeface="Söhne"/>
+              </a:rPr>
+              <a:t># And in Y-axis, represents the debt-to-income ratio, which is the ratio of a borrower's total monthly debt payments to their monthly gross income. Each point's position along this y-axis signifies the borrower's DTI ratio.</a:t>
+            </a:r>
+          </a:p>
+        </p:txBody>
+      </p:sp>
+      <p:sp>
+        <p:nvSpPr>
+          <p:cNvPr id="11" name="Rectangle 10"/>
+          <p:cNvSpPr/>
+          <p:nvPr/>
+        </p:nvSpPr>
+        <p:spPr>
+          <a:xfrm>
+            <a:off x="665773" y="2957160"/>
+            <a:ext cx="4735133" cy="2554545"/>
+          </a:xfrm>
+          <a:prstGeom prst="rect">
+            <a:avLst/>
+          </a:prstGeom>
+        </p:spPr>
+        <p:txBody>
+          <a:bodyPr wrap="square">
+            <a:spAutoFit/>
+          </a:bodyPr>
+          <a:lstStyle/>
+          <a:p>
+            <a:r>
+              <a:rPr lang="en-US" sz="1600" b="1" dirty="0">
                 <a:latin typeface="Söhne"/>
               </a:rPr>
               <a:t>Business Implications:-</a:t>
@@ -6873,113 +7034,51 @@
           </a:p>
           <a:p>
             <a:r>
-              <a:rPr lang="en-US" sz="1600" dirty="0" smtClean="0"/>
-              <a:t># </a:t>
-            </a:r>
-            <a:r>
-              <a:rPr lang="en-US" sz="1600" b="1" dirty="0" smtClean="0"/>
-              <a:t>Risk Assessment</a:t>
-            </a:r>
-            <a:r>
-              <a:rPr lang="en-US" sz="1600" dirty="0" smtClean="0"/>
-              <a:t> </a:t>
-            </a:r>
-            <a:r>
-              <a:rPr lang="en-US" sz="1600" dirty="0" smtClean="0">
+              <a:rPr lang="en-US" sz="1600" dirty="0"/>
+              <a:t>#Risk Assessment </a:t>
+            </a:r>
+            <a:r>
+              <a:rPr lang="en-US" sz="1600" dirty="0">
                 <a:sym typeface="Wingdings" panose="05000000000000000000" pitchFamily="2" charset="2"/>
               </a:rPr>
-              <a:t> Charged Off having higher box plot indicates higher median compared to fully paid loans, suggests that higher loan amounts might be associated with increased default risk</a:t>
-            </a:r>
-          </a:p>
-          <a:p>
-            <a:endParaRPr lang="en-US" sz="1600" dirty="0" smtClean="0">
-              <a:sym typeface="Wingdings" panose="05000000000000000000" pitchFamily="2" charset="2"/>
-            </a:endParaRPr>
-          </a:p>
-          <a:p>
-            <a:r>
-              <a:rPr lang="en-US" sz="1600" dirty="0" smtClean="0">
+              <a:t> </a:t>
+            </a:r>
+            <a:r>
+              <a:rPr lang="en-US" sz="1600" b="1" dirty="0"/>
+              <a:t>High Loan Amounts with High DTI </a:t>
+            </a:r>
+            <a:r>
+              <a:rPr lang="en-US" sz="1600" b="1" dirty="0">
                 <a:sym typeface="Wingdings" panose="05000000000000000000" pitchFamily="2" charset="2"/>
               </a:rPr>
-              <a:t># </a:t>
-            </a:r>
-            <a:r>
-              <a:rPr lang="en-US" sz="1600" b="1" dirty="0" smtClean="0">
-                <a:sym typeface="Wingdings" panose="05000000000000000000" pitchFamily="2" charset="2"/>
-              </a:rPr>
-              <a:t>Loan Amount thresholds</a:t>
-            </a:r>
-            <a:r>
-              <a:rPr lang="en-US" sz="1600" dirty="0" smtClean="0">
-                <a:sym typeface="Wingdings" panose="05000000000000000000" pitchFamily="2" charset="2"/>
-              </a:rPr>
-              <a:t>  example as Current between loan amounts ~$12000 and ~$24000. Lenders adjust approval criteria based on thresholds</a:t>
-            </a:r>
-          </a:p>
-          <a:p>
-            <a:endParaRPr lang="en-US" sz="1600" dirty="0" smtClean="0">
-              <a:sym typeface="Wingdings" panose="05000000000000000000" pitchFamily="2" charset="2"/>
-            </a:endParaRPr>
-          </a:p>
-          <a:p>
-            <a:r>
-              <a:rPr lang="en-US" sz="1600" dirty="0" smtClean="0">
-                <a:sym typeface="Wingdings" panose="05000000000000000000" pitchFamily="2" charset="2"/>
-              </a:rPr>
-              <a:t># </a:t>
-            </a:r>
-            <a:r>
-              <a:rPr lang="en-US" sz="1600" b="1" dirty="0" smtClean="0">
-                <a:sym typeface="Wingdings" panose="05000000000000000000" pitchFamily="2" charset="2"/>
-              </a:rPr>
-              <a:t>Outliers</a:t>
-            </a:r>
-            <a:r>
-              <a:rPr lang="en-US" sz="1600" dirty="0" smtClean="0">
-                <a:sym typeface="Wingdings" panose="05000000000000000000" pitchFamily="2" charset="2"/>
-              </a:rPr>
-              <a:t>  Observed outliers between loan amounts $30000 and $35000. </a:t>
+              <a:t> </a:t>
             </a:r>
             <a:r>
               <a:rPr lang="en-US" sz="1600" dirty="0"/>
-              <a:t>Lenders should assess whether these borrowers have the ability to repay such large amounts based on their income, debt-to-income ratio, credit history, and other factors.</a:t>
-            </a:r>
-          </a:p>
-          <a:p>
-            <a:r>
-              <a:rPr lang="en-US" sz="1600" dirty="0"/>
-              <a:t/>
-            </a:r>
+              <a:t>Points clustered at high loan amounts and high DTI ratios may indicate borrowers with potentially higher financial risk.</a:t>
+            </a:r>
+          </a:p>
+          <a:p>
             <a:br>
               <a:rPr lang="en-US" sz="1600" dirty="0"/>
             </a:br>
             <a:r>
-              <a:rPr lang="en-US" sz="1600" dirty="0" smtClean="0">
-                <a:sym typeface="Wingdings" panose="05000000000000000000" pitchFamily="2" charset="2"/>
-              </a:rPr>
-              <a:t> </a:t>
-            </a:r>
-            <a:endParaRPr lang="en-US" sz="1600" dirty="0" smtClean="0"/>
+              <a:rPr lang="en-US" sz="1600" dirty="0"/>
+              <a:t>from scatter plot – it indicates that high DTI ratio is 25 &amp; till amounts ($20000) when compared between DTI ratio between 25 – 30 &amp; Loan amounts between $20000 - $ 30000</a:t>
+            </a:r>
           </a:p>
         </p:txBody>
       </p:sp>
     </p:spTree>
     <p:extLst>
       <p:ext uri="{BB962C8B-B14F-4D97-AF65-F5344CB8AC3E}">
-        <p14:creationId xmlns:p14="http://schemas.microsoft.com/office/powerpoint/2010/main" val="3226095913"/>
+        <p14:creationId xmlns:p14="http://schemas.microsoft.com/office/powerpoint/2010/main" val="3720700355"/>
       </p:ext>
     </p:extLst>
   </p:cSld>
   <p:clrMapOvr>
     <a:masterClrMapping/>
   </p:clrMapOvr>
-  <p:timing>
-    <p:tnLst>
-      <p:par>
-        <p:cTn id="1" dur="indefinite" restart="never" nodeType="tmRoot"/>
-      </p:par>
-    </p:tnLst>
-  </p:timing>
 </p:sld>
 </file>
 
@@ -7010,20 +7109,507 @@
             <p:ph type="title"/>
           </p:nvPr>
         </p:nvSpPr>
-        <p:spPr/>
+        <p:spPr>
+          <a:xfrm>
+            <a:off x="168439" y="193410"/>
+            <a:ext cx="9404723" cy="843820"/>
+          </a:xfrm>
+        </p:spPr>
         <p:txBody>
           <a:bodyPr/>
           <a:lstStyle/>
           <a:p>
             <a:r>
               <a:rPr lang="en-IN" dirty="0"/>
-              <a:t>Multivariate </a:t>
-            </a:r>
-            <a:r>
-              <a:rPr lang="en-IN" dirty="0" smtClean="0"/>
-              <a:t>Analysis - Insights</a:t>
-            </a:r>
-            <a:endParaRPr lang="en-IN" dirty="0"/>
+              <a:t>Bivariate Analysis – Insights (#2)</a:t>
+            </a:r>
+          </a:p>
+        </p:txBody>
+      </p:sp>
+      <p:pic>
+        <p:nvPicPr>
+          <p:cNvPr id="6" name="Picture 5"/>
+          <p:cNvPicPr>
+            <a:picLocks noChangeAspect="1"/>
+          </p:cNvPicPr>
+          <p:nvPr/>
+        </p:nvPicPr>
+        <p:blipFill>
+          <a:blip r:embed="rId2"/>
+          <a:stretch>
+            <a:fillRect/>
+          </a:stretch>
+        </p:blipFill>
+        <p:spPr>
+          <a:xfrm>
+            <a:off x="6018662" y="2643462"/>
+            <a:ext cx="6037693" cy="4010243"/>
+          </a:xfrm>
+          <a:prstGeom prst="rect">
+            <a:avLst/>
+          </a:prstGeom>
+        </p:spPr>
+      </p:pic>
+      <p:sp>
+        <p:nvSpPr>
+          <p:cNvPr id="8" name="Rectangle 7"/>
+          <p:cNvSpPr/>
+          <p:nvPr/>
+        </p:nvSpPr>
+        <p:spPr>
+          <a:xfrm>
+            <a:off x="302735" y="905142"/>
+            <a:ext cx="4461478" cy="369332"/>
+          </a:xfrm>
+          <a:prstGeom prst="rect">
+            <a:avLst/>
+          </a:prstGeom>
+        </p:spPr>
+        <p:txBody>
+          <a:bodyPr wrap="none">
+            <a:spAutoFit/>
+          </a:bodyPr>
+          <a:lstStyle/>
+          <a:p>
+            <a:r>
+              <a:rPr lang="en-IN" b="1" dirty="0"/>
+              <a:t>Loan Status vs. Loan Amount (Box Plot)</a:t>
+            </a:r>
+          </a:p>
+        </p:txBody>
+      </p:sp>
+      <p:sp>
+        <p:nvSpPr>
+          <p:cNvPr id="10" name="Rectangle 9"/>
+          <p:cNvSpPr/>
+          <p:nvPr/>
+        </p:nvSpPr>
+        <p:spPr>
+          <a:xfrm>
+            <a:off x="665773" y="1335475"/>
+            <a:ext cx="10948068" cy="830997"/>
+          </a:xfrm>
+          <a:prstGeom prst="rect">
+            <a:avLst/>
+          </a:prstGeom>
+        </p:spPr>
+        <p:txBody>
+          <a:bodyPr wrap="square">
+            <a:spAutoFit/>
+          </a:bodyPr>
+          <a:lstStyle/>
+          <a:p>
+            <a:r>
+              <a:rPr lang="en-US" sz="1600" dirty="0">
+                <a:latin typeface="Söhne"/>
+              </a:rPr>
+              <a:t># Below </a:t>
+            </a:r>
+            <a:r>
+              <a:rPr lang="en-US" sz="1600" dirty="0"/>
+              <a:t>box plot shows the distribution of loan amounts for each loan status category (e.g., fully paid, charged off, current). It visually represents median, quartiles, and potential outliers for loan amounts associated with each loan status.</a:t>
+            </a:r>
+            <a:endParaRPr lang="en-US" sz="1600" dirty="0">
+              <a:latin typeface="Söhne"/>
+            </a:endParaRPr>
+          </a:p>
+        </p:txBody>
+      </p:sp>
+      <p:sp>
+        <p:nvSpPr>
+          <p:cNvPr id="11" name="Rectangle 10"/>
+          <p:cNvSpPr/>
+          <p:nvPr/>
+        </p:nvSpPr>
+        <p:spPr>
+          <a:xfrm>
+            <a:off x="665773" y="2464717"/>
+            <a:ext cx="5352889" cy="4278094"/>
+          </a:xfrm>
+          <a:prstGeom prst="rect">
+            <a:avLst/>
+          </a:prstGeom>
+        </p:spPr>
+        <p:txBody>
+          <a:bodyPr wrap="square">
+            <a:spAutoFit/>
+          </a:bodyPr>
+          <a:lstStyle/>
+          <a:p>
+            <a:r>
+              <a:rPr lang="en-US" sz="1600" b="1" dirty="0">
+                <a:latin typeface="Söhne"/>
+              </a:rPr>
+              <a:t>Business Implications:-</a:t>
+            </a:r>
+          </a:p>
+          <a:p>
+            <a:r>
+              <a:rPr lang="en-US" sz="1600" dirty="0"/>
+              <a:t># </a:t>
+            </a:r>
+            <a:r>
+              <a:rPr lang="en-US" sz="1600" b="1" dirty="0"/>
+              <a:t>Risk Assessment</a:t>
+            </a:r>
+            <a:r>
+              <a:rPr lang="en-US" sz="1600" dirty="0"/>
+              <a:t> </a:t>
+            </a:r>
+            <a:r>
+              <a:rPr lang="en-US" sz="1600" dirty="0">
+                <a:sym typeface="Wingdings" panose="05000000000000000000" pitchFamily="2" charset="2"/>
+              </a:rPr>
+              <a:t> Charged Off having higher box plot indicates higher median compared to fully paid loans, suggests that higher loan amounts might be associated with increased default risk</a:t>
+            </a:r>
+          </a:p>
+          <a:p>
+            <a:endParaRPr lang="en-US" sz="1600" dirty="0">
+              <a:sym typeface="Wingdings" panose="05000000000000000000" pitchFamily="2" charset="2"/>
+            </a:endParaRPr>
+          </a:p>
+          <a:p>
+            <a:r>
+              <a:rPr lang="en-US" sz="1600" dirty="0">
+                <a:sym typeface="Wingdings" panose="05000000000000000000" pitchFamily="2" charset="2"/>
+              </a:rPr>
+              <a:t># </a:t>
+            </a:r>
+            <a:r>
+              <a:rPr lang="en-US" sz="1600" b="1" dirty="0">
+                <a:sym typeface="Wingdings" panose="05000000000000000000" pitchFamily="2" charset="2"/>
+              </a:rPr>
+              <a:t>Loan Amount thresholds</a:t>
+            </a:r>
+            <a:r>
+              <a:rPr lang="en-US" sz="1600" dirty="0">
+                <a:sym typeface="Wingdings" panose="05000000000000000000" pitchFamily="2" charset="2"/>
+              </a:rPr>
+              <a:t>  example as Current between loan amounts ~$12000 and ~$24000. Lenders adjust approval criteria based on thresholds</a:t>
+            </a:r>
+          </a:p>
+          <a:p>
+            <a:endParaRPr lang="en-US" sz="1600" dirty="0">
+              <a:sym typeface="Wingdings" panose="05000000000000000000" pitchFamily="2" charset="2"/>
+            </a:endParaRPr>
+          </a:p>
+          <a:p>
+            <a:r>
+              <a:rPr lang="en-US" sz="1600" dirty="0">
+                <a:sym typeface="Wingdings" panose="05000000000000000000" pitchFamily="2" charset="2"/>
+              </a:rPr>
+              <a:t># </a:t>
+            </a:r>
+            <a:r>
+              <a:rPr lang="en-US" sz="1600" b="1" dirty="0">
+                <a:sym typeface="Wingdings" panose="05000000000000000000" pitchFamily="2" charset="2"/>
+              </a:rPr>
+              <a:t>Outliers</a:t>
+            </a:r>
+            <a:r>
+              <a:rPr lang="en-US" sz="1600" dirty="0">
+                <a:sym typeface="Wingdings" panose="05000000000000000000" pitchFamily="2" charset="2"/>
+              </a:rPr>
+              <a:t>  Observed outliers between loan amounts $30000 and $35000. </a:t>
+            </a:r>
+            <a:r>
+              <a:rPr lang="en-US" sz="1600" dirty="0"/>
+              <a:t>Lenders should assess whether these borrowers have the ability to repay such large amounts based on their income, debt-to-income ratio, credit history, and other factors.</a:t>
+            </a:r>
+          </a:p>
+          <a:p>
+            <a:br>
+              <a:rPr lang="en-US" sz="1600" dirty="0"/>
+            </a:br>
+            <a:r>
+              <a:rPr lang="en-US" sz="1600" dirty="0">
+                <a:sym typeface="Wingdings" panose="05000000000000000000" pitchFamily="2" charset="2"/>
+              </a:rPr>
+              <a:t> </a:t>
+            </a:r>
+            <a:endParaRPr lang="en-US" sz="1600" dirty="0"/>
+          </a:p>
+        </p:txBody>
+      </p:sp>
+    </p:spTree>
+    <p:extLst>
+      <p:ext uri="{BB962C8B-B14F-4D97-AF65-F5344CB8AC3E}">
+        <p14:creationId xmlns:p14="http://schemas.microsoft.com/office/powerpoint/2010/main" val="3226095913"/>
+      </p:ext>
+    </p:extLst>
+  </p:cSld>
+  <p:clrMapOvr>
+    <a:masterClrMapping/>
+  </p:clrMapOvr>
+</p:sld>
+</file>
+
+<file path=ppt/slides/slide13.xml><?xml version="1.0" encoding="utf-8"?>
+<p:sld xmlns:a="http://schemas.openxmlformats.org/drawingml/2006/main" xmlns:r="http://schemas.openxmlformats.org/officeDocument/2006/relationships" xmlns:p="http://schemas.openxmlformats.org/presentationml/2006/main">
+  <p:cSld>
+    <p:spTree>
+      <p:nvGrpSpPr>
+        <p:cNvPr id="1" name=""/>
+        <p:cNvGrpSpPr/>
+        <p:nvPr/>
+      </p:nvGrpSpPr>
+      <p:grpSpPr>
+        <a:xfrm>
+          <a:off x="0" y="0"/>
+          <a:ext cx="0" cy="0"/>
+          <a:chOff x="0" y="0"/>
+          <a:chExt cx="0" cy="0"/>
+        </a:xfrm>
+      </p:grpSpPr>
+      <p:sp>
+        <p:nvSpPr>
+          <p:cNvPr id="2" name="Title 1"/>
+          <p:cNvSpPr>
+            <a:spLocks noGrp="1"/>
+          </p:cNvSpPr>
+          <p:nvPr>
+            <p:ph type="title"/>
+          </p:nvPr>
+        </p:nvSpPr>
+        <p:spPr>
+          <a:xfrm>
+            <a:off x="168439" y="193410"/>
+            <a:ext cx="9404723" cy="843820"/>
+          </a:xfrm>
+        </p:spPr>
+        <p:txBody>
+          <a:bodyPr/>
+          <a:lstStyle/>
+          <a:p>
+            <a:r>
+              <a:rPr lang="en-IN" dirty="0"/>
+              <a:t>Bivariate Analysis – Insights (#3)</a:t>
+            </a:r>
+          </a:p>
+        </p:txBody>
+      </p:sp>
+      <p:sp>
+        <p:nvSpPr>
+          <p:cNvPr id="8" name="Rectangle 7"/>
+          <p:cNvSpPr/>
+          <p:nvPr/>
+        </p:nvSpPr>
+        <p:spPr>
+          <a:xfrm>
+            <a:off x="302735" y="905142"/>
+            <a:ext cx="4586512" cy="369332"/>
+          </a:xfrm>
+          <a:prstGeom prst="rect">
+            <a:avLst/>
+          </a:prstGeom>
+        </p:spPr>
+        <p:txBody>
+          <a:bodyPr wrap="none">
+            <a:spAutoFit/>
+          </a:bodyPr>
+          <a:lstStyle/>
+          <a:p>
+            <a:r>
+              <a:rPr lang="en-IN" b="1" dirty="0"/>
+              <a:t>Interest Rate vs. Loan Amount (Box Plot)</a:t>
+            </a:r>
+          </a:p>
+        </p:txBody>
+      </p:sp>
+      <p:sp>
+        <p:nvSpPr>
+          <p:cNvPr id="10" name="Rectangle 9"/>
+          <p:cNvSpPr/>
+          <p:nvPr/>
+        </p:nvSpPr>
+        <p:spPr>
+          <a:xfrm>
+            <a:off x="665773" y="1335475"/>
+            <a:ext cx="10948068" cy="584775"/>
+          </a:xfrm>
+          <a:prstGeom prst="rect">
+            <a:avLst/>
+          </a:prstGeom>
+        </p:spPr>
+        <p:txBody>
+          <a:bodyPr wrap="square">
+            <a:spAutoFit/>
+          </a:bodyPr>
+          <a:lstStyle/>
+          <a:p>
+            <a:r>
+              <a:rPr lang="en-US" sz="1600" dirty="0">
+                <a:latin typeface="Söhne"/>
+              </a:rPr>
+              <a:t># Below represented in the X-axis is the loan amount requested by borrowers. Each point position along the x-axis is size of loan. </a:t>
+            </a:r>
+          </a:p>
+          <a:p>
+            <a:r>
+              <a:rPr lang="en-US" sz="1600" dirty="0">
+                <a:latin typeface="Söhne"/>
+              </a:rPr>
+              <a:t># And in Y-axis, represents the interest rate.</a:t>
+            </a:r>
+          </a:p>
+        </p:txBody>
+      </p:sp>
+      <p:sp>
+        <p:nvSpPr>
+          <p:cNvPr id="11" name="Rectangle 10"/>
+          <p:cNvSpPr/>
+          <p:nvPr/>
+        </p:nvSpPr>
+        <p:spPr>
+          <a:xfrm>
+            <a:off x="302735" y="3290217"/>
+            <a:ext cx="4763477" cy="2554545"/>
+          </a:xfrm>
+          <a:prstGeom prst="rect">
+            <a:avLst/>
+          </a:prstGeom>
+        </p:spPr>
+        <p:txBody>
+          <a:bodyPr wrap="square">
+            <a:spAutoFit/>
+          </a:bodyPr>
+          <a:lstStyle/>
+          <a:p>
+            <a:r>
+              <a:rPr lang="en-US" sz="1600" b="1" dirty="0">
+                <a:latin typeface="Söhne"/>
+              </a:rPr>
+              <a:t>Business Implications:-</a:t>
+            </a:r>
+          </a:p>
+          <a:p>
+            <a:r>
+              <a:rPr lang="en-US" sz="1600" dirty="0"/>
+              <a:t>#Risk Assessment </a:t>
+            </a:r>
+            <a:r>
+              <a:rPr lang="en-US" sz="1600" dirty="0">
+                <a:sym typeface="Wingdings" panose="05000000000000000000" pitchFamily="2" charset="2"/>
+              </a:rPr>
+              <a:t> </a:t>
+            </a:r>
+            <a:r>
+              <a:rPr lang="en-US" sz="1600" b="1" dirty="0"/>
+              <a:t>High Loan Amounts with Interest Rate </a:t>
+            </a:r>
+            <a:r>
+              <a:rPr lang="en-US" sz="1600" b="1" dirty="0">
+                <a:sym typeface="Wingdings" panose="05000000000000000000" pitchFamily="2" charset="2"/>
+              </a:rPr>
+              <a:t> </a:t>
+            </a:r>
+            <a:r>
+              <a:rPr lang="en-US" sz="1600" dirty="0"/>
+              <a:t>Points clustered at high loan amounts and interest rates may indicate borrowers with potential default risk.</a:t>
+            </a:r>
+          </a:p>
+          <a:p>
+            <a:br>
+              <a:rPr lang="en-US" sz="1600" dirty="0"/>
+            </a:br>
+            <a:r>
+              <a:rPr lang="en-US" sz="1600" dirty="0"/>
+              <a:t>The scatter plot – indicates that the highest interest rate is ~25 &amp; till amounts ($35000) </a:t>
+            </a:r>
+          </a:p>
+          <a:p>
+            <a:r>
+              <a:rPr lang="en-US" sz="1600" dirty="0"/>
+              <a:t>If the interest rate is 12.5% and above there is more chance that the loan will default</a:t>
+            </a:r>
+          </a:p>
+        </p:txBody>
+      </p:sp>
+      <p:pic>
+        <p:nvPicPr>
+          <p:cNvPr id="4" name="Picture 3">
+            <a:extLst>
+              <a:ext uri="{FF2B5EF4-FFF2-40B4-BE49-F238E27FC236}">
+                <a16:creationId xmlns:a16="http://schemas.microsoft.com/office/drawing/2014/main" id="{74D93C9E-5FFF-49A9-A266-3096BE69906D}"/>
+              </a:ext>
+            </a:extLst>
+          </p:cNvPr>
+          <p:cNvPicPr>
+            <a:picLocks noChangeAspect="1"/>
+          </p:cNvPicPr>
+          <p:nvPr/>
+        </p:nvPicPr>
+        <p:blipFill>
+          <a:blip r:embed="rId2">
+            <a:extLst>
+              <a:ext uri="{28A0092B-C50C-407E-A947-70E740481C1C}">
+                <a14:useLocalDpi xmlns:a14="http://schemas.microsoft.com/office/drawing/2010/main" val="0"/>
+              </a:ext>
+            </a:extLst>
+          </a:blip>
+          <a:stretch>
+            <a:fillRect/>
+          </a:stretch>
+        </p:blipFill>
+        <p:spPr>
+          <a:xfrm>
+            <a:off x="4870800" y="2619375"/>
+            <a:ext cx="7802343" cy="4059245"/>
+          </a:xfrm>
+          <a:prstGeom prst="rect">
+            <a:avLst/>
+          </a:prstGeom>
+        </p:spPr>
+      </p:pic>
+    </p:spTree>
+    <p:extLst>
+      <p:ext uri="{BB962C8B-B14F-4D97-AF65-F5344CB8AC3E}">
+        <p14:creationId xmlns:p14="http://schemas.microsoft.com/office/powerpoint/2010/main" val="3408897052"/>
+      </p:ext>
+    </p:extLst>
+  </p:cSld>
+  <p:clrMapOvr>
+    <a:masterClrMapping/>
+  </p:clrMapOvr>
+</p:sld>
+</file>
+
+<file path=ppt/slides/slide14.xml><?xml version="1.0" encoding="utf-8"?>
+<p:sld xmlns:a="http://schemas.openxmlformats.org/drawingml/2006/main" xmlns:r="http://schemas.openxmlformats.org/officeDocument/2006/relationships" xmlns:p="http://schemas.openxmlformats.org/presentationml/2006/main">
+  <p:cSld>
+    <p:spTree>
+      <p:nvGrpSpPr>
+        <p:cNvPr id="1" name=""/>
+        <p:cNvGrpSpPr/>
+        <p:nvPr/>
+      </p:nvGrpSpPr>
+      <p:grpSpPr>
+        <a:xfrm>
+          <a:off x="0" y="0"/>
+          <a:ext cx="0" cy="0"/>
+          <a:chOff x="0" y="0"/>
+          <a:chExt cx="0" cy="0"/>
+        </a:xfrm>
+      </p:grpSpPr>
+      <p:sp>
+        <p:nvSpPr>
+          <p:cNvPr id="2" name="Title 1"/>
+          <p:cNvSpPr>
+            <a:spLocks noGrp="1"/>
+          </p:cNvSpPr>
+          <p:nvPr>
+            <p:ph type="title"/>
+          </p:nvPr>
+        </p:nvSpPr>
+        <p:spPr/>
+        <p:txBody>
+          <a:bodyPr/>
+          <a:lstStyle/>
+          <a:p>
+            <a:r>
+              <a:rPr lang="en-IN" dirty="0"/>
+              <a:t>Multivariate Analysis - Insights</a:t>
+            </a:r>
           </a:p>
         </p:txBody>
       </p:sp>
@@ -7037,13 +7623,6 @@
   <p:clrMapOvr>
     <a:masterClrMapping/>
   </p:clrMapOvr>
-  <p:timing>
-    <p:tnLst>
-      <p:par>
-        <p:cTn id="1" dur="indefinite" restart="never" nodeType="tmRoot"/>
-      </p:par>
-    </p:tnLst>
-  </p:timing>
 </p:sld>
 </file>
 
@@ -7223,7 +7802,7 @@
           </a:lstStyle>
           <a:p>
             <a:r>
-              <a:rPr lang="en-US" dirty="0" smtClean="0"/>
+              <a:rPr lang="en-US" dirty="0"/>
               <a:t>Analysis approach</a:t>
             </a:r>
             <a:endParaRPr lang="en-IN" dirty="0"/>
@@ -7480,31 +8059,31 @@
           </a:lstStyle>
           <a:p>
             <a:r>
-              <a:rPr lang="en-US" b="1" dirty="0" smtClean="0"/>
+              <a:rPr lang="en-US" b="1" dirty="0"/>
               <a:t>Data Understanding and Preprocessing:</a:t>
             </a:r>
             <a:r>
-              <a:rPr lang="en-US" dirty="0" smtClean="0"/>
+              <a:rPr lang="en-US" dirty="0"/>
               <a:t> Load and clean the loan dataset.</a:t>
             </a:r>
           </a:p>
           <a:p>
             <a:r>
-              <a:rPr lang="en-US" b="1" dirty="0" smtClean="0"/>
+              <a:rPr lang="en-US" b="1" dirty="0"/>
               <a:t>Exploratory Data Analysis (EDA):</a:t>
             </a:r>
             <a:r>
-              <a:rPr lang="en-US" dirty="0" smtClean="0"/>
+              <a:rPr lang="en-US" dirty="0"/>
               <a:t> Perform univariate, bivariate, and multivariate analyses.</a:t>
             </a:r>
           </a:p>
           <a:p>
             <a:r>
-              <a:rPr lang="en-US" b="1" dirty="0" smtClean="0"/>
+              <a:rPr lang="en-US" b="1" dirty="0"/>
               <a:t>Feature Selection and Engineering:</a:t>
             </a:r>
             <a:r>
-              <a:rPr lang="en-US" dirty="0" smtClean="0"/>
+              <a:rPr lang="en-US" dirty="0"/>
               <a:t> Identify key variables influencing loan default.</a:t>
             </a:r>
           </a:p>
@@ -7523,13 +8102,6 @@
   <p:clrMapOvr>
     <a:masterClrMapping/>
   </p:clrMapOvr>
-  <p:timing>
-    <p:tnLst>
-      <p:par>
-        <p:cTn id="1" dur="indefinite" restart="never" nodeType="tmRoot"/>
-      </p:par>
-    </p:tnLst>
-  </p:timing>
 </p:sld>
 </file>
 
@@ -7605,14 +8177,9 @@
               <a:buNone/>
             </a:pPr>
             <a:r>
-              <a:rPr lang="en-US" dirty="0" smtClean="0"/>
-              <a:t>	Loading </a:t>
-            </a:r>
-            <a:r>
-              <a:rPr lang="en-US" dirty="0"/>
-              <a:t>Dataset (read_csv): </a:t>
-            </a:r>
-            <a:endParaRPr lang="en-US" dirty="0" smtClean="0"/>
+              <a:rPr lang="en-US" dirty="0"/>
+              <a:t>	Loading Dataset (read_csv): </a:t>
+            </a:r>
           </a:p>
           <a:p>
             <a:pPr marL="0" indent="0">
@@ -7620,11 +8187,7 @@
             </a:pPr>
             <a:r>
               <a:rPr lang="en-US" dirty="0"/>
-              <a:t>	</a:t>
-            </a:r>
-            <a:r>
-              <a:rPr lang="en-US" dirty="0" smtClean="0"/>
-              <a:t>Use </a:t>
+              <a:t>	Use </a:t>
             </a:r>
             <a:r>
               <a:rPr lang="en-US" b="1" dirty="0"/>
@@ -7632,11 +8195,7 @@
             </a:r>
             <a:r>
               <a:rPr lang="en-US" dirty="0"/>
-              <a:t> to load a loan dataset from a CSV file into a DataFrame</a:t>
-            </a:r>
-            <a:r>
-              <a:rPr lang="en-US" dirty="0" smtClean="0"/>
-              <a:t>.</a:t>
+              <a:t> to load a loan dataset from a CSV file into a DataFrame.</a:t>
             </a:r>
           </a:p>
           <a:p>
@@ -7647,7 +8206,6 @@
               <a:rPr lang="en-US" dirty="0"/>
               <a:t> </a:t>
             </a:r>
-            <a:endParaRPr lang="en-US" dirty="0" smtClean="0"/>
           </a:p>
           <a:p>
             <a:pPr marL="0" indent="0">
@@ -7668,7 +8226,7 @@
               <a:t> </a:t>
             </a:r>
             <a:r>
-              <a:rPr lang="en-US" b="1" dirty="0" smtClean="0">
+              <a:rPr lang="en-US" b="1" dirty="0">
                 <a:sym typeface="Wingdings" panose="05000000000000000000" pitchFamily="2" charset="2"/>
               </a:rPr>
               <a:t>Total 111 columns (snapshot below and more details refer python file)</a:t>
@@ -7680,14 +8238,9 @@
               <a:buNone/>
             </a:pPr>
             <a:r>
-              <a:rPr lang="en-US" dirty="0" smtClean="0"/>
-              <a:t> # </a:t>
-            </a:r>
-            <a:r>
-              <a:rPr lang="en-US" dirty="0"/>
-              <a:t>Display the first few rows of the dataset to understand its structure</a:t>
-            </a:r>
-            <a:endParaRPr lang="en-US" dirty="0"/>
+              <a:rPr lang="en-US" dirty="0"/>
+              <a:t> # Display the first few rows of the dataset to understand its structure</a:t>
+            </a:r>
           </a:p>
           <a:p>
             <a:pPr marL="0" indent="0">
@@ -7731,13 +8284,6 @@
   <p:clrMapOvr>
     <a:masterClrMapping/>
   </p:clrMapOvr>
-  <p:timing>
-    <p:tnLst>
-      <p:par>
-        <p:cTn id="1" dur="indefinite" restart="never" nodeType="tmRoot"/>
-      </p:par>
-    </p:tnLst>
-  </p:timing>
 </p:sld>
 </file>
 
@@ -7821,14 +8367,14 @@
             <a:pPr marL="0" indent="0">
               <a:buNone/>
             </a:pPr>
-            <a:endParaRPr lang="en-US" dirty="0" smtClean="0"/>
+            <a:endParaRPr lang="en-US" dirty="0"/>
           </a:p>
           <a:p>
             <a:pPr marL="0" indent="0">
               <a:buNone/>
             </a:pPr>
             <a:r>
-              <a:rPr lang="en-US" dirty="0" smtClean="0"/>
+              <a:rPr lang="en-US" dirty="0"/>
               <a:t># </a:t>
             </a:r>
             <a:r>
@@ -7879,13 +8425,8 @@
             </a:r>
             <a:r>
               <a:rPr lang="en-US" dirty="0"/>
-              <a:t>(): Counts missing values in each column</a:t>
-            </a:r>
-            <a:r>
-              <a:rPr lang="en-US" dirty="0" smtClean="0"/>
-              <a:t>.</a:t>
-            </a:r>
-            <a:endParaRPr lang="en-US" dirty="0"/>
+              <a:t>(): Counts missing values in each column.</a:t>
+            </a:r>
           </a:p>
           <a:p>
             <a:pPr marL="0" indent="0">
@@ -7905,13 +8446,6 @@
   <p:clrMapOvr>
     <a:masterClrMapping/>
   </p:clrMapOvr>
-  <p:timing>
-    <p:tnLst>
-      <p:par>
-        <p:cTn id="1" dur="indefinite" restart="never" nodeType="tmRoot"/>
-      </p:par>
-    </p:tnLst>
-  </p:timing>
 </p:sld>
 </file>
 
@@ -7954,11 +8488,7 @@
           <a:p>
             <a:r>
               <a:rPr lang="en-US" dirty="0"/>
-              <a:t>Data </a:t>
-            </a:r>
-            <a:r>
-              <a:rPr lang="en-US" dirty="0" smtClean="0"/>
-              <a:t>understanding – Insights</a:t>
+              <a:t>Data understanding – Insights</a:t>
             </a:r>
             <a:endParaRPr lang="en-IN" b="1" dirty="0"/>
           </a:p>
@@ -8013,55 +8543,23 @@
               <a:buFont typeface="+mj-lt"/>
               <a:buAutoNum type="arabicPeriod"/>
             </a:pPr>
-            <a:endParaRPr lang="en-US" dirty="0" smtClean="0">
+            <a:endParaRPr lang="en-US" dirty="0">
               <a:latin typeface="Söhne"/>
             </a:endParaRPr>
           </a:p>
           <a:p>
             <a:pPr lvl="1"/>
             <a:r>
-              <a:rPr lang="en-US" b="1" dirty="0" smtClean="0">
+              <a:rPr lang="en-US" b="1" dirty="0">
                 <a:latin typeface="Söhne"/>
               </a:rPr>
               <a:t>Business Implication</a:t>
             </a:r>
             <a:r>
-              <a:rPr lang="en-US" dirty="0" smtClean="0">
+              <a:rPr lang="en-US" dirty="0">
                 <a:latin typeface="Söhne"/>
               </a:rPr>
               <a:t>: A high percentage of fully paid(82%) loans indicates that a majority of borrowers have successfully met their repayment obligations. This can be a positive indicator of borrower creditworthiness and loan performance within the portfolio.</a:t>
-            </a:r>
-          </a:p>
-          <a:p>
-            <a:pPr lvl="1"/>
-            <a:endParaRPr lang="en-US" dirty="0" smtClean="0">
-              <a:latin typeface="Söhne"/>
-            </a:endParaRPr>
-          </a:p>
-          <a:p>
-            <a:pPr lvl="1"/>
-            <a:r>
-              <a:rPr lang="en-US" b="1" dirty="0"/>
-              <a:t>Portfolio Performance</a:t>
-            </a:r>
-            <a:r>
-              <a:rPr lang="en-US" dirty="0"/>
-              <a:t>:</a:t>
-            </a:r>
-          </a:p>
-          <a:p>
-            <a:pPr lvl="1"/>
-            <a:r>
-              <a:rPr lang="en-US" dirty="0">
-                <a:latin typeface="Söhne"/>
-              </a:rPr>
-              <a:t>Monitoring and managing the charged off(14%) loans is crucial for optimizing portfolio performance and minimizing financial losses</a:t>
-            </a:r>
-            <a:r>
-              <a:rPr lang="en-US" dirty="0" smtClean="0">
-                <a:latin typeface="Söhne"/>
-              </a:rPr>
-              <a:t>.</a:t>
             </a:r>
           </a:p>
           <a:p>
@@ -8073,12 +8571,34 @@
           <a:p>
             <a:pPr lvl="1"/>
             <a:r>
+              <a:rPr lang="en-US" b="1" dirty="0"/>
+              <a:t>Portfolio Performance</a:t>
+            </a:r>
+            <a:r>
+              <a:rPr lang="en-US" dirty="0"/>
+              <a:t>:</a:t>
+            </a:r>
+          </a:p>
+          <a:p>
+            <a:pPr lvl="1"/>
+            <a:r>
+              <a:rPr lang="en-US" dirty="0">
+                <a:latin typeface="Söhne"/>
+              </a:rPr>
+              <a:t>Monitoring and managing the charged off(14%) loans is crucial for optimizing portfolio performance and minimizing financial losses.</a:t>
+            </a:r>
+          </a:p>
+          <a:p>
+            <a:pPr lvl="1"/>
+            <a:endParaRPr lang="en-US" dirty="0">
+              <a:latin typeface="Söhne"/>
+            </a:endParaRPr>
+          </a:p>
+          <a:p>
+            <a:pPr lvl="1"/>
+            <a:r>
               <a:rPr lang="en-IN" b="1" dirty="0"/>
-              <a:t>Lending </a:t>
-            </a:r>
-            <a:r>
-              <a:rPr lang="en-IN" b="1" dirty="0" smtClean="0"/>
-              <a:t>Strategy:</a:t>
+              <a:t>Lending Strategy:</a:t>
             </a:r>
           </a:p>
           <a:p>
@@ -8123,16 +8643,10 @@
               <a:t>The </a:t>
             </a:r>
             <a:r>
-              <a:rPr lang="en-US" b="1" dirty="0" smtClean="0">
-                <a:latin typeface="Söhne"/>
-              </a:rPr>
-              <a:t>loan </a:t>
-            </a:r>
-            <a:r>
               <a:rPr lang="en-US" b="1" dirty="0">
                 <a:latin typeface="Söhne"/>
               </a:rPr>
-              <a:t>default</a:t>
+              <a:t>loan default</a:t>
             </a:r>
             <a:r>
               <a:rPr lang="en-US" dirty="0">
@@ -8154,13 +8668,6 @@
   <p:clrMapOvr>
     <a:masterClrMapping/>
   </p:clrMapOvr>
-  <p:timing>
-    <p:tnLst>
-      <p:par>
-        <p:cTn id="1" dur="indefinite" restart="never" nodeType="tmRoot"/>
-      </p:par>
-    </p:tnLst>
-  </p:timing>
 </p:sld>
 </file>
 
@@ -8203,11 +8710,7 @@
           <a:p>
             <a:r>
               <a:rPr lang="en-US" dirty="0"/>
-              <a:t>Data </a:t>
-            </a:r>
-            <a:r>
-              <a:rPr lang="en-US" dirty="0" smtClean="0"/>
-              <a:t>understanding – Insights</a:t>
+              <a:t>Data understanding – Insights</a:t>
             </a:r>
             <a:endParaRPr lang="en-IN" b="1" dirty="0"/>
           </a:p>
@@ -8305,20 +8808,20 @@
               <a:buFont typeface="+mj-lt"/>
               <a:buAutoNum type="arabicPeriod"/>
             </a:pPr>
-            <a:endParaRPr lang="en-US" dirty="0" smtClean="0">
+            <a:endParaRPr lang="en-US" dirty="0">
               <a:latin typeface="Söhne"/>
             </a:endParaRPr>
           </a:p>
           <a:p>
             <a:pPr lvl="1"/>
             <a:r>
-              <a:rPr lang="en-US" b="1" dirty="0" smtClean="0">
+              <a:rPr lang="en-US" b="1" dirty="0">
                 <a:latin typeface="Söhne"/>
               </a:rPr>
               <a:t>Business Implication</a:t>
             </a:r>
             <a:r>
-              <a:rPr lang="en-US" dirty="0" smtClean="0">
+              <a:rPr lang="en-US" dirty="0">
                 <a:latin typeface="Söhne"/>
               </a:rPr>
               <a:t>: </a:t>
@@ -8329,7 +8832,7 @@
               <a:buAutoNum type="arabicPeriod"/>
             </a:pPr>
             <a:r>
-              <a:rPr lang="en-US" dirty="0" smtClean="0">
+              <a:rPr lang="en-US" dirty="0">
                 <a:latin typeface="Söhne"/>
               </a:rPr>
               <a:t>Lower mean (13%) indicates – on average borrowers are managing their debt obligations within a reasonable portion of their income</a:t>
@@ -8340,31 +8843,31 @@
               <a:buAutoNum type="arabicPeriod"/>
             </a:pPr>
             <a:r>
-              <a:rPr lang="en-US" dirty="0" smtClean="0">
+              <a:rPr lang="en-US" dirty="0">
                 <a:latin typeface="Söhne"/>
               </a:rPr>
               <a:t>Borrowers in 75</a:t>
             </a:r>
             <a:r>
-              <a:rPr lang="en-US" baseline="30000" dirty="0" smtClean="0">
+              <a:rPr lang="en-US" baseline="30000" dirty="0">
                 <a:latin typeface="Söhne"/>
               </a:rPr>
               <a:t>th</a:t>
             </a:r>
             <a:r>
-              <a:rPr lang="en-US" dirty="0" smtClean="0">
+              <a:rPr lang="en-US" dirty="0">
                 <a:latin typeface="Söhne"/>
               </a:rPr>
               <a:t> percentile may have a higher risk of financial strain compared to those in 25</a:t>
             </a:r>
             <a:r>
-              <a:rPr lang="en-US" baseline="30000" dirty="0" smtClean="0">
+              <a:rPr lang="en-US" baseline="30000" dirty="0">
                 <a:latin typeface="Söhne"/>
               </a:rPr>
               <a:t>th</a:t>
             </a:r>
             <a:r>
-              <a:rPr lang="en-US" dirty="0" smtClean="0">
+              <a:rPr lang="en-US" dirty="0">
                 <a:latin typeface="Söhne"/>
               </a:rPr>
               <a:t> percentile </a:t>
@@ -8372,7 +8875,7 @@
           </a:p>
           <a:p>
             <a:pPr lvl="1"/>
-            <a:endParaRPr lang="en-US" dirty="0" smtClean="0">
+            <a:endParaRPr lang="en-US" dirty="0">
               <a:latin typeface="Söhne"/>
             </a:endParaRPr>
           </a:p>
@@ -8391,40 +8894,31 @@
             <a:pPr lvl="1"/>
             <a:r>
               <a:rPr lang="en-US" dirty="0"/>
-              <a:t>Higher mean and maximum DTI ratios may indicate increased risk of default among borrowers with elevated debt levels relative to their </a:t>
-            </a:r>
-            <a:r>
-              <a:rPr lang="en-US" dirty="0" smtClean="0"/>
-              <a:t>income</a:t>
+              <a:t>Higher mean and maximum DTI ratios may indicate increased risk of default among borrowers with elevated debt levels relative to their income</a:t>
             </a:r>
           </a:p>
           <a:p>
             <a:pPr lvl="1"/>
-            <a:endParaRPr lang="en-US" dirty="0" smtClean="0">
+            <a:endParaRPr lang="en-US" dirty="0">
               <a:latin typeface="Söhne"/>
             </a:endParaRPr>
           </a:p>
           <a:p>
             <a:pPr lvl="1"/>
             <a:r>
-              <a:rPr lang="en-US" b="1" dirty="0" smtClean="0"/>
+              <a:rPr lang="en-US" b="1" dirty="0"/>
               <a:t>Lending Strategy</a:t>
             </a:r>
             <a:r>
-              <a:rPr lang="en-US" dirty="0" smtClean="0"/>
+              <a:rPr lang="en-US" dirty="0"/>
               <a:t>:</a:t>
             </a:r>
-            <a:endParaRPr lang="en-US" dirty="0"/>
           </a:p>
           <a:p>
             <a:pPr lvl="1"/>
             <a:r>
               <a:rPr lang="en-US" dirty="0"/>
-              <a:t>Identifying borrowers with excessively high DTI ratios can help lenders proactively address potential default risks and implement appropriate risk mitigation </a:t>
-            </a:r>
-            <a:r>
-              <a:rPr lang="en-US" dirty="0" smtClean="0"/>
-              <a:t>measures</a:t>
+              <a:t>Identifying borrowers with excessively high DTI ratios can help lenders proactively address potential default risks and implement appropriate risk mitigation measures</a:t>
             </a:r>
           </a:p>
           <a:p>
@@ -8447,13 +8941,6 @@
   <p:clrMapOvr>
     <a:masterClrMapping/>
   </p:clrMapOvr>
-  <p:timing>
-    <p:tnLst>
-      <p:par>
-        <p:cTn id="1" dur="indefinite" restart="never" nodeType="tmRoot"/>
-      </p:par>
-    </p:tnLst>
-  </p:timing>
 </p:sld>
 </file>
 
@@ -8633,7 +9120,7 @@
           </a:lstStyle>
           <a:p>
             <a:r>
-              <a:rPr lang="en-IN" sz="1800" b="1" dirty="0" smtClean="0">
+              <a:rPr lang="en-IN" sz="1800" b="1" dirty="0">
                 <a:solidFill>
                   <a:schemeClr val="bg1"/>
                 </a:solidFill>
@@ -8652,7 +9139,7 @@
             </a:r>
           </a:p>
           <a:p>
-            <a:endParaRPr lang="en-US" sz="1800" b="1" dirty="0" smtClean="0">
+            <a:endParaRPr lang="en-US" sz="1800" b="1" dirty="0">
               <a:solidFill>
                 <a:schemeClr val="bg1"/>
               </a:solidFill>
@@ -8660,36 +9147,20 @@
           </a:p>
           <a:p>
             <a:r>
-              <a:rPr lang="en-US" sz="1800" b="1" dirty="0" smtClean="0">
+              <a:rPr lang="en-US" sz="1800" b="1" dirty="0">
                 <a:solidFill>
                   <a:schemeClr val="bg1"/>
                 </a:solidFill>
               </a:rPr>
-              <a:t>Univariate </a:t>
-            </a:r>
-            <a:r>
-              <a:rPr lang="en-US" sz="1800" b="1" dirty="0">
+              <a:t>Univariate Analysis (histplot, countplot): </a:t>
+            </a:r>
+            <a:r>
+              <a:rPr lang="en-US" sz="1800" dirty="0">
                 <a:solidFill>
                   <a:schemeClr val="bg1"/>
                 </a:solidFill>
               </a:rPr>
-              <a:t>Analysis (histplot, countplot): </a:t>
-            </a:r>
-            <a:r>
-              <a:rPr lang="en-US" sz="1800" dirty="0">
-                <a:solidFill>
-                  <a:schemeClr val="bg1"/>
-                </a:solidFill>
-              </a:rPr>
-              <a:t>Visualizes the distribution of individual variables using histograms for numerical variables and bar charts for categorical variables</a:t>
-            </a:r>
-            <a:r>
-              <a:rPr lang="en-US" sz="1800" dirty="0" smtClean="0">
-                <a:solidFill>
-                  <a:schemeClr val="bg1"/>
-                </a:solidFill>
-              </a:rPr>
-              <a:t>.</a:t>
+              <a:t>Visualizes the distribution of individual variables using histograms for numerical variables and bar charts for categorical variables.</a:t>
             </a:r>
             <a:endParaRPr lang="en-IN" sz="1800" dirty="0">
               <a:solidFill>
@@ -8810,15 +9281,7 @@
                   <a:schemeClr val="bg1"/>
                 </a:solidFill>
               </a:rPr>
-              <a:t>B</a:t>
-            </a:r>
-            <a:r>
-              <a:rPr lang="en-IN" sz="1800" b="1" dirty="0" smtClean="0">
-                <a:solidFill>
-                  <a:schemeClr val="bg1"/>
-                </a:solidFill>
-              </a:rPr>
-              <a:t>ivariate Analysis</a:t>
+              <a:t>Bivariate Analysis</a:t>
             </a:r>
           </a:p>
           <a:p>
@@ -8832,7 +9295,7 @@
             </a:r>
           </a:p>
           <a:p>
-            <a:endParaRPr lang="en-US" sz="1800" b="1" dirty="0" smtClean="0">
+            <a:endParaRPr lang="en-US" sz="1800" b="1" dirty="0">
               <a:solidFill>
                 <a:schemeClr val="bg1"/>
               </a:solidFill>
@@ -8840,20 +9303,12 @@
           </a:p>
           <a:p>
             <a:r>
-              <a:rPr lang="en-US" sz="1800" b="1" dirty="0" smtClean="0">
+              <a:rPr lang="en-US" sz="1800" b="1" dirty="0">
                 <a:solidFill>
                   <a:schemeClr val="bg1"/>
                 </a:solidFill>
               </a:rPr>
-              <a:t>Bivariate </a:t>
-            </a:r>
-            <a:r>
-              <a:rPr lang="en-US" sz="1800" b="1" dirty="0">
-                <a:solidFill>
-                  <a:schemeClr val="bg1"/>
-                </a:solidFill>
-              </a:rPr>
-              <a:t>Analysis (scatterplot, boxplot): </a:t>
+              <a:t>Bivariate Analysis (scatterplot, boxplot): </a:t>
             </a:r>
             <a:r>
               <a:rPr lang="en-US" sz="1800" dirty="0">
@@ -8863,7 +9318,7 @@
               </a:rPr>
               <a:t>Examines relationships between pairs of variables using scatter plots to show correlation and box plots to compare distributions across categories.</a:t>
             </a:r>
-            <a:endParaRPr lang="en-IN" sz="1800" b="1" dirty="0" smtClean="0">
+            <a:endParaRPr lang="en-IN" sz="1800" b="1" dirty="0">
               <a:solidFill>
                 <a:schemeClr val="bg1"/>
               </a:solidFill>
@@ -8977,7 +9432,7 @@
           </a:lstStyle>
           <a:p>
             <a:r>
-              <a:rPr lang="en-IN" sz="1800" b="1" dirty="0" smtClean="0">
+              <a:rPr lang="en-IN" sz="1800" b="1" dirty="0">
                 <a:solidFill>
                   <a:schemeClr val="bg1"/>
                 </a:solidFill>
@@ -8996,14 +9451,14 @@
             </a:r>
           </a:p>
           <a:p>
-            <a:endParaRPr lang="en-US" sz="1800" b="1" dirty="0" smtClean="0">
+            <a:endParaRPr lang="en-US" sz="1800" b="1" dirty="0">
               <a:solidFill>
                 <a:schemeClr val="bg1"/>
               </a:solidFill>
             </a:endParaRPr>
           </a:p>
           <a:p>
-            <a:endParaRPr lang="en-US" sz="1800" b="1" dirty="0" smtClean="0">
+            <a:endParaRPr lang="en-US" sz="1800" b="1" dirty="0">
               <a:solidFill>
                 <a:schemeClr val="bg1"/>
               </a:solidFill>
@@ -9011,20 +9466,12 @@
           </a:p>
           <a:p>
             <a:r>
-              <a:rPr lang="en-US" sz="1800" b="1" dirty="0" smtClean="0">
+              <a:rPr lang="en-US" sz="1800" b="1" dirty="0">
                 <a:solidFill>
                   <a:schemeClr val="bg1"/>
                 </a:solidFill>
               </a:rPr>
-              <a:t>Multivariate </a:t>
-            </a:r>
-            <a:r>
-              <a:rPr lang="en-US" sz="1800" b="1" dirty="0">
-                <a:solidFill>
-                  <a:schemeClr val="bg1"/>
-                </a:solidFill>
-              </a:rPr>
-              <a:t>Analysis (heatmap):</a:t>
+              <a:t>Multivariate Analysis (heatmap):</a:t>
             </a:r>
             <a:r>
               <a:rPr lang="en-US" sz="1800" dirty="0">
@@ -9059,13 +9506,6 @@
   <p:clrMapOvr>
     <a:masterClrMapping/>
   </p:clrMapOvr>
-  <p:timing>
-    <p:tnLst>
-      <p:par>
-        <p:cTn id="1" dur="indefinite" restart="never" nodeType="tmRoot"/>
-      </p:par>
-    </p:tnLst>
-  </p:timing>
 </p:sld>
 </file>
 
@@ -9108,222 +9548,216 @@
           <a:p>
             <a:r>
               <a:rPr lang="en-IN" dirty="0"/>
-              <a:t>Univariate </a:t>
-            </a:r>
-            <a:r>
-              <a:rPr lang="en-IN" dirty="0" smtClean="0"/>
-              <a:t>Analysis – Insights(#1)</a:t>
-            </a:r>
-            <a:endParaRPr lang="en-IN" dirty="0"/>
+              <a:t>Univariate Analysis – Insights(#1)</a:t>
+            </a:r>
+          </a:p>
+        </p:txBody>
+      </p:sp>
+      <p:sp>
+        <p:nvSpPr>
+          <p:cNvPr id="6" name="Content Placeholder 2"/>
+          <p:cNvSpPr>
+            <a:spLocks noGrp="1"/>
+          </p:cNvSpPr>
+          <p:nvPr>
+            <p:ph idx="1"/>
+          </p:nvPr>
+        </p:nvSpPr>
+        <p:spPr>
+          <a:xfrm>
+            <a:off x="407276" y="908301"/>
+            <a:ext cx="5034573" cy="700264"/>
+          </a:xfrm>
+        </p:spPr>
+        <p:txBody>
+          <a:bodyPr>
+            <a:normAutofit/>
+          </a:bodyPr>
+          <a:lstStyle/>
+          <a:p>
+            <a:pPr marL="0" indent="0">
+              <a:buNone/>
+            </a:pPr>
+            <a:r>
+              <a:rPr lang="en-IN" b="1" dirty="0"/>
+              <a:t>Distribution of Loan Amount (Histogram)</a:t>
+            </a:r>
+          </a:p>
+        </p:txBody>
+      </p:sp>
+      <p:sp>
+        <p:nvSpPr>
+          <p:cNvPr id="10" name="Rectangle 9"/>
+          <p:cNvSpPr/>
+          <p:nvPr/>
+        </p:nvSpPr>
+        <p:spPr>
+          <a:xfrm>
+            <a:off x="556995" y="1285727"/>
+            <a:ext cx="9747065" cy="1077218"/>
+          </a:xfrm>
+          <a:prstGeom prst="rect">
+            <a:avLst/>
+          </a:prstGeom>
+        </p:spPr>
+        <p:txBody>
+          <a:bodyPr wrap="square">
+            <a:spAutoFit/>
+          </a:bodyPr>
+          <a:lstStyle/>
+          <a:p>
+            <a:r>
+              <a:rPr lang="en-US" sz="1600" dirty="0">
+                <a:latin typeface="Söhne"/>
+              </a:rPr>
+              <a:t># Below represents how the loan amounts are distributed across different ranges</a:t>
+            </a:r>
+          </a:p>
+          <a:p>
+            <a:r>
+              <a:rPr lang="en-US" sz="1600" dirty="0">
+                <a:latin typeface="Söhne"/>
+              </a:rPr>
+              <a:t># Most common amount range ($5000)</a:t>
+            </a:r>
+          </a:p>
+          <a:p>
+            <a:r>
+              <a:rPr lang="en-US" sz="1600" dirty="0">
+                <a:latin typeface="Söhne"/>
+              </a:rPr>
+              <a:t># Spread/Diversity of Loan Amounts – between $5000 &amp; $25000</a:t>
+            </a:r>
+          </a:p>
+          <a:p>
+            <a:r>
+              <a:rPr lang="en-US" sz="1600" dirty="0">
+                <a:latin typeface="Söhne"/>
+              </a:rPr>
+              <a:t># Below distribution is left skewed indicates common loan amount preferences ($5000) </a:t>
+            </a:r>
+            <a:endParaRPr lang="en-IN" sz="1600" dirty="0"/>
+          </a:p>
+        </p:txBody>
+      </p:sp>
+      <p:sp>
+        <p:nvSpPr>
+          <p:cNvPr id="11" name="Rectangle 10"/>
+          <p:cNvSpPr/>
+          <p:nvPr/>
+        </p:nvSpPr>
+        <p:spPr>
+          <a:xfrm>
+            <a:off x="556995" y="2802588"/>
+            <a:ext cx="4735133" cy="3785652"/>
+          </a:xfrm>
+          <a:prstGeom prst="rect">
+            <a:avLst/>
+          </a:prstGeom>
+        </p:spPr>
+        <p:txBody>
+          <a:bodyPr wrap="square">
+            <a:spAutoFit/>
+          </a:bodyPr>
+          <a:lstStyle/>
+          <a:p>
+            <a:r>
+              <a:rPr lang="en-US" sz="1600" b="1" dirty="0">
+                <a:latin typeface="Söhne"/>
+              </a:rPr>
+              <a:t>Business Implications:-</a:t>
+            </a:r>
+          </a:p>
+          <a:p>
+            <a:r>
+              <a:rPr lang="en-US" sz="1600" dirty="0"/>
+              <a:t># Understanding Borrower preferences </a:t>
+            </a:r>
+            <a:r>
+              <a:rPr lang="en-US" sz="1600" dirty="0">
+                <a:sym typeface="Wingdings" panose="05000000000000000000" pitchFamily="2" charset="2"/>
+              </a:rPr>
+              <a:t> Distribution of loan amount revealing popular loan sizes preferred by borrowers, which can influence product offerings &amp; Marketing strategies </a:t>
+            </a:r>
+            <a:endParaRPr lang="en-US" sz="1600" dirty="0"/>
+          </a:p>
+          <a:p>
+            <a:r>
+              <a:rPr lang="en-US" sz="1600" dirty="0"/>
+              <a:t># Risk Assessment </a:t>
+            </a:r>
+            <a:r>
+              <a:rPr lang="en-US" sz="1600" dirty="0">
+                <a:sym typeface="Wingdings" panose="05000000000000000000" pitchFamily="2" charset="2"/>
+              </a:rPr>
+              <a:t> Higher concentration in certain range indicate potential credit risk / market demand.</a:t>
+            </a:r>
+            <a:endParaRPr lang="en-US" sz="1600" dirty="0"/>
+          </a:p>
+          <a:p>
+            <a:r>
+              <a:rPr lang="en-US" sz="1600" dirty="0"/>
+              <a:t># Product Strategy </a:t>
+            </a:r>
+            <a:r>
+              <a:rPr lang="en-US" sz="1600" dirty="0">
+                <a:sym typeface="Wingdings" panose="05000000000000000000" pitchFamily="2" charset="2"/>
+              </a:rPr>
+              <a:t> Identifying popular loan sizes can guide product structuring &amp; segmentation</a:t>
+            </a:r>
+            <a:endParaRPr lang="en-US" sz="1600" dirty="0"/>
+          </a:p>
+          <a:p>
+            <a:r>
+              <a:rPr lang="en-US" sz="1600" dirty="0"/>
+              <a:t># Decision Making </a:t>
+            </a:r>
+            <a:r>
+              <a:rPr lang="en-US" sz="1600" dirty="0">
+                <a:sym typeface="Wingdings" panose="05000000000000000000" pitchFamily="2" charset="2"/>
+              </a:rPr>
+              <a:t> All this data helps in loan approval criteria, risk assessment &amp; customer targeting.</a:t>
+            </a:r>
+            <a:endParaRPr lang="en-US" sz="1600" dirty="0"/>
           </a:p>
         </p:txBody>
       </p:sp>
       <p:pic>
         <p:nvPicPr>
-          <p:cNvPr id="5" name="Picture 4"/>
+          <p:cNvPr id="8" name="Picture 7">
+            <a:extLst>
+              <a:ext uri="{FF2B5EF4-FFF2-40B4-BE49-F238E27FC236}">
+                <a16:creationId xmlns:a16="http://schemas.microsoft.com/office/drawing/2014/main" id="{DBFC8D15-078B-4FAE-BBD0-F891701C8F97}"/>
+              </a:ext>
+            </a:extLst>
+          </p:cNvPr>
           <p:cNvPicPr>
             <a:picLocks noChangeAspect="1"/>
           </p:cNvPicPr>
           <p:nvPr/>
         </p:nvPicPr>
         <p:blipFill>
-          <a:blip r:embed="rId2"/>
+          <a:blip r:embed="rId2">
+            <a:extLst>
+              <a:ext uri="{28A0092B-C50C-407E-A947-70E740481C1C}">
+                <a14:useLocalDpi xmlns:a14="http://schemas.microsoft.com/office/drawing/2010/main" val="0"/>
+              </a:ext>
+            </a:extLst>
+          </a:blip>
           <a:stretch>
             <a:fillRect/>
           </a:stretch>
         </p:blipFill>
         <p:spPr>
           <a:xfrm>
-            <a:off x="5441849" y="2802588"/>
-            <a:ext cx="6585964" cy="3953053"/>
+            <a:off x="5441849" y="2362945"/>
+            <a:ext cx="7112101" cy="4389129"/>
           </a:xfrm>
           <a:prstGeom prst="rect">
             <a:avLst/>
           </a:prstGeom>
         </p:spPr>
       </p:pic>
-      <p:sp>
-        <p:nvSpPr>
-          <p:cNvPr id="6" name="Content Placeholder 2"/>
-          <p:cNvSpPr>
-            <a:spLocks noGrp="1"/>
-          </p:cNvSpPr>
-          <p:nvPr>
-            <p:ph idx="1"/>
-          </p:nvPr>
-        </p:nvSpPr>
-        <p:spPr>
-          <a:xfrm>
-            <a:off x="407276" y="908301"/>
-            <a:ext cx="5034573" cy="700264"/>
-          </a:xfrm>
-        </p:spPr>
-        <p:txBody>
-          <a:bodyPr>
-            <a:normAutofit/>
-          </a:bodyPr>
-          <a:lstStyle/>
-          <a:p>
-            <a:pPr marL="0" indent="0">
-              <a:buNone/>
-            </a:pPr>
-            <a:r>
-              <a:rPr lang="en-IN" b="1" dirty="0" smtClean="0"/>
-              <a:t>Distribution of Loan Amount (Histogram)</a:t>
-            </a:r>
-            <a:endParaRPr lang="en-IN" b="1" dirty="0"/>
-          </a:p>
-        </p:txBody>
-      </p:sp>
-      <p:sp>
-        <p:nvSpPr>
-          <p:cNvPr id="10" name="Rectangle 9"/>
-          <p:cNvSpPr/>
-          <p:nvPr/>
-        </p:nvSpPr>
-        <p:spPr>
-          <a:xfrm>
-            <a:off x="556995" y="1285727"/>
-            <a:ext cx="9747065" cy="1077218"/>
-          </a:xfrm>
-          <a:prstGeom prst="rect">
-            <a:avLst/>
-          </a:prstGeom>
-        </p:spPr>
-        <p:txBody>
-          <a:bodyPr wrap="square">
-            <a:spAutoFit/>
-          </a:bodyPr>
-          <a:lstStyle/>
-          <a:p>
-            <a:r>
-              <a:rPr lang="en-US" sz="1600" dirty="0" smtClean="0">
-                <a:latin typeface="Söhne"/>
-              </a:rPr>
-              <a:t># Below represents </a:t>
-            </a:r>
-            <a:r>
-              <a:rPr lang="en-US" sz="1600" dirty="0">
-                <a:latin typeface="Söhne"/>
-              </a:rPr>
-              <a:t>how the loan amounts are distributed across different </a:t>
-            </a:r>
-            <a:r>
-              <a:rPr lang="en-US" sz="1600" dirty="0" smtClean="0">
-                <a:latin typeface="Söhne"/>
-              </a:rPr>
-              <a:t>ranges</a:t>
-            </a:r>
-          </a:p>
-          <a:p>
-            <a:r>
-              <a:rPr lang="en-US" sz="1600" dirty="0" smtClean="0">
-                <a:latin typeface="Söhne"/>
-              </a:rPr>
-              <a:t># Most common amount range ($5000)</a:t>
-            </a:r>
-          </a:p>
-          <a:p>
-            <a:r>
-              <a:rPr lang="en-US" sz="1600" dirty="0" smtClean="0">
-                <a:latin typeface="Söhne"/>
-              </a:rPr>
-              <a:t># Spread/Diversity of Loan Amounts – between $5000 &amp; $25000</a:t>
-            </a:r>
-          </a:p>
-          <a:p>
-            <a:r>
-              <a:rPr lang="en-US" sz="1600" dirty="0" smtClean="0">
-                <a:latin typeface="Söhne"/>
-              </a:rPr>
-              <a:t># Below distribution is left skewed indicates common loan amount preferences ($5000) </a:t>
-            </a:r>
-            <a:endParaRPr lang="en-IN" sz="1600" dirty="0"/>
-          </a:p>
-        </p:txBody>
-      </p:sp>
-      <p:sp>
-        <p:nvSpPr>
-          <p:cNvPr id="11" name="Rectangle 10"/>
-          <p:cNvSpPr/>
-          <p:nvPr/>
-        </p:nvSpPr>
-        <p:spPr>
-          <a:xfrm>
-            <a:off x="556995" y="2802588"/>
-            <a:ext cx="4735133" cy="3785652"/>
-          </a:xfrm>
-          <a:prstGeom prst="rect">
-            <a:avLst/>
-          </a:prstGeom>
-        </p:spPr>
-        <p:txBody>
-          <a:bodyPr wrap="square">
-            <a:spAutoFit/>
-          </a:bodyPr>
-          <a:lstStyle/>
-          <a:p>
-            <a:r>
-              <a:rPr lang="en-US" sz="1600" b="1" dirty="0" smtClean="0">
-                <a:latin typeface="Söhne"/>
-              </a:rPr>
-              <a:t>Business Implications:-</a:t>
-            </a:r>
-          </a:p>
-          <a:p>
-            <a:r>
-              <a:rPr lang="en-US" sz="1600" dirty="0" smtClean="0"/>
-              <a:t># Understanding Borrower preferences </a:t>
-            </a:r>
-            <a:r>
-              <a:rPr lang="en-US" sz="1600" dirty="0" smtClean="0">
-                <a:sym typeface="Wingdings" panose="05000000000000000000" pitchFamily="2" charset="2"/>
-              </a:rPr>
-              <a:t> Distribution of loan amount revealing popular loan sizes preferred by borrowers, which can influence product offerings &amp; Marketing strategies </a:t>
-            </a:r>
-            <a:endParaRPr lang="en-US" sz="1600" dirty="0" smtClean="0"/>
-          </a:p>
-          <a:p>
-            <a:r>
-              <a:rPr lang="en-US" sz="1600" dirty="0" smtClean="0"/>
-              <a:t># Risk Assessment </a:t>
-            </a:r>
-            <a:r>
-              <a:rPr lang="en-US" sz="1600" dirty="0" smtClean="0">
-                <a:sym typeface="Wingdings" panose="05000000000000000000" pitchFamily="2" charset="2"/>
-              </a:rPr>
-              <a:t> Higher concentration in certain range indicate potential credit risk / market demand.</a:t>
-            </a:r>
-            <a:endParaRPr lang="en-US" sz="1600" dirty="0" smtClean="0"/>
-          </a:p>
-          <a:p>
-            <a:r>
-              <a:rPr lang="en-US" sz="1600" dirty="0" smtClean="0"/>
-              <a:t># Product Strategy </a:t>
-            </a:r>
-            <a:r>
-              <a:rPr lang="en-US" sz="1600" dirty="0" smtClean="0">
-                <a:sym typeface="Wingdings" panose="05000000000000000000" pitchFamily="2" charset="2"/>
-              </a:rPr>
-              <a:t> Identifying popular loan sizes can guide product structuring &amp; segmentation</a:t>
-            </a:r>
-            <a:endParaRPr lang="en-US" sz="1600" dirty="0" smtClean="0"/>
-          </a:p>
-          <a:p>
-            <a:r>
-              <a:rPr lang="en-US" sz="1600" dirty="0" smtClean="0"/>
-              <a:t># Decision Making </a:t>
-            </a:r>
-            <a:r>
-              <a:rPr lang="en-US" sz="1600" dirty="0" smtClean="0">
-                <a:sym typeface="Wingdings" panose="05000000000000000000" pitchFamily="2" charset="2"/>
-              </a:rPr>
-              <a:t> All this data helps in loan approval criteria, risk assessment &amp; customer targeting.</a:t>
-            </a:r>
-            <a:endParaRPr lang="en-US" sz="1600" dirty="0" smtClean="0"/>
-          </a:p>
-        </p:txBody>
-      </p:sp>
     </p:spTree>
     <p:extLst>
       <p:ext uri="{BB962C8B-B14F-4D97-AF65-F5344CB8AC3E}">
@@ -9334,13 +9768,6 @@
   <p:clrMapOvr>
     <a:masterClrMapping/>
   </p:clrMapOvr>
-  <p:timing>
-    <p:tnLst>
-      <p:par>
-        <p:cTn id="1" dur="indefinite" restart="never" nodeType="tmRoot"/>
-      </p:par>
-    </p:tnLst>
-  </p:timing>
 </p:sld>
 </file>
 
@@ -9383,13 +9810,8 @@
           <a:p>
             <a:r>
               <a:rPr lang="en-IN" dirty="0"/>
-              <a:t>Univariate </a:t>
-            </a:r>
-            <a:r>
-              <a:rPr lang="en-IN" dirty="0" smtClean="0"/>
-              <a:t>Analysis – Insights(#2)</a:t>
-            </a:r>
-            <a:endParaRPr lang="en-IN" dirty="0"/>
+              <a:t>Univariate Analysis – Insights(#2)</a:t>
+            </a:r>
           </a:p>
         </p:txBody>
       </p:sp>
@@ -9647,171 +10069,178 @@
               <a:buNone/>
             </a:pPr>
             <a:r>
-              <a:rPr lang="en-IN" b="1" dirty="0" smtClean="0"/>
+              <a:rPr lang="en-IN" b="1" dirty="0"/>
               <a:t>Loan Status Distribution (Bar Chart)</a:t>
             </a:r>
-            <a:endParaRPr lang="en-IN" b="1" dirty="0"/>
+          </a:p>
+        </p:txBody>
+      </p:sp>
+      <p:sp>
+        <p:nvSpPr>
+          <p:cNvPr id="10" name="Rectangle 9"/>
+          <p:cNvSpPr/>
+          <p:nvPr/>
+        </p:nvSpPr>
+        <p:spPr>
+          <a:xfrm>
+            <a:off x="665773" y="1335475"/>
+            <a:ext cx="10948068" cy="1323439"/>
+          </a:xfrm>
+          <a:prstGeom prst="rect">
+            <a:avLst/>
+          </a:prstGeom>
+        </p:spPr>
+        <p:txBody>
+          <a:bodyPr wrap="square">
+            <a:spAutoFit/>
+          </a:bodyPr>
+          <a:lstStyle/>
+          <a:p>
+            <a:r>
+              <a:rPr lang="en-US" sz="1600" dirty="0">
+                <a:latin typeface="Söhne"/>
+              </a:rPr>
+              <a:t># Below chart represents </a:t>
+            </a:r>
+            <a:r>
+              <a:rPr lang="en-US" sz="1600" dirty="0"/>
+              <a:t>frequency or count of different categories (loan statuses) within a categorical variable</a:t>
+            </a:r>
+            <a:endParaRPr lang="en-US" sz="1600" dirty="0">
+              <a:latin typeface="Söhne"/>
+            </a:endParaRPr>
+          </a:p>
+          <a:p>
+            <a:r>
+              <a:rPr lang="en-US" sz="1600" dirty="0">
+                <a:latin typeface="Söhne"/>
+              </a:rPr>
+              <a:t># </a:t>
+            </a:r>
+            <a:r>
+              <a:rPr lang="en-US" sz="1600" dirty="0"/>
+              <a:t>Each bar represents a category (loan status), and the height of the bar corresponds to the number of occurrences (count) of that category in the dataset</a:t>
+            </a:r>
+            <a:endParaRPr lang="en-US" sz="1600" dirty="0">
+              <a:latin typeface="Söhne"/>
+            </a:endParaRPr>
+          </a:p>
+          <a:p>
+            <a:r>
+              <a:rPr lang="en-US" sz="1600" dirty="0">
+                <a:latin typeface="Söhne"/>
+              </a:rPr>
+              <a:t># Fully Paid (above ~30000), Charged Off(~5000) and Current – Performance of loans in terms of repayment</a:t>
+            </a:r>
+            <a:endParaRPr lang="en-IN" sz="1600" dirty="0"/>
+          </a:p>
+        </p:txBody>
+      </p:sp>
+      <p:sp>
+        <p:nvSpPr>
+          <p:cNvPr id="11" name="Rectangle 10"/>
+          <p:cNvSpPr/>
+          <p:nvPr/>
+        </p:nvSpPr>
+        <p:spPr>
+          <a:xfrm>
+            <a:off x="665773" y="2957160"/>
+            <a:ext cx="4735133" cy="2062103"/>
+          </a:xfrm>
+          <a:prstGeom prst="rect">
+            <a:avLst/>
+          </a:prstGeom>
+        </p:spPr>
+        <p:txBody>
+          <a:bodyPr wrap="square">
+            <a:spAutoFit/>
+          </a:bodyPr>
+          <a:lstStyle/>
+          <a:p>
+            <a:r>
+              <a:rPr lang="en-US" sz="1600" b="1" dirty="0">
+                <a:latin typeface="Söhne"/>
+              </a:rPr>
+              <a:t>Business Implications:-</a:t>
+            </a:r>
+          </a:p>
+          <a:p>
+            <a:r>
+              <a:rPr lang="en-US" sz="1600" dirty="0"/>
+              <a:t># Portfolio Management </a:t>
+            </a:r>
+            <a:r>
+              <a:rPr lang="en-US" sz="1600" dirty="0">
+                <a:sym typeface="Wingdings" panose="05000000000000000000" pitchFamily="2" charset="2"/>
+              </a:rPr>
+              <a:t> Loan status assists in areas that requires attention (example: Charged Off)</a:t>
+            </a:r>
+            <a:endParaRPr lang="en-US" sz="1600" dirty="0"/>
+          </a:p>
+          <a:p>
+            <a:r>
+              <a:rPr lang="en-US" sz="1600" dirty="0"/>
+              <a:t># Risk Assessment </a:t>
+            </a:r>
+            <a:r>
+              <a:rPr lang="en-US" sz="1600" dirty="0">
+                <a:sym typeface="Wingdings" panose="05000000000000000000" pitchFamily="2" charset="2"/>
+              </a:rPr>
+              <a:t> Potential default risk</a:t>
+            </a:r>
+            <a:endParaRPr lang="en-US" sz="1600" dirty="0"/>
+          </a:p>
+          <a:p>
+            <a:r>
+              <a:rPr lang="en-US" sz="1600" dirty="0"/>
+              <a:t># Customer Engagement </a:t>
+            </a:r>
+            <a:r>
+              <a:rPr lang="en-US" sz="1600" dirty="0">
+                <a:sym typeface="Wingdings" panose="05000000000000000000" pitchFamily="2" charset="2"/>
+              </a:rPr>
+              <a:t> customer engagement strategies based on repayment behavior</a:t>
+            </a:r>
+            <a:endParaRPr lang="en-US" sz="1600" dirty="0"/>
           </a:p>
         </p:txBody>
       </p:sp>
       <p:pic>
         <p:nvPicPr>
-          <p:cNvPr id="8" name="Picture 7"/>
+          <p:cNvPr id="4" name="Picture 3">
+            <a:extLst>
+              <a:ext uri="{FF2B5EF4-FFF2-40B4-BE49-F238E27FC236}">
+                <a16:creationId xmlns:a16="http://schemas.microsoft.com/office/drawing/2014/main" id="{022268F1-DAF7-4FAE-A28F-FE253B6FA2B2}"/>
+              </a:ext>
+            </a:extLst>
+          </p:cNvPr>
           <p:cNvPicPr>
             <a:picLocks noChangeAspect="1"/>
           </p:cNvPicPr>
           <p:nvPr/>
         </p:nvPicPr>
         <p:blipFill>
-          <a:blip r:embed="rId2"/>
+          <a:blip r:embed="rId2">
+            <a:extLst>
+              <a:ext uri="{28A0092B-C50C-407E-A947-70E740481C1C}">
+                <a14:useLocalDpi xmlns:a14="http://schemas.microsoft.com/office/drawing/2010/main" val="0"/>
+              </a:ext>
+            </a:extLst>
+          </a:blip>
           <a:stretch>
             <a:fillRect/>
           </a:stretch>
         </p:blipFill>
         <p:spPr>
           <a:xfrm>
-            <a:off x="6017398" y="2957160"/>
-            <a:ext cx="5952567" cy="3572873"/>
+            <a:off x="5329033" y="2957159"/>
+            <a:ext cx="6689690" cy="3189448"/>
           </a:xfrm>
           <a:prstGeom prst="rect">
             <a:avLst/>
           </a:prstGeom>
         </p:spPr>
       </p:pic>
-      <p:sp>
-        <p:nvSpPr>
-          <p:cNvPr id="10" name="Rectangle 9"/>
-          <p:cNvSpPr/>
-          <p:nvPr/>
-        </p:nvSpPr>
-        <p:spPr>
-          <a:xfrm>
-            <a:off x="665773" y="1335475"/>
-            <a:ext cx="10948068" cy="1323439"/>
-          </a:xfrm>
-          <a:prstGeom prst="rect">
-            <a:avLst/>
-          </a:prstGeom>
-        </p:spPr>
-        <p:txBody>
-          <a:bodyPr wrap="square">
-            <a:spAutoFit/>
-          </a:bodyPr>
-          <a:lstStyle/>
-          <a:p>
-            <a:r>
-              <a:rPr lang="en-US" sz="1600" dirty="0" smtClean="0">
-                <a:latin typeface="Söhne"/>
-              </a:rPr>
-              <a:t># Below chart represents </a:t>
-            </a:r>
-            <a:r>
-              <a:rPr lang="en-US" sz="1600" dirty="0"/>
-              <a:t>frequency or count of different categories (loan statuses) within a categorical </a:t>
-            </a:r>
-            <a:r>
-              <a:rPr lang="en-US" sz="1600" dirty="0" smtClean="0"/>
-              <a:t>variable</a:t>
-            </a:r>
-            <a:endParaRPr lang="en-US" sz="1600" dirty="0" smtClean="0">
-              <a:latin typeface="Söhne"/>
-            </a:endParaRPr>
-          </a:p>
-          <a:p>
-            <a:r>
-              <a:rPr lang="en-US" sz="1600" dirty="0" smtClean="0">
-                <a:latin typeface="Söhne"/>
-              </a:rPr>
-              <a:t># </a:t>
-            </a:r>
-            <a:r>
-              <a:rPr lang="en-US" sz="1600" dirty="0"/>
-              <a:t>Each bar represents a category (loan status), and the height of the bar corresponds to the number of occurrences (count) of that category in the dataset</a:t>
-            </a:r>
-            <a:endParaRPr lang="en-US" sz="1600" dirty="0" smtClean="0">
-              <a:latin typeface="Söhne"/>
-            </a:endParaRPr>
-          </a:p>
-          <a:p>
-            <a:r>
-              <a:rPr lang="en-US" sz="1600" dirty="0" smtClean="0">
-                <a:latin typeface="Söhne"/>
-              </a:rPr>
-              <a:t># Fully Paid (above ~30000), Charged Off(~5000) and Current – Performance of loans in terms of repayment</a:t>
-            </a:r>
-            <a:endParaRPr lang="en-IN" sz="1600" dirty="0"/>
-          </a:p>
-        </p:txBody>
-      </p:sp>
-      <p:sp>
-        <p:nvSpPr>
-          <p:cNvPr id="11" name="Rectangle 10"/>
-          <p:cNvSpPr/>
-          <p:nvPr/>
-        </p:nvSpPr>
-        <p:spPr>
-          <a:xfrm>
-            <a:off x="665773" y="2957160"/>
-            <a:ext cx="4735133" cy="2062103"/>
-          </a:xfrm>
-          <a:prstGeom prst="rect">
-            <a:avLst/>
-          </a:prstGeom>
-        </p:spPr>
-        <p:txBody>
-          <a:bodyPr wrap="square">
-            <a:spAutoFit/>
-          </a:bodyPr>
-          <a:lstStyle/>
-          <a:p>
-            <a:r>
-              <a:rPr lang="en-US" sz="1600" b="1" dirty="0" smtClean="0">
-                <a:latin typeface="Söhne"/>
-              </a:rPr>
-              <a:t>Business Implications:-</a:t>
-            </a:r>
-          </a:p>
-          <a:p>
-            <a:r>
-              <a:rPr lang="en-US" sz="1600" dirty="0" smtClean="0"/>
-              <a:t># Portfolio Management </a:t>
-            </a:r>
-            <a:r>
-              <a:rPr lang="en-US" sz="1600" dirty="0" smtClean="0">
-                <a:sym typeface="Wingdings" panose="05000000000000000000" pitchFamily="2" charset="2"/>
-              </a:rPr>
-              <a:t> Loan status assists in areas that requires attention (example: Charged Off)</a:t>
-            </a:r>
-            <a:endParaRPr lang="en-US" sz="1600" dirty="0" smtClean="0"/>
-          </a:p>
-          <a:p>
-            <a:r>
-              <a:rPr lang="en-US" sz="1600" dirty="0" smtClean="0"/>
-              <a:t># Risk Assessment </a:t>
-            </a:r>
-            <a:r>
-              <a:rPr lang="en-US" sz="1600" dirty="0" smtClean="0">
-                <a:sym typeface="Wingdings" panose="05000000000000000000" pitchFamily="2" charset="2"/>
-              </a:rPr>
-              <a:t> Potential default risk</a:t>
-            </a:r>
-            <a:endParaRPr lang="en-US" sz="1600" dirty="0" smtClean="0"/>
-          </a:p>
-          <a:p>
-            <a:r>
-              <a:rPr lang="en-US" sz="1600" dirty="0" smtClean="0"/>
-              <a:t># Customer Engagement </a:t>
-            </a:r>
-            <a:r>
-              <a:rPr lang="en-US" sz="1600" dirty="0" smtClean="0">
-                <a:sym typeface="Wingdings" panose="05000000000000000000" pitchFamily="2" charset="2"/>
-              </a:rPr>
-              <a:t> customer engagement strategies based on repayment behavior</a:t>
-            </a:r>
-            <a:endParaRPr lang="en-US" sz="1600" dirty="0" smtClean="0"/>
-          </a:p>
-        </p:txBody>
-      </p:sp>
     </p:spTree>
     <p:extLst>
       <p:ext uri="{BB962C8B-B14F-4D97-AF65-F5344CB8AC3E}">
@@ -9822,13 +10251,6 @@
   <p:clrMapOvr>
     <a:masterClrMapping/>
   </p:clrMapOvr>
-  <p:timing>
-    <p:tnLst>
-      <p:par>
-        <p:cTn id="1" dur="indefinite" restart="never" nodeType="tmRoot"/>
-      </p:par>
-    </p:tnLst>
-  </p:timing>
 </p:sld>
 </file>
 

--- a/Lending Club Case Study.pptx
+++ b/Lending Club Case Study.pptx
@@ -350,7 +350,7 @@
           <a:p>
             <a:fld id="{4AAD347D-5ACD-4C99-B74B-A9C85AD731AF}" type="datetimeFigureOut">
               <a:rPr lang="en-US" dirty="0"/>
-              <a:t>5/1/2024</a:t>
+              <a:t>5/2/2024</a:t>
             </a:fld>
             <a:endParaRPr lang="en-US" dirty="0"/>
           </a:p>
@@ -620,7 +620,7 @@
           <a:p>
             <a:fld id="{4509A250-FF31-4206-8172-F9D3106AACB1}" type="datetimeFigureOut">
               <a:rPr lang="en-US" dirty="0"/>
-              <a:t>5/1/2024</a:t>
+              <a:t>5/2/2024</a:t>
             </a:fld>
             <a:endParaRPr lang="en-US" dirty="0"/>
           </a:p>
@@ -813,7 +813,7 @@
           <a:p>
             <a:fld id="{4509A250-FF31-4206-8172-F9D3106AACB1}" type="datetimeFigureOut">
               <a:rPr lang="en-US" dirty="0"/>
-              <a:t>5/1/2024</a:t>
+              <a:t>5/2/2024</a:t>
             </a:fld>
             <a:endParaRPr lang="en-US" dirty="0"/>
           </a:p>
@@ -1085,7 +1085,7 @@
           <a:p>
             <a:fld id="{4509A250-FF31-4206-8172-F9D3106AACB1}" type="datetimeFigureOut">
               <a:rPr lang="en-US" dirty="0"/>
-              <a:t>5/1/2024</a:t>
+              <a:t>5/2/2024</a:t>
             </a:fld>
             <a:endParaRPr lang="en-US" dirty="0"/>
           </a:p>
@@ -1425,7 +1425,7 @@
           <a:p>
             <a:fld id="{4509A250-FF31-4206-8172-F9D3106AACB1}" type="datetimeFigureOut">
               <a:rPr lang="en-US" dirty="0"/>
-              <a:t>5/1/2024</a:t>
+              <a:t>5/2/2024</a:t>
             </a:fld>
             <a:endParaRPr lang="en-US" dirty="0"/>
           </a:p>
@@ -2047,7 +2047,7 @@
           <a:p>
             <a:fld id="{4509A250-FF31-4206-8172-F9D3106AACB1}" type="datetimeFigureOut">
               <a:rPr lang="en-US" dirty="0"/>
-              <a:t>5/1/2024</a:t>
+              <a:t>5/2/2024</a:t>
             </a:fld>
             <a:endParaRPr lang="en-US" dirty="0"/>
           </a:p>
@@ -2894,7 +2894,7 @@
           <a:p>
             <a:fld id="{4509A250-FF31-4206-8172-F9D3106AACB1}" type="datetimeFigureOut">
               <a:rPr lang="en-US" dirty="0"/>
-              <a:t>5/1/2024</a:t>
+              <a:t>5/2/2024</a:t>
             </a:fld>
             <a:endParaRPr lang="en-US" dirty="0"/>
           </a:p>
@@ -3062,7 +3062,7 @@
           <a:p>
             <a:fld id="{4509A250-FF31-4206-8172-F9D3106AACB1}" type="datetimeFigureOut">
               <a:rPr lang="en-US" dirty="0"/>
-              <a:t>5/1/2024</a:t>
+              <a:t>5/2/2024</a:t>
             </a:fld>
             <a:endParaRPr lang="en-US" dirty="0"/>
           </a:p>
@@ -3240,7 +3240,7 @@
           <a:p>
             <a:fld id="{4509A250-FF31-4206-8172-F9D3106AACB1}" type="datetimeFigureOut">
               <a:rPr lang="en-US" dirty="0"/>
-              <a:t>5/1/2024</a:t>
+              <a:t>5/2/2024</a:t>
             </a:fld>
             <a:endParaRPr lang="en-US" dirty="0"/>
           </a:p>
@@ -3408,7 +3408,7 @@
           <a:p>
             <a:fld id="{4509A250-FF31-4206-8172-F9D3106AACB1}" type="datetimeFigureOut">
               <a:rPr lang="en-US" dirty="0"/>
-              <a:t>5/1/2024</a:t>
+              <a:t>5/2/2024</a:t>
             </a:fld>
             <a:endParaRPr lang="en-US" dirty="0"/>
           </a:p>
@@ -3654,7 +3654,7 @@
           <a:p>
             <a:fld id="{9796027F-7875-4030-9381-8BD8C4F21935}" type="datetimeFigureOut">
               <a:rPr lang="en-US" dirty="0"/>
-              <a:t>5/1/2024</a:t>
+              <a:t>5/2/2024</a:t>
             </a:fld>
             <a:endParaRPr lang="en-US" dirty="0"/>
           </a:p>
@@ -3943,7 +3943,7 @@
           <a:p>
             <a:fld id="{9796027F-7875-4030-9381-8BD8C4F21935}" type="datetimeFigureOut">
               <a:rPr lang="en-US" dirty="0"/>
-              <a:t>5/1/2024</a:t>
+              <a:t>5/2/2024</a:t>
             </a:fld>
             <a:endParaRPr lang="en-US" dirty="0"/>
           </a:p>
@@ -4384,7 +4384,7 @@
           <a:p>
             <a:fld id="{9796027F-7875-4030-9381-8BD8C4F21935}" type="datetimeFigureOut">
               <a:rPr lang="en-US" dirty="0"/>
-              <a:t>5/1/2024</a:t>
+              <a:t>5/2/2024</a:t>
             </a:fld>
             <a:endParaRPr lang="en-US" dirty="0"/>
           </a:p>
@@ -4501,7 +4501,7 @@
           <a:p>
             <a:fld id="{4509A250-FF31-4206-8172-F9D3106AACB1}" type="datetimeFigureOut">
               <a:rPr lang="en-US" dirty="0"/>
-              <a:t>5/1/2024</a:t>
+              <a:t>5/2/2024</a:t>
             </a:fld>
             <a:endParaRPr lang="en-US" dirty="0"/>
           </a:p>
@@ -4596,7 +4596,7 @@
           <a:p>
             <a:fld id="{4509A250-FF31-4206-8172-F9D3106AACB1}" type="datetimeFigureOut">
               <a:rPr lang="en-US" dirty="0"/>
-              <a:t>5/1/2024</a:t>
+              <a:t>5/2/2024</a:t>
             </a:fld>
             <a:endParaRPr lang="en-US" dirty="0"/>
           </a:p>
@@ -4873,7 +4873,7 @@
           <a:p>
             <a:fld id="{4509A250-FF31-4206-8172-F9D3106AACB1}" type="datetimeFigureOut">
               <a:rPr lang="en-US" dirty="0"/>
-              <a:t>5/1/2024</a:t>
+              <a:t>5/2/2024</a:t>
             </a:fld>
             <a:endParaRPr lang="en-US" dirty="0"/>
           </a:p>
@@ -5143,7 +5143,7 @@
           <a:p>
             <a:fld id="{4509A250-FF31-4206-8172-F9D3106AACB1}" type="datetimeFigureOut">
               <a:rPr lang="en-US" dirty="0"/>
-              <a:t>5/1/2024</a:t>
+              <a:t>5/2/2024</a:t>
             </a:fld>
             <a:endParaRPr lang="en-US" dirty="0"/>
           </a:p>
@@ -5570,7 +5570,7 @@
           <a:p>
             <a:fld id="{4AAD347D-5ACD-4C99-B74B-A9C85AD731AF}" type="datetimeFigureOut">
               <a:rPr lang="en-US" dirty="0"/>
-              <a:t>5/1/2024</a:t>
+              <a:t>5/2/2024</a:t>
             </a:fld>
             <a:endParaRPr lang="en-US" dirty="0"/>
           </a:p>
@@ -6914,161 +6914,173 @@
           </a:p>
         </p:txBody>
       </p:sp>
+      <p:sp>
+        <p:nvSpPr>
+          <p:cNvPr id="7" name="Rectangle 6"/>
+          <p:cNvSpPr/>
+          <p:nvPr/>
+        </p:nvSpPr>
+        <p:spPr>
+          <a:xfrm>
+            <a:off x="168439" y="852564"/>
+            <a:ext cx="7010283" cy="369332"/>
+          </a:xfrm>
+          <a:prstGeom prst="rect">
+            <a:avLst/>
+          </a:prstGeom>
+        </p:spPr>
+        <p:txBody>
+          <a:bodyPr wrap="square">
+            <a:spAutoFit/>
+          </a:bodyPr>
+          <a:lstStyle/>
+          <a:p>
+            <a:r>
+              <a:rPr lang="en-IN" b="1" dirty="0"/>
+              <a:t>Loan Amount vs. Debt-to-Income Ratio (Scatter Plot) </a:t>
+            </a:r>
+          </a:p>
+        </p:txBody>
+      </p:sp>
+      <p:sp>
+        <p:nvSpPr>
+          <p:cNvPr id="10" name="Rectangle 9"/>
+          <p:cNvSpPr/>
+          <p:nvPr/>
+        </p:nvSpPr>
+        <p:spPr>
+          <a:xfrm>
+            <a:off x="665773" y="1335475"/>
+            <a:ext cx="10948068" cy="1077218"/>
+          </a:xfrm>
+          <a:prstGeom prst="rect">
+            <a:avLst/>
+          </a:prstGeom>
+        </p:spPr>
+        <p:txBody>
+          <a:bodyPr wrap="square">
+            <a:spAutoFit/>
+          </a:bodyPr>
+          <a:lstStyle/>
+          <a:p>
+            <a:r>
+              <a:rPr lang="en-US" sz="1600" dirty="0">
+                <a:latin typeface="Söhne"/>
+              </a:rPr>
+              <a:t># Below represents in X-axis is loan amount requested by borrowers. Each points position along the x-axis is size of loan. </a:t>
+            </a:r>
+          </a:p>
+          <a:p>
+            <a:r>
+              <a:rPr lang="en-US" sz="1600" dirty="0">
+                <a:latin typeface="Söhne"/>
+              </a:rPr>
+              <a:t># And in Y-axis, represents the debt-to-income ratio, which is the ratio of a borrower's total monthly debt payments to their monthly gross income. Each point's position along this y-axis signifies the borrower's DTI ratio.</a:t>
+            </a:r>
+          </a:p>
+        </p:txBody>
+      </p:sp>
+      <p:sp>
+        <p:nvSpPr>
+          <p:cNvPr id="11" name="Rectangle 10"/>
+          <p:cNvSpPr/>
+          <p:nvPr/>
+        </p:nvSpPr>
+        <p:spPr>
+          <a:xfrm>
+            <a:off x="665773" y="2957160"/>
+            <a:ext cx="4735133" cy="2554545"/>
+          </a:xfrm>
+          <a:prstGeom prst="rect">
+            <a:avLst/>
+          </a:prstGeom>
+        </p:spPr>
+        <p:txBody>
+          <a:bodyPr wrap="square">
+            <a:spAutoFit/>
+          </a:bodyPr>
+          <a:lstStyle/>
+          <a:p>
+            <a:r>
+              <a:rPr lang="en-US" sz="1600" b="1" dirty="0">
+                <a:latin typeface="Söhne"/>
+              </a:rPr>
+              <a:t>Business Implications:-</a:t>
+            </a:r>
+          </a:p>
+          <a:p>
+            <a:r>
+              <a:rPr lang="en-US" sz="1600" dirty="0"/>
+              <a:t>#Risk Assessment </a:t>
+            </a:r>
+            <a:r>
+              <a:rPr lang="en-US" sz="1600" dirty="0">
+                <a:sym typeface="Wingdings" panose="05000000000000000000" pitchFamily="2" charset="2"/>
+              </a:rPr>
+              <a:t> </a:t>
+            </a:r>
+            <a:r>
+              <a:rPr lang="en-US" sz="1600" b="1" dirty="0"/>
+              <a:t>High Loan Amounts with High DTI </a:t>
+            </a:r>
+            <a:r>
+              <a:rPr lang="en-US" sz="1600" b="1" dirty="0">
+                <a:sym typeface="Wingdings" panose="05000000000000000000" pitchFamily="2" charset="2"/>
+              </a:rPr>
+              <a:t> </a:t>
+            </a:r>
+            <a:r>
+              <a:rPr lang="en-US" sz="1600" dirty="0"/>
+              <a:t>Points clustered at high loan amounts and high DTI ratios may indicate borrowers with potentially higher financial risk.</a:t>
+            </a:r>
+          </a:p>
+          <a:p>
+            <a:br>
+              <a:rPr lang="en-US" sz="1600" dirty="0"/>
+            </a:br>
+            <a:r>
+              <a:rPr lang="en-US" sz="1600" dirty="0"/>
+              <a:t>from scatter plot – it indicates that high DTI ratio is 25 &amp; till amounts ($20000) when compared between DTI ratio between 25 – 30 &amp; Loan amounts between $20000 - $ 30000</a:t>
+            </a:r>
+          </a:p>
+        </p:txBody>
+      </p:sp>
       <p:pic>
         <p:nvPicPr>
-          <p:cNvPr id="5" name="Picture 4"/>
+          <p:cNvPr id="4" name="Picture 3">
+            <a:extLst>
+              <a:ext uri="{FF2B5EF4-FFF2-40B4-BE49-F238E27FC236}">
+                <a16:creationId xmlns:a16="http://schemas.microsoft.com/office/drawing/2014/main" id="{08B6D0DF-2AF9-46C3-8705-3A6215DB5988}"/>
+              </a:ext>
+            </a:extLst>
+          </p:cNvPr>
           <p:cNvPicPr>
             <a:picLocks noChangeAspect="1"/>
           </p:cNvPicPr>
           <p:nvPr/>
         </p:nvPicPr>
         <p:blipFill>
-          <a:blip r:embed="rId2"/>
+          <a:blip r:embed="rId2">
+            <a:extLst>
+              <a:ext uri="{28A0092B-C50C-407E-A947-70E740481C1C}">
+                <a14:useLocalDpi xmlns:a14="http://schemas.microsoft.com/office/drawing/2010/main" val="0"/>
+              </a:ext>
+            </a:extLst>
+          </a:blip>
           <a:stretch>
             <a:fillRect/>
           </a:stretch>
         </p:blipFill>
         <p:spPr>
           <a:xfrm>
-            <a:off x="5600246" y="2701831"/>
-            <a:ext cx="6440421" cy="4026516"/>
+            <a:off x="5176866" y="2828925"/>
+            <a:ext cx="6948459" cy="3835665"/>
           </a:xfrm>
           <a:prstGeom prst="rect">
             <a:avLst/>
           </a:prstGeom>
         </p:spPr>
       </p:pic>
-      <p:sp>
-        <p:nvSpPr>
-          <p:cNvPr id="7" name="Rectangle 6"/>
-          <p:cNvSpPr/>
-          <p:nvPr/>
-        </p:nvSpPr>
-        <p:spPr>
-          <a:xfrm>
-            <a:off x="168439" y="852564"/>
-            <a:ext cx="7010283" cy="369332"/>
-          </a:xfrm>
-          <a:prstGeom prst="rect">
-            <a:avLst/>
-          </a:prstGeom>
-        </p:spPr>
-        <p:txBody>
-          <a:bodyPr wrap="square">
-            <a:spAutoFit/>
-          </a:bodyPr>
-          <a:lstStyle/>
-          <a:p>
-            <a:r>
-              <a:rPr lang="en-IN" b="1" dirty="0"/>
-              <a:t>Loan Amount vs. Debt-to-Income Ratio (Scatter Plot) </a:t>
-            </a:r>
-          </a:p>
-        </p:txBody>
-      </p:sp>
-      <p:sp>
-        <p:nvSpPr>
-          <p:cNvPr id="10" name="Rectangle 9"/>
-          <p:cNvSpPr/>
-          <p:nvPr/>
-        </p:nvSpPr>
-        <p:spPr>
-          <a:xfrm>
-            <a:off x="665773" y="1335475"/>
-            <a:ext cx="10948068" cy="1077218"/>
-          </a:xfrm>
-          <a:prstGeom prst="rect">
-            <a:avLst/>
-          </a:prstGeom>
-        </p:spPr>
-        <p:txBody>
-          <a:bodyPr wrap="square">
-            <a:spAutoFit/>
-          </a:bodyPr>
-          <a:lstStyle/>
-          <a:p>
-            <a:r>
-              <a:rPr lang="en-US" sz="1600" dirty="0">
-                <a:latin typeface="Söhne"/>
-              </a:rPr>
-              <a:t># Below represents in X-axis is loan amount requested by borrowers. Each points position along the x-axis is size of loan. </a:t>
-            </a:r>
-          </a:p>
-          <a:p>
-            <a:r>
-              <a:rPr lang="en-US" sz="1600" dirty="0">
-                <a:latin typeface="Söhne"/>
-              </a:rPr>
-              <a:t># And in Y-axis, represents the debt-to-income ratio, which is the ratio of a borrower's total monthly debt payments to their monthly gross income. Each point's position along this y-axis signifies the borrower's DTI ratio.</a:t>
-            </a:r>
-          </a:p>
-        </p:txBody>
-      </p:sp>
-      <p:sp>
-        <p:nvSpPr>
-          <p:cNvPr id="11" name="Rectangle 10"/>
-          <p:cNvSpPr/>
-          <p:nvPr/>
-        </p:nvSpPr>
-        <p:spPr>
-          <a:xfrm>
-            <a:off x="665773" y="2957160"/>
-            <a:ext cx="4735133" cy="2554545"/>
-          </a:xfrm>
-          <a:prstGeom prst="rect">
-            <a:avLst/>
-          </a:prstGeom>
-        </p:spPr>
-        <p:txBody>
-          <a:bodyPr wrap="square">
-            <a:spAutoFit/>
-          </a:bodyPr>
-          <a:lstStyle/>
-          <a:p>
-            <a:r>
-              <a:rPr lang="en-US" sz="1600" b="1" dirty="0">
-                <a:latin typeface="Söhne"/>
-              </a:rPr>
-              <a:t>Business Implications:-</a:t>
-            </a:r>
-          </a:p>
-          <a:p>
-            <a:r>
-              <a:rPr lang="en-US" sz="1600" dirty="0"/>
-              <a:t>#Risk Assessment </a:t>
-            </a:r>
-            <a:r>
-              <a:rPr lang="en-US" sz="1600" dirty="0">
-                <a:sym typeface="Wingdings" panose="05000000000000000000" pitchFamily="2" charset="2"/>
-              </a:rPr>
-              <a:t> </a:t>
-            </a:r>
-            <a:r>
-              <a:rPr lang="en-US" sz="1600" b="1" dirty="0"/>
-              <a:t>High Loan Amounts with High DTI </a:t>
-            </a:r>
-            <a:r>
-              <a:rPr lang="en-US" sz="1600" b="1" dirty="0">
-                <a:sym typeface="Wingdings" panose="05000000000000000000" pitchFamily="2" charset="2"/>
-              </a:rPr>
-              <a:t> </a:t>
-            </a:r>
-            <a:r>
-              <a:rPr lang="en-US" sz="1600" dirty="0"/>
-              <a:t>Points clustered at high loan amounts and high DTI ratios may indicate borrowers with potentially higher financial risk.</a:t>
-            </a:r>
-          </a:p>
-          <a:p>
-            <a:br>
-              <a:rPr lang="en-US" sz="1600" dirty="0"/>
-            </a:br>
-            <a:r>
-              <a:rPr lang="en-US" sz="1600" dirty="0"/>
-              <a:t>from scatter plot – it indicates that high DTI ratio is 25 &amp; till amounts ($20000) when compared between DTI ratio between 25 – 30 &amp; Loan amounts between $20000 - $ 30000</a:t>
-            </a:r>
-          </a:p>
-        </p:txBody>
-      </p:sp>
     </p:spTree>
     <p:extLst>
       <p:ext uri="{BB962C8B-B14F-4D97-AF65-F5344CB8AC3E}">

--- a/Lending Club Case Study.pptx
+++ b/Lending Club Case Study.pptx
@@ -9,16 +9,22 @@
     <p:sldId id="257" r:id="rId3"/>
     <p:sldId id="259" r:id="rId4"/>
     <p:sldId id="260" r:id="rId5"/>
-    <p:sldId id="270" r:id="rId6"/>
-    <p:sldId id="271" r:id="rId7"/>
-    <p:sldId id="262" r:id="rId8"/>
-    <p:sldId id="263" r:id="rId9"/>
-    <p:sldId id="272" r:id="rId10"/>
-    <p:sldId id="274" r:id="rId11"/>
-    <p:sldId id="264" r:id="rId12"/>
-    <p:sldId id="273" r:id="rId13"/>
-    <p:sldId id="275" r:id="rId14"/>
-    <p:sldId id="265" r:id="rId15"/>
+    <p:sldId id="276" r:id="rId6"/>
+    <p:sldId id="270" r:id="rId7"/>
+    <p:sldId id="271" r:id="rId8"/>
+    <p:sldId id="278" r:id="rId9"/>
+    <p:sldId id="277" r:id="rId10"/>
+    <p:sldId id="262" r:id="rId11"/>
+    <p:sldId id="263" r:id="rId12"/>
+    <p:sldId id="272" r:id="rId13"/>
+    <p:sldId id="274" r:id="rId14"/>
+    <p:sldId id="264" r:id="rId15"/>
+    <p:sldId id="273" r:id="rId16"/>
+    <p:sldId id="275" r:id="rId17"/>
+    <p:sldId id="265" r:id="rId18"/>
+    <p:sldId id="279" r:id="rId19"/>
+    <p:sldId id="281" r:id="rId20"/>
+    <p:sldId id="280" r:id="rId21"/>
   </p:sldIdLst>
   <p:sldSz cx="12192000" cy="6858000"/>
   <p:notesSz cx="6858000" cy="9144000"/>
@@ -130,8 +136,11 @@
           <p14:sldIdLst>
             <p14:sldId id="259"/>
             <p14:sldId id="260"/>
+            <p14:sldId id="276"/>
             <p14:sldId id="270"/>
             <p14:sldId id="271"/>
+            <p14:sldId id="278"/>
+            <p14:sldId id="277"/>
           </p14:sldIdLst>
         </p14:section>
         <p14:section name="Exploratory Data Analysis (EDA)" id="{F2E4B57B-C21D-42E2-A998-F6B589D3B6F6}">
@@ -147,7 +156,11 @@
           </p14:sldIdLst>
         </p14:section>
         <p14:section name="Feature Selection and Engineering" id="{DAEECC3B-A3BD-47E2-817A-E959CC78718F}">
-          <p14:sldIdLst/>
+          <p14:sldIdLst>
+            <p14:sldId id="279"/>
+            <p14:sldId id="281"/>
+            <p14:sldId id="280"/>
+          </p14:sldIdLst>
         </p14:section>
       </p14:sectionLst>
     </p:ext>
@@ -350,7 +363,7 @@
           <a:p>
             <a:fld id="{4AAD347D-5ACD-4C99-B74B-A9C85AD731AF}" type="datetimeFigureOut">
               <a:rPr lang="en-US" dirty="0"/>
-              <a:t>5/2/2024</a:t>
+              <a:t>5/5/2024</a:t>
             </a:fld>
             <a:endParaRPr lang="en-US" dirty="0"/>
           </a:p>
@@ -620,7 +633,7 @@
           <a:p>
             <a:fld id="{4509A250-FF31-4206-8172-F9D3106AACB1}" type="datetimeFigureOut">
               <a:rPr lang="en-US" dirty="0"/>
-              <a:t>5/2/2024</a:t>
+              <a:t>5/5/2024</a:t>
             </a:fld>
             <a:endParaRPr lang="en-US" dirty="0"/>
           </a:p>
@@ -813,7 +826,7 @@
           <a:p>
             <a:fld id="{4509A250-FF31-4206-8172-F9D3106AACB1}" type="datetimeFigureOut">
               <a:rPr lang="en-US" dirty="0"/>
-              <a:t>5/2/2024</a:t>
+              <a:t>5/5/2024</a:t>
             </a:fld>
             <a:endParaRPr lang="en-US" dirty="0"/>
           </a:p>
@@ -1085,7 +1098,7 @@
           <a:p>
             <a:fld id="{4509A250-FF31-4206-8172-F9D3106AACB1}" type="datetimeFigureOut">
               <a:rPr lang="en-US" dirty="0"/>
-              <a:t>5/2/2024</a:t>
+              <a:t>5/5/2024</a:t>
             </a:fld>
             <a:endParaRPr lang="en-US" dirty="0"/>
           </a:p>
@@ -1425,7 +1438,7 @@
           <a:p>
             <a:fld id="{4509A250-FF31-4206-8172-F9D3106AACB1}" type="datetimeFigureOut">
               <a:rPr lang="en-US" dirty="0"/>
-              <a:t>5/2/2024</a:t>
+              <a:t>5/5/2024</a:t>
             </a:fld>
             <a:endParaRPr lang="en-US" dirty="0"/>
           </a:p>
@@ -2047,7 +2060,7 @@
           <a:p>
             <a:fld id="{4509A250-FF31-4206-8172-F9D3106AACB1}" type="datetimeFigureOut">
               <a:rPr lang="en-US" dirty="0"/>
-              <a:t>5/2/2024</a:t>
+              <a:t>5/5/2024</a:t>
             </a:fld>
             <a:endParaRPr lang="en-US" dirty="0"/>
           </a:p>
@@ -2894,7 +2907,7 @@
           <a:p>
             <a:fld id="{4509A250-FF31-4206-8172-F9D3106AACB1}" type="datetimeFigureOut">
               <a:rPr lang="en-US" dirty="0"/>
-              <a:t>5/2/2024</a:t>
+              <a:t>5/5/2024</a:t>
             </a:fld>
             <a:endParaRPr lang="en-US" dirty="0"/>
           </a:p>
@@ -3062,7 +3075,7 @@
           <a:p>
             <a:fld id="{4509A250-FF31-4206-8172-F9D3106AACB1}" type="datetimeFigureOut">
               <a:rPr lang="en-US" dirty="0"/>
-              <a:t>5/2/2024</a:t>
+              <a:t>5/5/2024</a:t>
             </a:fld>
             <a:endParaRPr lang="en-US" dirty="0"/>
           </a:p>
@@ -3240,7 +3253,7 @@
           <a:p>
             <a:fld id="{4509A250-FF31-4206-8172-F9D3106AACB1}" type="datetimeFigureOut">
               <a:rPr lang="en-US" dirty="0"/>
-              <a:t>5/2/2024</a:t>
+              <a:t>5/5/2024</a:t>
             </a:fld>
             <a:endParaRPr lang="en-US" dirty="0"/>
           </a:p>
@@ -3408,7 +3421,7 @@
           <a:p>
             <a:fld id="{4509A250-FF31-4206-8172-F9D3106AACB1}" type="datetimeFigureOut">
               <a:rPr lang="en-US" dirty="0"/>
-              <a:t>5/2/2024</a:t>
+              <a:t>5/5/2024</a:t>
             </a:fld>
             <a:endParaRPr lang="en-US" dirty="0"/>
           </a:p>
@@ -3654,7 +3667,7 @@
           <a:p>
             <a:fld id="{9796027F-7875-4030-9381-8BD8C4F21935}" type="datetimeFigureOut">
               <a:rPr lang="en-US" dirty="0"/>
-              <a:t>5/2/2024</a:t>
+              <a:t>5/5/2024</a:t>
             </a:fld>
             <a:endParaRPr lang="en-US" dirty="0"/>
           </a:p>
@@ -3943,7 +3956,7 @@
           <a:p>
             <a:fld id="{9796027F-7875-4030-9381-8BD8C4F21935}" type="datetimeFigureOut">
               <a:rPr lang="en-US" dirty="0"/>
-              <a:t>5/2/2024</a:t>
+              <a:t>5/5/2024</a:t>
             </a:fld>
             <a:endParaRPr lang="en-US" dirty="0"/>
           </a:p>
@@ -4384,7 +4397,7 @@
           <a:p>
             <a:fld id="{9796027F-7875-4030-9381-8BD8C4F21935}" type="datetimeFigureOut">
               <a:rPr lang="en-US" dirty="0"/>
-              <a:t>5/2/2024</a:t>
+              <a:t>5/5/2024</a:t>
             </a:fld>
             <a:endParaRPr lang="en-US" dirty="0"/>
           </a:p>
@@ -4501,7 +4514,7 @@
           <a:p>
             <a:fld id="{4509A250-FF31-4206-8172-F9D3106AACB1}" type="datetimeFigureOut">
               <a:rPr lang="en-US" dirty="0"/>
-              <a:t>5/2/2024</a:t>
+              <a:t>5/5/2024</a:t>
             </a:fld>
             <a:endParaRPr lang="en-US" dirty="0"/>
           </a:p>
@@ -4596,7 +4609,7 @@
           <a:p>
             <a:fld id="{4509A250-FF31-4206-8172-F9D3106AACB1}" type="datetimeFigureOut">
               <a:rPr lang="en-US" dirty="0"/>
-              <a:t>5/2/2024</a:t>
+              <a:t>5/5/2024</a:t>
             </a:fld>
             <a:endParaRPr lang="en-US" dirty="0"/>
           </a:p>
@@ -4873,7 +4886,7 @@
           <a:p>
             <a:fld id="{4509A250-FF31-4206-8172-F9D3106AACB1}" type="datetimeFigureOut">
               <a:rPr lang="en-US" dirty="0"/>
-              <a:t>5/2/2024</a:t>
+              <a:t>5/5/2024</a:t>
             </a:fld>
             <a:endParaRPr lang="en-US" dirty="0"/>
           </a:p>
@@ -5143,7 +5156,7 @@
           <a:p>
             <a:fld id="{4509A250-FF31-4206-8172-F9D3106AACB1}" type="datetimeFigureOut">
               <a:rPr lang="en-US" dirty="0"/>
-              <a:t>5/2/2024</a:t>
+              <a:t>5/5/2024</a:t>
             </a:fld>
             <a:endParaRPr lang="en-US" dirty="0"/>
           </a:p>
@@ -5570,7 +5583,7 @@
           <a:p>
             <a:fld id="{4AAD347D-5ACD-4C99-B74B-A9C85AD731AF}" type="datetimeFigureOut">
               <a:rPr lang="en-US" dirty="0"/>
-              <a:t>5/2/2024</a:t>
+              <a:t>5/5/2024</a:t>
             </a:fld>
             <a:endParaRPr lang="en-US" dirty="0"/>
           </a:p>
@@ -6120,7 +6133,10 @@
           <a:lstStyle/>
           <a:p>
             <a:r>
-              <a:rPr lang="en-IN" dirty="0"/>
+              <a:rPr lang="en-IN" dirty="0">
+                <a:latin typeface="Arial" panose="020B0604020202020204" pitchFamily="34" charset="0"/>
+                <a:cs typeface="Arial" panose="020B0604020202020204" pitchFamily="34" charset="0"/>
+              </a:rPr>
               <a:t>Lending Club Case Study</a:t>
             </a:r>
           </a:p>
@@ -6138,7 +6154,7 @@
         </p:nvSpPr>
         <p:spPr>
           <a:xfrm>
-            <a:off x="7874759" y="3952271"/>
+            <a:off x="7246958" y="3952271"/>
             <a:ext cx="3396156" cy="529775"/>
           </a:xfrm>
         </p:spPr>
@@ -6149,7 +6165,10 @@
           <a:lstStyle/>
           <a:p>
             <a:r>
-              <a:rPr lang="en-IN" dirty="0"/>
+              <a:rPr lang="en-IN" dirty="0">
+                <a:latin typeface="Arial" panose="020B0604020202020204" pitchFamily="34" charset="0"/>
+                <a:cs typeface="Arial" panose="020B0604020202020204" pitchFamily="34" charset="0"/>
+              </a:rPr>
               <a:t>Rajesh Kumar Malviya</a:t>
             </a:r>
           </a:p>
@@ -6165,7 +6184,7 @@
         </p:nvSpPr>
         <p:spPr>
           <a:xfrm>
-            <a:off x="4744728" y="3952271"/>
+            <a:off x="4116927" y="3952271"/>
             <a:ext cx="2952610" cy="529774"/>
           </a:xfrm>
           <a:prstGeom prst="rect">
@@ -6367,9 +6386,9 @@
                     <a:lumOff val="60000"/>
                   </a:schemeClr>
                 </a:solidFill>
-                <a:latin typeface="+mj-lt"/>
+                <a:latin typeface="Arial" panose="020B0604020202020204" pitchFamily="34" charset="0"/>
                 <a:ea typeface="+mj-ea"/>
-                <a:cs typeface="+mj-cs"/>
+                <a:cs typeface="Arial" panose="020B0604020202020204" pitchFamily="34" charset="0"/>
               </a:rPr>
               <a:t>PHANIRAJ CHAKILAM</a:t>
             </a:r>
@@ -6380,13 +6399,111 @@
                   <a:lumOff val="60000"/>
                 </a:schemeClr>
               </a:solidFill>
-              <a:latin typeface="+mj-lt"/>
+              <a:latin typeface="Arial" panose="020B0604020202020204" pitchFamily="34" charset="0"/>
               <a:ea typeface="+mj-ea"/>
-              <a:cs typeface="+mj-cs"/>
+              <a:cs typeface="Arial" panose="020B0604020202020204" pitchFamily="34" charset="0"/>
             </a:endParaRPr>
           </a:p>
         </p:txBody>
       </p:sp>
+      <p:pic>
+        <p:nvPicPr>
+          <p:cNvPr id="5" name="Picture 4"/>
+          <p:cNvPicPr>
+            <a:picLocks noChangeAspect="1"/>
+          </p:cNvPicPr>
+          <p:nvPr/>
+        </p:nvPicPr>
+        <p:blipFill>
+          <a:blip r:embed="rId2"/>
+          <a:stretch>
+            <a:fillRect/>
+          </a:stretch>
+        </p:blipFill>
+        <p:spPr>
+          <a:xfrm>
+            <a:off x="440708" y="589413"/>
+            <a:ext cx="1838325" cy="733425"/>
+          </a:xfrm>
+          <a:prstGeom prst="rect">
+            <a:avLst/>
+          </a:prstGeom>
+        </p:spPr>
+      </p:pic>
+      <p:sp>
+        <p:nvSpPr>
+          <p:cNvPr id="6" name="Rectangle 5"/>
+          <p:cNvSpPr/>
+          <p:nvPr/>
+        </p:nvSpPr>
+        <p:spPr>
+          <a:xfrm>
+            <a:off x="313756" y="1411735"/>
+            <a:ext cx="8379868" cy="646331"/>
+          </a:xfrm>
+          <a:prstGeom prst="rect">
+            <a:avLst/>
+          </a:prstGeom>
+        </p:spPr>
+        <p:txBody>
+          <a:bodyPr wrap="square">
+            <a:spAutoFit/>
+          </a:bodyPr>
+          <a:lstStyle/>
+          <a:p>
+            <a:r>
+              <a:rPr lang="en-US" b="1" cap="all" dirty="0" smtClean="0">
+                <a:solidFill>
+                  <a:srgbClr val="FFFFFF"/>
+                </a:solidFill>
+                <a:latin typeface="Circular Std"/>
+              </a:rPr>
+              <a:t>EXECUTIVE </a:t>
+            </a:r>
+            <a:r>
+              <a:rPr lang="en-US" b="1" cap="all" dirty="0">
+                <a:solidFill>
+                  <a:srgbClr val="FFFFFF"/>
+                </a:solidFill>
+                <a:latin typeface="Circular Std"/>
+              </a:rPr>
+              <a:t>PG PROGRAMME IN MACHINE LEARNING &amp; AI</a:t>
+            </a:r>
+            <a:r>
+              <a:rPr lang="en-US" dirty="0"/>
+              <a:t/>
+            </a:r>
+            <a:br>
+              <a:rPr lang="en-US" dirty="0"/>
+            </a:br>
+            <a:endParaRPr lang="en-IN" dirty="0"/>
+          </a:p>
+        </p:txBody>
+      </p:sp>
+      <p:pic>
+        <p:nvPicPr>
+          <p:cNvPr id="7" name="Picture 6"/>
+          <p:cNvPicPr>
+            <a:picLocks noChangeAspect="1"/>
+          </p:cNvPicPr>
+          <p:nvPr/>
+        </p:nvPicPr>
+        <p:blipFill>
+          <a:blip r:embed="rId3"/>
+          <a:stretch>
+            <a:fillRect/>
+          </a:stretch>
+        </p:blipFill>
+        <p:spPr>
+          <a:xfrm>
+            <a:off x="2419987" y="161850"/>
+            <a:ext cx="1019175" cy="1171575"/>
+          </a:xfrm>
+          <a:prstGeom prst="rect">
+            <a:avLst/>
+          </a:prstGeom>
+        </p:spPr>
+      </p:pic>
     </p:spTree>
     <p:extLst>
       <p:ext uri="{BB962C8B-B14F-4D97-AF65-F5344CB8AC3E}">
@@ -6397,6 +6514,13 @@
   <p:clrMapOvr>
     <a:masterClrMapping/>
   </p:clrMapOvr>
+  <p:timing>
+    <p:tnLst>
+      <p:par>
+        <p:cTn id="1" dur="indefinite" restart="never" nodeType="tmRoot"/>
+      </p:par>
+    </p:tnLst>
+  </p:timing>
 </p:sld>
 </file>
 
@@ -6427,6 +6551,627 @@
             <p:ph type="title"/>
           </p:nvPr>
         </p:nvSpPr>
+        <p:spPr/>
+        <p:txBody>
+          <a:bodyPr/>
+          <a:lstStyle/>
+          <a:p>
+            <a:r>
+              <a:rPr lang="en-US" dirty="0">
+                <a:latin typeface="Arial" panose="020B0604020202020204" pitchFamily="34" charset="0"/>
+                <a:cs typeface="Arial" panose="020B0604020202020204" pitchFamily="34" charset="0"/>
+              </a:rPr>
+              <a:t>Exploratory data analysis (EDA)</a:t>
+            </a:r>
+            <a:endParaRPr lang="en-IN" dirty="0">
+              <a:latin typeface="Arial" panose="020B0604020202020204" pitchFamily="34" charset="0"/>
+              <a:cs typeface="Arial" panose="020B0604020202020204" pitchFamily="34" charset="0"/>
+            </a:endParaRPr>
+          </a:p>
+        </p:txBody>
+      </p:sp>
+      <p:sp>
+        <p:nvSpPr>
+          <p:cNvPr id="3" name="Content Placeholder 2"/>
+          <p:cNvSpPr>
+            <a:spLocks noGrp="1"/>
+          </p:cNvSpPr>
+          <p:nvPr>
+            <p:ph idx="1"/>
+          </p:nvPr>
+        </p:nvSpPr>
+        <p:spPr>
+          <a:xfrm>
+            <a:off x="822083" y="1180560"/>
+            <a:ext cx="10865774" cy="1345375"/>
+          </a:xfrm>
+        </p:spPr>
+        <p:txBody>
+          <a:bodyPr/>
+          <a:lstStyle/>
+          <a:p>
+            <a:pPr marL="0" indent="0">
+              <a:buNone/>
+            </a:pPr>
+            <a:r>
+              <a:rPr lang="en-IN" dirty="0">
+                <a:latin typeface="Arial" panose="020B0604020202020204" pitchFamily="34" charset="0"/>
+                <a:cs typeface="Arial" panose="020B0604020202020204" pitchFamily="34" charset="0"/>
+              </a:rPr>
+              <a:t>Performing Exploratory Data Analysis (EDA) involves examining and visualizing data to understand relationships, distributions, and patterns within a dataset. Here one can conduct univariate, bivariate, and multivariate analyses using Python with pandas, matplotlib, and seaborn libraries</a:t>
+            </a:r>
+          </a:p>
+        </p:txBody>
+      </p:sp>
+      <p:sp>
+        <p:nvSpPr>
+          <p:cNvPr id="4" name="Title 1"/>
+          <p:cNvSpPr txBox="1">
+            <a:spLocks/>
+          </p:cNvSpPr>
+          <p:nvPr/>
+        </p:nvSpPr>
+        <p:spPr>
+          <a:xfrm>
+            <a:off x="1092881" y="2702821"/>
+            <a:ext cx="3209380" cy="3984582"/>
+          </a:xfrm>
+          <a:prstGeom prst="rect">
+            <a:avLst/>
+          </a:prstGeom>
+          <a:solidFill>
+            <a:schemeClr val="bg2">
+              <a:lumMod val="20000"/>
+              <a:lumOff val="80000"/>
+            </a:schemeClr>
+          </a:solidFill>
+          <a:ln>
+            <a:solidFill>
+              <a:srgbClr val="B01513"/>
+            </a:solidFill>
+          </a:ln>
+        </p:spPr>
+        <p:txBody>
+          <a:bodyPr vert="horz" lIns="91440" tIns="45720" rIns="91440" bIns="45720" rtlCol="0" anchor="t">
+            <a:noAutofit/>
+          </a:bodyPr>
+          <a:lstStyle>
+            <a:lvl1pPr algn="l" defTabSz="457200" rtl="0" eaLnBrk="1" latinLnBrk="0" hangingPunct="1">
+              <a:spcBef>
+                <a:spcPct val="0"/>
+              </a:spcBef>
+              <a:buNone/>
+              <a:defRPr sz="4200" b="0" i="0" kern="1200">
+                <a:solidFill>
+                  <a:schemeClr val="tx2"/>
+                </a:solidFill>
+                <a:latin typeface="+mj-lt"/>
+                <a:ea typeface="+mj-ea"/>
+                <a:cs typeface="+mj-cs"/>
+              </a:defRPr>
+            </a:lvl1pPr>
+            <a:lvl2pPr eaLnBrk="1" hangingPunct="1">
+              <a:defRPr>
+                <a:solidFill>
+                  <a:schemeClr val="tx2"/>
+                </a:solidFill>
+              </a:defRPr>
+            </a:lvl2pPr>
+            <a:lvl3pPr eaLnBrk="1" hangingPunct="1">
+              <a:defRPr>
+                <a:solidFill>
+                  <a:schemeClr val="tx2"/>
+                </a:solidFill>
+              </a:defRPr>
+            </a:lvl3pPr>
+            <a:lvl4pPr eaLnBrk="1" hangingPunct="1">
+              <a:defRPr>
+                <a:solidFill>
+                  <a:schemeClr val="tx2"/>
+                </a:solidFill>
+              </a:defRPr>
+            </a:lvl4pPr>
+            <a:lvl5pPr eaLnBrk="1" hangingPunct="1">
+              <a:defRPr>
+                <a:solidFill>
+                  <a:schemeClr val="tx2"/>
+                </a:solidFill>
+              </a:defRPr>
+            </a:lvl5pPr>
+            <a:lvl6pPr eaLnBrk="1" hangingPunct="1">
+              <a:defRPr>
+                <a:solidFill>
+                  <a:schemeClr val="tx2"/>
+                </a:solidFill>
+              </a:defRPr>
+            </a:lvl6pPr>
+            <a:lvl7pPr eaLnBrk="1" hangingPunct="1">
+              <a:defRPr>
+                <a:solidFill>
+                  <a:schemeClr val="tx2"/>
+                </a:solidFill>
+              </a:defRPr>
+            </a:lvl7pPr>
+            <a:lvl8pPr eaLnBrk="1" hangingPunct="1">
+              <a:defRPr>
+                <a:solidFill>
+                  <a:schemeClr val="tx2"/>
+                </a:solidFill>
+              </a:defRPr>
+            </a:lvl8pPr>
+            <a:lvl9pPr eaLnBrk="1" hangingPunct="1">
+              <a:defRPr>
+                <a:solidFill>
+                  <a:schemeClr val="tx2"/>
+                </a:solidFill>
+              </a:defRPr>
+            </a:lvl9pPr>
+          </a:lstStyle>
+          <a:p>
+            <a:r>
+              <a:rPr lang="en-IN" sz="1800" b="1" dirty="0">
+                <a:solidFill>
+                  <a:schemeClr val="bg1"/>
+                </a:solidFill>
+                <a:latin typeface="Arial" panose="020B0604020202020204" pitchFamily="34" charset="0"/>
+                <a:cs typeface="Arial" panose="020B0604020202020204" pitchFamily="34" charset="0"/>
+              </a:rPr>
+              <a:t>Univariate Analysis</a:t>
+            </a:r>
+          </a:p>
+          <a:p>
+            <a:r>
+              <a:rPr lang="en-US" sz="1800" dirty="0">
+                <a:solidFill>
+                  <a:schemeClr val="bg1"/>
+                </a:solidFill>
+                <a:latin typeface="Arial" panose="020B0604020202020204" pitchFamily="34" charset="0"/>
+                <a:cs typeface="Arial" panose="020B0604020202020204" pitchFamily="34" charset="0"/>
+              </a:rPr>
+              <a:t>Univariate analysis focuses on exploring individual variables to understand their distribution and characteristics</a:t>
+            </a:r>
+          </a:p>
+          <a:p>
+            <a:endParaRPr lang="en-US" sz="1800" b="1" dirty="0">
+              <a:solidFill>
+                <a:schemeClr val="bg1"/>
+              </a:solidFill>
+              <a:latin typeface="Arial" panose="020B0604020202020204" pitchFamily="34" charset="0"/>
+              <a:cs typeface="Arial" panose="020B0604020202020204" pitchFamily="34" charset="0"/>
+            </a:endParaRPr>
+          </a:p>
+          <a:p>
+            <a:r>
+              <a:rPr lang="en-US" sz="1800" b="1" dirty="0">
+                <a:solidFill>
+                  <a:schemeClr val="bg1"/>
+                </a:solidFill>
+                <a:latin typeface="Arial" panose="020B0604020202020204" pitchFamily="34" charset="0"/>
+                <a:cs typeface="Arial" panose="020B0604020202020204" pitchFamily="34" charset="0"/>
+              </a:rPr>
+              <a:t>Univariate Analysis (histplot, countplot): </a:t>
+            </a:r>
+            <a:r>
+              <a:rPr lang="en-US" sz="1800" dirty="0">
+                <a:solidFill>
+                  <a:schemeClr val="bg1"/>
+                </a:solidFill>
+                <a:latin typeface="Arial" panose="020B0604020202020204" pitchFamily="34" charset="0"/>
+                <a:cs typeface="Arial" panose="020B0604020202020204" pitchFamily="34" charset="0"/>
+              </a:rPr>
+              <a:t>Visualizes the distribution of individual variables using histograms for numerical variables and bar charts for categorical variables.</a:t>
+            </a:r>
+            <a:endParaRPr lang="en-IN" sz="1800" dirty="0">
+              <a:solidFill>
+                <a:schemeClr val="bg1"/>
+              </a:solidFill>
+              <a:latin typeface="Arial" panose="020B0604020202020204" pitchFamily="34" charset="0"/>
+              <a:cs typeface="Arial" panose="020B0604020202020204" pitchFamily="34" charset="0"/>
+            </a:endParaRPr>
+          </a:p>
+        </p:txBody>
+      </p:sp>
+      <p:sp>
+        <p:nvSpPr>
+          <p:cNvPr id="5" name="Title 1"/>
+          <p:cNvSpPr txBox="1">
+            <a:spLocks/>
+          </p:cNvSpPr>
+          <p:nvPr/>
+        </p:nvSpPr>
+        <p:spPr>
+          <a:xfrm>
+            <a:off x="4650280" y="2702820"/>
+            <a:ext cx="3209380" cy="3984583"/>
+          </a:xfrm>
+          <a:prstGeom prst="rect">
+            <a:avLst/>
+          </a:prstGeom>
+          <a:solidFill>
+            <a:schemeClr val="bg2">
+              <a:lumMod val="20000"/>
+              <a:lumOff val="80000"/>
+            </a:schemeClr>
+          </a:solidFill>
+          <a:ln>
+            <a:solidFill>
+              <a:srgbClr val="B01513"/>
+            </a:solidFill>
+          </a:ln>
+        </p:spPr>
+        <p:txBody>
+          <a:bodyPr vert="horz" lIns="91440" tIns="45720" rIns="91440" bIns="45720" rtlCol="0" anchor="t">
+            <a:noAutofit/>
+          </a:bodyPr>
+          <a:lstStyle>
+            <a:lvl1pPr algn="l" defTabSz="457200" rtl="0" eaLnBrk="1" latinLnBrk="0" hangingPunct="1">
+              <a:spcBef>
+                <a:spcPct val="0"/>
+              </a:spcBef>
+              <a:buNone/>
+              <a:defRPr sz="4200" b="0" i="0" kern="1200">
+                <a:solidFill>
+                  <a:schemeClr val="tx2"/>
+                </a:solidFill>
+                <a:latin typeface="+mj-lt"/>
+                <a:ea typeface="+mj-ea"/>
+                <a:cs typeface="+mj-cs"/>
+              </a:defRPr>
+            </a:lvl1pPr>
+            <a:lvl2pPr eaLnBrk="1" hangingPunct="1">
+              <a:defRPr>
+                <a:solidFill>
+                  <a:schemeClr val="tx2"/>
+                </a:solidFill>
+              </a:defRPr>
+            </a:lvl2pPr>
+            <a:lvl3pPr eaLnBrk="1" hangingPunct="1">
+              <a:defRPr>
+                <a:solidFill>
+                  <a:schemeClr val="tx2"/>
+                </a:solidFill>
+              </a:defRPr>
+            </a:lvl3pPr>
+            <a:lvl4pPr eaLnBrk="1" hangingPunct="1">
+              <a:defRPr>
+                <a:solidFill>
+                  <a:schemeClr val="tx2"/>
+                </a:solidFill>
+              </a:defRPr>
+            </a:lvl4pPr>
+            <a:lvl5pPr eaLnBrk="1" hangingPunct="1">
+              <a:defRPr>
+                <a:solidFill>
+                  <a:schemeClr val="tx2"/>
+                </a:solidFill>
+              </a:defRPr>
+            </a:lvl5pPr>
+            <a:lvl6pPr eaLnBrk="1" hangingPunct="1">
+              <a:defRPr>
+                <a:solidFill>
+                  <a:schemeClr val="tx2"/>
+                </a:solidFill>
+              </a:defRPr>
+            </a:lvl6pPr>
+            <a:lvl7pPr eaLnBrk="1" hangingPunct="1">
+              <a:defRPr>
+                <a:solidFill>
+                  <a:schemeClr val="tx2"/>
+                </a:solidFill>
+              </a:defRPr>
+            </a:lvl7pPr>
+            <a:lvl8pPr eaLnBrk="1" hangingPunct="1">
+              <a:defRPr>
+                <a:solidFill>
+                  <a:schemeClr val="tx2"/>
+                </a:solidFill>
+              </a:defRPr>
+            </a:lvl8pPr>
+            <a:lvl9pPr eaLnBrk="1" hangingPunct="1">
+              <a:defRPr>
+                <a:solidFill>
+                  <a:schemeClr val="tx2"/>
+                </a:solidFill>
+              </a:defRPr>
+            </a:lvl9pPr>
+          </a:lstStyle>
+          <a:p>
+            <a:r>
+              <a:rPr lang="en-IN" sz="1800" b="1" dirty="0">
+                <a:solidFill>
+                  <a:schemeClr val="bg1"/>
+                </a:solidFill>
+                <a:latin typeface="Arial" panose="020B0604020202020204" pitchFamily="34" charset="0"/>
+                <a:cs typeface="Arial" panose="020B0604020202020204" pitchFamily="34" charset="0"/>
+              </a:rPr>
+              <a:t>Bivariate Analysis</a:t>
+            </a:r>
+          </a:p>
+          <a:p>
+            <a:r>
+              <a:rPr lang="en-US" sz="1800" dirty="0">
+                <a:solidFill>
+                  <a:schemeClr val="bg1"/>
+                </a:solidFill>
+                <a:latin typeface="Arial" panose="020B0604020202020204" pitchFamily="34" charset="0"/>
+                <a:cs typeface="Arial" panose="020B0604020202020204" pitchFamily="34" charset="0"/>
+              </a:rPr>
+              <a:t>Bivariate analysis explores relationships between pairs of variables to identify correlations or patterns.</a:t>
+            </a:r>
+          </a:p>
+          <a:p>
+            <a:endParaRPr lang="en-US" sz="1800" b="1" dirty="0">
+              <a:solidFill>
+                <a:schemeClr val="bg1"/>
+              </a:solidFill>
+              <a:latin typeface="Arial" panose="020B0604020202020204" pitchFamily="34" charset="0"/>
+              <a:cs typeface="Arial" panose="020B0604020202020204" pitchFamily="34" charset="0"/>
+            </a:endParaRPr>
+          </a:p>
+          <a:p>
+            <a:r>
+              <a:rPr lang="en-US" sz="1800" b="1" dirty="0">
+                <a:solidFill>
+                  <a:schemeClr val="bg1"/>
+                </a:solidFill>
+                <a:latin typeface="Arial" panose="020B0604020202020204" pitchFamily="34" charset="0"/>
+                <a:cs typeface="Arial" panose="020B0604020202020204" pitchFamily="34" charset="0"/>
+              </a:rPr>
+              <a:t>Bivariate Analysis (scatterplot, boxplot): </a:t>
+            </a:r>
+            <a:r>
+              <a:rPr lang="en-US" sz="1800" dirty="0">
+                <a:solidFill>
+                  <a:schemeClr val="bg1"/>
+                </a:solidFill>
+                <a:latin typeface="Arial" panose="020B0604020202020204" pitchFamily="34" charset="0"/>
+                <a:cs typeface="Arial" panose="020B0604020202020204" pitchFamily="34" charset="0"/>
+              </a:rPr>
+              <a:t>Examines relationships between pairs of variables using scatter plots to show correlation and box plots to compare distributions across categories.</a:t>
+            </a:r>
+            <a:endParaRPr lang="en-IN" sz="1800" b="1" dirty="0">
+              <a:solidFill>
+                <a:schemeClr val="bg1"/>
+              </a:solidFill>
+              <a:latin typeface="Arial" panose="020B0604020202020204" pitchFamily="34" charset="0"/>
+              <a:cs typeface="Arial" panose="020B0604020202020204" pitchFamily="34" charset="0"/>
+            </a:endParaRPr>
+          </a:p>
+        </p:txBody>
+      </p:sp>
+      <p:sp>
+        <p:nvSpPr>
+          <p:cNvPr id="6" name="Title 1"/>
+          <p:cNvSpPr txBox="1">
+            <a:spLocks/>
+          </p:cNvSpPr>
+          <p:nvPr/>
+        </p:nvSpPr>
+        <p:spPr>
+          <a:xfrm>
+            <a:off x="8207679" y="2702819"/>
+            <a:ext cx="3209380" cy="3984584"/>
+          </a:xfrm>
+          <a:prstGeom prst="rect">
+            <a:avLst/>
+          </a:prstGeom>
+          <a:solidFill>
+            <a:schemeClr val="bg2">
+              <a:lumMod val="20000"/>
+              <a:lumOff val="80000"/>
+            </a:schemeClr>
+          </a:solidFill>
+          <a:ln>
+            <a:solidFill>
+              <a:srgbClr val="B01513"/>
+            </a:solidFill>
+          </a:ln>
+        </p:spPr>
+        <p:txBody>
+          <a:bodyPr vert="horz" lIns="91440" tIns="45720" rIns="91440" bIns="45720" rtlCol="0" anchor="t">
+            <a:noAutofit/>
+          </a:bodyPr>
+          <a:lstStyle>
+            <a:lvl1pPr algn="l" defTabSz="457200" rtl="0" eaLnBrk="1" latinLnBrk="0" hangingPunct="1">
+              <a:spcBef>
+                <a:spcPct val="0"/>
+              </a:spcBef>
+              <a:buNone/>
+              <a:defRPr sz="4200" b="0" i="0" kern="1200">
+                <a:solidFill>
+                  <a:schemeClr val="tx2"/>
+                </a:solidFill>
+                <a:latin typeface="+mj-lt"/>
+                <a:ea typeface="+mj-ea"/>
+                <a:cs typeface="+mj-cs"/>
+              </a:defRPr>
+            </a:lvl1pPr>
+            <a:lvl2pPr eaLnBrk="1" hangingPunct="1">
+              <a:defRPr>
+                <a:solidFill>
+                  <a:schemeClr val="tx2"/>
+                </a:solidFill>
+              </a:defRPr>
+            </a:lvl2pPr>
+            <a:lvl3pPr eaLnBrk="1" hangingPunct="1">
+              <a:defRPr>
+                <a:solidFill>
+                  <a:schemeClr val="tx2"/>
+                </a:solidFill>
+              </a:defRPr>
+            </a:lvl3pPr>
+            <a:lvl4pPr eaLnBrk="1" hangingPunct="1">
+              <a:defRPr>
+                <a:solidFill>
+                  <a:schemeClr val="tx2"/>
+                </a:solidFill>
+              </a:defRPr>
+            </a:lvl4pPr>
+            <a:lvl5pPr eaLnBrk="1" hangingPunct="1">
+              <a:defRPr>
+                <a:solidFill>
+                  <a:schemeClr val="tx2"/>
+                </a:solidFill>
+              </a:defRPr>
+            </a:lvl5pPr>
+            <a:lvl6pPr eaLnBrk="1" hangingPunct="1">
+              <a:defRPr>
+                <a:solidFill>
+                  <a:schemeClr val="tx2"/>
+                </a:solidFill>
+              </a:defRPr>
+            </a:lvl6pPr>
+            <a:lvl7pPr eaLnBrk="1" hangingPunct="1">
+              <a:defRPr>
+                <a:solidFill>
+                  <a:schemeClr val="tx2"/>
+                </a:solidFill>
+              </a:defRPr>
+            </a:lvl7pPr>
+            <a:lvl8pPr eaLnBrk="1" hangingPunct="1">
+              <a:defRPr>
+                <a:solidFill>
+                  <a:schemeClr val="tx2"/>
+                </a:solidFill>
+              </a:defRPr>
+            </a:lvl8pPr>
+            <a:lvl9pPr eaLnBrk="1" hangingPunct="1">
+              <a:defRPr>
+                <a:solidFill>
+                  <a:schemeClr val="tx2"/>
+                </a:solidFill>
+              </a:defRPr>
+            </a:lvl9pPr>
+          </a:lstStyle>
+          <a:p>
+            <a:r>
+              <a:rPr lang="en-IN" sz="1800" b="1" dirty="0">
+                <a:solidFill>
+                  <a:schemeClr val="bg1"/>
+                </a:solidFill>
+                <a:latin typeface="Arial" panose="020B0604020202020204" pitchFamily="34" charset="0"/>
+                <a:cs typeface="Arial" panose="020B0604020202020204" pitchFamily="34" charset="0"/>
+              </a:rPr>
+              <a:t>Multivariate Analysis</a:t>
+            </a:r>
+          </a:p>
+          <a:p>
+            <a:r>
+              <a:rPr lang="en-US" sz="1800" dirty="0">
+                <a:solidFill>
+                  <a:schemeClr val="bg1"/>
+                </a:solidFill>
+                <a:latin typeface="Arial" panose="020B0604020202020204" pitchFamily="34" charset="0"/>
+                <a:cs typeface="Arial" panose="020B0604020202020204" pitchFamily="34" charset="0"/>
+              </a:rPr>
+              <a:t>Multivariate analysis examines relationships among multiple variables simultaneously.</a:t>
+            </a:r>
+          </a:p>
+          <a:p>
+            <a:endParaRPr lang="en-US" sz="1800" b="1" dirty="0">
+              <a:solidFill>
+                <a:schemeClr val="bg1"/>
+              </a:solidFill>
+              <a:latin typeface="Arial" panose="020B0604020202020204" pitchFamily="34" charset="0"/>
+              <a:cs typeface="Arial" panose="020B0604020202020204" pitchFamily="34" charset="0"/>
+            </a:endParaRPr>
+          </a:p>
+          <a:p>
+            <a:endParaRPr lang="en-US" sz="1800" b="1" dirty="0">
+              <a:solidFill>
+                <a:schemeClr val="bg1"/>
+              </a:solidFill>
+              <a:latin typeface="Arial" panose="020B0604020202020204" pitchFamily="34" charset="0"/>
+              <a:cs typeface="Arial" panose="020B0604020202020204" pitchFamily="34" charset="0"/>
+            </a:endParaRPr>
+          </a:p>
+          <a:p>
+            <a:r>
+              <a:rPr lang="en-US" sz="1800" b="1" dirty="0">
+                <a:solidFill>
+                  <a:schemeClr val="bg1"/>
+                </a:solidFill>
+                <a:latin typeface="Arial" panose="020B0604020202020204" pitchFamily="34" charset="0"/>
+                <a:cs typeface="Arial" panose="020B0604020202020204" pitchFamily="34" charset="0"/>
+              </a:rPr>
+              <a:t>Multivariate Analysis (heatmap):</a:t>
+            </a:r>
+            <a:r>
+              <a:rPr lang="en-US" sz="1800" dirty="0">
+                <a:solidFill>
+                  <a:schemeClr val="bg1"/>
+                </a:solidFill>
+                <a:latin typeface="Arial" panose="020B0604020202020204" pitchFamily="34" charset="0"/>
+                <a:cs typeface="Arial" panose="020B0604020202020204" pitchFamily="34" charset="0"/>
+              </a:rPr>
+              <a:t> Displays correlations among multiple variables using a heatmap of the correlation matrix.</a:t>
+            </a:r>
+            <a:br>
+              <a:rPr lang="en-US" sz="1800" dirty="0">
+                <a:solidFill>
+                  <a:schemeClr val="bg1"/>
+                </a:solidFill>
+                <a:latin typeface="Arial" panose="020B0604020202020204" pitchFamily="34" charset="0"/>
+                <a:cs typeface="Arial" panose="020B0604020202020204" pitchFamily="34" charset="0"/>
+              </a:rPr>
+            </a:br>
+            <a:endParaRPr lang="en-IN" sz="1800" dirty="0">
+              <a:solidFill>
+                <a:schemeClr val="bg1"/>
+              </a:solidFill>
+              <a:latin typeface="Arial" panose="020B0604020202020204" pitchFamily="34" charset="0"/>
+              <a:cs typeface="Arial" panose="020B0604020202020204" pitchFamily="34" charset="0"/>
+            </a:endParaRPr>
+          </a:p>
+        </p:txBody>
+      </p:sp>
+    </p:spTree>
+    <p:extLst>
+      <p:ext uri="{BB962C8B-B14F-4D97-AF65-F5344CB8AC3E}">
+        <p14:creationId xmlns:p14="http://schemas.microsoft.com/office/powerpoint/2010/main" val="2814063333"/>
+      </p:ext>
+    </p:extLst>
+  </p:cSld>
+  <p:clrMapOvr>
+    <a:masterClrMapping/>
+  </p:clrMapOvr>
+  <p:timing>
+    <p:tnLst>
+      <p:par>
+        <p:cTn id="1" dur="indefinite" restart="never" nodeType="tmRoot"/>
+      </p:par>
+    </p:tnLst>
+  </p:timing>
+</p:sld>
+</file>
+
+<file path=ppt/slides/slide11.xml><?xml version="1.0" encoding="utf-8"?>
+<p:sld xmlns:a="http://schemas.openxmlformats.org/drawingml/2006/main" xmlns:r="http://schemas.openxmlformats.org/officeDocument/2006/relationships" xmlns:p="http://schemas.openxmlformats.org/presentationml/2006/main">
+  <p:cSld>
+    <p:spTree>
+      <p:nvGrpSpPr>
+        <p:cNvPr id="1" name=""/>
+        <p:cNvGrpSpPr/>
+        <p:nvPr/>
+      </p:nvGrpSpPr>
+      <p:grpSpPr>
+        <a:xfrm>
+          <a:off x="0" y="0"/>
+          <a:ext cx="0" cy="0"/>
+          <a:chOff x="0" y="0"/>
+          <a:chExt cx="0" cy="0"/>
+        </a:xfrm>
+      </p:grpSpPr>
+      <p:sp>
+        <p:nvSpPr>
+          <p:cNvPr id="2" name="Title 1"/>
+          <p:cNvSpPr>
+            <a:spLocks noGrp="1"/>
+          </p:cNvSpPr>
+          <p:nvPr>
+            <p:ph type="title"/>
+          </p:nvPr>
+        </p:nvSpPr>
         <p:spPr>
           <a:xfrm>
             <a:off x="141144" y="199102"/>
@@ -6438,8 +7183,326 @@
           <a:lstStyle/>
           <a:p>
             <a:r>
-              <a:rPr lang="en-IN" dirty="0"/>
-              <a:t>Univariate Analysis – Insights(#3)</a:t>
+              <a:rPr lang="en-IN" dirty="0">
+                <a:latin typeface="Arial" panose="020B0604020202020204" pitchFamily="34" charset="0"/>
+                <a:cs typeface="Arial" panose="020B0604020202020204" pitchFamily="34" charset="0"/>
+              </a:rPr>
+              <a:t>Univariate Analysis – Insights(#1)</a:t>
+            </a:r>
+          </a:p>
+        </p:txBody>
+      </p:sp>
+      <p:sp>
+        <p:nvSpPr>
+          <p:cNvPr id="6" name="Content Placeholder 2"/>
+          <p:cNvSpPr>
+            <a:spLocks noGrp="1"/>
+          </p:cNvSpPr>
+          <p:nvPr>
+            <p:ph idx="1"/>
+          </p:nvPr>
+        </p:nvSpPr>
+        <p:spPr>
+          <a:xfrm>
+            <a:off x="407276" y="908301"/>
+            <a:ext cx="5570443" cy="700264"/>
+          </a:xfrm>
+        </p:spPr>
+        <p:txBody>
+          <a:bodyPr>
+            <a:normAutofit/>
+          </a:bodyPr>
+          <a:lstStyle/>
+          <a:p>
+            <a:pPr marL="0" indent="0">
+              <a:buNone/>
+            </a:pPr>
+            <a:r>
+              <a:rPr lang="en-IN" b="1" dirty="0">
+                <a:latin typeface="Arial" panose="020B0604020202020204" pitchFamily="34" charset="0"/>
+                <a:cs typeface="Arial" panose="020B0604020202020204" pitchFamily="34" charset="0"/>
+              </a:rPr>
+              <a:t>Distribution of Loan Amount (Histogram)</a:t>
+            </a:r>
+          </a:p>
+        </p:txBody>
+      </p:sp>
+      <p:sp>
+        <p:nvSpPr>
+          <p:cNvPr id="10" name="Rectangle 9"/>
+          <p:cNvSpPr/>
+          <p:nvPr/>
+        </p:nvSpPr>
+        <p:spPr>
+          <a:xfrm>
+            <a:off x="556995" y="1285727"/>
+            <a:ext cx="9747065" cy="1077218"/>
+          </a:xfrm>
+          <a:prstGeom prst="rect">
+            <a:avLst/>
+          </a:prstGeom>
+        </p:spPr>
+        <p:txBody>
+          <a:bodyPr wrap="square">
+            <a:spAutoFit/>
+          </a:bodyPr>
+          <a:lstStyle/>
+          <a:p>
+            <a:r>
+              <a:rPr lang="en-US" sz="1600" dirty="0">
+                <a:latin typeface="Arial" panose="020B0604020202020204" pitchFamily="34" charset="0"/>
+                <a:cs typeface="Arial" panose="020B0604020202020204" pitchFamily="34" charset="0"/>
+              </a:rPr>
+              <a:t># Below represents how the loan amounts are distributed across different ranges</a:t>
+            </a:r>
+          </a:p>
+          <a:p>
+            <a:r>
+              <a:rPr lang="en-US" sz="1600" dirty="0">
+                <a:latin typeface="Arial" panose="020B0604020202020204" pitchFamily="34" charset="0"/>
+                <a:cs typeface="Arial" panose="020B0604020202020204" pitchFamily="34" charset="0"/>
+              </a:rPr>
+              <a:t># Most common amount range ($5000)</a:t>
+            </a:r>
+          </a:p>
+          <a:p>
+            <a:r>
+              <a:rPr lang="en-US" sz="1600" dirty="0">
+                <a:latin typeface="Arial" panose="020B0604020202020204" pitchFamily="34" charset="0"/>
+                <a:cs typeface="Arial" panose="020B0604020202020204" pitchFamily="34" charset="0"/>
+              </a:rPr>
+              <a:t># Spread/Diversity of Loan Amounts – between $5000 &amp; $25000</a:t>
+            </a:r>
+          </a:p>
+          <a:p>
+            <a:r>
+              <a:rPr lang="en-US" sz="1600" dirty="0">
+                <a:latin typeface="Arial" panose="020B0604020202020204" pitchFamily="34" charset="0"/>
+                <a:cs typeface="Arial" panose="020B0604020202020204" pitchFamily="34" charset="0"/>
+              </a:rPr>
+              <a:t># Below distribution is left skewed indicates common loan amount preferences ($5000) </a:t>
+            </a:r>
+            <a:endParaRPr lang="en-IN" sz="1600" dirty="0">
+              <a:latin typeface="Arial" panose="020B0604020202020204" pitchFamily="34" charset="0"/>
+              <a:cs typeface="Arial" panose="020B0604020202020204" pitchFamily="34" charset="0"/>
+            </a:endParaRPr>
+          </a:p>
+        </p:txBody>
+      </p:sp>
+      <p:sp>
+        <p:nvSpPr>
+          <p:cNvPr id="11" name="Rectangle 10"/>
+          <p:cNvSpPr/>
+          <p:nvPr/>
+        </p:nvSpPr>
+        <p:spPr>
+          <a:xfrm>
+            <a:off x="556995" y="2802588"/>
+            <a:ext cx="4735133" cy="3539430"/>
+          </a:xfrm>
+          <a:prstGeom prst="rect">
+            <a:avLst/>
+          </a:prstGeom>
+        </p:spPr>
+        <p:txBody>
+          <a:bodyPr wrap="square">
+            <a:spAutoFit/>
+          </a:bodyPr>
+          <a:lstStyle/>
+          <a:p>
+            <a:r>
+              <a:rPr lang="en-US" sz="1600" b="1" dirty="0">
+                <a:latin typeface="Arial" panose="020B0604020202020204" pitchFamily="34" charset="0"/>
+                <a:cs typeface="Arial" panose="020B0604020202020204" pitchFamily="34" charset="0"/>
+              </a:rPr>
+              <a:t>Business Implications:-</a:t>
+            </a:r>
+          </a:p>
+          <a:p>
+            <a:r>
+              <a:rPr lang="en-US" sz="1600" dirty="0">
+                <a:latin typeface="Arial" panose="020B0604020202020204" pitchFamily="34" charset="0"/>
+                <a:cs typeface="Arial" panose="020B0604020202020204" pitchFamily="34" charset="0"/>
+              </a:rPr>
+              <a:t># Understanding Borrower preferences </a:t>
+            </a:r>
+            <a:r>
+              <a:rPr lang="en-US" sz="1600" dirty="0">
+                <a:latin typeface="Arial" panose="020B0604020202020204" pitchFamily="34" charset="0"/>
+                <a:cs typeface="Arial" panose="020B0604020202020204" pitchFamily="34" charset="0"/>
+                <a:sym typeface="Wingdings" panose="05000000000000000000" pitchFamily="2" charset="2"/>
+              </a:rPr>
+              <a:t> Distribution of loan amount revealing popular loan sizes preferred by borrowers, which can influence product offerings &amp; Marketing strategies </a:t>
+            </a:r>
+            <a:endParaRPr lang="en-US" sz="1600" dirty="0">
+              <a:latin typeface="Arial" panose="020B0604020202020204" pitchFamily="34" charset="0"/>
+              <a:cs typeface="Arial" panose="020B0604020202020204" pitchFamily="34" charset="0"/>
+            </a:endParaRPr>
+          </a:p>
+          <a:p>
+            <a:r>
+              <a:rPr lang="en-US" sz="1600" dirty="0">
+                <a:latin typeface="Arial" panose="020B0604020202020204" pitchFamily="34" charset="0"/>
+                <a:cs typeface="Arial" panose="020B0604020202020204" pitchFamily="34" charset="0"/>
+              </a:rPr>
+              <a:t># Risk Assessment </a:t>
+            </a:r>
+            <a:r>
+              <a:rPr lang="en-US" sz="1600" dirty="0">
+                <a:latin typeface="Arial" panose="020B0604020202020204" pitchFamily="34" charset="0"/>
+                <a:cs typeface="Arial" panose="020B0604020202020204" pitchFamily="34" charset="0"/>
+                <a:sym typeface="Wingdings" panose="05000000000000000000" pitchFamily="2" charset="2"/>
+              </a:rPr>
+              <a:t> Higher concentration in certain range indicate potential credit risk / market demand.</a:t>
+            </a:r>
+            <a:endParaRPr lang="en-US" sz="1600" dirty="0">
+              <a:latin typeface="Arial" panose="020B0604020202020204" pitchFamily="34" charset="0"/>
+              <a:cs typeface="Arial" panose="020B0604020202020204" pitchFamily="34" charset="0"/>
+            </a:endParaRPr>
+          </a:p>
+          <a:p>
+            <a:r>
+              <a:rPr lang="en-US" sz="1600" dirty="0">
+                <a:latin typeface="Arial" panose="020B0604020202020204" pitchFamily="34" charset="0"/>
+                <a:cs typeface="Arial" panose="020B0604020202020204" pitchFamily="34" charset="0"/>
+              </a:rPr>
+              <a:t># Product Strategy </a:t>
+            </a:r>
+            <a:r>
+              <a:rPr lang="en-US" sz="1600" dirty="0">
+                <a:latin typeface="Arial" panose="020B0604020202020204" pitchFamily="34" charset="0"/>
+                <a:cs typeface="Arial" panose="020B0604020202020204" pitchFamily="34" charset="0"/>
+                <a:sym typeface="Wingdings" panose="05000000000000000000" pitchFamily="2" charset="2"/>
+              </a:rPr>
+              <a:t> Identifying popular loan sizes can guide product structuring &amp; segmentation</a:t>
+            </a:r>
+            <a:endParaRPr lang="en-US" sz="1600" dirty="0">
+              <a:latin typeface="Arial" panose="020B0604020202020204" pitchFamily="34" charset="0"/>
+              <a:cs typeface="Arial" panose="020B0604020202020204" pitchFamily="34" charset="0"/>
+            </a:endParaRPr>
+          </a:p>
+          <a:p>
+            <a:r>
+              <a:rPr lang="en-US" sz="1600" dirty="0">
+                <a:latin typeface="Arial" panose="020B0604020202020204" pitchFamily="34" charset="0"/>
+                <a:cs typeface="Arial" panose="020B0604020202020204" pitchFamily="34" charset="0"/>
+              </a:rPr>
+              <a:t># Decision Making </a:t>
+            </a:r>
+            <a:r>
+              <a:rPr lang="en-US" sz="1600" dirty="0">
+                <a:latin typeface="Arial" panose="020B0604020202020204" pitchFamily="34" charset="0"/>
+                <a:cs typeface="Arial" panose="020B0604020202020204" pitchFamily="34" charset="0"/>
+                <a:sym typeface="Wingdings" panose="05000000000000000000" pitchFamily="2" charset="2"/>
+              </a:rPr>
+              <a:t> All this data helps in loan approval criteria, risk assessment &amp; customer targeting.</a:t>
+            </a:r>
+            <a:endParaRPr lang="en-US" sz="1600" dirty="0">
+              <a:latin typeface="Arial" panose="020B0604020202020204" pitchFamily="34" charset="0"/>
+              <a:cs typeface="Arial" panose="020B0604020202020204" pitchFamily="34" charset="0"/>
+            </a:endParaRPr>
+          </a:p>
+        </p:txBody>
+      </p:sp>
+      <p:pic>
+        <p:nvPicPr>
+          <p:cNvPr id="8" name="Picture 7">
+            <a:extLst>
+              <a:ext uri="{FF2B5EF4-FFF2-40B4-BE49-F238E27FC236}">
+                <a16:creationId xmlns="" xmlns:a16="http://schemas.microsoft.com/office/drawing/2014/main" id="{DBFC8D15-078B-4FAE-BBD0-F891701C8F97}"/>
+              </a:ext>
+            </a:extLst>
+          </p:cNvPr>
+          <p:cNvPicPr>
+            <a:picLocks noChangeAspect="1"/>
+          </p:cNvPicPr>
+          <p:nvPr/>
+        </p:nvPicPr>
+        <p:blipFill>
+          <a:blip r:embed="rId2">
+            <a:extLst>
+              <a:ext uri="{28A0092B-C50C-407E-A947-70E740481C1C}">
+                <a14:useLocalDpi xmlns:a14="http://schemas.microsoft.com/office/drawing/2010/main" val="0"/>
+              </a:ext>
+            </a:extLst>
+          </a:blip>
+          <a:stretch>
+            <a:fillRect/>
+          </a:stretch>
+        </p:blipFill>
+        <p:spPr>
+          <a:xfrm>
+            <a:off x="5441849" y="2362945"/>
+            <a:ext cx="7112101" cy="4389129"/>
+          </a:xfrm>
+          <a:prstGeom prst="rect">
+            <a:avLst/>
+          </a:prstGeom>
+        </p:spPr>
+      </p:pic>
+    </p:spTree>
+    <p:extLst>
+      <p:ext uri="{BB962C8B-B14F-4D97-AF65-F5344CB8AC3E}">
+        <p14:creationId xmlns:p14="http://schemas.microsoft.com/office/powerpoint/2010/main" val="2814481821"/>
+      </p:ext>
+    </p:extLst>
+  </p:cSld>
+  <p:clrMapOvr>
+    <a:masterClrMapping/>
+  </p:clrMapOvr>
+  <p:timing>
+    <p:tnLst>
+      <p:par>
+        <p:cTn id="1" dur="indefinite" restart="never" nodeType="tmRoot"/>
+      </p:par>
+    </p:tnLst>
+  </p:timing>
+</p:sld>
+</file>
+
+<file path=ppt/slides/slide12.xml><?xml version="1.0" encoding="utf-8"?>
+<p:sld xmlns:a="http://schemas.openxmlformats.org/drawingml/2006/main" xmlns:r="http://schemas.openxmlformats.org/officeDocument/2006/relationships" xmlns:p="http://schemas.openxmlformats.org/presentationml/2006/main">
+  <p:cSld>
+    <p:spTree>
+      <p:nvGrpSpPr>
+        <p:cNvPr id="1" name=""/>
+        <p:cNvGrpSpPr/>
+        <p:nvPr/>
+      </p:nvGrpSpPr>
+      <p:grpSpPr>
+        <a:xfrm>
+          <a:off x="0" y="0"/>
+          <a:ext cx="0" cy="0"/>
+          <a:chOff x="0" y="0"/>
+          <a:chExt cx="0" cy="0"/>
+        </a:xfrm>
+      </p:grpSpPr>
+      <p:sp>
+        <p:nvSpPr>
+          <p:cNvPr id="2" name="Title 1"/>
+          <p:cNvSpPr>
+            <a:spLocks noGrp="1"/>
+          </p:cNvSpPr>
+          <p:nvPr>
+            <p:ph type="title"/>
+          </p:nvPr>
+        </p:nvSpPr>
+        <p:spPr>
+          <a:xfrm>
+            <a:off x="141144" y="199102"/>
+            <a:ext cx="9404723" cy="838128"/>
+          </a:xfrm>
+        </p:spPr>
+        <p:txBody>
+          <a:bodyPr/>
+          <a:lstStyle/>
+          <a:p>
+            <a:r>
+              <a:rPr lang="en-IN" dirty="0">
+                <a:latin typeface="Arial" panose="020B0604020202020204" pitchFamily="34" charset="0"/>
+                <a:cs typeface="Arial" panose="020B0604020202020204" pitchFamily="34" charset="0"/>
+              </a:rPr>
+              <a:t>Univariate Analysis – Insights(#2)</a:t>
             </a:r>
           </a:p>
         </p:txBody>
@@ -6454,8 +7517,8 @@
         </p:nvSpPr>
         <p:spPr>
           <a:xfrm>
-            <a:off x="405757" y="972275"/>
-            <a:ext cx="6020095" cy="514888"/>
+            <a:off x="405758" y="972275"/>
+            <a:ext cx="4043412" cy="514888"/>
           </a:xfrm>
           <a:prstGeom prst="rect">
             <a:avLst/>
@@ -6698,8 +7761,11 @@
               <a:buNone/>
             </a:pPr>
             <a:r>
-              <a:rPr lang="en-IN" b="1" dirty="0"/>
-              <a:t>Public Record of Bankruptcies Distribution (Bar Chart)</a:t>
+              <a:rPr lang="en-IN" b="1" dirty="0">
+                <a:latin typeface="Arial" panose="020B0604020202020204" pitchFamily="34" charset="0"/>
+                <a:cs typeface="Arial" panose="020B0604020202020204" pitchFamily="34" charset="0"/>
+              </a:rPr>
+              <a:t>Loan Status Distribution (Bar Chart)</a:t>
             </a:r>
           </a:p>
         </p:txBody>
@@ -6713,7 +7779,7 @@
         <p:spPr>
           <a:xfrm>
             <a:off x="665773" y="1335475"/>
-            <a:ext cx="10948068" cy="1323439"/>
+            <a:ext cx="10948068" cy="1077218"/>
           </a:xfrm>
           <a:prstGeom prst="rect">
             <a:avLst/>
@@ -6727,41 +7793,33 @@
           <a:p>
             <a:r>
               <a:rPr lang="en-US" sz="1600" dirty="0">
-                <a:latin typeface="Söhne"/>
-              </a:rPr>
-              <a:t># The chart below represents the </a:t>
-            </a:r>
-            <a:r>
-              <a:rPr lang="en-US" sz="1600" dirty="0"/>
-              <a:t>frequency or count of different categories (Pubic Record of Bankruptcies) within a categorical variable</a:t>
-            </a:r>
-            <a:endParaRPr lang="en-US" sz="1600" dirty="0">
-              <a:latin typeface="Söhne"/>
+                <a:latin typeface="Arial" panose="020B0604020202020204" pitchFamily="34" charset="0"/>
+                <a:cs typeface="Arial" panose="020B0604020202020204" pitchFamily="34" charset="0"/>
+              </a:rPr>
+              <a:t># Below chart represents frequency or count of different categories (loan statuses) within a categorical variable</a:t>
+            </a:r>
+          </a:p>
+          <a:p>
+            <a:r>
+              <a:rPr lang="en-US" sz="1600" dirty="0">
+                <a:latin typeface="Arial" panose="020B0604020202020204" pitchFamily="34" charset="0"/>
+                <a:cs typeface="Arial" panose="020B0604020202020204" pitchFamily="34" charset="0"/>
+              </a:rPr>
+              <a:t># Each bar represents a category (loan status), and the height of the bar corresponds to the number of occurrences (count) of that category in the dataset</a:t>
+            </a:r>
+          </a:p>
+          <a:p>
+            <a:r>
+              <a:rPr lang="en-US" sz="1600" dirty="0">
+                <a:latin typeface="Arial" panose="020B0604020202020204" pitchFamily="34" charset="0"/>
+                <a:cs typeface="Arial" panose="020B0604020202020204" pitchFamily="34" charset="0"/>
+              </a:rPr>
+              <a:t># Fully Paid (above ~30000), Charged Off(~5000) and Current – Performance of loans in terms of repayment</a:t>
+            </a:r>
+            <a:endParaRPr lang="en-IN" sz="1600" dirty="0">
+              <a:latin typeface="Arial" panose="020B0604020202020204" pitchFamily="34" charset="0"/>
+              <a:cs typeface="Arial" panose="020B0604020202020204" pitchFamily="34" charset="0"/>
             </a:endParaRPr>
-          </a:p>
-          <a:p>
-            <a:r>
-              <a:rPr lang="en-US" sz="1600" dirty="0">
-                <a:latin typeface="Söhne"/>
-              </a:rPr>
-              <a:t># </a:t>
-            </a:r>
-            <a:r>
-              <a:rPr lang="en-US" sz="1600" dirty="0"/>
-              <a:t>Each cluster of bars represents a category (Pubic Record of Bankruptcies), and the height of the bar corresponds to the number of occurrences (count) of that category in the dataset</a:t>
-            </a:r>
-            <a:endParaRPr lang="en-US" sz="1600" dirty="0">
-              <a:latin typeface="Söhne"/>
-            </a:endParaRPr>
-          </a:p>
-          <a:p>
-            <a:r>
-              <a:rPr lang="en-US" sz="1600" dirty="0">
-                <a:latin typeface="Söhne"/>
-              </a:rPr>
-              <a:t># </a:t>
-            </a:r>
-            <a:endParaRPr lang="en-IN" sz="1600" dirty="0"/>
           </a:p>
         </p:txBody>
       </p:sp>
@@ -6774,7 +7832,7 @@
         <p:spPr>
           <a:xfrm>
             <a:off x="665773" y="2957160"/>
-            <a:ext cx="4735133" cy="1569660"/>
+            <a:ext cx="4735133" cy="2062103"/>
           </a:xfrm>
           <a:prstGeom prst="rect">
             <a:avLst/>
@@ -6788,45 +7846,83 @@
           <a:p>
             <a:r>
               <a:rPr lang="en-US" sz="1600" b="1" dirty="0">
-                <a:latin typeface="Söhne"/>
+                <a:latin typeface="Arial" panose="020B0604020202020204" pitchFamily="34" charset="0"/>
+                <a:cs typeface="Arial" panose="020B0604020202020204" pitchFamily="34" charset="0"/>
               </a:rPr>
               <a:t>Business Implications:-</a:t>
             </a:r>
           </a:p>
           <a:p>
             <a:r>
-              <a:rPr lang="en-US" sz="1600" dirty="0"/>
+              <a:rPr lang="en-US" sz="1600" dirty="0">
+                <a:latin typeface="Arial" panose="020B0604020202020204" pitchFamily="34" charset="0"/>
+                <a:cs typeface="Arial" panose="020B0604020202020204" pitchFamily="34" charset="0"/>
+              </a:rPr>
               <a:t># Portfolio Management </a:t>
             </a:r>
             <a:r>
               <a:rPr lang="en-US" sz="1600" dirty="0">
+                <a:latin typeface="Arial" panose="020B0604020202020204" pitchFamily="34" charset="0"/>
+                <a:cs typeface="Arial" panose="020B0604020202020204" pitchFamily="34" charset="0"/>
                 <a:sym typeface="Wingdings" panose="05000000000000000000" pitchFamily="2" charset="2"/>
               </a:rPr>
-              <a:t> Loan status assists in areas that require attention (example: Public record of bankruptcies: 1-2)</a:t>
-            </a:r>
-            <a:endParaRPr lang="en-US" sz="1600" dirty="0"/>
-          </a:p>
-          <a:p>
-            <a:r>
-              <a:rPr lang="en-US" sz="1600" dirty="0"/>
+              <a:t> Loan status assists in areas that requires attention (example: Charged Off)</a:t>
+            </a:r>
+            <a:endParaRPr lang="en-US" sz="1600" dirty="0">
+              <a:latin typeface="Arial" panose="020B0604020202020204" pitchFamily="34" charset="0"/>
+              <a:cs typeface="Arial" panose="020B0604020202020204" pitchFamily="34" charset="0"/>
+            </a:endParaRPr>
+          </a:p>
+          <a:p>
+            <a:r>
+              <a:rPr lang="en-US" sz="1600" dirty="0">
+                <a:latin typeface="Arial" panose="020B0604020202020204" pitchFamily="34" charset="0"/>
+                <a:cs typeface="Arial" panose="020B0604020202020204" pitchFamily="34" charset="0"/>
+              </a:rPr>
               <a:t># Risk Assessment </a:t>
             </a:r>
             <a:r>
               <a:rPr lang="en-US" sz="1600" dirty="0">
+                <a:latin typeface="Arial" panose="020B0604020202020204" pitchFamily="34" charset="0"/>
+                <a:cs typeface="Arial" panose="020B0604020202020204" pitchFamily="34" charset="0"/>
                 <a:sym typeface="Wingdings" panose="05000000000000000000" pitchFamily="2" charset="2"/>
               </a:rPr>
-              <a:t> Potential default risk if applicant have previous bankruptcy record</a:t>
-            </a:r>
-            <a:endParaRPr lang="en-US" sz="1600" dirty="0"/>
+              <a:t> Potential default risk</a:t>
+            </a:r>
+            <a:endParaRPr lang="en-US" sz="1600" dirty="0">
+              <a:latin typeface="Arial" panose="020B0604020202020204" pitchFamily="34" charset="0"/>
+              <a:cs typeface="Arial" panose="020B0604020202020204" pitchFamily="34" charset="0"/>
+            </a:endParaRPr>
+          </a:p>
+          <a:p>
+            <a:r>
+              <a:rPr lang="en-US" sz="1600" dirty="0">
+                <a:latin typeface="Arial" panose="020B0604020202020204" pitchFamily="34" charset="0"/>
+                <a:cs typeface="Arial" panose="020B0604020202020204" pitchFamily="34" charset="0"/>
+              </a:rPr>
+              <a:t># Customer Engagement </a:t>
+            </a:r>
+            <a:r>
+              <a:rPr lang="en-US" sz="1600" dirty="0">
+                <a:latin typeface="Arial" panose="020B0604020202020204" pitchFamily="34" charset="0"/>
+                <a:cs typeface="Arial" panose="020B0604020202020204" pitchFamily="34" charset="0"/>
+                <a:sym typeface="Wingdings" panose="05000000000000000000" pitchFamily="2" charset="2"/>
+              </a:rPr>
+              <a:t> customer engagement strategies based on repayment behavior</a:t>
+            </a:r>
+            <a:endParaRPr lang="en-US" sz="1600" dirty="0">
+              <a:latin typeface="Arial" panose="020B0604020202020204" pitchFamily="34" charset="0"/>
+              <a:cs typeface="Arial" panose="020B0604020202020204" pitchFamily="34" charset="0"/>
+            </a:endParaRPr>
           </a:p>
         </p:txBody>
       </p:sp>
       <p:pic>
         <p:nvPicPr>
-          <p:cNvPr id="14" name="Picture 13">
+          <p:cNvPr id="4" name="Picture 3">
             <a:extLst>
               <a:ext uri="{FF2B5EF4-FFF2-40B4-BE49-F238E27FC236}">
-                <a16:creationId xmlns:a16="http://schemas.microsoft.com/office/drawing/2014/main" id="{AADA6BF1-BCA2-4E5C-9A57-10BEEB7C8BEF}"/>
+                <a16:creationId xmlns="" xmlns:a16="http://schemas.microsoft.com/office/drawing/2014/main" id="{022268F1-DAF7-4FAE-A28F-FE253B6FA2B2}"/>
               </a:ext>
             </a:extLst>
           </p:cNvPr>
@@ -6849,8 +7945,8 @@
         </p:blipFill>
         <p:spPr>
           <a:xfrm>
-            <a:off x="5339652" y="3130201"/>
-            <a:ext cx="6693598" cy="3346799"/>
+            <a:off x="5329033" y="2957159"/>
+            <a:ext cx="6689690" cy="3189448"/>
           </a:xfrm>
           <a:prstGeom prst="rect">
             <a:avLst/>
@@ -6860,17 +7956,24 @@
     </p:spTree>
     <p:extLst>
       <p:ext uri="{BB962C8B-B14F-4D97-AF65-F5344CB8AC3E}">
-        <p14:creationId xmlns:p14="http://schemas.microsoft.com/office/powerpoint/2010/main" val="3549061704"/>
+        <p14:creationId xmlns:p14="http://schemas.microsoft.com/office/powerpoint/2010/main" val="319134451"/>
       </p:ext>
     </p:extLst>
   </p:cSld>
   <p:clrMapOvr>
     <a:masterClrMapping/>
   </p:clrMapOvr>
+  <p:timing>
+    <p:tnLst>
+      <p:par>
+        <p:cTn id="1" dur="indefinite" restart="never" nodeType="tmRoot"/>
+      </p:par>
+    </p:tnLst>
+  </p:timing>
 </p:sld>
 </file>
 
-<file path=ppt/slides/slide11.xml><?xml version="1.0" encoding="utf-8"?>
+<file path=ppt/slides/slide13.xml><?xml version="1.0" encoding="utf-8"?>
 <p:sld xmlns:a="http://schemas.openxmlformats.org/drawingml/2006/main" xmlns:r="http://schemas.openxmlformats.org/officeDocument/2006/relationships" xmlns:p="http://schemas.openxmlformats.org/presentationml/2006/main">
   <p:cSld>
     <p:spTree>
@@ -6899,8 +8002,8 @@
         </p:nvSpPr>
         <p:spPr>
           <a:xfrm>
-            <a:off x="168439" y="193410"/>
-            <a:ext cx="9404723" cy="843820"/>
+            <a:off x="141144" y="199102"/>
+            <a:ext cx="9404723" cy="838128"/>
           </a:xfrm>
         </p:spPr>
         <p:txBody>
@@ -6908,22 +8011,288 @@
           <a:lstStyle/>
           <a:p>
             <a:r>
-              <a:rPr lang="en-IN" dirty="0"/>
-              <a:t>Bivariate Analysis – Insights (#1)</a:t>
-            </a:r>
-          </a:p>
-        </p:txBody>
-      </p:sp>
-      <p:sp>
-        <p:nvSpPr>
-          <p:cNvPr id="7" name="Rectangle 6"/>
+              <a:rPr lang="en-IN" dirty="0">
+                <a:latin typeface="Arial" panose="020B0604020202020204" pitchFamily="34" charset="0"/>
+                <a:cs typeface="Arial" panose="020B0604020202020204" pitchFamily="34" charset="0"/>
+              </a:rPr>
+              <a:t>Univariate Analysis – Insights(#3)</a:t>
+            </a:r>
+          </a:p>
+        </p:txBody>
+      </p:sp>
+      <p:sp>
+        <p:nvSpPr>
+          <p:cNvPr id="7" name="Content Placeholder 2"/>
+          <p:cNvSpPr txBox="1">
+            <a:spLocks/>
+          </p:cNvSpPr>
+          <p:nvPr/>
+        </p:nvSpPr>
+        <p:spPr>
+          <a:xfrm>
+            <a:off x="405757" y="972275"/>
+            <a:ext cx="6020095" cy="514888"/>
+          </a:xfrm>
+          <a:prstGeom prst="rect">
+            <a:avLst/>
+          </a:prstGeom>
+        </p:spPr>
+        <p:txBody>
+          <a:bodyPr vert="horz" lIns="91440" tIns="45720" rIns="91440" bIns="45720" rtlCol="0">
+            <a:normAutofit fontScale="85000" lnSpcReduction="10000"/>
+          </a:bodyPr>
+          <a:lstStyle>
+            <a:lvl1pPr marL="342900" indent="-342900" algn="l" defTabSz="457200" rtl="0" eaLnBrk="1" latinLnBrk="0" hangingPunct="1">
+              <a:spcBef>
+                <a:spcPts val="1000"/>
+              </a:spcBef>
+              <a:spcAft>
+                <a:spcPts val="0"/>
+              </a:spcAft>
+              <a:buClr>
+                <a:schemeClr val="bg2">
+                  <a:lumMod val="40000"/>
+                  <a:lumOff val="60000"/>
+                </a:schemeClr>
+              </a:buClr>
+              <a:buSzPct val="80000"/>
+              <a:buFont typeface="Wingdings 3" charset="2"/>
+              <a:buChar char=""/>
+              <a:defRPr sz="2000" b="0" i="0" kern="1200">
+                <a:solidFill>
+                  <a:schemeClr val="tx1"/>
+                </a:solidFill>
+                <a:latin typeface="+mj-lt"/>
+                <a:ea typeface="+mj-ea"/>
+                <a:cs typeface="+mj-cs"/>
+              </a:defRPr>
+            </a:lvl1pPr>
+            <a:lvl2pPr marL="742950" indent="-285750" algn="l" defTabSz="457200" rtl="0" eaLnBrk="1" latinLnBrk="0" hangingPunct="1">
+              <a:spcBef>
+                <a:spcPts val="1000"/>
+              </a:spcBef>
+              <a:spcAft>
+                <a:spcPts val="0"/>
+              </a:spcAft>
+              <a:buClr>
+                <a:schemeClr val="bg2">
+                  <a:lumMod val="40000"/>
+                  <a:lumOff val="60000"/>
+                </a:schemeClr>
+              </a:buClr>
+              <a:buSzPct val="80000"/>
+              <a:buFont typeface="Wingdings 3" charset="2"/>
+              <a:buChar char=""/>
+              <a:defRPr sz="1800" b="0" i="0" kern="1200">
+                <a:solidFill>
+                  <a:schemeClr val="tx1"/>
+                </a:solidFill>
+                <a:latin typeface="+mj-lt"/>
+                <a:ea typeface="+mj-ea"/>
+                <a:cs typeface="+mj-cs"/>
+              </a:defRPr>
+            </a:lvl2pPr>
+            <a:lvl3pPr marL="1143000" indent="-228600" algn="l" defTabSz="457200" rtl="0" eaLnBrk="1" latinLnBrk="0" hangingPunct="1">
+              <a:spcBef>
+                <a:spcPts val="1000"/>
+              </a:spcBef>
+              <a:spcAft>
+                <a:spcPts val="0"/>
+              </a:spcAft>
+              <a:buClr>
+                <a:schemeClr val="bg2">
+                  <a:lumMod val="40000"/>
+                  <a:lumOff val="60000"/>
+                </a:schemeClr>
+              </a:buClr>
+              <a:buSzPct val="80000"/>
+              <a:buFont typeface="Wingdings 3" charset="2"/>
+              <a:buChar char=""/>
+              <a:defRPr sz="1600" b="0" i="0" kern="1200">
+                <a:solidFill>
+                  <a:schemeClr val="tx1"/>
+                </a:solidFill>
+                <a:latin typeface="+mj-lt"/>
+                <a:ea typeface="+mj-ea"/>
+                <a:cs typeface="+mj-cs"/>
+              </a:defRPr>
+            </a:lvl3pPr>
+            <a:lvl4pPr marL="1600200" indent="-228600" algn="l" defTabSz="457200" rtl="0" eaLnBrk="1" latinLnBrk="0" hangingPunct="1">
+              <a:spcBef>
+                <a:spcPts val="1000"/>
+              </a:spcBef>
+              <a:spcAft>
+                <a:spcPts val="0"/>
+              </a:spcAft>
+              <a:buClr>
+                <a:schemeClr val="bg2">
+                  <a:lumMod val="40000"/>
+                  <a:lumOff val="60000"/>
+                </a:schemeClr>
+              </a:buClr>
+              <a:buSzPct val="80000"/>
+              <a:buFont typeface="Wingdings 3" charset="2"/>
+              <a:buChar char=""/>
+              <a:defRPr sz="1400" b="0" i="0" kern="1200">
+                <a:solidFill>
+                  <a:schemeClr val="tx1"/>
+                </a:solidFill>
+                <a:latin typeface="+mj-lt"/>
+                <a:ea typeface="+mj-ea"/>
+                <a:cs typeface="+mj-cs"/>
+              </a:defRPr>
+            </a:lvl4pPr>
+            <a:lvl5pPr marL="2057400" indent="-228600" algn="l" defTabSz="457200" rtl="0" eaLnBrk="1" latinLnBrk="0" hangingPunct="1">
+              <a:spcBef>
+                <a:spcPts val="1000"/>
+              </a:spcBef>
+              <a:spcAft>
+                <a:spcPts val="0"/>
+              </a:spcAft>
+              <a:buClr>
+                <a:schemeClr val="bg2">
+                  <a:lumMod val="40000"/>
+                  <a:lumOff val="60000"/>
+                </a:schemeClr>
+              </a:buClr>
+              <a:buSzPct val="80000"/>
+              <a:buFont typeface="Wingdings 3" charset="2"/>
+              <a:buChar char=""/>
+              <a:defRPr sz="1400" b="0" i="0" kern="1200">
+                <a:solidFill>
+                  <a:schemeClr val="tx1"/>
+                </a:solidFill>
+                <a:latin typeface="+mj-lt"/>
+                <a:ea typeface="+mj-ea"/>
+                <a:cs typeface="+mj-cs"/>
+              </a:defRPr>
+            </a:lvl5pPr>
+            <a:lvl6pPr marL="2506000" indent="-228600" algn="l" defTabSz="457200" rtl="0" eaLnBrk="1" latinLnBrk="0" hangingPunct="1">
+              <a:spcBef>
+                <a:spcPts val="1000"/>
+              </a:spcBef>
+              <a:spcAft>
+                <a:spcPts val="0"/>
+              </a:spcAft>
+              <a:buClr>
+                <a:schemeClr val="bg2">
+                  <a:lumMod val="40000"/>
+                  <a:lumOff val="60000"/>
+                </a:schemeClr>
+              </a:buClr>
+              <a:buSzPct val="80000"/>
+              <a:buFont typeface="Wingdings 3" charset="2"/>
+              <a:buChar char=""/>
+              <a:defRPr sz="1400" b="0" i="0" kern="1200">
+                <a:solidFill>
+                  <a:schemeClr val="tx1"/>
+                </a:solidFill>
+                <a:latin typeface="+mj-lt"/>
+                <a:ea typeface="+mj-ea"/>
+                <a:cs typeface="+mj-cs"/>
+              </a:defRPr>
+            </a:lvl6pPr>
+            <a:lvl7pPr marL="2971800" indent="-228600" algn="l" defTabSz="457200" rtl="0" eaLnBrk="1" latinLnBrk="0" hangingPunct="1">
+              <a:spcBef>
+                <a:spcPts val="1000"/>
+              </a:spcBef>
+              <a:spcAft>
+                <a:spcPts val="0"/>
+              </a:spcAft>
+              <a:buClr>
+                <a:schemeClr val="bg2">
+                  <a:lumMod val="40000"/>
+                  <a:lumOff val="60000"/>
+                </a:schemeClr>
+              </a:buClr>
+              <a:buSzPct val="80000"/>
+              <a:buFont typeface="Wingdings 3" charset="2"/>
+              <a:buChar char=""/>
+              <a:defRPr sz="1400" b="0" i="0" kern="1200">
+                <a:solidFill>
+                  <a:schemeClr val="tx1"/>
+                </a:solidFill>
+                <a:latin typeface="+mj-lt"/>
+                <a:ea typeface="+mj-ea"/>
+                <a:cs typeface="+mj-cs"/>
+              </a:defRPr>
+            </a:lvl7pPr>
+            <a:lvl8pPr marL="3429000" indent="-228600" algn="l" defTabSz="457200" rtl="0" eaLnBrk="1" latinLnBrk="0" hangingPunct="1">
+              <a:spcBef>
+                <a:spcPts val="1000"/>
+              </a:spcBef>
+              <a:spcAft>
+                <a:spcPts val="0"/>
+              </a:spcAft>
+              <a:buClr>
+                <a:schemeClr val="bg2">
+                  <a:lumMod val="40000"/>
+                  <a:lumOff val="60000"/>
+                </a:schemeClr>
+              </a:buClr>
+              <a:buSzPct val="80000"/>
+              <a:buFont typeface="Wingdings 3" charset="2"/>
+              <a:buChar char=""/>
+              <a:defRPr sz="1400" b="0" i="0" kern="1200">
+                <a:solidFill>
+                  <a:schemeClr val="tx1"/>
+                </a:solidFill>
+                <a:latin typeface="+mj-lt"/>
+                <a:ea typeface="+mj-ea"/>
+                <a:cs typeface="+mj-cs"/>
+              </a:defRPr>
+            </a:lvl8pPr>
+            <a:lvl9pPr marL="3886200" indent="-228600" algn="l" defTabSz="457200" rtl="0" eaLnBrk="1" latinLnBrk="0" hangingPunct="1">
+              <a:spcBef>
+                <a:spcPts val="1000"/>
+              </a:spcBef>
+              <a:spcAft>
+                <a:spcPts val="0"/>
+              </a:spcAft>
+              <a:buClr>
+                <a:schemeClr val="bg2">
+                  <a:lumMod val="40000"/>
+                  <a:lumOff val="60000"/>
+                </a:schemeClr>
+              </a:buClr>
+              <a:buSzPct val="80000"/>
+              <a:buFont typeface="Wingdings 3" charset="2"/>
+              <a:buChar char=""/>
+              <a:defRPr sz="1400" b="0" i="0" kern="1200">
+                <a:solidFill>
+                  <a:schemeClr val="tx1"/>
+                </a:solidFill>
+                <a:latin typeface="+mj-lt"/>
+                <a:ea typeface="+mj-ea"/>
+                <a:cs typeface="+mj-cs"/>
+              </a:defRPr>
+            </a:lvl9pPr>
+          </a:lstStyle>
+          <a:p>
+            <a:pPr marL="0" indent="0">
+              <a:buFont typeface="Wingdings 3" charset="2"/>
+              <a:buNone/>
+            </a:pPr>
+            <a:r>
+              <a:rPr lang="en-IN" b="1" dirty="0">
+                <a:latin typeface="Arial" panose="020B0604020202020204" pitchFamily="34" charset="0"/>
+                <a:cs typeface="Arial" panose="020B0604020202020204" pitchFamily="34" charset="0"/>
+              </a:rPr>
+              <a:t>Public Record of Bankruptcies Distribution (Bar Chart)</a:t>
+            </a:r>
+          </a:p>
+        </p:txBody>
+      </p:sp>
+      <p:sp>
+        <p:nvSpPr>
+          <p:cNvPr id="10" name="Rectangle 9"/>
           <p:cNvSpPr/>
           <p:nvPr/>
         </p:nvSpPr>
         <p:spPr>
           <a:xfrm>
-            <a:off x="168439" y="852564"/>
-            <a:ext cx="7010283" cy="369332"/>
+            <a:off x="665773" y="1335475"/>
+            <a:ext cx="10948068" cy="1323439"/>
           </a:xfrm>
           <a:prstGeom prst="rect">
             <a:avLst/>
@@ -6936,22 +8305,47 @@
           <a:lstStyle/>
           <a:p>
             <a:r>
-              <a:rPr lang="en-IN" b="1" dirty="0"/>
-              <a:t>Loan Amount vs. Debt-to-Income Ratio (Scatter Plot) </a:t>
-            </a:r>
-          </a:p>
-        </p:txBody>
-      </p:sp>
-      <p:sp>
-        <p:nvSpPr>
-          <p:cNvPr id="10" name="Rectangle 9"/>
+              <a:rPr lang="en-US" sz="1600" dirty="0">
+                <a:latin typeface="Arial" panose="020B0604020202020204" pitchFamily="34" charset="0"/>
+                <a:cs typeface="Arial" panose="020B0604020202020204" pitchFamily="34" charset="0"/>
+              </a:rPr>
+              <a:t># The chart below represents the frequency or count of different categories (Pubic Record of Bankruptcies) within a categorical variable</a:t>
+            </a:r>
+          </a:p>
+          <a:p>
+            <a:r>
+              <a:rPr lang="en-US" sz="1600" dirty="0">
+                <a:latin typeface="Arial" panose="020B0604020202020204" pitchFamily="34" charset="0"/>
+                <a:cs typeface="Arial" panose="020B0604020202020204" pitchFamily="34" charset="0"/>
+              </a:rPr>
+              <a:t># Each cluster of bars represents a category (Pubic Record of Bankruptcies), and the height of the bar corresponds to the number of occurrences (count) of that category in the dataset</a:t>
+            </a:r>
+          </a:p>
+          <a:p>
+            <a:r>
+              <a:rPr lang="en-US" sz="1600" dirty="0">
+                <a:latin typeface="Arial" panose="020B0604020202020204" pitchFamily="34" charset="0"/>
+                <a:cs typeface="Arial" panose="020B0604020202020204" pitchFamily="34" charset="0"/>
+              </a:rPr>
+              <a:t># </a:t>
+            </a:r>
+            <a:endParaRPr lang="en-IN" sz="1600" dirty="0">
+              <a:latin typeface="Arial" panose="020B0604020202020204" pitchFamily="34" charset="0"/>
+              <a:cs typeface="Arial" panose="020B0604020202020204" pitchFamily="34" charset="0"/>
+            </a:endParaRPr>
+          </a:p>
+        </p:txBody>
+      </p:sp>
+      <p:sp>
+        <p:nvSpPr>
+          <p:cNvPr id="11" name="Rectangle 10"/>
           <p:cNvSpPr/>
           <p:nvPr/>
         </p:nvSpPr>
         <p:spPr>
           <a:xfrm>
-            <a:off x="665773" y="1335475"/>
-            <a:ext cx="10948068" cy="1077218"/>
+            <a:off x="665773" y="2957160"/>
+            <a:ext cx="4735133" cy="1569660"/>
           </a:xfrm>
           <a:prstGeom prst="rect">
             <a:avLst/>
@@ -6964,93 +8358,63 @@
           <a:lstStyle/>
           <a:p>
             <a:r>
+              <a:rPr lang="en-US" sz="1600" b="1" dirty="0">
+                <a:latin typeface="Arial" panose="020B0604020202020204" pitchFamily="34" charset="0"/>
+                <a:cs typeface="Arial" panose="020B0604020202020204" pitchFamily="34" charset="0"/>
+              </a:rPr>
+              <a:t>Business Implications:-</a:t>
+            </a:r>
+          </a:p>
+          <a:p>
+            <a:r>
               <a:rPr lang="en-US" sz="1600" dirty="0">
-                <a:latin typeface="Söhne"/>
-              </a:rPr>
-              <a:t># Below represents in X-axis is loan amount requested by borrowers. Each points position along the x-axis is size of loan. </a:t>
-            </a:r>
-          </a:p>
-          <a:p>
+                <a:latin typeface="Arial" panose="020B0604020202020204" pitchFamily="34" charset="0"/>
+                <a:cs typeface="Arial" panose="020B0604020202020204" pitchFamily="34" charset="0"/>
+              </a:rPr>
+              <a:t># Portfolio Management </a:t>
+            </a:r>
             <a:r>
               <a:rPr lang="en-US" sz="1600" dirty="0">
-                <a:latin typeface="Söhne"/>
-              </a:rPr>
-              <a:t># And in Y-axis, represents the debt-to-income ratio, which is the ratio of a borrower's total monthly debt payments to their monthly gross income. Each point's position along this y-axis signifies the borrower's DTI ratio.</a:t>
-            </a:r>
-          </a:p>
-        </p:txBody>
-      </p:sp>
-      <p:sp>
-        <p:nvSpPr>
-          <p:cNvPr id="11" name="Rectangle 10"/>
-          <p:cNvSpPr/>
-          <p:nvPr/>
-        </p:nvSpPr>
-        <p:spPr>
-          <a:xfrm>
-            <a:off x="665773" y="2957160"/>
-            <a:ext cx="4735133" cy="2554545"/>
-          </a:xfrm>
-          <a:prstGeom prst="rect">
-            <a:avLst/>
-          </a:prstGeom>
-        </p:spPr>
-        <p:txBody>
-          <a:bodyPr wrap="square">
-            <a:spAutoFit/>
-          </a:bodyPr>
-          <a:lstStyle/>
-          <a:p>
-            <a:r>
-              <a:rPr lang="en-US" sz="1600" b="1" dirty="0">
-                <a:latin typeface="Söhne"/>
-              </a:rPr>
-              <a:t>Business Implications:-</a:t>
-            </a:r>
-          </a:p>
-          <a:p>
-            <a:r>
-              <a:rPr lang="en-US" sz="1600" dirty="0"/>
-              <a:t>#Risk Assessment </a:t>
-            </a:r>
+                <a:latin typeface="Arial" panose="020B0604020202020204" pitchFamily="34" charset="0"/>
+                <a:cs typeface="Arial" panose="020B0604020202020204" pitchFamily="34" charset="0"/>
+                <a:sym typeface="Wingdings" panose="05000000000000000000" pitchFamily="2" charset="2"/>
+              </a:rPr>
+              <a:t> Loan status assists in areas that require attention (example: Public record of bankruptcies: 1-2)</a:t>
+            </a:r>
+            <a:endParaRPr lang="en-US" sz="1600" dirty="0">
+              <a:latin typeface="Arial" panose="020B0604020202020204" pitchFamily="34" charset="0"/>
+              <a:cs typeface="Arial" panose="020B0604020202020204" pitchFamily="34" charset="0"/>
+            </a:endParaRPr>
+          </a:p>
+          <a:p>
             <a:r>
               <a:rPr lang="en-US" sz="1600" dirty="0">
+                <a:latin typeface="Arial" panose="020B0604020202020204" pitchFamily="34" charset="0"/>
+                <a:cs typeface="Arial" panose="020B0604020202020204" pitchFamily="34" charset="0"/>
+              </a:rPr>
+              <a:t># Risk Assessment </a:t>
+            </a:r>
+            <a:r>
+              <a:rPr lang="en-US" sz="1600" dirty="0">
+                <a:latin typeface="Arial" panose="020B0604020202020204" pitchFamily="34" charset="0"/>
+                <a:cs typeface="Arial" panose="020B0604020202020204" pitchFamily="34" charset="0"/>
                 <a:sym typeface="Wingdings" panose="05000000000000000000" pitchFamily="2" charset="2"/>
               </a:rPr>
-              <a:t> </a:t>
-            </a:r>
-            <a:r>
-              <a:rPr lang="en-US" sz="1600" b="1" dirty="0"/>
-              <a:t>High Loan Amounts with High DTI </a:t>
-            </a:r>
-            <a:r>
-              <a:rPr lang="en-US" sz="1600" b="1" dirty="0">
-                <a:sym typeface="Wingdings" panose="05000000000000000000" pitchFamily="2" charset="2"/>
-              </a:rPr>
-              <a:t> </a:t>
-            </a:r>
-            <a:r>
-              <a:rPr lang="en-US" sz="1600" dirty="0"/>
-              <a:t>Points clustered at high loan amounts and high DTI ratios may indicate borrowers with potentially higher financial risk.</a:t>
-            </a:r>
-          </a:p>
-          <a:p>
-            <a:br>
-              <a:rPr lang="en-US" sz="1600" dirty="0"/>
-            </a:br>
-            <a:r>
-              <a:rPr lang="en-US" sz="1600" dirty="0"/>
-              <a:t>from scatter plot – it indicates that high DTI ratio is 25 &amp; till amounts ($20000) when compared between DTI ratio between 25 – 30 &amp; Loan amounts between $20000 - $ 30000</a:t>
-            </a:r>
+              <a:t> Potential default risk if applicant have previous bankruptcy record</a:t>
+            </a:r>
+            <a:endParaRPr lang="en-US" sz="1600" dirty="0">
+              <a:latin typeface="Arial" panose="020B0604020202020204" pitchFamily="34" charset="0"/>
+              <a:cs typeface="Arial" panose="020B0604020202020204" pitchFamily="34" charset="0"/>
+            </a:endParaRPr>
           </a:p>
         </p:txBody>
       </p:sp>
       <p:pic>
         <p:nvPicPr>
-          <p:cNvPr id="4" name="Picture 3">
+          <p:cNvPr id="14" name="Picture 13">
             <a:extLst>
               <a:ext uri="{FF2B5EF4-FFF2-40B4-BE49-F238E27FC236}">
-                <a16:creationId xmlns:a16="http://schemas.microsoft.com/office/drawing/2014/main" id="{08B6D0DF-2AF9-46C3-8705-3A6215DB5988}"/>
+                <a16:creationId xmlns="" xmlns:a16="http://schemas.microsoft.com/office/drawing/2014/main" id="{AADA6BF1-BCA2-4E5C-9A57-10BEEB7C8BEF}"/>
               </a:ext>
             </a:extLst>
           </p:cNvPr>
@@ -7073,8 +8437,8 @@
         </p:blipFill>
         <p:spPr>
           <a:xfrm>
-            <a:off x="5176866" y="2828925"/>
-            <a:ext cx="6948459" cy="3835665"/>
+            <a:off x="5339652" y="3130201"/>
+            <a:ext cx="6693598" cy="3346799"/>
           </a:xfrm>
           <a:prstGeom prst="rect">
             <a:avLst/>
@@ -7084,17 +8448,24 @@
     </p:spTree>
     <p:extLst>
       <p:ext uri="{BB962C8B-B14F-4D97-AF65-F5344CB8AC3E}">
-        <p14:creationId xmlns:p14="http://schemas.microsoft.com/office/powerpoint/2010/main" val="3720700355"/>
+        <p14:creationId xmlns:p14="http://schemas.microsoft.com/office/powerpoint/2010/main" val="3549061704"/>
       </p:ext>
     </p:extLst>
   </p:cSld>
   <p:clrMapOvr>
     <a:masterClrMapping/>
   </p:clrMapOvr>
+  <p:timing>
+    <p:tnLst>
+      <p:par>
+        <p:cTn id="1" dur="indefinite" restart="never" nodeType="tmRoot"/>
+      </p:par>
+    </p:tnLst>
+  </p:timing>
 </p:sld>
 </file>
 
-<file path=ppt/slides/slide12.xml><?xml version="1.0" encoding="utf-8"?>
+<file path=ppt/slides/slide14.xml><?xml version="1.0" encoding="utf-8"?>
 <p:sld xmlns:a="http://schemas.openxmlformats.org/drawingml/2006/main" xmlns:r="http://schemas.openxmlformats.org/officeDocument/2006/relationships" xmlns:p="http://schemas.openxmlformats.org/presentationml/2006/main">
   <p:cSld>
     <p:spTree>
@@ -7132,15 +8503,181 @@
           <a:lstStyle/>
           <a:p>
             <a:r>
-              <a:rPr lang="en-IN" dirty="0"/>
-              <a:t>Bivariate Analysis – Insights (#2)</a:t>
+              <a:rPr lang="en-IN" dirty="0">
+                <a:latin typeface="Arial" panose="020B0604020202020204" pitchFamily="34" charset="0"/>
+                <a:cs typeface="Arial" panose="020B0604020202020204" pitchFamily="34" charset="0"/>
+              </a:rPr>
+              <a:t>Bivariate Analysis – Insights (#1)</a:t>
+            </a:r>
+          </a:p>
+        </p:txBody>
+      </p:sp>
+      <p:sp>
+        <p:nvSpPr>
+          <p:cNvPr id="7" name="Rectangle 6"/>
+          <p:cNvSpPr/>
+          <p:nvPr/>
+        </p:nvSpPr>
+        <p:spPr>
+          <a:xfrm>
+            <a:off x="168439" y="852564"/>
+            <a:ext cx="7010283" cy="369332"/>
+          </a:xfrm>
+          <a:prstGeom prst="rect">
+            <a:avLst/>
+          </a:prstGeom>
+        </p:spPr>
+        <p:txBody>
+          <a:bodyPr wrap="square">
+            <a:spAutoFit/>
+          </a:bodyPr>
+          <a:lstStyle/>
+          <a:p>
+            <a:r>
+              <a:rPr lang="en-IN" b="1" dirty="0">
+                <a:latin typeface="Arial" panose="020B0604020202020204" pitchFamily="34" charset="0"/>
+                <a:cs typeface="Arial" panose="020B0604020202020204" pitchFamily="34" charset="0"/>
+              </a:rPr>
+              <a:t>Loan Amount vs. Debt-to-Income Ratio (Scatter Plot) </a:t>
+            </a:r>
+          </a:p>
+        </p:txBody>
+      </p:sp>
+      <p:sp>
+        <p:nvSpPr>
+          <p:cNvPr id="10" name="Rectangle 9"/>
+          <p:cNvSpPr/>
+          <p:nvPr/>
+        </p:nvSpPr>
+        <p:spPr>
+          <a:xfrm>
+            <a:off x="665773" y="1103459"/>
+            <a:ext cx="10948068" cy="1077218"/>
+          </a:xfrm>
+          <a:prstGeom prst="rect">
+            <a:avLst/>
+          </a:prstGeom>
+        </p:spPr>
+        <p:txBody>
+          <a:bodyPr wrap="square">
+            <a:spAutoFit/>
+          </a:bodyPr>
+          <a:lstStyle/>
+          <a:p>
+            <a:r>
+              <a:rPr lang="en-US" sz="1600" dirty="0">
+                <a:latin typeface="Arial" panose="020B0604020202020204" pitchFamily="34" charset="0"/>
+                <a:cs typeface="Arial" panose="020B0604020202020204" pitchFamily="34" charset="0"/>
+              </a:rPr>
+              <a:t># Below represents in X-axis is loan amount requested by borrowers. Each points position along the x-axis is size of loan. </a:t>
+            </a:r>
+          </a:p>
+          <a:p>
+            <a:r>
+              <a:rPr lang="en-US" sz="1600" dirty="0">
+                <a:latin typeface="Arial" panose="020B0604020202020204" pitchFamily="34" charset="0"/>
+                <a:cs typeface="Arial" panose="020B0604020202020204" pitchFamily="34" charset="0"/>
+              </a:rPr>
+              <a:t># And in Y-axis, represents the debt-to-income ratio, which is the ratio of a borrower's total monthly debt payments to their monthly gross income. Each point's position along this y-axis signifies the borrower's DTI ratio.</a:t>
+            </a:r>
+          </a:p>
+        </p:txBody>
+      </p:sp>
+      <p:sp>
+        <p:nvSpPr>
+          <p:cNvPr id="11" name="Rectangle 10"/>
+          <p:cNvSpPr/>
+          <p:nvPr/>
+        </p:nvSpPr>
+        <p:spPr>
+          <a:xfrm>
+            <a:off x="168439" y="2534078"/>
+            <a:ext cx="3393627" cy="3539430"/>
+          </a:xfrm>
+          <a:prstGeom prst="rect">
+            <a:avLst/>
+          </a:prstGeom>
+        </p:spPr>
+        <p:txBody>
+          <a:bodyPr wrap="square">
+            <a:spAutoFit/>
+          </a:bodyPr>
+          <a:lstStyle/>
+          <a:p>
+            <a:r>
+              <a:rPr lang="en-US" sz="1600" b="1" dirty="0">
+                <a:latin typeface="Arial" panose="020B0604020202020204" pitchFamily="34" charset="0"/>
+                <a:cs typeface="Arial" panose="020B0604020202020204" pitchFamily="34" charset="0"/>
+              </a:rPr>
+              <a:t>Business Implications:-</a:t>
+            </a:r>
+          </a:p>
+          <a:p>
+            <a:r>
+              <a:rPr lang="en-US" sz="1600" dirty="0">
+                <a:latin typeface="Arial" panose="020B0604020202020204" pitchFamily="34" charset="0"/>
+                <a:cs typeface="Arial" panose="020B0604020202020204" pitchFamily="34" charset="0"/>
+              </a:rPr>
+              <a:t>#Risk Assessment </a:t>
+            </a:r>
+            <a:r>
+              <a:rPr lang="en-US" sz="1600" dirty="0">
+                <a:latin typeface="Arial" panose="020B0604020202020204" pitchFamily="34" charset="0"/>
+                <a:cs typeface="Arial" panose="020B0604020202020204" pitchFamily="34" charset="0"/>
+                <a:sym typeface="Wingdings" panose="05000000000000000000" pitchFamily="2" charset="2"/>
+              </a:rPr>
+              <a:t> </a:t>
+            </a:r>
+            <a:r>
+              <a:rPr lang="en-US" sz="1600" b="1" dirty="0">
+                <a:latin typeface="Arial" panose="020B0604020202020204" pitchFamily="34" charset="0"/>
+                <a:cs typeface="Arial" panose="020B0604020202020204" pitchFamily="34" charset="0"/>
+              </a:rPr>
+              <a:t>High Loan Amounts with High DTI </a:t>
+            </a:r>
+            <a:r>
+              <a:rPr lang="en-US" sz="1600" b="1" dirty="0">
+                <a:latin typeface="Arial" panose="020B0604020202020204" pitchFamily="34" charset="0"/>
+                <a:cs typeface="Arial" panose="020B0604020202020204" pitchFamily="34" charset="0"/>
+                <a:sym typeface="Wingdings" panose="05000000000000000000" pitchFamily="2" charset="2"/>
+              </a:rPr>
+              <a:t> </a:t>
+            </a:r>
+            <a:r>
+              <a:rPr lang="en-US" sz="1600" dirty="0">
+                <a:latin typeface="Arial" panose="020B0604020202020204" pitchFamily="34" charset="0"/>
+                <a:cs typeface="Arial" panose="020B0604020202020204" pitchFamily="34" charset="0"/>
+              </a:rPr>
+              <a:t>Points clustered at high loan amounts and high DTI ratios may indicate borrowers with potentially higher financial risk.</a:t>
+            </a:r>
+          </a:p>
+          <a:p>
+            <a:r>
+              <a:rPr lang="en-US" sz="1600" dirty="0">
+                <a:latin typeface="Arial" panose="020B0604020202020204" pitchFamily="34" charset="0"/>
+                <a:cs typeface="Arial" panose="020B0604020202020204" pitchFamily="34" charset="0"/>
+              </a:rPr>
+              <a:t/>
+            </a:r>
+            <a:br>
+              <a:rPr lang="en-US" sz="1600" dirty="0">
+                <a:latin typeface="Arial" panose="020B0604020202020204" pitchFamily="34" charset="0"/>
+                <a:cs typeface="Arial" panose="020B0604020202020204" pitchFamily="34" charset="0"/>
+              </a:rPr>
+            </a:br>
+            <a:r>
+              <a:rPr lang="en-US" sz="1600" dirty="0">
+                <a:latin typeface="Arial" panose="020B0604020202020204" pitchFamily="34" charset="0"/>
+                <a:cs typeface="Arial" panose="020B0604020202020204" pitchFamily="34" charset="0"/>
+              </a:rPr>
+              <a:t>from scatter plot – it indicates that high DTI ratio is 25 &amp; till amounts ($20000) when compared between DTI ratio between 25 – 30 &amp; Loan amounts between $20000 - $ 30000</a:t>
             </a:r>
           </a:p>
         </p:txBody>
       </p:sp>
       <p:pic>
         <p:nvPicPr>
-          <p:cNvPr id="6" name="Picture 5"/>
+          <p:cNvPr id="17" name="Picture 16"/>
           <p:cNvPicPr>
             <a:picLocks noChangeAspect="1"/>
           </p:cNvPicPr>
@@ -7154,209 +8691,35 @@
         </p:blipFill>
         <p:spPr>
           <a:xfrm>
-            <a:off x="6018662" y="2643462"/>
-            <a:ext cx="6037693" cy="4010243"/>
+            <a:off x="3673580" y="2136296"/>
+            <a:ext cx="8382000" cy="4572000"/>
           </a:xfrm>
           <a:prstGeom prst="rect">
             <a:avLst/>
           </a:prstGeom>
         </p:spPr>
       </p:pic>
-      <p:sp>
-        <p:nvSpPr>
-          <p:cNvPr id="8" name="Rectangle 7"/>
-          <p:cNvSpPr/>
-          <p:nvPr/>
-        </p:nvSpPr>
-        <p:spPr>
-          <a:xfrm>
-            <a:off x="302735" y="905142"/>
-            <a:ext cx="4461478" cy="369332"/>
-          </a:xfrm>
-          <a:prstGeom prst="rect">
-            <a:avLst/>
-          </a:prstGeom>
-        </p:spPr>
-        <p:txBody>
-          <a:bodyPr wrap="none">
-            <a:spAutoFit/>
-          </a:bodyPr>
-          <a:lstStyle/>
-          <a:p>
-            <a:r>
-              <a:rPr lang="en-IN" b="1" dirty="0"/>
-              <a:t>Loan Status vs. Loan Amount (Box Plot)</a:t>
-            </a:r>
-          </a:p>
-        </p:txBody>
-      </p:sp>
-      <p:sp>
-        <p:nvSpPr>
-          <p:cNvPr id="10" name="Rectangle 9"/>
-          <p:cNvSpPr/>
-          <p:nvPr/>
-        </p:nvSpPr>
-        <p:spPr>
-          <a:xfrm>
-            <a:off x="665773" y="1335475"/>
-            <a:ext cx="10948068" cy="830997"/>
-          </a:xfrm>
-          <a:prstGeom prst="rect">
-            <a:avLst/>
-          </a:prstGeom>
-        </p:spPr>
-        <p:txBody>
-          <a:bodyPr wrap="square">
-            <a:spAutoFit/>
-          </a:bodyPr>
-          <a:lstStyle/>
-          <a:p>
-            <a:r>
-              <a:rPr lang="en-US" sz="1600" dirty="0">
-                <a:latin typeface="Söhne"/>
-              </a:rPr>
-              <a:t># Below </a:t>
-            </a:r>
-            <a:r>
-              <a:rPr lang="en-US" sz="1600" dirty="0"/>
-              <a:t>box plot shows the distribution of loan amounts for each loan status category (e.g., fully paid, charged off, current). It visually represents median, quartiles, and potential outliers for loan amounts associated with each loan status.</a:t>
-            </a:r>
-            <a:endParaRPr lang="en-US" sz="1600" dirty="0">
-              <a:latin typeface="Söhne"/>
-            </a:endParaRPr>
-          </a:p>
-        </p:txBody>
-      </p:sp>
-      <p:sp>
-        <p:nvSpPr>
-          <p:cNvPr id="11" name="Rectangle 10"/>
-          <p:cNvSpPr/>
-          <p:nvPr/>
-        </p:nvSpPr>
-        <p:spPr>
-          <a:xfrm>
-            <a:off x="665773" y="2464717"/>
-            <a:ext cx="5352889" cy="4278094"/>
-          </a:xfrm>
-          <a:prstGeom prst="rect">
-            <a:avLst/>
-          </a:prstGeom>
-        </p:spPr>
-        <p:txBody>
-          <a:bodyPr wrap="square">
-            <a:spAutoFit/>
-          </a:bodyPr>
-          <a:lstStyle/>
-          <a:p>
-            <a:r>
-              <a:rPr lang="en-US" sz="1600" b="1" dirty="0">
-                <a:latin typeface="Söhne"/>
-              </a:rPr>
-              <a:t>Business Implications:-</a:t>
-            </a:r>
-          </a:p>
-          <a:p>
-            <a:r>
-              <a:rPr lang="en-US" sz="1600" dirty="0"/>
-              <a:t># </a:t>
-            </a:r>
-            <a:r>
-              <a:rPr lang="en-US" sz="1600" b="1" dirty="0"/>
-              <a:t>Risk Assessment</a:t>
-            </a:r>
-            <a:r>
-              <a:rPr lang="en-US" sz="1600" dirty="0"/>
-              <a:t> </a:t>
-            </a:r>
-            <a:r>
-              <a:rPr lang="en-US" sz="1600" dirty="0">
-                <a:sym typeface="Wingdings" panose="05000000000000000000" pitchFamily="2" charset="2"/>
-              </a:rPr>
-              <a:t> Charged Off having higher box plot indicates higher median compared to fully paid loans, suggests that higher loan amounts might be associated with increased default risk</a:t>
-            </a:r>
-          </a:p>
-          <a:p>
-            <a:endParaRPr lang="en-US" sz="1600" dirty="0">
-              <a:sym typeface="Wingdings" panose="05000000000000000000" pitchFamily="2" charset="2"/>
-            </a:endParaRPr>
-          </a:p>
-          <a:p>
-            <a:r>
-              <a:rPr lang="en-US" sz="1600" dirty="0">
-                <a:sym typeface="Wingdings" panose="05000000000000000000" pitchFamily="2" charset="2"/>
-              </a:rPr>
-              <a:t># </a:t>
-            </a:r>
-            <a:r>
-              <a:rPr lang="en-US" sz="1600" b="1" dirty="0">
-                <a:sym typeface="Wingdings" panose="05000000000000000000" pitchFamily="2" charset="2"/>
-              </a:rPr>
-              <a:t>Loan Amount thresholds</a:t>
-            </a:r>
-            <a:r>
-              <a:rPr lang="en-US" sz="1600" dirty="0">
-                <a:sym typeface="Wingdings" panose="05000000000000000000" pitchFamily="2" charset="2"/>
-              </a:rPr>
-              <a:t>  example as Current between loan amounts ~$12000 and ~$24000. Lenders adjust approval criteria based on thresholds</a:t>
-            </a:r>
-          </a:p>
-          <a:p>
-            <a:endParaRPr lang="en-US" sz="1600" dirty="0">
-              <a:sym typeface="Wingdings" panose="05000000000000000000" pitchFamily="2" charset="2"/>
-            </a:endParaRPr>
-          </a:p>
-          <a:p>
-            <a:r>
-              <a:rPr lang="en-US" sz="1600" dirty="0">
-                <a:sym typeface="Wingdings" panose="05000000000000000000" pitchFamily="2" charset="2"/>
-              </a:rPr>
-              <a:t># </a:t>
-            </a:r>
-            <a:r>
-              <a:rPr lang="en-US" sz="1600" b="1" dirty="0">
-                <a:sym typeface="Wingdings" panose="05000000000000000000" pitchFamily="2" charset="2"/>
-              </a:rPr>
-              <a:t>Outliers</a:t>
-            </a:r>
-            <a:r>
-              <a:rPr lang="en-US" sz="1600" dirty="0">
-                <a:sym typeface="Wingdings" panose="05000000000000000000" pitchFamily="2" charset="2"/>
-              </a:rPr>
-              <a:t>  Observed outliers between loan amounts $30000 and $35000. </a:t>
-            </a:r>
-            <a:r>
-              <a:rPr lang="en-US" sz="1600" dirty="0"/>
-              <a:t>Lenders should assess whether these borrowers have the ability to repay such large amounts based on their income, debt-to-income ratio, credit history, and other factors.</a:t>
-            </a:r>
-          </a:p>
-          <a:p>
-            <a:br>
-              <a:rPr lang="en-US" sz="1600" dirty="0"/>
-            </a:br>
-            <a:r>
-              <a:rPr lang="en-US" sz="1600" dirty="0">
-                <a:sym typeface="Wingdings" panose="05000000000000000000" pitchFamily="2" charset="2"/>
-              </a:rPr>
-              <a:t> </a:t>
-            </a:r>
-            <a:endParaRPr lang="en-US" sz="1600" dirty="0"/>
-          </a:p>
-        </p:txBody>
-      </p:sp>
     </p:spTree>
     <p:extLst>
       <p:ext uri="{BB962C8B-B14F-4D97-AF65-F5344CB8AC3E}">
-        <p14:creationId xmlns:p14="http://schemas.microsoft.com/office/powerpoint/2010/main" val="3226095913"/>
+        <p14:creationId xmlns:p14="http://schemas.microsoft.com/office/powerpoint/2010/main" val="3720700355"/>
       </p:ext>
     </p:extLst>
   </p:cSld>
   <p:clrMapOvr>
     <a:masterClrMapping/>
   </p:clrMapOvr>
+  <p:timing>
+    <p:tnLst>
+      <p:par>
+        <p:cTn id="1" dur="indefinite" restart="never" nodeType="tmRoot"/>
+      </p:par>
+    </p:tnLst>
+  </p:timing>
 </p:sld>
 </file>
 
-<file path=ppt/slides/slide13.xml><?xml version="1.0" encoding="utf-8"?>
+<file path=ppt/slides/slide15.xml><?xml version="1.0" encoding="utf-8"?>
 <p:sld xmlns:a="http://schemas.openxmlformats.org/drawingml/2006/main" xmlns:r="http://schemas.openxmlformats.org/officeDocument/2006/relationships" xmlns:p="http://schemas.openxmlformats.org/presentationml/2006/main">
   <p:cSld>
     <p:spTree>
@@ -7394,12 +8757,39 @@
           <a:lstStyle/>
           <a:p>
             <a:r>
-              <a:rPr lang="en-IN" dirty="0"/>
-              <a:t>Bivariate Analysis – Insights (#3)</a:t>
-            </a:r>
-          </a:p>
-        </p:txBody>
-      </p:sp>
+              <a:rPr lang="en-IN" dirty="0">
+                <a:latin typeface="Arial" panose="020B0604020202020204" pitchFamily="34" charset="0"/>
+                <a:cs typeface="Arial" panose="020B0604020202020204" pitchFamily="34" charset="0"/>
+              </a:rPr>
+              <a:t>Bivariate Analysis – Insights (#2)</a:t>
+            </a:r>
+          </a:p>
+        </p:txBody>
+      </p:sp>
+      <p:pic>
+        <p:nvPicPr>
+          <p:cNvPr id="6" name="Picture 5"/>
+          <p:cNvPicPr>
+            <a:picLocks noChangeAspect="1"/>
+          </p:cNvPicPr>
+          <p:nvPr/>
+        </p:nvPicPr>
+        <p:blipFill>
+          <a:blip r:embed="rId2"/>
+          <a:stretch>
+            <a:fillRect/>
+          </a:stretch>
+        </p:blipFill>
+        <p:spPr>
+          <a:xfrm>
+            <a:off x="6018662" y="2643462"/>
+            <a:ext cx="6037693" cy="4010243"/>
+          </a:xfrm>
+          <a:prstGeom prst="rect">
+            <a:avLst/>
+          </a:prstGeom>
+        </p:spPr>
+      </p:pic>
       <p:sp>
         <p:nvSpPr>
           <p:cNvPr id="8" name="Rectangle 7"/>
@@ -7409,7 +8799,7 @@
         <p:spPr>
           <a:xfrm>
             <a:off x="302735" y="905142"/>
-            <a:ext cx="4586512" cy="369332"/>
+            <a:ext cx="4587538" cy="369332"/>
           </a:xfrm>
           <a:prstGeom prst="rect">
             <a:avLst/>
@@ -7422,8 +8812,11 @@
           <a:lstStyle/>
           <a:p>
             <a:r>
-              <a:rPr lang="en-IN" b="1" dirty="0"/>
-              <a:t>Interest Rate vs. Loan Amount (Box Plot)</a:t>
+              <a:rPr lang="en-IN" b="1" dirty="0">
+                <a:latin typeface="Arial" panose="020B0604020202020204" pitchFamily="34" charset="0"/>
+                <a:cs typeface="Arial" panose="020B0604020202020204" pitchFamily="34" charset="0"/>
+              </a:rPr>
+              <a:t>Loan Status vs. Loan Amount (Box Plot)</a:t>
             </a:r>
           </a:p>
         </p:txBody>
@@ -7437,7 +8830,7 @@
         <p:spPr>
           <a:xfrm>
             <a:off x="665773" y="1335475"/>
-            <a:ext cx="10948068" cy="584775"/>
+            <a:ext cx="10948068" cy="830997"/>
           </a:xfrm>
           <a:prstGeom prst="rect">
             <a:avLst/>
@@ -7451,17 +8844,10 @@
           <a:p>
             <a:r>
               <a:rPr lang="en-US" sz="1600" dirty="0">
-                <a:latin typeface="Söhne"/>
-              </a:rPr>
-              <a:t># Below represented in the X-axis is the loan amount requested by borrowers. Each point position along the x-axis is size of loan. </a:t>
-            </a:r>
-          </a:p>
-          <a:p>
-            <a:r>
-              <a:rPr lang="en-US" sz="1600" dirty="0">
-                <a:latin typeface="Söhne"/>
-              </a:rPr>
-              <a:t># And in Y-axis, represents the interest rate.</a:t>
+                <a:latin typeface="Arial" panose="020B0604020202020204" pitchFamily="34" charset="0"/>
+                <a:cs typeface="Arial" panose="020B0604020202020204" pitchFamily="34" charset="0"/>
+              </a:rPr>
+              <a:t># Below box plot shows the distribution of loan amounts for each loan status category (e.g., fully paid, charged off, current). It visually represents median, quartiles, and potential outliers for loan amounts associated with each loan status.</a:t>
             </a:r>
           </a:p>
         </p:txBody>
@@ -7474,8 +8860,8 @@
         </p:nvSpPr>
         <p:spPr>
           <a:xfrm>
-            <a:off x="302735" y="3290217"/>
-            <a:ext cx="4763477" cy="2554545"/>
+            <a:off x="665773" y="2464717"/>
+            <a:ext cx="5352889" cy="4278094"/>
           </a:xfrm>
           <a:prstGeom prst="rect">
             <a:avLst/>
@@ -7489,49 +8875,379 @@
           <a:p>
             <a:r>
               <a:rPr lang="en-US" sz="1600" b="1" dirty="0">
-                <a:latin typeface="Söhne"/>
+                <a:latin typeface="Arial" panose="020B0604020202020204" pitchFamily="34" charset="0"/>
+                <a:cs typeface="Arial" panose="020B0604020202020204" pitchFamily="34" charset="0"/>
               </a:rPr>
               <a:t>Business Implications:-</a:t>
             </a:r>
           </a:p>
           <a:p>
             <a:r>
-              <a:rPr lang="en-US" sz="1600" dirty="0"/>
+              <a:rPr lang="en-US" sz="1600" dirty="0">
+                <a:latin typeface="Arial" panose="020B0604020202020204" pitchFamily="34" charset="0"/>
+                <a:cs typeface="Arial" panose="020B0604020202020204" pitchFamily="34" charset="0"/>
+              </a:rPr>
+              <a:t># </a:t>
+            </a:r>
+            <a:r>
+              <a:rPr lang="en-US" sz="1600" b="1" dirty="0">
+                <a:latin typeface="Arial" panose="020B0604020202020204" pitchFamily="34" charset="0"/>
+                <a:cs typeface="Arial" panose="020B0604020202020204" pitchFamily="34" charset="0"/>
+              </a:rPr>
+              <a:t>Risk Assessment</a:t>
+            </a:r>
+            <a:r>
+              <a:rPr lang="en-US" sz="1600" dirty="0">
+                <a:latin typeface="Arial" panose="020B0604020202020204" pitchFamily="34" charset="0"/>
+                <a:cs typeface="Arial" panose="020B0604020202020204" pitchFamily="34" charset="0"/>
+              </a:rPr>
+              <a:t> </a:t>
+            </a:r>
+            <a:r>
+              <a:rPr lang="en-US" sz="1600" dirty="0">
+                <a:latin typeface="Arial" panose="020B0604020202020204" pitchFamily="34" charset="0"/>
+                <a:cs typeface="Arial" panose="020B0604020202020204" pitchFamily="34" charset="0"/>
+                <a:sym typeface="Wingdings" panose="05000000000000000000" pitchFamily="2" charset="2"/>
+              </a:rPr>
+              <a:t> Charged Off having higher box plot indicates higher median compared to fully paid loans, suggests that higher loan amounts might be associated with increased default risk</a:t>
+            </a:r>
+          </a:p>
+          <a:p>
+            <a:endParaRPr lang="en-US" sz="1600" dirty="0">
+              <a:latin typeface="Arial" panose="020B0604020202020204" pitchFamily="34" charset="0"/>
+              <a:cs typeface="Arial" panose="020B0604020202020204" pitchFamily="34" charset="0"/>
+              <a:sym typeface="Wingdings" panose="05000000000000000000" pitchFamily="2" charset="2"/>
+            </a:endParaRPr>
+          </a:p>
+          <a:p>
+            <a:r>
+              <a:rPr lang="en-US" sz="1600" dirty="0">
+                <a:latin typeface="Arial" panose="020B0604020202020204" pitchFamily="34" charset="0"/>
+                <a:cs typeface="Arial" panose="020B0604020202020204" pitchFamily="34" charset="0"/>
+                <a:sym typeface="Wingdings" panose="05000000000000000000" pitchFamily="2" charset="2"/>
+              </a:rPr>
+              <a:t># </a:t>
+            </a:r>
+            <a:r>
+              <a:rPr lang="en-US" sz="1600" b="1" dirty="0">
+                <a:latin typeface="Arial" panose="020B0604020202020204" pitchFamily="34" charset="0"/>
+                <a:cs typeface="Arial" panose="020B0604020202020204" pitchFamily="34" charset="0"/>
+                <a:sym typeface="Wingdings" panose="05000000000000000000" pitchFamily="2" charset="2"/>
+              </a:rPr>
+              <a:t>Loan Amount thresholds</a:t>
+            </a:r>
+            <a:r>
+              <a:rPr lang="en-US" sz="1600" dirty="0">
+                <a:latin typeface="Arial" panose="020B0604020202020204" pitchFamily="34" charset="0"/>
+                <a:cs typeface="Arial" panose="020B0604020202020204" pitchFamily="34" charset="0"/>
+                <a:sym typeface="Wingdings" panose="05000000000000000000" pitchFamily="2" charset="2"/>
+              </a:rPr>
+              <a:t>  example as Current between loan amounts ~$12000 and ~$24000. Lenders adjust approval criteria based on thresholds</a:t>
+            </a:r>
+          </a:p>
+          <a:p>
+            <a:endParaRPr lang="en-US" sz="1600" dirty="0">
+              <a:latin typeface="Arial" panose="020B0604020202020204" pitchFamily="34" charset="0"/>
+              <a:cs typeface="Arial" panose="020B0604020202020204" pitchFamily="34" charset="0"/>
+              <a:sym typeface="Wingdings" panose="05000000000000000000" pitchFamily="2" charset="2"/>
+            </a:endParaRPr>
+          </a:p>
+          <a:p>
+            <a:r>
+              <a:rPr lang="en-US" sz="1600" dirty="0">
+                <a:latin typeface="Arial" panose="020B0604020202020204" pitchFamily="34" charset="0"/>
+                <a:cs typeface="Arial" panose="020B0604020202020204" pitchFamily="34" charset="0"/>
+                <a:sym typeface="Wingdings" panose="05000000000000000000" pitchFamily="2" charset="2"/>
+              </a:rPr>
+              <a:t># </a:t>
+            </a:r>
+            <a:r>
+              <a:rPr lang="en-US" sz="1600" b="1" dirty="0">
+                <a:latin typeface="Arial" panose="020B0604020202020204" pitchFamily="34" charset="0"/>
+                <a:cs typeface="Arial" panose="020B0604020202020204" pitchFamily="34" charset="0"/>
+                <a:sym typeface="Wingdings" panose="05000000000000000000" pitchFamily="2" charset="2"/>
+              </a:rPr>
+              <a:t>Outliers</a:t>
+            </a:r>
+            <a:r>
+              <a:rPr lang="en-US" sz="1600" dirty="0">
+                <a:latin typeface="Arial" panose="020B0604020202020204" pitchFamily="34" charset="0"/>
+                <a:cs typeface="Arial" panose="020B0604020202020204" pitchFamily="34" charset="0"/>
+                <a:sym typeface="Wingdings" panose="05000000000000000000" pitchFamily="2" charset="2"/>
+              </a:rPr>
+              <a:t>  Observed outliers between loan amounts $30000 and $35000. </a:t>
+            </a:r>
+            <a:r>
+              <a:rPr lang="en-US" sz="1600" dirty="0">
+                <a:latin typeface="Arial" panose="020B0604020202020204" pitchFamily="34" charset="0"/>
+                <a:cs typeface="Arial" panose="020B0604020202020204" pitchFamily="34" charset="0"/>
+              </a:rPr>
+              <a:t>Lenders should assess whether these borrowers have the ability to repay such large amounts based on their income, debt-to-income ratio, credit history, and other factors.</a:t>
+            </a:r>
+          </a:p>
+          <a:p>
+            <a:r>
+              <a:rPr lang="en-US" sz="1600" dirty="0">
+                <a:latin typeface="Arial" panose="020B0604020202020204" pitchFamily="34" charset="0"/>
+                <a:cs typeface="Arial" panose="020B0604020202020204" pitchFamily="34" charset="0"/>
+              </a:rPr>
+              <a:t/>
+            </a:r>
+            <a:br>
+              <a:rPr lang="en-US" sz="1600" dirty="0">
+                <a:latin typeface="Arial" panose="020B0604020202020204" pitchFamily="34" charset="0"/>
+                <a:cs typeface="Arial" panose="020B0604020202020204" pitchFamily="34" charset="0"/>
+              </a:rPr>
+            </a:br>
+            <a:r>
+              <a:rPr lang="en-US" sz="1600" dirty="0">
+                <a:latin typeface="Arial" panose="020B0604020202020204" pitchFamily="34" charset="0"/>
+                <a:cs typeface="Arial" panose="020B0604020202020204" pitchFamily="34" charset="0"/>
+                <a:sym typeface="Wingdings" panose="05000000000000000000" pitchFamily="2" charset="2"/>
+              </a:rPr>
+              <a:t> </a:t>
+            </a:r>
+            <a:endParaRPr lang="en-US" sz="1600" dirty="0">
+              <a:latin typeface="Arial" panose="020B0604020202020204" pitchFamily="34" charset="0"/>
+              <a:cs typeface="Arial" panose="020B0604020202020204" pitchFamily="34" charset="0"/>
+            </a:endParaRPr>
+          </a:p>
+        </p:txBody>
+      </p:sp>
+    </p:spTree>
+    <p:extLst>
+      <p:ext uri="{BB962C8B-B14F-4D97-AF65-F5344CB8AC3E}">
+        <p14:creationId xmlns:p14="http://schemas.microsoft.com/office/powerpoint/2010/main" val="3226095913"/>
+      </p:ext>
+    </p:extLst>
+  </p:cSld>
+  <p:clrMapOvr>
+    <a:masterClrMapping/>
+  </p:clrMapOvr>
+  <p:timing>
+    <p:tnLst>
+      <p:par>
+        <p:cTn id="1" dur="indefinite" restart="never" nodeType="tmRoot"/>
+      </p:par>
+    </p:tnLst>
+  </p:timing>
+</p:sld>
+</file>
+
+<file path=ppt/slides/slide16.xml><?xml version="1.0" encoding="utf-8"?>
+<p:sld xmlns:a="http://schemas.openxmlformats.org/drawingml/2006/main" xmlns:r="http://schemas.openxmlformats.org/officeDocument/2006/relationships" xmlns:p="http://schemas.openxmlformats.org/presentationml/2006/main">
+  <p:cSld>
+    <p:spTree>
+      <p:nvGrpSpPr>
+        <p:cNvPr id="1" name=""/>
+        <p:cNvGrpSpPr/>
+        <p:nvPr/>
+      </p:nvGrpSpPr>
+      <p:grpSpPr>
+        <a:xfrm>
+          <a:off x="0" y="0"/>
+          <a:ext cx="0" cy="0"/>
+          <a:chOff x="0" y="0"/>
+          <a:chExt cx="0" cy="0"/>
+        </a:xfrm>
+      </p:grpSpPr>
+      <p:sp>
+        <p:nvSpPr>
+          <p:cNvPr id="2" name="Title 1"/>
+          <p:cNvSpPr>
+            <a:spLocks noGrp="1"/>
+          </p:cNvSpPr>
+          <p:nvPr>
+            <p:ph type="title"/>
+          </p:nvPr>
+        </p:nvSpPr>
+        <p:spPr>
+          <a:xfrm>
+            <a:off x="168439" y="193410"/>
+            <a:ext cx="9404723" cy="843820"/>
+          </a:xfrm>
+        </p:spPr>
+        <p:txBody>
+          <a:bodyPr/>
+          <a:lstStyle/>
+          <a:p>
+            <a:r>
+              <a:rPr lang="en-IN" dirty="0">
+                <a:latin typeface="Arial" panose="020B0604020202020204" pitchFamily="34" charset="0"/>
+                <a:cs typeface="Arial" panose="020B0604020202020204" pitchFamily="34" charset="0"/>
+              </a:rPr>
+              <a:t>Bivariate Analysis – Insights (#3)</a:t>
+            </a:r>
+          </a:p>
+        </p:txBody>
+      </p:sp>
+      <p:sp>
+        <p:nvSpPr>
+          <p:cNvPr id="8" name="Rectangle 7"/>
+          <p:cNvSpPr/>
+          <p:nvPr/>
+        </p:nvSpPr>
+        <p:spPr>
+          <a:xfrm>
+            <a:off x="302735" y="905142"/>
+            <a:ext cx="4664482" cy="369332"/>
+          </a:xfrm>
+          <a:prstGeom prst="rect">
+            <a:avLst/>
+          </a:prstGeom>
+        </p:spPr>
+        <p:txBody>
+          <a:bodyPr wrap="none">
+            <a:spAutoFit/>
+          </a:bodyPr>
+          <a:lstStyle/>
+          <a:p>
+            <a:r>
+              <a:rPr lang="en-IN" b="1" dirty="0">
+                <a:latin typeface="Arial" panose="020B0604020202020204" pitchFamily="34" charset="0"/>
+                <a:cs typeface="Arial" panose="020B0604020202020204" pitchFamily="34" charset="0"/>
+              </a:rPr>
+              <a:t>Interest Rate vs. Loan Amount (Box Plot)</a:t>
+            </a:r>
+          </a:p>
+        </p:txBody>
+      </p:sp>
+      <p:sp>
+        <p:nvSpPr>
+          <p:cNvPr id="10" name="Rectangle 9"/>
+          <p:cNvSpPr/>
+          <p:nvPr/>
+        </p:nvSpPr>
+        <p:spPr>
+          <a:xfrm>
+            <a:off x="665773" y="1335475"/>
+            <a:ext cx="10948068" cy="830997"/>
+          </a:xfrm>
+          <a:prstGeom prst="rect">
+            <a:avLst/>
+          </a:prstGeom>
+        </p:spPr>
+        <p:txBody>
+          <a:bodyPr wrap="square">
+            <a:spAutoFit/>
+          </a:bodyPr>
+          <a:lstStyle/>
+          <a:p>
+            <a:r>
+              <a:rPr lang="en-US" sz="1600" dirty="0">
+                <a:latin typeface="Arial" panose="020B0604020202020204" pitchFamily="34" charset="0"/>
+                <a:cs typeface="Arial" panose="020B0604020202020204" pitchFamily="34" charset="0"/>
+              </a:rPr>
+              <a:t># Below represented in the X-axis is the loan amount requested by borrowers. Each point position along the x-axis is size of loan. </a:t>
+            </a:r>
+          </a:p>
+          <a:p>
+            <a:r>
+              <a:rPr lang="en-US" sz="1600" dirty="0">
+                <a:latin typeface="Arial" panose="020B0604020202020204" pitchFamily="34" charset="0"/>
+                <a:cs typeface="Arial" panose="020B0604020202020204" pitchFamily="34" charset="0"/>
+              </a:rPr>
+              <a:t># And in Y-axis, represents the interest rate.</a:t>
+            </a:r>
+          </a:p>
+        </p:txBody>
+      </p:sp>
+      <p:sp>
+        <p:nvSpPr>
+          <p:cNvPr id="11" name="Rectangle 10"/>
+          <p:cNvSpPr/>
+          <p:nvPr/>
+        </p:nvSpPr>
+        <p:spPr>
+          <a:xfrm>
+            <a:off x="302735" y="3290217"/>
+            <a:ext cx="4763477" cy="2554545"/>
+          </a:xfrm>
+          <a:prstGeom prst="rect">
+            <a:avLst/>
+          </a:prstGeom>
+        </p:spPr>
+        <p:txBody>
+          <a:bodyPr wrap="square">
+            <a:spAutoFit/>
+          </a:bodyPr>
+          <a:lstStyle/>
+          <a:p>
+            <a:r>
+              <a:rPr lang="en-US" sz="1600" b="1" dirty="0">
+                <a:latin typeface="Arial" panose="020B0604020202020204" pitchFamily="34" charset="0"/>
+                <a:cs typeface="Arial" panose="020B0604020202020204" pitchFamily="34" charset="0"/>
+              </a:rPr>
+              <a:t>Business Implications:-</a:t>
+            </a:r>
+          </a:p>
+          <a:p>
+            <a:r>
+              <a:rPr lang="en-US" sz="1600" dirty="0">
+                <a:latin typeface="Arial" panose="020B0604020202020204" pitchFamily="34" charset="0"/>
+                <a:cs typeface="Arial" panose="020B0604020202020204" pitchFamily="34" charset="0"/>
+              </a:rPr>
               <a:t>#Risk Assessment </a:t>
             </a:r>
             <a:r>
               <a:rPr lang="en-US" sz="1600" dirty="0">
+                <a:latin typeface="Arial" panose="020B0604020202020204" pitchFamily="34" charset="0"/>
+                <a:cs typeface="Arial" panose="020B0604020202020204" pitchFamily="34" charset="0"/>
                 <a:sym typeface="Wingdings" panose="05000000000000000000" pitchFamily="2" charset="2"/>
               </a:rPr>
               <a:t> </a:t>
             </a:r>
             <a:r>
-              <a:rPr lang="en-US" sz="1600" b="1" dirty="0"/>
+              <a:rPr lang="en-US" sz="1600" b="1" dirty="0">
+                <a:latin typeface="Arial" panose="020B0604020202020204" pitchFamily="34" charset="0"/>
+                <a:cs typeface="Arial" panose="020B0604020202020204" pitchFamily="34" charset="0"/>
+              </a:rPr>
               <a:t>High Loan Amounts with Interest Rate </a:t>
             </a:r>
             <a:r>
               <a:rPr lang="en-US" sz="1600" b="1" dirty="0">
+                <a:latin typeface="Arial" panose="020B0604020202020204" pitchFamily="34" charset="0"/>
+                <a:cs typeface="Arial" panose="020B0604020202020204" pitchFamily="34" charset="0"/>
                 <a:sym typeface="Wingdings" panose="05000000000000000000" pitchFamily="2" charset="2"/>
               </a:rPr>
               <a:t> </a:t>
             </a:r>
             <a:r>
-              <a:rPr lang="en-US" sz="1600" dirty="0"/>
+              <a:rPr lang="en-US" sz="1600" dirty="0">
+                <a:latin typeface="Arial" panose="020B0604020202020204" pitchFamily="34" charset="0"/>
+                <a:cs typeface="Arial" panose="020B0604020202020204" pitchFamily="34" charset="0"/>
+              </a:rPr>
               <a:t>Points clustered at high loan amounts and interest rates may indicate borrowers with potential default risk.</a:t>
             </a:r>
           </a:p>
           <a:p>
+            <a:r>
+              <a:rPr lang="en-US" sz="1600" dirty="0">
+                <a:latin typeface="Arial" panose="020B0604020202020204" pitchFamily="34" charset="0"/>
+                <a:cs typeface="Arial" panose="020B0604020202020204" pitchFamily="34" charset="0"/>
+              </a:rPr>
+              <a:t/>
+            </a:r>
             <a:br>
-              <a:rPr lang="en-US" sz="1600" dirty="0"/>
+              <a:rPr lang="en-US" sz="1600" dirty="0">
+                <a:latin typeface="Arial" panose="020B0604020202020204" pitchFamily="34" charset="0"/>
+                <a:cs typeface="Arial" panose="020B0604020202020204" pitchFamily="34" charset="0"/>
+              </a:rPr>
             </a:br>
             <a:r>
-              <a:rPr lang="en-US" sz="1600" dirty="0"/>
+              <a:rPr lang="en-US" sz="1600" dirty="0">
+                <a:latin typeface="Arial" panose="020B0604020202020204" pitchFamily="34" charset="0"/>
+                <a:cs typeface="Arial" panose="020B0604020202020204" pitchFamily="34" charset="0"/>
+              </a:rPr>
               <a:t>The scatter plot – indicates that the highest interest rate is ~25 &amp; till amounts ($35000) </a:t>
             </a:r>
           </a:p>
           <a:p>
             <a:r>
-              <a:rPr lang="en-US" sz="1600" dirty="0"/>
+              <a:rPr lang="en-US" sz="1600" dirty="0">
+                <a:latin typeface="Arial" panose="020B0604020202020204" pitchFamily="34" charset="0"/>
+                <a:cs typeface="Arial" panose="020B0604020202020204" pitchFamily="34" charset="0"/>
+              </a:rPr>
               <a:t>If the interest rate is 12.5% and above there is more chance that the loan will default</a:t>
             </a:r>
           </a:p>
@@ -7542,7 +9258,7 @@
           <p:cNvPr id="4" name="Picture 3">
             <a:extLst>
               <a:ext uri="{FF2B5EF4-FFF2-40B4-BE49-F238E27FC236}">
-                <a16:creationId xmlns:a16="http://schemas.microsoft.com/office/drawing/2014/main" id="{74D93C9E-5FFF-49A9-A266-3096BE69906D}"/>
+                <a16:creationId xmlns="" xmlns:a16="http://schemas.microsoft.com/office/drawing/2014/main" id="{74D93C9E-5FFF-49A9-A266-3096BE69906D}"/>
               </a:ext>
             </a:extLst>
           </p:cNvPr>
@@ -7583,10 +9299,17 @@
   <p:clrMapOvr>
     <a:masterClrMapping/>
   </p:clrMapOvr>
+  <p:timing>
+    <p:tnLst>
+      <p:par>
+        <p:cTn id="1" dur="indefinite" restart="never" nodeType="tmRoot"/>
+      </p:par>
+    </p:tnLst>
+  </p:timing>
 </p:sld>
 </file>
 
-<file path=ppt/slides/slide14.xml><?xml version="1.0" encoding="utf-8"?>
+<file path=ppt/slides/slide17.xml><?xml version="1.0" encoding="utf-8"?>
 <p:sld xmlns:a="http://schemas.openxmlformats.org/drawingml/2006/main" xmlns:r="http://schemas.openxmlformats.org/officeDocument/2006/relationships" xmlns:p="http://schemas.openxmlformats.org/presentationml/2006/main">
   <p:cSld>
     <p:spTree>
@@ -7613,14 +9336,442 @@
             <p:ph type="title"/>
           </p:nvPr>
         </p:nvSpPr>
-        <p:spPr/>
+        <p:spPr>
+          <a:xfrm>
+            <a:off x="209382" y="261650"/>
+            <a:ext cx="9404723" cy="912058"/>
+          </a:xfrm>
+        </p:spPr>
         <p:txBody>
           <a:bodyPr/>
           <a:lstStyle/>
           <a:p>
             <a:r>
-              <a:rPr lang="en-IN" dirty="0"/>
-              <a:t>Multivariate Analysis - Insights</a:t>
+              <a:rPr lang="en-IN" dirty="0">
+                <a:latin typeface="Arial" panose="020B0604020202020204" pitchFamily="34" charset="0"/>
+                <a:cs typeface="Arial" panose="020B0604020202020204" pitchFamily="34" charset="0"/>
+              </a:rPr>
+              <a:t>Multivariate Analysis </a:t>
+            </a:r>
+            <a:r>
+              <a:rPr lang="en-IN" dirty="0" smtClean="0">
+                <a:latin typeface="Arial" panose="020B0604020202020204" pitchFamily="34" charset="0"/>
+                <a:cs typeface="Arial" panose="020B0604020202020204" pitchFamily="34" charset="0"/>
+              </a:rPr>
+              <a:t>– Insights</a:t>
+            </a:r>
+            <a:endParaRPr lang="en-IN" dirty="0">
+              <a:latin typeface="Arial" panose="020B0604020202020204" pitchFamily="34" charset="0"/>
+              <a:cs typeface="Arial" panose="020B0604020202020204" pitchFamily="34" charset="0"/>
+            </a:endParaRPr>
+          </a:p>
+        </p:txBody>
+      </p:sp>
+      <p:pic>
+        <p:nvPicPr>
+          <p:cNvPr id="5" name="Picture 4"/>
+          <p:cNvPicPr>
+            <a:picLocks noChangeAspect="1"/>
+          </p:cNvPicPr>
+          <p:nvPr/>
+        </p:nvPicPr>
+        <p:blipFill>
+          <a:blip r:embed="rId2"/>
+          <a:stretch>
+            <a:fillRect/>
+          </a:stretch>
+        </p:blipFill>
+        <p:spPr>
+          <a:xfrm>
+            <a:off x="7080799" y="996285"/>
+            <a:ext cx="5029200" cy="4991100"/>
+          </a:xfrm>
+          <a:prstGeom prst="rect">
+            <a:avLst/>
+          </a:prstGeom>
+        </p:spPr>
+      </p:pic>
+      <p:sp>
+        <p:nvSpPr>
+          <p:cNvPr id="6" name="Rectangle 5"/>
+          <p:cNvSpPr/>
+          <p:nvPr/>
+        </p:nvSpPr>
+        <p:spPr>
+          <a:xfrm>
+            <a:off x="474260" y="984336"/>
+            <a:ext cx="6177886" cy="954107"/>
+          </a:xfrm>
+          <a:prstGeom prst="rect">
+            <a:avLst/>
+          </a:prstGeom>
+        </p:spPr>
+        <p:txBody>
+          <a:bodyPr wrap="square">
+            <a:spAutoFit/>
+          </a:bodyPr>
+          <a:lstStyle/>
+          <a:p>
+            <a:pPr algn="just"/>
+            <a:r>
+              <a:rPr lang="en-US" sz="1400" b="1" dirty="0">
+                <a:latin typeface="Arial" panose="020B0604020202020204" pitchFamily="34" charset="0"/>
+                <a:cs typeface="Arial" panose="020B0604020202020204" pitchFamily="34" charset="0"/>
+              </a:rPr>
+              <a:t>Objective</a:t>
+            </a:r>
+            <a:r>
+              <a:rPr lang="en-US" sz="1400" dirty="0">
+                <a:latin typeface="Arial" panose="020B0604020202020204" pitchFamily="34" charset="0"/>
+                <a:cs typeface="Arial" panose="020B0604020202020204" pitchFamily="34" charset="0"/>
+              </a:rPr>
+              <a:t>: Explore interactions among three or more variables in a </a:t>
+            </a:r>
+            <a:r>
+              <a:rPr lang="en-US" sz="1400" dirty="0" smtClean="0">
+                <a:latin typeface="Arial" panose="020B0604020202020204" pitchFamily="34" charset="0"/>
+                <a:cs typeface="Arial" panose="020B0604020202020204" pitchFamily="34" charset="0"/>
+              </a:rPr>
+              <a:t>3D space for </a:t>
+            </a:r>
+            <a:r>
+              <a:rPr lang="en-US" sz="1400" dirty="0">
+                <a:latin typeface="Arial" panose="020B0604020202020204" pitchFamily="34" charset="0"/>
+                <a:cs typeface="Arial" panose="020B0604020202020204" pitchFamily="34" charset="0"/>
+              </a:rPr>
+              <a:t>visualizing relationships between multiple variables simultaneously while using color to represent different categories of loan status. </a:t>
+            </a:r>
+            <a:endParaRPr lang="en-IN" sz="1400" dirty="0">
+              <a:latin typeface="Arial" panose="020B0604020202020204" pitchFamily="34" charset="0"/>
+              <a:cs typeface="Arial" panose="020B0604020202020204" pitchFamily="34" charset="0"/>
+            </a:endParaRPr>
+          </a:p>
+        </p:txBody>
+      </p:sp>
+      <p:sp>
+        <p:nvSpPr>
+          <p:cNvPr id="7" name="Rectangle 6"/>
+          <p:cNvSpPr/>
+          <p:nvPr/>
+        </p:nvSpPr>
+        <p:spPr>
+          <a:xfrm>
+            <a:off x="474258" y="1884409"/>
+            <a:ext cx="6177887" cy="2462213"/>
+          </a:xfrm>
+          <a:prstGeom prst="rect">
+            <a:avLst/>
+          </a:prstGeom>
+        </p:spPr>
+        <p:txBody>
+          <a:bodyPr wrap="square">
+            <a:spAutoFit/>
+          </a:bodyPr>
+          <a:lstStyle/>
+          <a:p>
+            <a:r>
+              <a:rPr lang="en-US" sz="1400" b="1" dirty="0" smtClean="0">
+                <a:latin typeface="Arial" panose="020B0604020202020204" pitchFamily="34" charset="0"/>
+                <a:cs typeface="Arial" panose="020B0604020202020204" pitchFamily="34" charset="0"/>
+              </a:rPr>
+              <a:t>Interpretation</a:t>
+            </a:r>
+            <a:r>
+              <a:rPr lang="en-US" sz="1400" dirty="0" smtClean="0">
+                <a:latin typeface="Arial" panose="020B0604020202020204" pitchFamily="34" charset="0"/>
+                <a:cs typeface="Arial" panose="020B0604020202020204" pitchFamily="34" charset="0"/>
+              </a:rPr>
+              <a:t>: </a:t>
+            </a:r>
+          </a:p>
+          <a:p>
+            <a:pPr marL="285750" indent="-285750">
+              <a:buFont typeface="Arial" panose="020B0604020202020204" pitchFamily="34" charset="0"/>
+              <a:buChar char="•"/>
+            </a:pPr>
+            <a:r>
+              <a:rPr lang="en-US" sz="1400" b="1" dirty="0" smtClean="0">
+                <a:latin typeface="Arial" panose="020B0604020202020204" pitchFamily="34" charset="0"/>
+                <a:cs typeface="Arial" panose="020B0604020202020204" pitchFamily="34" charset="0"/>
+              </a:rPr>
+              <a:t>X-axis</a:t>
+            </a:r>
+            <a:r>
+              <a:rPr lang="en-US" sz="1400" dirty="0" smtClean="0">
+                <a:latin typeface="Arial" panose="020B0604020202020204" pitchFamily="34" charset="0"/>
+                <a:cs typeface="Arial" panose="020B0604020202020204" pitchFamily="34" charset="0"/>
+              </a:rPr>
+              <a:t> (Loan Amount) represents total loan amount distributed to borrowers. </a:t>
+            </a:r>
+            <a:r>
+              <a:rPr lang="en-US" sz="1400" b="1" dirty="0" smtClean="0">
+                <a:latin typeface="Arial" panose="020B0604020202020204" pitchFamily="34" charset="0"/>
+                <a:cs typeface="Arial" panose="020B0604020202020204" pitchFamily="34" charset="0"/>
+              </a:rPr>
+              <a:t>Y-Axis</a:t>
+            </a:r>
+            <a:r>
+              <a:rPr lang="en-US" sz="1400" dirty="0" smtClean="0">
+                <a:latin typeface="Arial" panose="020B0604020202020204" pitchFamily="34" charset="0"/>
+                <a:cs typeface="Arial" panose="020B0604020202020204" pitchFamily="34" charset="0"/>
+              </a:rPr>
+              <a:t> </a:t>
+            </a:r>
+            <a:r>
+              <a:rPr lang="en-US" sz="1400" dirty="0">
+                <a:latin typeface="Arial" panose="020B0604020202020204" pitchFamily="34" charset="0"/>
+                <a:cs typeface="Arial" panose="020B0604020202020204" pitchFamily="34" charset="0"/>
+              </a:rPr>
+              <a:t>(Debt-to-Income Ratio</a:t>
+            </a:r>
+            <a:r>
+              <a:rPr lang="en-US" sz="1400" dirty="0" smtClean="0">
+                <a:latin typeface="Arial" panose="020B0604020202020204" pitchFamily="34" charset="0"/>
+                <a:cs typeface="Arial" panose="020B0604020202020204" pitchFamily="34" charset="0"/>
+              </a:rPr>
+              <a:t>) </a:t>
+            </a:r>
+            <a:r>
+              <a:rPr lang="en-US" sz="1400" dirty="0">
+                <a:latin typeface="Arial" panose="020B0604020202020204" pitchFamily="34" charset="0"/>
+                <a:cs typeface="Arial" panose="020B0604020202020204" pitchFamily="34" charset="0"/>
+              </a:rPr>
+              <a:t>i</a:t>
+            </a:r>
+            <a:r>
+              <a:rPr lang="en-US" sz="1400" dirty="0" smtClean="0">
+                <a:latin typeface="Arial" panose="020B0604020202020204" pitchFamily="34" charset="0"/>
+                <a:cs typeface="Arial" panose="020B0604020202020204" pitchFamily="34" charset="0"/>
+              </a:rPr>
+              <a:t>ndicates </a:t>
+            </a:r>
+            <a:r>
+              <a:rPr lang="en-US" sz="1400" dirty="0">
+                <a:latin typeface="Arial" panose="020B0604020202020204" pitchFamily="34" charset="0"/>
+                <a:cs typeface="Arial" panose="020B0604020202020204" pitchFamily="34" charset="0"/>
+              </a:rPr>
+              <a:t>the borrower's debt-to-income ratio, which reflects their ability to manage debt based on </a:t>
+            </a:r>
+            <a:r>
+              <a:rPr lang="en-US" sz="1400" dirty="0" smtClean="0">
+                <a:latin typeface="Arial" panose="020B0604020202020204" pitchFamily="34" charset="0"/>
+                <a:cs typeface="Arial" panose="020B0604020202020204" pitchFamily="34" charset="0"/>
+              </a:rPr>
+              <a:t>income. Z-Axis </a:t>
+            </a:r>
+            <a:r>
+              <a:rPr lang="en-US" sz="1400" dirty="0">
+                <a:latin typeface="Arial" panose="020B0604020202020204" pitchFamily="34" charset="0"/>
+                <a:cs typeface="Arial" panose="020B0604020202020204" pitchFamily="34" charset="0"/>
+              </a:rPr>
+              <a:t>(Installment) displays the monthly installment amount borrowers are required to pay. </a:t>
+            </a:r>
+          </a:p>
+          <a:p>
+            <a:r>
+              <a:rPr lang="en-US" sz="1400" dirty="0">
+                <a:latin typeface="Arial" panose="020B0604020202020204" pitchFamily="34" charset="0"/>
+                <a:cs typeface="Arial" panose="020B0604020202020204" pitchFamily="34" charset="0"/>
+              </a:rPr>
+              <a:t>Each data point (representing a loan) is color-coded based on its loan status (Fully Paid, Charged Off, Current).</a:t>
+            </a:r>
+          </a:p>
+          <a:p>
+            <a:pPr marL="285750" indent="-285750">
+              <a:buFont typeface="Arial" panose="020B0604020202020204" pitchFamily="34" charset="0"/>
+              <a:buChar char="•"/>
+            </a:pPr>
+            <a:r>
+              <a:rPr lang="en-US" sz="1400" dirty="0">
+                <a:latin typeface="Arial" panose="020B0604020202020204" pitchFamily="34" charset="0"/>
+                <a:cs typeface="Arial" panose="020B0604020202020204" pitchFamily="34" charset="0"/>
+              </a:rPr>
+              <a:t>Fully Paid (Blue): Loans that have been fully paid off by borrowers.</a:t>
+            </a:r>
+          </a:p>
+          <a:p>
+            <a:pPr marL="285750" indent="-285750">
+              <a:buFont typeface="Arial" panose="020B0604020202020204" pitchFamily="34" charset="0"/>
+              <a:buChar char="•"/>
+            </a:pPr>
+            <a:r>
+              <a:rPr lang="en-US" sz="1400" dirty="0">
+                <a:latin typeface="Arial" panose="020B0604020202020204" pitchFamily="34" charset="0"/>
+                <a:cs typeface="Arial" panose="020B0604020202020204" pitchFamily="34" charset="0"/>
+              </a:rPr>
+              <a:t>Charged Off (Orange): Loans that have defaulted or been charged off.</a:t>
+            </a:r>
+          </a:p>
+          <a:p>
+            <a:pPr marL="285750" indent="-285750">
+              <a:buFont typeface="Arial" panose="020B0604020202020204" pitchFamily="34" charset="0"/>
+              <a:buChar char="•"/>
+            </a:pPr>
+            <a:r>
+              <a:rPr lang="en-US" sz="1400" dirty="0">
+                <a:latin typeface="Arial" panose="020B0604020202020204" pitchFamily="34" charset="0"/>
+                <a:cs typeface="Arial" panose="020B0604020202020204" pitchFamily="34" charset="0"/>
+              </a:rPr>
+              <a:t>Current (Green): Loans that are currently active and being paid off.</a:t>
+            </a:r>
+            <a:endParaRPr lang="en-IN" sz="1400" dirty="0">
+              <a:latin typeface="Arial" panose="020B0604020202020204" pitchFamily="34" charset="0"/>
+              <a:cs typeface="Arial" panose="020B0604020202020204" pitchFamily="34" charset="0"/>
+            </a:endParaRPr>
+          </a:p>
+        </p:txBody>
+      </p:sp>
+      <p:sp>
+        <p:nvSpPr>
+          <p:cNvPr id="9" name="Rectangle 8"/>
+          <p:cNvSpPr/>
+          <p:nvPr/>
+        </p:nvSpPr>
+        <p:spPr>
+          <a:xfrm>
+            <a:off x="474258" y="4343698"/>
+            <a:ext cx="6177887" cy="2462213"/>
+          </a:xfrm>
+          <a:prstGeom prst="rect">
+            <a:avLst/>
+          </a:prstGeom>
+        </p:spPr>
+        <p:txBody>
+          <a:bodyPr wrap="square">
+            <a:spAutoFit/>
+          </a:bodyPr>
+          <a:lstStyle/>
+          <a:p>
+            <a:r>
+              <a:rPr lang="en-US" sz="1400" b="1" dirty="0" smtClean="0">
+                <a:latin typeface="Arial" panose="020B0604020202020204" pitchFamily="34" charset="0"/>
+                <a:cs typeface="Arial" panose="020B0604020202020204" pitchFamily="34" charset="0"/>
+              </a:rPr>
+              <a:t>Business Implications</a:t>
+            </a:r>
+            <a:r>
+              <a:rPr lang="en-US" sz="1400" dirty="0" smtClean="0">
+                <a:latin typeface="Arial" panose="020B0604020202020204" pitchFamily="34" charset="0"/>
+                <a:cs typeface="Arial" panose="020B0604020202020204" pitchFamily="34" charset="0"/>
+              </a:rPr>
+              <a:t>: </a:t>
+            </a:r>
+          </a:p>
+          <a:p>
+            <a:pPr marL="285750" indent="-285750">
+              <a:buFont typeface="Arial" panose="020B0604020202020204" pitchFamily="34" charset="0"/>
+              <a:buChar char="•"/>
+            </a:pPr>
+            <a:r>
+              <a:rPr lang="en-US" sz="1400" dirty="0">
+                <a:latin typeface="Arial" panose="020B0604020202020204" pitchFamily="34" charset="0"/>
+                <a:cs typeface="Arial" panose="020B0604020202020204" pitchFamily="34" charset="0"/>
+              </a:rPr>
+              <a:t>Risk </a:t>
+            </a:r>
+            <a:r>
+              <a:rPr lang="en-US" sz="1400" dirty="0" smtClean="0">
+                <a:latin typeface="Arial" panose="020B0604020202020204" pitchFamily="34" charset="0"/>
+                <a:cs typeface="Arial" panose="020B0604020202020204" pitchFamily="34" charset="0"/>
+              </a:rPr>
+              <a:t>Assessment </a:t>
+            </a:r>
+            <a:r>
+              <a:rPr lang="en-US" sz="1400" dirty="0">
+                <a:latin typeface="Arial" panose="020B0604020202020204" pitchFamily="34" charset="0"/>
+                <a:cs typeface="Arial" panose="020B0604020202020204" pitchFamily="34" charset="0"/>
+                <a:sym typeface="Wingdings" panose="05000000000000000000" pitchFamily="2" charset="2"/>
+              </a:rPr>
+              <a:t> By examining where Charged Off loans cluster in relation to loan amount, debt-to-income ratio, and installment, lenders can identify riskier loan profiles. For example, higher loan amounts combined with high debt-to-income ratios might indicate a higher likelihood of default</a:t>
+            </a:r>
+            <a:r>
+              <a:rPr lang="en-US" sz="1400" dirty="0" smtClean="0">
+                <a:latin typeface="Arial" panose="020B0604020202020204" pitchFamily="34" charset="0"/>
+                <a:cs typeface="Arial" panose="020B0604020202020204" pitchFamily="34" charset="0"/>
+                <a:sym typeface="Wingdings" panose="05000000000000000000" pitchFamily="2" charset="2"/>
+              </a:rPr>
+              <a:t>.</a:t>
+            </a:r>
+          </a:p>
+          <a:p>
+            <a:pPr marL="285750" indent="-285750">
+              <a:buFont typeface="Arial" panose="020B0604020202020204" pitchFamily="34" charset="0"/>
+              <a:buChar char="•"/>
+            </a:pPr>
+            <a:r>
+              <a:rPr lang="en-US" sz="1400" dirty="0">
+                <a:latin typeface="Arial" panose="020B0604020202020204" pitchFamily="34" charset="0"/>
+                <a:cs typeface="Arial" panose="020B0604020202020204" pitchFamily="34" charset="0"/>
+              </a:rPr>
+              <a:t>Portfolio </a:t>
+            </a:r>
+            <a:r>
+              <a:rPr lang="en-US" sz="1400" dirty="0" smtClean="0">
+                <a:latin typeface="Arial" panose="020B0604020202020204" pitchFamily="34" charset="0"/>
+                <a:cs typeface="Arial" panose="020B0604020202020204" pitchFamily="34" charset="0"/>
+              </a:rPr>
+              <a:t>Analysis </a:t>
+            </a:r>
+            <a:r>
+              <a:rPr lang="en-US" sz="1400" dirty="0" smtClean="0">
+                <a:latin typeface="Arial" panose="020B0604020202020204" pitchFamily="34" charset="0"/>
+                <a:cs typeface="Arial" panose="020B0604020202020204" pitchFamily="34" charset="0"/>
+                <a:sym typeface="Wingdings" panose="05000000000000000000" pitchFamily="2" charset="2"/>
+              </a:rPr>
+              <a:t> </a:t>
+            </a:r>
+            <a:r>
+              <a:rPr lang="en-US" sz="1400" dirty="0" smtClean="0">
+                <a:latin typeface="Arial" panose="020B0604020202020204" pitchFamily="34" charset="0"/>
+                <a:cs typeface="Arial" panose="020B0604020202020204" pitchFamily="34" charset="0"/>
+              </a:rPr>
+              <a:t>Visualizing </a:t>
+            </a:r>
+            <a:r>
+              <a:rPr lang="en-US" sz="1400" dirty="0">
+                <a:latin typeface="Arial" panose="020B0604020202020204" pitchFamily="34" charset="0"/>
+                <a:cs typeface="Arial" panose="020B0604020202020204" pitchFamily="34" charset="0"/>
+              </a:rPr>
+              <a:t>the distribution of loan statuses across different segments helps in understanding the composition of the loan portfolio. For instance, a higher concentration of Fully Paid loans in certain ranges might signify successful lending practices in those segments.</a:t>
+            </a:r>
+            <a:endParaRPr lang="en-US" sz="1400" dirty="0" smtClean="0">
+              <a:latin typeface="Arial" panose="020B0604020202020204" pitchFamily="34" charset="0"/>
+              <a:cs typeface="Arial" panose="020B0604020202020204" pitchFamily="34" charset="0"/>
+            </a:endParaRPr>
+          </a:p>
+        </p:txBody>
+      </p:sp>
+      <p:sp>
+        <p:nvSpPr>
+          <p:cNvPr id="10" name="Rectangle 9"/>
+          <p:cNvSpPr/>
+          <p:nvPr/>
+        </p:nvSpPr>
+        <p:spPr>
+          <a:xfrm>
+            <a:off x="6255224" y="6174866"/>
+            <a:ext cx="5741158" cy="523220"/>
+          </a:xfrm>
+          <a:prstGeom prst="rect">
+            <a:avLst/>
+          </a:prstGeom>
+        </p:spPr>
+        <p:txBody>
+          <a:bodyPr wrap="square">
+            <a:spAutoFit/>
+          </a:bodyPr>
+          <a:lstStyle/>
+          <a:p>
+            <a:pPr marL="285750" indent="-285750" algn="just">
+              <a:buFont typeface="Arial" panose="020B0604020202020204" pitchFamily="34" charset="0"/>
+              <a:buChar char="•"/>
+            </a:pPr>
+            <a:r>
+              <a:rPr lang="en-IN" sz="1400" dirty="0">
+                <a:latin typeface="Arial" panose="020B0604020202020204" pitchFamily="34" charset="0"/>
+                <a:cs typeface="Arial" panose="020B0604020202020204" pitchFamily="34" charset="0"/>
+              </a:rPr>
+              <a:t>Based on observed patterns, lenders can refine loan approval criteria to mitigate risks associated with high-risk loan profiles</a:t>
             </a:r>
           </a:p>
         </p:txBody>
@@ -7629,6 +9780,410 @@
     <p:extLst>
       <p:ext uri="{BB962C8B-B14F-4D97-AF65-F5344CB8AC3E}">
         <p14:creationId xmlns:p14="http://schemas.microsoft.com/office/powerpoint/2010/main" val="1854990966"/>
+      </p:ext>
+    </p:extLst>
+  </p:cSld>
+  <p:clrMapOvr>
+    <a:masterClrMapping/>
+  </p:clrMapOvr>
+  <p:timing>
+    <p:tnLst>
+      <p:par>
+        <p:cTn id="1" dur="indefinite" restart="never" nodeType="tmRoot"/>
+      </p:par>
+    </p:tnLst>
+  </p:timing>
+</p:sld>
+</file>
+
+<file path=ppt/slides/slide18.xml><?xml version="1.0" encoding="utf-8"?>
+<p:sld xmlns:a="http://schemas.openxmlformats.org/drawingml/2006/main" xmlns:r="http://schemas.openxmlformats.org/officeDocument/2006/relationships" xmlns:p="http://schemas.openxmlformats.org/presentationml/2006/main">
+  <p:cSld>
+    <p:spTree>
+      <p:nvGrpSpPr>
+        <p:cNvPr id="1" name=""/>
+        <p:cNvGrpSpPr/>
+        <p:nvPr/>
+      </p:nvGrpSpPr>
+      <p:grpSpPr>
+        <a:xfrm>
+          <a:off x="0" y="0"/>
+          <a:ext cx="0" cy="0"/>
+          <a:chOff x="0" y="0"/>
+          <a:chExt cx="0" cy="0"/>
+        </a:xfrm>
+      </p:grpSpPr>
+      <p:sp>
+        <p:nvSpPr>
+          <p:cNvPr id="2" name="Title 1"/>
+          <p:cNvSpPr>
+            <a:spLocks noGrp="1"/>
+          </p:cNvSpPr>
+          <p:nvPr>
+            <p:ph type="title"/>
+          </p:nvPr>
+        </p:nvSpPr>
+        <p:spPr>
+          <a:xfrm>
+            <a:off x="646111" y="452718"/>
+            <a:ext cx="9889961" cy="1400530"/>
+          </a:xfrm>
+        </p:spPr>
+        <p:txBody>
+          <a:bodyPr/>
+          <a:lstStyle/>
+          <a:p>
+            <a:r>
+              <a:rPr lang="en-US" dirty="0" smtClean="0">
+                <a:latin typeface="Arial" panose="020B0604020202020204" pitchFamily="34" charset="0"/>
+                <a:cs typeface="Arial" panose="020B0604020202020204" pitchFamily="34" charset="0"/>
+              </a:rPr>
+              <a:t>Key variables influencing loan default</a:t>
+            </a:r>
+            <a:endParaRPr lang="en-IN" dirty="0">
+              <a:latin typeface="Arial" panose="020B0604020202020204" pitchFamily="34" charset="0"/>
+              <a:cs typeface="Arial" panose="020B0604020202020204" pitchFamily="34" charset="0"/>
+            </a:endParaRPr>
+          </a:p>
+        </p:txBody>
+      </p:sp>
+      <p:sp>
+        <p:nvSpPr>
+          <p:cNvPr id="3" name="Content Placeholder 2"/>
+          <p:cNvSpPr>
+            <a:spLocks noGrp="1"/>
+          </p:cNvSpPr>
+          <p:nvPr>
+            <p:ph idx="1"/>
+          </p:nvPr>
+        </p:nvSpPr>
+        <p:spPr>
+          <a:xfrm>
+            <a:off x="1117820" y="1534303"/>
+            <a:ext cx="9923219" cy="5098509"/>
+          </a:xfrm>
+        </p:spPr>
+        <p:txBody>
+          <a:bodyPr>
+            <a:noAutofit/>
+          </a:bodyPr>
+          <a:lstStyle/>
+          <a:p>
+            <a:pPr marL="0" indent="0">
+              <a:buNone/>
+            </a:pPr>
+            <a:r>
+              <a:rPr lang="en-US" sz="1800" dirty="0" smtClean="0">
+                <a:latin typeface="Arial" panose="020B0604020202020204" pitchFamily="34" charset="0"/>
+                <a:ea typeface="+mn-ea"/>
+                <a:cs typeface="Arial" panose="020B0604020202020204" pitchFamily="34" charset="0"/>
+              </a:rPr>
+              <a:t>Firstly defined the problem statement &amp; then identifying and understand the key variables that significantly influence loan default.</a:t>
+            </a:r>
+          </a:p>
+          <a:p>
+            <a:pPr marL="0" indent="0">
+              <a:buNone/>
+            </a:pPr>
+            <a:r>
+              <a:rPr lang="en-US" sz="1800" b="1" dirty="0" smtClean="0">
+                <a:latin typeface="Arial" panose="020B0604020202020204" pitchFamily="34" charset="0"/>
+                <a:ea typeface="+mn-ea"/>
+                <a:cs typeface="Arial" panose="020B0604020202020204" pitchFamily="34" charset="0"/>
+              </a:rPr>
+              <a:t>Data set used for analysis</a:t>
+            </a:r>
+            <a:r>
+              <a:rPr lang="en-US" sz="1800" dirty="0" smtClean="0">
+                <a:latin typeface="Arial" panose="020B0604020202020204" pitchFamily="34" charset="0"/>
+                <a:ea typeface="+mn-ea"/>
+                <a:cs typeface="Arial" panose="020B0604020202020204" pitchFamily="34" charset="0"/>
+              </a:rPr>
+              <a:t>:- Loan data set with specific attributes - amount, interest rate, employment length, etc. Target variable Loan Status and its categories - 'Fully Paid', 'Charged Off', 'Current‘</a:t>
+            </a:r>
+          </a:p>
+          <a:p>
+            <a:pPr marL="0" indent="0">
+              <a:buNone/>
+            </a:pPr>
+            <a:r>
+              <a:rPr lang="en-IN" sz="1800" b="1" dirty="0" smtClean="0">
+                <a:latin typeface="Arial" panose="020B0604020202020204" pitchFamily="34" charset="0"/>
+                <a:ea typeface="+mn-ea"/>
+                <a:cs typeface="Arial" panose="020B0604020202020204" pitchFamily="34" charset="0"/>
+              </a:rPr>
+              <a:t>Feature Selection Process</a:t>
+            </a:r>
+            <a:r>
+              <a:rPr lang="en-IN" sz="1800" dirty="0" smtClean="0">
+                <a:latin typeface="Arial" panose="020B0604020202020204" pitchFamily="34" charset="0"/>
+                <a:ea typeface="+mn-ea"/>
+                <a:cs typeface="Arial" panose="020B0604020202020204" pitchFamily="34" charset="0"/>
+              </a:rPr>
+              <a:t>:- </a:t>
+            </a:r>
+            <a:r>
+              <a:rPr lang="en-US" sz="1800" dirty="0" smtClean="0">
+                <a:latin typeface="Arial" panose="020B0604020202020204" pitchFamily="34" charset="0"/>
+                <a:ea typeface="+mn-ea"/>
+                <a:cs typeface="Arial" panose="020B0604020202020204" pitchFamily="34" charset="0"/>
+              </a:rPr>
+              <a:t>Selecting key features like loan amount, annual income, debt-to-income ratio, loan term, grade, and employment length that are likely to impact whether a loan will be paid off or result in default.</a:t>
+            </a:r>
+          </a:p>
+          <a:p>
+            <a:pPr marL="0" indent="0">
+              <a:buNone/>
+            </a:pPr>
+            <a:r>
+              <a:rPr lang="en-IN" sz="1800" b="1" dirty="0" smtClean="0">
+                <a:latin typeface="Arial" panose="020B0604020202020204" pitchFamily="34" charset="0"/>
+                <a:ea typeface="+mn-ea"/>
+                <a:cs typeface="Arial" panose="020B0604020202020204" pitchFamily="34" charset="0"/>
+              </a:rPr>
+              <a:t>Key Variables Identified</a:t>
+            </a:r>
+            <a:r>
+              <a:rPr lang="en-IN" sz="1800" dirty="0" smtClean="0">
+                <a:latin typeface="Arial" panose="020B0604020202020204" pitchFamily="34" charset="0"/>
+                <a:ea typeface="+mn-ea"/>
+                <a:cs typeface="Arial" panose="020B0604020202020204" pitchFamily="34" charset="0"/>
+              </a:rPr>
+              <a:t> :- </a:t>
+            </a:r>
+            <a:r>
+              <a:rPr lang="en-US" sz="1800" dirty="0" smtClean="0">
+                <a:latin typeface="Arial" panose="020B0604020202020204" pitchFamily="34" charset="0"/>
+                <a:ea typeface="+mn-ea"/>
+                <a:cs typeface="Arial" panose="020B0604020202020204" pitchFamily="34" charset="0"/>
+              </a:rPr>
+              <a:t>Based on so far analysis, loan amount, annual income, and debt-to-income ratio are identified as the most influential factors affecting loan default.</a:t>
+            </a:r>
+          </a:p>
+          <a:p>
+            <a:pPr marL="0" indent="0">
+              <a:buNone/>
+            </a:pPr>
+            <a:r>
+              <a:rPr lang="en-IN" sz="1800" b="1" dirty="0" smtClean="0">
+                <a:latin typeface="Arial" panose="020B0604020202020204" pitchFamily="34" charset="0"/>
+                <a:ea typeface="+mn-ea"/>
+                <a:cs typeface="Arial" panose="020B0604020202020204" pitchFamily="34" charset="0"/>
+              </a:rPr>
+              <a:t>Insights and Interpretations</a:t>
+            </a:r>
+            <a:r>
+              <a:rPr lang="en-IN" sz="1800" dirty="0" smtClean="0">
+                <a:latin typeface="Arial" panose="020B0604020202020204" pitchFamily="34" charset="0"/>
+                <a:ea typeface="+mn-ea"/>
+                <a:cs typeface="Arial" panose="020B0604020202020204" pitchFamily="34" charset="0"/>
+              </a:rPr>
+              <a:t>:- </a:t>
+            </a:r>
+            <a:r>
+              <a:rPr lang="en-US" sz="1800" dirty="0" smtClean="0">
+                <a:latin typeface="Arial" panose="020B0604020202020204" pitchFamily="34" charset="0"/>
+                <a:ea typeface="+mn-ea"/>
+                <a:cs typeface="Arial" panose="020B0604020202020204" pitchFamily="34" charset="0"/>
+              </a:rPr>
+              <a:t>The scatter plot, as one example, shows how loan amount and debt-to-income ratio correlate with loan status, certain patterns indicated higher risk of default for certain borrower profiles</a:t>
+            </a:r>
+            <a:endParaRPr lang="en-US" sz="2800" dirty="0" smtClean="0">
+              <a:latin typeface="Arial" panose="020B0604020202020204" pitchFamily="34" charset="0"/>
+              <a:cs typeface="Arial" panose="020B0604020202020204" pitchFamily="34" charset="0"/>
+            </a:endParaRPr>
+          </a:p>
+          <a:p>
+            <a:pPr marL="0" indent="0">
+              <a:buNone/>
+            </a:pPr>
+            <a:r>
+              <a:rPr lang="en-US" sz="1800" b="1" dirty="0" smtClean="0">
+                <a:latin typeface="Arial" panose="020B0604020202020204" pitchFamily="34" charset="0"/>
+                <a:ea typeface="+mn-ea"/>
+                <a:cs typeface="Arial" panose="020B0604020202020204" pitchFamily="34" charset="0"/>
+              </a:rPr>
+              <a:t>Recommendations</a:t>
+            </a:r>
+            <a:r>
+              <a:rPr lang="en-US" sz="1800" dirty="0" smtClean="0">
+                <a:latin typeface="Arial" panose="020B0604020202020204" pitchFamily="34" charset="0"/>
+                <a:ea typeface="+mn-ea"/>
+                <a:cs typeface="Arial" panose="020B0604020202020204" pitchFamily="34" charset="0"/>
+              </a:rPr>
+              <a:t>:- Based on analysis, we recommend incorporating loan amount, income level, and employment length into credit scoring models to better predict loan default risk.</a:t>
+            </a:r>
+            <a:endParaRPr lang="en-IN" sz="2800" dirty="0">
+              <a:latin typeface="Arial" panose="020B0604020202020204" pitchFamily="34" charset="0"/>
+              <a:cs typeface="Arial" panose="020B0604020202020204" pitchFamily="34" charset="0"/>
+            </a:endParaRPr>
+          </a:p>
+        </p:txBody>
+      </p:sp>
+    </p:spTree>
+    <p:extLst>
+      <p:ext uri="{BB962C8B-B14F-4D97-AF65-F5344CB8AC3E}">
+        <p14:creationId xmlns:p14="http://schemas.microsoft.com/office/powerpoint/2010/main" val="243538090"/>
+      </p:ext>
+    </p:extLst>
+  </p:cSld>
+  <p:clrMapOvr>
+    <a:masterClrMapping/>
+  </p:clrMapOvr>
+  <p:timing>
+    <p:tnLst>
+      <p:par>
+        <p:cTn id="1" dur="indefinite" restart="never" nodeType="tmRoot"/>
+      </p:par>
+    </p:tnLst>
+  </p:timing>
+</p:sld>
+</file>
+
+<file path=ppt/slides/slide19.xml><?xml version="1.0" encoding="utf-8"?>
+<p:sld xmlns:a="http://schemas.openxmlformats.org/drawingml/2006/main" xmlns:r="http://schemas.openxmlformats.org/officeDocument/2006/relationships" xmlns:p="http://schemas.openxmlformats.org/presentationml/2006/main">
+  <p:cSld>
+    <p:spTree>
+      <p:nvGrpSpPr>
+        <p:cNvPr id="1" name=""/>
+        <p:cNvGrpSpPr/>
+        <p:nvPr/>
+      </p:nvGrpSpPr>
+      <p:grpSpPr>
+        <a:xfrm>
+          <a:off x="0" y="0"/>
+          <a:ext cx="0" cy="0"/>
+          <a:chOff x="0" y="0"/>
+          <a:chExt cx="0" cy="0"/>
+        </a:xfrm>
+      </p:grpSpPr>
+      <p:sp>
+        <p:nvSpPr>
+          <p:cNvPr id="2" name="Title 1"/>
+          <p:cNvSpPr>
+            <a:spLocks noGrp="1"/>
+          </p:cNvSpPr>
+          <p:nvPr>
+            <p:ph type="title"/>
+          </p:nvPr>
+        </p:nvSpPr>
+        <p:spPr/>
+        <p:txBody>
+          <a:bodyPr/>
+          <a:lstStyle/>
+          <a:p>
+            <a:r>
+              <a:rPr lang="en-US" dirty="0" smtClean="0"/>
+              <a:t>Summary - Key Insights </a:t>
+            </a:r>
+            <a:endParaRPr lang="en-IN" dirty="0"/>
+          </a:p>
+        </p:txBody>
+      </p:sp>
+      <p:sp>
+        <p:nvSpPr>
+          <p:cNvPr id="3" name="Content Placeholder 2"/>
+          <p:cNvSpPr>
+            <a:spLocks noGrp="1"/>
+          </p:cNvSpPr>
+          <p:nvPr>
+            <p:ph idx="1"/>
+          </p:nvPr>
+        </p:nvSpPr>
+        <p:spPr>
+          <a:xfrm>
+            <a:off x="994130" y="1343235"/>
+            <a:ext cx="10702001" cy="4852849"/>
+          </a:xfrm>
+        </p:spPr>
+        <p:txBody>
+          <a:bodyPr>
+            <a:noAutofit/>
+          </a:bodyPr>
+          <a:lstStyle/>
+          <a:p>
+            <a:pPr algn="just"/>
+            <a:r>
+              <a:rPr lang="en-US" sz="1800" dirty="0">
+                <a:latin typeface="Arial" panose="020B0604020202020204" pitchFamily="34" charset="0"/>
+                <a:cs typeface="Arial" panose="020B0604020202020204" pitchFamily="34" charset="0"/>
+              </a:rPr>
+              <a:t>Conclusion 1: Employment length appears to be inversely correlated with the likelihood of loan default, indicating that longer employment tenure might reduce the risk of default.</a:t>
+            </a:r>
+          </a:p>
+          <a:p>
+            <a:pPr algn="just"/>
+            <a:r>
+              <a:rPr lang="en-US" sz="1800" dirty="0">
+                <a:latin typeface="Arial" panose="020B0604020202020204" pitchFamily="34" charset="0"/>
+                <a:cs typeface="Arial" panose="020B0604020202020204" pitchFamily="34" charset="0"/>
+              </a:rPr>
+              <a:t>Conclusion 2: Debt-to-income ratio (DTI) is positively correlated with loan default, suggesting that higher DTI ratios increase the risk of default.</a:t>
+            </a:r>
+          </a:p>
+          <a:p>
+            <a:pPr algn="just"/>
+            <a:r>
+              <a:rPr lang="en-US" sz="1800" dirty="0">
+                <a:latin typeface="Arial" panose="020B0604020202020204" pitchFamily="34" charset="0"/>
+                <a:cs typeface="Arial" panose="020B0604020202020204" pitchFamily="34" charset="0"/>
+              </a:rPr>
+              <a:t>Conclusion 3: Loan grade and subgrade provided by Lending Club are strong predictors of default, with higher-grade loans exhibiting lower default rates.</a:t>
+            </a:r>
+          </a:p>
+          <a:p>
+            <a:pPr algn="just"/>
+            <a:r>
+              <a:rPr lang="en-US" sz="1800" dirty="0">
+                <a:latin typeface="Arial" panose="020B0604020202020204" pitchFamily="34" charset="0"/>
+                <a:cs typeface="Arial" panose="020B0604020202020204" pitchFamily="34" charset="0"/>
+              </a:rPr>
+              <a:t>Conclusion 4: Homeownership status is another significant factor, with homeowners exhibiting lower default rates compared to renters.</a:t>
+            </a:r>
+          </a:p>
+          <a:p>
+            <a:pPr algn="just"/>
+            <a:r>
+              <a:rPr lang="en-US" sz="1800" dirty="0">
+                <a:latin typeface="Arial" panose="020B0604020202020204" pitchFamily="34" charset="0"/>
+                <a:cs typeface="Arial" panose="020B0604020202020204" pitchFamily="34" charset="0"/>
+              </a:rPr>
+              <a:t>Conclusion 5: Loan purpose also influences default rates, with loans for debt consolidation having relatively lower default rates compared to other purposes such as small business or education.</a:t>
+            </a:r>
+          </a:p>
+          <a:p>
+            <a:pPr algn="just"/>
+            <a:r>
+              <a:rPr lang="en-US" sz="1800" dirty="0">
+                <a:latin typeface="Arial" panose="020B0604020202020204" pitchFamily="34" charset="0"/>
+                <a:cs typeface="Arial" panose="020B0604020202020204" pitchFamily="34" charset="0"/>
+              </a:rPr>
+              <a:t>Conclusion 6: The length of the loan term is inversely related to default rates, with longer-term loans having higher default rates compared to shorter-term loans.</a:t>
+            </a:r>
+          </a:p>
+          <a:p>
+            <a:pPr algn="just"/>
+            <a:r>
+              <a:rPr lang="en-US" sz="1800" dirty="0">
+                <a:latin typeface="Arial" panose="020B0604020202020204" pitchFamily="34" charset="0"/>
+                <a:cs typeface="Arial" panose="020B0604020202020204" pitchFamily="34" charset="0"/>
+              </a:rPr>
+              <a:t>Conclusion 7: Interest rates tend to be higher for loans that are charged off compared to fully paid loans, indicating a potential association between higher interest rates and increased risk of default.</a:t>
+            </a:r>
+          </a:p>
+          <a:p>
+            <a:pPr algn="just"/>
+            <a:endParaRPr lang="en-IN" sz="1800" dirty="0">
+              <a:latin typeface="Arial" panose="020B0604020202020204" pitchFamily="34" charset="0"/>
+              <a:cs typeface="Arial" panose="020B0604020202020204" pitchFamily="34" charset="0"/>
+            </a:endParaRPr>
+          </a:p>
+        </p:txBody>
+      </p:sp>
+    </p:spTree>
+    <p:extLst>
+      <p:ext uri="{BB962C8B-B14F-4D97-AF65-F5344CB8AC3E}">
+        <p14:creationId xmlns:p14="http://schemas.microsoft.com/office/powerpoint/2010/main" val="3179321796"/>
       </p:ext>
     </p:extLst>
   </p:cSld>
@@ -7676,10 +10231,16 @@
           <a:lstStyle/>
           <a:p>
             <a:r>
-              <a:rPr lang="en-US" dirty="0"/>
+              <a:rPr lang="en-US" dirty="0">
+                <a:latin typeface="Arial" panose="020B0604020202020204" pitchFamily="34" charset="0"/>
+                <a:cs typeface="Arial" panose="020B0604020202020204" pitchFamily="34" charset="0"/>
+              </a:rPr>
               <a:t>Problem Statement</a:t>
             </a:r>
-            <a:endParaRPr lang="en-IN" dirty="0"/>
+            <a:endParaRPr lang="en-IN" dirty="0">
+              <a:latin typeface="Arial" panose="020B0604020202020204" pitchFamily="34" charset="0"/>
+              <a:cs typeface="Arial" panose="020B0604020202020204" pitchFamily="34" charset="0"/>
+            </a:endParaRPr>
           </a:p>
         </p:txBody>
       </p:sp>
@@ -7707,7 +10268,10 @@
               <a:buNone/>
             </a:pPr>
             <a:r>
-              <a:rPr lang="en-US" dirty="0"/>
+              <a:rPr lang="en-US" dirty="0">
+                <a:latin typeface="Arial" panose="020B0604020202020204" pitchFamily="34" charset="0"/>
+                <a:cs typeface="Arial" panose="020B0604020202020204" pitchFamily="34" charset="0"/>
+              </a:rPr>
               <a:t>Understanding loan default factors using loan data to improve risk assessment and decision-making in lending.</a:t>
             </a:r>
           </a:p>
@@ -7715,7 +10279,10 @@
             <a:pPr marL="0" indent="0">
               <a:buNone/>
             </a:pPr>
-            <a:endParaRPr lang="en-IN" dirty="0"/>
+            <a:endParaRPr lang="en-IN" dirty="0">
+              <a:latin typeface="Arial" panose="020B0604020202020204" pitchFamily="34" charset="0"/>
+              <a:cs typeface="Arial" panose="020B0604020202020204" pitchFamily="34" charset="0"/>
+            </a:endParaRPr>
           </a:p>
         </p:txBody>
       </p:sp>
@@ -7814,10 +10381,16 @@
           </a:lstStyle>
           <a:p>
             <a:r>
-              <a:rPr lang="en-US" dirty="0"/>
+              <a:rPr lang="en-US" dirty="0">
+                <a:latin typeface="Arial" panose="020B0604020202020204" pitchFamily="34" charset="0"/>
+                <a:cs typeface="Arial" panose="020B0604020202020204" pitchFamily="34" charset="0"/>
+              </a:rPr>
               <a:t>Analysis approach</a:t>
             </a:r>
-            <a:endParaRPr lang="en-IN" dirty="0"/>
+            <a:endParaRPr lang="en-IN" dirty="0">
+              <a:latin typeface="Arial" panose="020B0604020202020204" pitchFamily="34" charset="0"/>
+              <a:cs typeface="Arial" panose="020B0604020202020204" pitchFamily="34" charset="0"/>
+            </a:endParaRPr>
           </a:p>
         </p:txBody>
       </p:sp>
@@ -8071,36 +10644,68 @@
           </a:lstStyle>
           <a:p>
             <a:r>
-              <a:rPr lang="en-US" b="1" dirty="0"/>
+              <a:rPr lang="en-US" b="1" dirty="0">
+                <a:latin typeface="Arial" panose="020B0604020202020204" pitchFamily="34" charset="0"/>
+                <a:cs typeface="Arial" panose="020B0604020202020204" pitchFamily="34" charset="0"/>
+              </a:rPr>
               <a:t>Data Understanding and Preprocessing:</a:t>
             </a:r>
             <a:r>
-              <a:rPr lang="en-US" dirty="0"/>
+              <a:rPr lang="en-US" dirty="0">
+                <a:latin typeface="Arial" panose="020B0604020202020204" pitchFamily="34" charset="0"/>
+                <a:cs typeface="Arial" panose="020B0604020202020204" pitchFamily="34" charset="0"/>
+              </a:rPr>
               <a:t> Load and clean the loan dataset.</a:t>
             </a:r>
           </a:p>
           <a:p>
             <a:r>
-              <a:rPr lang="en-US" b="1" dirty="0"/>
+              <a:rPr lang="en-US" b="1" dirty="0">
+                <a:latin typeface="Arial" panose="020B0604020202020204" pitchFamily="34" charset="0"/>
+                <a:cs typeface="Arial" panose="020B0604020202020204" pitchFamily="34" charset="0"/>
+              </a:rPr>
               <a:t>Exploratory Data Analysis (EDA):</a:t>
             </a:r>
             <a:r>
-              <a:rPr lang="en-US" dirty="0"/>
+              <a:rPr lang="en-US" dirty="0">
+                <a:latin typeface="Arial" panose="020B0604020202020204" pitchFamily="34" charset="0"/>
+                <a:cs typeface="Arial" panose="020B0604020202020204" pitchFamily="34" charset="0"/>
+              </a:rPr>
               <a:t> Perform univariate, bivariate, and multivariate analyses.</a:t>
             </a:r>
           </a:p>
           <a:p>
             <a:r>
-              <a:rPr lang="en-US" b="1" dirty="0"/>
+              <a:rPr lang="en-US" b="1" dirty="0">
+                <a:latin typeface="Arial" panose="020B0604020202020204" pitchFamily="34" charset="0"/>
+                <a:cs typeface="Arial" panose="020B0604020202020204" pitchFamily="34" charset="0"/>
+              </a:rPr>
               <a:t>Feature Selection and Engineering:</a:t>
             </a:r>
             <a:r>
-              <a:rPr lang="en-US" dirty="0"/>
-              <a:t> Identify key variables influencing loan default.</a:t>
-            </a:r>
-          </a:p>
-          <a:p>
-            <a:endParaRPr lang="en-IN" dirty="0"/>
+              <a:rPr lang="en-US" dirty="0">
+                <a:latin typeface="Arial" panose="020B0604020202020204" pitchFamily="34" charset="0"/>
+                <a:cs typeface="Arial" panose="020B0604020202020204" pitchFamily="34" charset="0"/>
+              </a:rPr>
+              <a:t> Identify key variables influencing loan </a:t>
+            </a:r>
+            <a:r>
+              <a:rPr lang="en-US" dirty="0" smtClean="0">
+                <a:latin typeface="Arial" panose="020B0604020202020204" pitchFamily="34" charset="0"/>
+                <a:cs typeface="Arial" panose="020B0604020202020204" pitchFamily="34" charset="0"/>
+              </a:rPr>
+              <a:t>default &amp; with a Conclusion</a:t>
+            </a:r>
+            <a:endParaRPr lang="en-US" dirty="0">
+              <a:latin typeface="Arial" panose="020B0604020202020204" pitchFamily="34" charset="0"/>
+              <a:cs typeface="Arial" panose="020B0604020202020204" pitchFamily="34" charset="0"/>
+            </a:endParaRPr>
+          </a:p>
+          <a:p>
+            <a:endParaRPr lang="en-IN" dirty="0">
+              <a:latin typeface="Arial" panose="020B0604020202020204" pitchFamily="34" charset="0"/>
+              <a:cs typeface="Arial" panose="020B0604020202020204" pitchFamily="34" charset="0"/>
+            </a:endParaRPr>
           </a:p>
         </p:txBody>
       </p:sp>
@@ -8114,6 +10719,157 @@
   <p:clrMapOvr>
     <a:masterClrMapping/>
   </p:clrMapOvr>
+  <p:timing>
+    <p:tnLst>
+      <p:par>
+        <p:cTn id="1" dur="indefinite" restart="never" nodeType="tmRoot"/>
+      </p:par>
+    </p:tnLst>
+  </p:timing>
+</p:sld>
+</file>
+
+<file path=ppt/slides/slide20.xml><?xml version="1.0" encoding="utf-8"?>
+<p:sld xmlns:a="http://schemas.openxmlformats.org/drawingml/2006/main" xmlns:r="http://schemas.openxmlformats.org/officeDocument/2006/relationships" xmlns:p="http://schemas.openxmlformats.org/presentationml/2006/main">
+  <p:cSld>
+    <p:spTree>
+      <p:nvGrpSpPr>
+        <p:cNvPr id="1" name=""/>
+        <p:cNvGrpSpPr/>
+        <p:nvPr/>
+      </p:nvGrpSpPr>
+      <p:grpSpPr>
+        <a:xfrm>
+          <a:off x="0" y="0"/>
+          <a:ext cx="0" cy="0"/>
+          <a:chOff x="0" y="0"/>
+          <a:chExt cx="0" cy="0"/>
+        </a:xfrm>
+      </p:grpSpPr>
+      <p:sp>
+        <p:nvSpPr>
+          <p:cNvPr id="2" name="Title 1"/>
+          <p:cNvSpPr>
+            <a:spLocks noGrp="1"/>
+          </p:cNvSpPr>
+          <p:nvPr>
+            <p:ph type="title"/>
+          </p:nvPr>
+        </p:nvSpPr>
+        <p:spPr/>
+        <p:txBody>
+          <a:bodyPr/>
+          <a:lstStyle/>
+          <a:p>
+            <a:r>
+              <a:rPr lang="en-US" dirty="0" smtClean="0">
+                <a:latin typeface="Arial" panose="020B0604020202020204" pitchFamily="34" charset="0"/>
+                <a:cs typeface="Arial" panose="020B0604020202020204" pitchFamily="34" charset="0"/>
+              </a:rPr>
+              <a:t>Conclusion</a:t>
+            </a:r>
+            <a:endParaRPr lang="en-IN" dirty="0">
+              <a:latin typeface="Arial" panose="020B0604020202020204" pitchFamily="34" charset="0"/>
+              <a:cs typeface="Arial" panose="020B0604020202020204" pitchFamily="34" charset="0"/>
+            </a:endParaRPr>
+          </a:p>
+        </p:txBody>
+      </p:sp>
+      <p:sp>
+        <p:nvSpPr>
+          <p:cNvPr id="3" name="Content Placeholder 2"/>
+          <p:cNvSpPr>
+            <a:spLocks noGrp="1"/>
+          </p:cNvSpPr>
+          <p:nvPr>
+            <p:ph idx="1"/>
+          </p:nvPr>
+        </p:nvSpPr>
+        <p:spPr/>
+        <p:txBody>
+          <a:bodyPr/>
+          <a:lstStyle/>
+          <a:p>
+            <a:r>
+              <a:rPr lang="en-US" dirty="0">
+                <a:latin typeface="Arial" panose="020B0604020202020204" pitchFamily="34" charset="0"/>
+                <a:cs typeface="Arial" panose="020B0604020202020204" pitchFamily="34" charset="0"/>
+              </a:rPr>
+              <a:t>Through comprehensive data analysis, we've gained insights into the loan dataset, identifying important variables and their relationships with loan default</a:t>
+            </a:r>
+            <a:r>
+              <a:rPr lang="en-US" dirty="0" smtClean="0">
+                <a:latin typeface="Arial" panose="020B0604020202020204" pitchFamily="34" charset="0"/>
+                <a:cs typeface="Arial" panose="020B0604020202020204" pitchFamily="34" charset="0"/>
+              </a:rPr>
+              <a:t>.</a:t>
+            </a:r>
+          </a:p>
+          <a:p>
+            <a:endParaRPr lang="en-US" dirty="0">
+              <a:latin typeface="Arial" panose="020B0604020202020204" pitchFamily="34" charset="0"/>
+              <a:cs typeface="Arial" panose="020B0604020202020204" pitchFamily="34" charset="0"/>
+            </a:endParaRPr>
+          </a:p>
+          <a:p>
+            <a:r>
+              <a:rPr lang="en-US" dirty="0">
+                <a:latin typeface="Arial" panose="020B0604020202020204" pitchFamily="34" charset="0"/>
+                <a:cs typeface="Arial" panose="020B0604020202020204" pitchFamily="34" charset="0"/>
+              </a:rPr>
+              <a:t>Key findings include the impact of loan amount, debt-to-income ratio, and borrower characteristics on loan status</a:t>
+            </a:r>
+            <a:r>
+              <a:rPr lang="en-US" dirty="0" smtClean="0">
+                <a:latin typeface="Arial" panose="020B0604020202020204" pitchFamily="34" charset="0"/>
+                <a:cs typeface="Arial" panose="020B0604020202020204" pitchFamily="34" charset="0"/>
+              </a:rPr>
+              <a:t>.</a:t>
+            </a:r>
+          </a:p>
+          <a:p>
+            <a:endParaRPr lang="en-US" dirty="0">
+              <a:latin typeface="Arial" panose="020B0604020202020204" pitchFamily="34" charset="0"/>
+              <a:cs typeface="Arial" panose="020B0604020202020204" pitchFamily="34" charset="0"/>
+            </a:endParaRPr>
+          </a:p>
+          <a:p>
+            <a:r>
+              <a:rPr lang="en-US" dirty="0">
+                <a:latin typeface="Arial" panose="020B0604020202020204" pitchFamily="34" charset="0"/>
+                <a:cs typeface="Arial" panose="020B0604020202020204" pitchFamily="34" charset="0"/>
+              </a:rPr>
+              <a:t>Moving forward, leveraging these insights can help optimize lending strategies, improve risk assessment processes, and enhance decision-making in the loan approval process.</a:t>
+            </a:r>
+          </a:p>
+          <a:p>
+            <a:pPr marL="0" indent="0">
+              <a:buNone/>
+            </a:pPr>
+            <a:endParaRPr lang="en-IN" dirty="0">
+              <a:latin typeface="Arial" panose="020B0604020202020204" pitchFamily="34" charset="0"/>
+              <a:cs typeface="Arial" panose="020B0604020202020204" pitchFamily="34" charset="0"/>
+            </a:endParaRPr>
+          </a:p>
+        </p:txBody>
+      </p:sp>
+    </p:spTree>
+    <p:extLst>
+      <p:ext uri="{BB962C8B-B14F-4D97-AF65-F5344CB8AC3E}">
+        <p14:creationId xmlns:p14="http://schemas.microsoft.com/office/powerpoint/2010/main" val="47535798"/>
+      </p:ext>
+    </p:extLst>
+  </p:cSld>
+  <p:clrMapOvr>
+    <a:masterClrMapping/>
+  </p:clrMapOvr>
+  <p:timing>
+    <p:tnLst>
+      <p:par>
+        <p:cTn id="1" dur="indefinite" restart="never" nodeType="tmRoot"/>
+      </p:par>
+    </p:tnLst>
+  </p:timing>
 </p:sld>
 </file>
 
@@ -8150,10 +10906,16 @@
           <a:lstStyle/>
           <a:p>
             <a:r>
-              <a:rPr lang="en-US" dirty="0"/>
+              <a:rPr lang="en-US" dirty="0">
+                <a:latin typeface="Arial" panose="020B0604020202020204" pitchFamily="34" charset="0"/>
+                <a:cs typeface="Arial" panose="020B0604020202020204" pitchFamily="34" charset="0"/>
+              </a:rPr>
               <a:t>Load the loan dataset</a:t>
             </a:r>
-            <a:endParaRPr lang="en-IN" dirty="0"/>
+            <a:endParaRPr lang="en-IN" dirty="0">
+              <a:latin typeface="Arial" panose="020B0604020202020204" pitchFamily="34" charset="0"/>
+              <a:cs typeface="Arial" panose="020B0604020202020204" pitchFamily="34" charset="0"/>
+            </a:endParaRPr>
           </a:p>
         </p:txBody>
       </p:sp>
@@ -8180,7 +10942,10 @@
           <a:lstStyle/>
           <a:p>
             <a:r>
-              <a:rPr lang="en-US" dirty="0"/>
+              <a:rPr lang="en-US" dirty="0">
+                <a:latin typeface="Arial" panose="020B0604020202020204" pitchFamily="34" charset="0"/>
+                <a:cs typeface="Arial" panose="020B0604020202020204" pitchFamily="34" charset="0"/>
+              </a:rPr>
               <a:t>Import the necessary libraries, ‘pandas’ for data handling and load the loan dataset into a data frame</a:t>
             </a:r>
           </a:p>
@@ -8189,7 +10954,10 @@
               <a:buNone/>
             </a:pPr>
             <a:r>
-              <a:rPr lang="en-US" dirty="0"/>
+              <a:rPr lang="en-US" dirty="0">
+                <a:latin typeface="Arial" panose="020B0604020202020204" pitchFamily="34" charset="0"/>
+                <a:cs typeface="Arial" panose="020B0604020202020204" pitchFamily="34" charset="0"/>
+              </a:rPr>
               <a:t>	Loading Dataset (read_csv): </a:t>
             </a:r>
           </a:p>
@@ -8198,15 +10966,24 @@
               <a:buNone/>
             </a:pPr>
             <a:r>
-              <a:rPr lang="en-US" dirty="0"/>
+              <a:rPr lang="en-US" dirty="0">
+                <a:latin typeface="Arial" panose="020B0604020202020204" pitchFamily="34" charset="0"/>
+                <a:cs typeface="Arial" panose="020B0604020202020204" pitchFamily="34" charset="0"/>
+              </a:rPr>
               <a:t>	Use </a:t>
             </a:r>
             <a:r>
-              <a:rPr lang="en-US" b="1" dirty="0"/>
+              <a:rPr lang="en-US" b="1" dirty="0">
+                <a:latin typeface="Arial" panose="020B0604020202020204" pitchFamily="34" charset="0"/>
+                <a:cs typeface="Arial" panose="020B0604020202020204" pitchFamily="34" charset="0"/>
+              </a:rPr>
               <a:t>pd.read_csv()</a:t>
             </a:r>
             <a:r>
-              <a:rPr lang="en-US" dirty="0"/>
+              <a:rPr lang="en-US" dirty="0">
+                <a:latin typeface="Arial" panose="020B0604020202020204" pitchFamily="34" charset="0"/>
+                <a:cs typeface="Arial" panose="020B0604020202020204" pitchFamily="34" charset="0"/>
+              </a:rPr>
               <a:t> to load a loan dataset from a CSV file into a DataFrame.</a:t>
             </a:r>
           </a:p>
@@ -8215,7 +10992,10 @@
               <a:buNone/>
             </a:pPr>
             <a:r>
-              <a:rPr lang="en-US" dirty="0"/>
+              <a:rPr lang="en-US" dirty="0">
+                <a:latin typeface="Arial" panose="020B0604020202020204" pitchFamily="34" charset="0"/>
+                <a:cs typeface="Arial" panose="020B0604020202020204" pitchFamily="34" charset="0"/>
+              </a:rPr>
               <a:t> </a:t>
             </a:r>
           </a:p>
@@ -8224,33 +11004,49 @@
               <a:buNone/>
             </a:pPr>
             <a:r>
-              <a:rPr lang="en-US" b="1" dirty="0"/>
+              <a:rPr lang="en-US" b="1" dirty="0">
+                <a:latin typeface="Arial" panose="020B0604020202020204" pitchFamily="34" charset="0"/>
+                <a:cs typeface="Arial" panose="020B0604020202020204" pitchFamily="34" charset="0"/>
+              </a:rPr>
               <a:t>Results</a:t>
             </a:r>
             <a:r>
-              <a:rPr lang="en-US" dirty="0"/>
+              <a:rPr lang="en-US" dirty="0">
+                <a:latin typeface="Arial" panose="020B0604020202020204" pitchFamily="34" charset="0"/>
+                <a:cs typeface="Arial" panose="020B0604020202020204" pitchFamily="34" charset="0"/>
+              </a:rPr>
               <a:t> </a:t>
             </a:r>
             <a:r>
               <a:rPr lang="en-US" dirty="0">
+                <a:latin typeface="Arial" panose="020B0604020202020204" pitchFamily="34" charset="0"/>
+                <a:cs typeface="Arial" panose="020B0604020202020204" pitchFamily="34" charset="0"/>
                 <a:sym typeface="Wingdings" panose="05000000000000000000" pitchFamily="2" charset="2"/>
               </a:rPr>
               <a:t> </a:t>
             </a:r>
             <a:r>
               <a:rPr lang="en-US" b="1" dirty="0">
+                <a:latin typeface="Arial" panose="020B0604020202020204" pitchFamily="34" charset="0"/>
+                <a:cs typeface="Arial" panose="020B0604020202020204" pitchFamily="34" charset="0"/>
                 <a:sym typeface="Wingdings" panose="05000000000000000000" pitchFamily="2" charset="2"/>
               </a:rPr>
               <a:t>Total 111 columns (snapshot below and more details refer python file)</a:t>
             </a:r>
-            <a:endParaRPr lang="en-US" b="1" dirty="0"/>
+            <a:endParaRPr lang="en-US" b="1" dirty="0">
+              <a:latin typeface="Arial" panose="020B0604020202020204" pitchFamily="34" charset="0"/>
+              <a:cs typeface="Arial" panose="020B0604020202020204" pitchFamily="34" charset="0"/>
+            </a:endParaRPr>
           </a:p>
           <a:p>
             <a:pPr marL="0" indent="0">
               <a:buNone/>
             </a:pPr>
             <a:r>
-              <a:rPr lang="en-US" dirty="0"/>
+              <a:rPr lang="en-US" dirty="0">
+                <a:latin typeface="Arial" panose="020B0604020202020204" pitchFamily="34" charset="0"/>
+                <a:cs typeface="Arial" panose="020B0604020202020204" pitchFamily="34" charset="0"/>
+              </a:rPr>
               <a:t> # Display the first few rows of the dataset to understand its structure</a:t>
             </a:r>
           </a:p>
@@ -8258,7 +11054,10 @@
             <a:pPr marL="0" indent="0">
               <a:buNone/>
             </a:pPr>
-            <a:endParaRPr lang="en-US" dirty="0"/>
+            <a:endParaRPr lang="en-US" dirty="0">
+              <a:latin typeface="Arial" panose="020B0604020202020204" pitchFamily="34" charset="0"/>
+              <a:cs typeface="Arial" panose="020B0604020202020204" pitchFamily="34" charset="0"/>
+            </a:endParaRPr>
           </a:p>
         </p:txBody>
       </p:sp>
@@ -8271,7 +11070,19 @@
           <p:nvPr/>
         </p:nvPicPr>
         <p:blipFill>
-          <a:blip r:embed="rId2"/>
+          <a:blip r:embed="rId2">
+            <a:extLst>
+              <a:ext uri="{BEBA8EAE-BF5A-486C-A8C5-ECC9F3942E4B}">
+                <a14:imgProps xmlns:a14="http://schemas.microsoft.com/office/drawing/2010/main">
+                  <a14:imgLayer r:embed="rId3">
+                    <a14:imgEffect>
+                      <a14:saturation sat="200000"/>
+                    </a14:imgEffect>
+                  </a14:imgLayer>
+                </a14:imgProps>
+              </a:ext>
+            </a:extLst>
+          </a:blip>
           <a:stretch>
             <a:fillRect/>
           </a:stretch>
@@ -8284,6 +11095,11 @@
           <a:prstGeom prst="rect">
             <a:avLst/>
           </a:prstGeom>
+          <a:effectLst>
+            <a:outerShdw blurRad="50800" dist="50800" dir="5400000" algn="ctr" rotWithShape="0">
+              <a:srgbClr val="205156"/>
+            </a:outerShdw>
+          </a:effectLst>
         </p:spPr>
       </p:pic>
     </p:spTree>
@@ -8296,6 +11112,13 @@
   <p:clrMapOvr>
     <a:masterClrMapping/>
   </p:clrMapOvr>
+  <p:timing>
+    <p:tnLst>
+      <p:par>
+        <p:cTn id="1" dur="indefinite" restart="never" nodeType="tmRoot"/>
+      </p:par>
+    </p:tnLst>
+  </p:timing>
 </p:sld>
 </file>
 
@@ -8332,10 +11155,16 @@
           <a:lstStyle/>
           <a:p>
             <a:r>
-              <a:rPr lang="en-US" dirty="0"/>
+              <a:rPr lang="en-US" dirty="0">
+                <a:latin typeface="Arial" panose="020B0604020202020204" pitchFamily="34" charset="0"/>
+                <a:cs typeface="Arial" panose="020B0604020202020204" pitchFamily="34" charset="0"/>
+              </a:rPr>
               <a:t>Data understanding</a:t>
             </a:r>
-            <a:endParaRPr lang="en-IN" dirty="0"/>
+            <a:endParaRPr lang="en-IN" dirty="0">
+              <a:latin typeface="Arial" panose="020B0604020202020204" pitchFamily="34" charset="0"/>
+              <a:cs typeface="Arial" panose="020B0604020202020204" pitchFamily="34" charset="0"/>
+            </a:endParaRPr>
           </a:p>
         </p:txBody>
       </p:sp>
@@ -8352,17 +11181,20 @@
         <p:spPr>
           <a:xfrm>
             <a:off x="1007777" y="1452417"/>
-            <a:ext cx="10483637" cy="2860276"/>
+            <a:ext cx="10483637" cy="2164240"/>
           </a:xfrm>
         </p:spPr>
         <p:txBody>
           <a:bodyPr>
-            <a:normAutofit/>
+            <a:normAutofit fontScale="70000" lnSpcReduction="20000"/>
           </a:bodyPr>
           <a:lstStyle/>
           <a:p>
             <a:r>
-              <a:rPr lang="en-US" dirty="0"/>
+              <a:rPr lang="en-US" dirty="0">
+                <a:latin typeface="Arial" panose="020B0604020202020204" pitchFamily="34" charset="0"/>
+                <a:cs typeface="Arial" panose="020B0604020202020204" pitchFamily="34" charset="0"/>
+              </a:rPr>
               <a:t>Explore the dataset to understand its columns, data types and missing values</a:t>
             </a:r>
           </a:p>
@@ -8371,7 +11203,10 @@
               <a:buNone/>
             </a:pPr>
             <a:r>
-              <a:rPr lang="en-US" dirty="0"/>
+              <a:rPr lang="en-US" dirty="0">
+                <a:latin typeface="Arial" panose="020B0604020202020204" pitchFamily="34" charset="0"/>
+                <a:cs typeface="Arial" panose="020B0604020202020204" pitchFamily="34" charset="0"/>
+              </a:rPr>
               <a:t>Data Understanding (info, describe, isnull):</a:t>
             </a:r>
           </a:p>
@@ -8379,22 +11214,34 @@
             <a:pPr marL="0" indent="0">
               <a:buNone/>
             </a:pPr>
-            <a:endParaRPr lang="en-US" dirty="0"/>
+            <a:endParaRPr lang="en-US" dirty="0">
+              <a:latin typeface="Arial" panose="020B0604020202020204" pitchFamily="34" charset="0"/>
+              <a:cs typeface="Arial" panose="020B0604020202020204" pitchFamily="34" charset="0"/>
+            </a:endParaRPr>
           </a:p>
           <a:p>
             <a:pPr marL="0" indent="0">
               <a:buNone/>
             </a:pPr>
             <a:r>
-              <a:rPr lang="en-US" dirty="0"/>
+              <a:rPr lang="en-US" dirty="0">
+                <a:latin typeface="Arial" panose="020B0604020202020204" pitchFamily="34" charset="0"/>
+                <a:cs typeface="Arial" panose="020B0604020202020204" pitchFamily="34" charset="0"/>
+              </a:rPr>
               <a:t># </a:t>
             </a:r>
             <a:r>
-              <a:rPr lang="en-US" b="1" dirty="0"/>
+              <a:rPr lang="en-US" b="1" dirty="0">
+                <a:latin typeface="Arial" panose="020B0604020202020204" pitchFamily="34" charset="0"/>
+                <a:cs typeface="Arial" panose="020B0604020202020204" pitchFamily="34" charset="0"/>
+              </a:rPr>
               <a:t>info</a:t>
             </a:r>
             <a:r>
-              <a:rPr lang="en-US" dirty="0"/>
+              <a:rPr lang="en-US" dirty="0">
+                <a:latin typeface="Arial" panose="020B0604020202020204" pitchFamily="34" charset="0"/>
+                <a:cs typeface="Arial" panose="020B0604020202020204" pitchFamily="34" charset="0"/>
+              </a:rPr>
               <a:t>(): Displays information about columns, non-null counts, and data types.</a:t>
             </a:r>
           </a:p>
@@ -8403,15 +11250,57 @@
               <a:buNone/>
             </a:pPr>
             <a:r>
-              <a:rPr lang="en-US" dirty="0"/>
+              <a:rPr lang="en-US" dirty="0" smtClean="0">
+                <a:latin typeface="Arial" panose="020B0604020202020204" pitchFamily="34" charset="0"/>
+                <a:cs typeface="Arial" panose="020B0604020202020204" pitchFamily="34" charset="0"/>
+              </a:rPr>
               <a:t># </a:t>
             </a:r>
             <a:r>
-              <a:rPr lang="en-US" b="1" dirty="0"/>
+              <a:rPr lang="en-US" b="1" dirty="0" smtClean="0">
+                <a:latin typeface="Arial" panose="020B0604020202020204" pitchFamily="34" charset="0"/>
+                <a:cs typeface="Arial" panose="020B0604020202020204" pitchFamily="34" charset="0"/>
+              </a:rPr>
+              <a:t>loan_data.head</a:t>
+            </a:r>
+            <a:r>
+              <a:rPr lang="en-US" b="1" dirty="0">
+                <a:latin typeface="Arial" panose="020B0604020202020204" pitchFamily="34" charset="0"/>
+                <a:cs typeface="Arial" panose="020B0604020202020204" pitchFamily="34" charset="0"/>
+              </a:rPr>
+              <a:t>(): </a:t>
+            </a:r>
+            <a:r>
+              <a:rPr lang="en-US" dirty="0">
+                <a:latin typeface="Arial" panose="020B0604020202020204" pitchFamily="34" charset="0"/>
+                <a:cs typeface="Arial" panose="020B0604020202020204" pitchFamily="34" charset="0"/>
+              </a:rPr>
+              <a:t>Display the first few rows of the dataset to understand its structure</a:t>
+            </a:r>
+          </a:p>
+          <a:p>
+            <a:pPr marL="0" indent="0">
+              <a:buNone/>
+            </a:pPr>
+            <a:r>
+              <a:rPr lang="en-US" dirty="0" smtClean="0">
+                <a:latin typeface="Arial" panose="020B0604020202020204" pitchFamily="34" charset="0"/>
+                <a:cs typeface="Arial" panose="020B0604020202020204" pitchFamily="34" charset="0"/>
+              </a:rPr>
+              <a:t># </a:t>
+            </a:r>
+            <a:r>
+              <a:rPr lang="en-US" b="1" dirty="0" smtClean="0">
+                <a:latin typeface="Arial" panose="020B0604020202020204" pitchFamily="34" charset="0"/>
+                <a:cs typeface="Arial" panose="020B0604020202020204" pitchFamily="34" charset="0"/>
+              </a:rPr>
               <a:t>describe</a:t>
             </a:r>
             <a:r>
-              <a:rPr lang="en-US" dirty="0"/>
+              <a:rPr lang="en-US" dirty="0">
+                <a:latin typeface="Arial" panose="020B0604020202020204" pitchFamily="34" charset="0"/>
+                <a:cs typeface="Arial" panose="020B0604020202020204" pitchFamily="34" charset="0"/>
+              </a:rPr>
               <a:t>(): Provides summary statistics (mean, min, max) for numerical columns.</a:t>
             </a:r>
           </a:p>
@@ -8420,23 +11309,38 @@
               <a:buNone/>
             </a:pPr>
             <a:r>
-              <a:rPr lang="en-US" dirty="0"/>
+              <a:rPr lang="en-US" dirty="0">
+                <a:latin typeface="Arial" panose="020B0604020202020204" pitchFamily="34" charset="0"/>
+                <a:cs typeface="Arial" panose="020B0604020202020204" pitchFamily="34" charset="0"/>
+              </a:rPr>
               <a:t># </a:t>
             </a:r>
             <a:r>
-              <a:rPr lang="en-US" b="1" dirty="0"/>
+              <a:rPr lang="en-US" b="1" dirty="0">
+                <a:latin typeface="Arial" panose="020B0604020202020204" pitchFamily="34" charset="0"/>
+                <a:cs typeface="Arial" panose="020B0604020202020204" pitchFamily="34" charset="0"/>
+              </a:rPr>
               <a:t>isnull</a:t>
             </a:r>
             <a:r>
-              <a:rPr lang="en-US" dirty="0"/>
+              <a:rPr lang="en-US" dirty="0">
+                <a:latin typeface="Arial" panose="020B0604020202020204" pitchFamily="34" charset="0"/>
+                <a:cs typeface="Arial" panose="020B0604020202020204" pitchFamily="34" charset="0"/>
+              </a:rPr>
               <a:t>().</a:t>
             </a:r>
             <a:r>
-              <a:rPr lang="en-US" b="1" dirty="0"/>
+              <a:rPr lang="en-US" b="1" dirty="0">
+                <a:latin typeface="Arial" panose="020B0604020202020204" pitchFamily="34" charset="0"/>
+                <a:cs typeface="Arial" panose="020B0604020202020204" pitchFamily="34" charset="0"/>
+              </a:rPr>
               <a:t>sum</a:t>
             </a:r>
             <a:r>
-              <a:rPr lang="en-US" dirty="0"/>
+              <a:rPr lang="en-US" dirty="0">
+                <a:latin typeface="Arial" panose="020B0604020202020204" pitchFamily="34" charset="0"/>
+                <a:cs typeface="Arial" panose="020B0604020202020204" pitchFamily="34" charset="0"/>
+              </a:rPr>
               <a:t>(): Counts missing values in each column.</a:t>
             </a:r>
           </a:p>
@@ -8444,10 +11348,37 @@
             <a:pPr marL="0" indent="0">
               <a:buNone/>
             </a:pPr>
-            <a:endParaRPr lang="en-IN" dirty="0"/>
-          </a:p>
-        </p:txBody>
-      </p:sp>
+            <a:endParaRPr lang="en-IN" dirty="0">
+              <a:latin typeface="Arial" panose="020B0604020202020204" pitchFamily="34" charset="0"/>
+              <a:cs typeface="Arial" panose="020B0604020202020204" pitchFamily="34" charset="0"/>
+            </a:endParaRPr>
+          </a:p>
+        </p:txBody>
+      </p:sp>
+      <p:pic>
+        <p:nvPicPr>
+          <p:cNvPr id="11" name="Picture 10"/>
+          <p:cNvPicPr>
+            <a:picLocks noChangeAspect="1"/>
+          </p:cNvPicPr>
+          <p:nvPr/>
+        </p:nvPicPr>
+        <p:blipFill>
+          <a:blip r:embed="rId2"/>
+          <a:stretch>
+            <a:fillRect/>
+          </a:stretch>
+        </p:blipFill>
+        <p:spPr>
+          <a:xfrm>
+            <a:off x="1630734" y="3743395"/>
+            <a:ext cx="8420100" cy="2619375"/>
+          </a:xfrm>
+          <a:prstGeom prst="rect">
+            <a:avLst/>
+          </a:prstGeom>
+        </p:spPr>
+      </p:pic>
     </p:spTree>
     <p:extLst>
       <p:ext uri="{BB962C8B-B14F-4D97-AF65-F5344CB8AC3E}">
@@ -8458,6 +11389,13 @@
   <p:clrMapOvr>
     <a:masterClrMapping/>
   </p:clrMapOvr>
+  <p:timing>
+    <p:tnLst>
+      <p:par>
+        <p:cTn id="1" dur="indefinite" restart="never" nodeType="tmRoot"/>
+      </p:par>
+    </p:tnLst>
+  </p:timing>
 </p:sld>
 </file>
 
@@ -8491,7 +11429,7 @@
         <p:spPr>
           <a:xfrm>
             <a:off x="646110" y="452718"/>
-            <a:ext cx="8347765" cy="830172"/>
+            <a:ext cx="8702606" cy="830172"/>
           </a:xfrm>
         </p:spPr>
         <p:txBody>
@@ -8499,16 +11437,184 @@
           <a:lstStyle/>
           <a:p>
             <a:r>
-              <a:rPr lang="en-US" dirty="0"/>
-              <a:t>Data understanding – Insights</a:t>
-            </a:r>
-            <a:endParaRPr lang="en-IN" b="1" dirty="0"/>
+              <a:rPr lang="en-US" dirty="0">
+                <a:latin typeface="Arial" panose="020B0604020202020204" pitchFamily="34" charset="0"/>
+                <a:cs typeface="Arial" panose="020B0604020202020204" pitchFamily="34" charset="0"/>
+              </a:rPr>
+              <a:t>Data understanding – </a:t>
+            </a:r>
+            <a:r>
+              <a:rPr lang="en-US" dirty="0" smtClean="0">
+                <a:latin typeface="Arial" panose="020B0604020202020204" pitchFamily="34" charset="0"/>
+                <a:cs typeface="Arial" panose="020B0604020202020204" pitchFamily="34" charset="0"/>
+              </a:rPr>
+              <a:t>Insights#1</a:t>
+            </a:r>
+            <a:endParaRPr lang="en-IN" b="1" dirty="0">
+              <a:latin typeface="Arial" panose="020B0604020202020204" pitchFamily="34" charset="0"/>
+              <a:cs typeface="Arial" panose="020B0604020202020204" pitchFamily="34" charset="0"/>
+            </a:endParaRPr>
+          </a:p>
+        </p:txBody>
+      </p:sp>
+      <p:sp>
+        <p:nvSpPr>
+          <p:cNvPr id="11" name="Rectangle 10"/>
+          <p:cNvSpPr/>
+          <p:nvPr/>
+        </p:nvSpPr>
+        <p:spPr>
+          <a:xfrm>
+            <a:off x="504966" y="3786907"/>
+            <a:ext cx="9985114" cy="2585323"/>
+          </a:xfrm>
+          <a:prstGeom prst="rect">
+            <a:avLst/>
+          </a:prstGeom>
+        </p:spPr>
+        <p:txBody>
+          <a:bodyPr wrap="square">
+            <a:spAutoFit/>
+          </a:bodyPr>
+          <a:lstStyle/>
+          <a:p>
+            <a:pPr>
+              <a:buFont typeface="+mj-lt"/>
+              <a:buAutoNum type="arabicPeriod"/>
+            </a:pPr>
+            <a:endParaRPr lang="en-US" dirty="0">
+              <a:latin typeface="Arial" panose="020B0604020202020204" pitchFamily="34" charset="0"/>
+              <a:cs typeface="Arial" panose="020B0604020202020204" pitchFamily="34" charset="0"/>
+            </a:endParaRPr>
+          </a:p>
+          <a:p>
+            <a:pPr lvl="1"/>
+            <a:r>
+              <a:rPr lang="en-US" b="1" dirty="0" smtClean="0">
+                <a:latin typeface="Arial" panose="020B0604020202020204" pitchFamily="34" charset="0"/>
+                <a:cs typeface="Arial" panose="020B0604020202020204" pitchFamily="34" charset="0"/>
+              </a:rPr>
+              <a:t>Business Implications</a:t>
+            </a:r>
+            <a:r>
+              <a:rPr lang="en-US" dirty="0" smtClean="0">
+                <a:latin typeface="Arial" panose="020B0604020202020204" pitchFamily="34" charset="0"/>
+                <a:cs typeface="Arial" panose="020B0604020202020204" pitchFamily="34" charset="0"/>
+              </a:rPr>
+              <a:t>: </a:t>
+            </a:r>
+          </a:p>
+          <a:p>
+            <a:pPr marL="742950" lvl="1" indent="-285750">
+              <a:buFont typeface="Courier New" panose="02070309020205020404" pitchFamily="49" charset="0"/>
+              <a:buChar char="o"/>
+            </a:pPr>
+            <a:r>
+              <a:rPr lang="en-US" dirty="0">
+                <a:latin typeface="Arial" panose="020B0604020202020204" pitchFamily="34" charset="0"/>
+                <a:cs typeface="Arial" panose="020B0604020202020204" pitchFamily="34" charset="0"/>
+              </a:rPr>
+              <a:t>Understanding Borrower Preferences:- These statistics provide insights into borrower preferences regarding loan sizes. They help in aligning product offerings (loan amounts) with customer demand.</a:t>
+            </a:r>
+          </a:p>
+          <a:p>
+            <a:pPr marL="742950" lvl="1" indent="-285750">
+              <a:buFont typeface="Courier New" panose="02070309020205020404" pitchFamily="49" charset="0"/>
+              <a:buChar char="o"/>
+            </a:pPr>
+            <a:r>
+              <a:rPr lang="en-US" dirty="0">
+                <a:latin typeface="Arial" panose="020B0604020202020204" pitchFamily="34" charset="0"/>
+                <a:cs typeface="Arial" panose="020B0604020202020204" pitchFamily="34" charset="0"/>
+              </a:rPr>
+              <a:t>Risk Management:- Knowledge of loan amount variability (standard deviation) helps in assessing risk exposure. Higher variability may require different risk mitigation strategies.</a:t>
+            </a:r>
+          </a:p>
+          <a:p>
+            <a:pPr marL="742950" lvl="1" indent="-285750">
+              <a:buFont typeface="Courier New" panose="02070309020205020404" pitchFamily="49" charset="0"/>
+              <a:buChar char="o"/>
+            </a:pPr>
+            <a:r>
+              <a:rPr lang="en-US" dirty="0">
+                <a:latin typeface="Arial" panose="020B0604020202020204" pitchFamily="34" charset="0"/>
+                <a:cs typeface="Arial" panose="020B0604020202020204" pitchFamily="34" charset="0"/>
+              </a:rPr>
+              <a:t>Customer Segmentation:- Loan amount statistics can aid in segmenting customers based on funding needs, enabling targeted marketing and personalized services.</a:t>
+            </a:r>
+            <a:endParaRPr lang="en-IN" dirty="0">
+              <a:latin typeface="Arial" panose="020B0604020202020204" pitchFamily="34" charset="0"/>
+              <a:cs typeface="Arial" panose="020B0604020202020204" pitchFamily="34" charset="0"/>
+            </a:endParaRPr>
+          </a:p>
+        </p:txBody>
+      </p:sp>
+      <p:sp>
+        <p:nvSpPr>
+          <p:cNvPr id="14" name="Rectangle 13"/>
+          <p:cNvSpPr/>
+          <p:nvPr/>
+        </p:nvSpPr>
+        <p:spPr>
+          <a:xfrm>
+            <a:off x="810365" y="1363431"/>
+            <a:ext cx="11254256" cy="369332"/>
+          </a:xfrm>
+          <a:prstGeom prst="rect">
+            <a:avLst/>
+          </a:prstGeom>
+        </p:spPr>
+        <p:txBody>
+          <a:bodyPr wrap="square">
+            <a:spAutoFit/>
+          </a:bodyPr>
+          <a:lstStyle/>
+          <a:p>
+            <a:r>
+              <a:rPr lang="en-US" dirty="0">
+                <a:latin typeface="Arial" panose="020B0604020202020204" pitchFamily="34" charset="0"/>
+                <a:cs typeface="Arial" panose="020B0604020202020204" pitchFamily="34" charset="0"/>
+              </a:rPr>
+              <a:t>The </a:t>
+            </a:r>
+            <a:r>
+              <a:rPr lang="en-US" b="1" dirty="0">
+                <a:latin typeface="Arial" panose="020B0604020202020204" pitchFamily="34" charset="0"/>
+                <a:cs typeface="Arial" panose="020B0604020202020204" pitchFamily="34" charset="0"/>
+              </a:rPr>
+              <a:t>loan </a:t>
+            </a:r>
+            <a:r>
+              <a:rPr lang="en-US" b="1" dirty="0" smtClean="0">
+                <a:latin typeface="Arial" panose="020B0604020202020204" pitchFamily="34" charset="0"/>
+                <a:cs typeface="Arial" panose="020B0604020202020204" pitchFamily="34" charset="0"/>
+              </a:rPr>
+              <a:t>amount</a:t>
+            </a:r>
+            <a:r>
+              <a:rPr lang="en-US" dirty="0" smtClean="0">
+                <a:latin typeface="Arial" panose="020B0604020202020204" pitchFamily="34" charset="0"/>
+                <a:cs typeface="Arial" panose="020B0604020202020204" pitchFamily="34" charset="0"/>
+              </a:rPr>
+              <a:t> </a:t>
+            </a:r>
+            <a:r>
+              <a:rPr lang="en-US" dirty="0">
+                <a:latin typeface="Arial" panose="020B0604020202020204" pitchFamily="34" charset="0"/>
+                <a:cs typeface="Arial" panose="020B0604020202020204" pitchFamily="34" charset="0"/>
+              </a:rPr>
+              <a:t>statistics provided summarizes the statistical distribution of loan amounts in a dataset</a:t>
+            </a:r>
+            <a:endParaRPr lang="en-IN" dirty="0">
+              <a:latin typeface="Arial" panose="020B0604020202020204" pitchFamily="34" charset="0"/>
+              <a:cs typeface="Arial" panose="020B0604020202020204" pitchFamily="34" charset="0"/>
+            </a:endParaRPr>
           </a:p>
         </p:txBody>
       </p:sp>
       <p:pic>
         <p:nvPicPr>
-          <p:cNvPr id="10" name="Picture 9"/>
+          <p:cNvPr id="4" name="Picture 3"/>
           <p:cNvPicPr>
             <a:picLocks noChangeAspect="1"/>
           </p:cNvPicPr>
@@ -8522,8 +11628,8 @@
         </p:blipFill>
         <p:spPr>
           <a:xfrm>
-            <a:off x="988179" y="1813304"/>
-            <a:ext cx="2612527" cy="981075"/>
+            <a:off x="10299011" y="2019724"/>
+            <a:ext cx="1519949" cy="2231118"/>
           </a:xfrm>
           <a:prstGeom prst="rect">
             <a:avLst/>
@@ -8532,14 +11638,45 @@
       </p:pic>
       <p:sp>
         <p:nvSpPr>
-          <p:cNvPr id="11" name="Rectangle 10"/>
+          <p:cNvPr id="5" name="Rectangle 4"/>
           <p:cNvSpPr/>
           <p:nvPr/>
         </p:nvSpPr>
         <p:spPr>
           <a:xfrm>
-            <a:off x="423079" y="2685410"/>
-            <a:ext cx="10863619" cy="3693319"/>
+            <a:off x="9348716" y="1650392"/>
+            <a:ext cx="2531527" cy="369332"/>
+          </a:xfrm>
+          <a:prstGeom prst="rect">
+            <a:avLst/>
+          </a:prstGeom>
+        </p:spPr>
+        <p:txBody>
+          <a:bodyPr wrap="none">
+            <a:spAutoFit/>
+          </a:bodyPr>
+          <a:lstStyle/>
+          <a:p>
+            <a:r>
+              <a:rPr lang="en-IN" dirty="0">
+                <a:latin typeface="Arial" panose="020B0604020202020204" pitchFamily="34" charset="0"/>
+                <a:cs typeface="Arial" panose="020B0604020202020204" pitchFamily="34" charset="0"/>
+              </a:rPr>
+              <a:t>Loan Amount Statistics</a:t>
+            </a:r>
+          </a:p>
+        </p:txBody>
+      </p:sp>
+      <p:sp>
+        <p:nvSpPr>
+          <p:cNvPr id="6" name="Rectangle 5"/>
+          <p:cNvSpPr/>
+          <p:nvPr/>
+        </p:nvSpPr>
+        <p:spPr>
+          <a:xfrm>
+            <a:off x="810364" y="1887474"/>
+            <a:ext cx="8353974" cy="2031325"/>
           </a:xfrm>
           <a:prstGeom prst="rect">
             <a:avLst/>
@@ -8551,135 +11688,80 @@
           </a:bodyPr>
           <a:lstStyle/>
           <a:p>
-            <a:pPr>
-              <a:buFont typeface="+mj-lt"/>
-              <a:buAutoNum type="arabicPeriod"/>
+            <a:pPr lvl="1" indent="-285750">
+              <a:buFont typeface="Courier New" panose="02070309020205020404" pitchFamily="49" charset="0"/>
+              <a:buChar char="o"/>
             </a:pPr>
-            <a:endParaRPr lang="en-US" dirty="0">
-              <a:latin typeface="Söhne"/>
+            <a:r>
+              <a:rPr lang="en-US" dirty="0">
+                <a:latin typeface="Arial" panose="020B0604020202020204" pitchFamily="34" charset="0"/>
+                <a:cs typeface="Arial" panose="020B0604020202020204" pitchFamily="34" charset="0"/>
+              </a:rPr>
+              <a:t>39,717 indicates the total number of loan records in the dataset</a:t>
+            </a:r>
+          </a:p>
+          <a:p>
+            <a:pPr lvl="1" indent="-285750">
+              <a:buFont typeface="Courier New" panose="02070309020205020404" pitchFamily="49" charset="0"/>
+              <a:buChar char="o"/>
+            </a:pPr>
+            <a:r>
+              <a:rPr lang="en-US" dirty="0">
+                <a:latin typeface="Arial" panose="020B0604020202020204" pitchFamily="34" charset="0"/>
+                <a:cs typeface="Arial" panose="020B0604020202020204" pitchFamily="34" charset="0"/>
+              </a:rPr>
+              <a:t>Mean loan amount of $11,219.44 represents the typical or average loan size granted by the institution</a:t>
+            </a:r>
+          </a:p>
+          <a:p>
+            <a:pPr lvl="1" indent="-285750">
+              <a:buFont typeface="Courier New" panose="02070309020205020404" pitchFamily="49" charset="0"/>
+              <a:buChar char="o"/>
+            </a:pPr>
+            <a:r>
+              <a:rPr lang="en-US" dirty="0">
+                <a:latin typeface="Arial" panose="020B0604020202020204" pitchFamily="34" charset="0"/>
+                <a:cs typeface="Arial" panose="020B0604020202020204" pitchFamily="34" charset="0"/>
+              </a:rPr>
+              <a:t>minimum loan amount of $500 represents the smallest loan granted by the institution</a:t>
+            </a:r>
+          </a:p>
+          <a:p>
+            <a:pPr lvl="1" indent="-285750">
+              <a:buFont typeface="Courier New" panose="02070309020205020404" pitchFamily="49" charset="0"/>
+              <a:buChar char="o"/>
+            </a:pPr>
+            <a:r>
+              <a:rPr lang="en-US" dirty="0">
+                <a:latin typeface="Arial" panose="020B0604020202020204" pitchFamily="34" charset="0"/>
+                <a:cs typeface="Arial" panose="020B0604020202020204" pitchFamily="34" charset="0"/>
+              </a:rPr>
+              <a:t>75th percentile (Q3) value of $15,000 indicates that 75% of loans are below this amount</a:t>
+            </a:r>
+            <a:endParaRPr lang="en-IN" dirty="0">
+              <a:latin typeface="Arial" panose="020B0604020202020204" pitchFamily="34" charset="0"/>
+              <a:cs typeface="Arial" panose="020B0604020202020204" pitchFamily="34" charset="0"/>
             </a:endParaRPr>
-          </a:p>
-          <a:p>
-            <a:pPr lvl="1"/>
-            <a:r>
-              <a:rPr lang="en-US" b="1" dirty="0">
-                <a:latin typeface="Söhne"/>
-              </a:rPr>
-              <a:t>Business Implication</a:t>
-            </a:r>
-            <a:r>
-              <a:rPr lang="en-US" dirty="0">
-                <a:latin typeface="Söhne"/>
-              </a:rPr>
-              <a:t>: A high percentage of fully paid(82%) loans indicates that a majority of borrowers have successfully met their repayment obligations. This can be a positive indicator of borrower creditworthiness and loan performance within the portfolio.</a:t>
-            </a:r>
-          </a:p>
-          <a:p>
-            <a:pPr lvl="1"/>
-            <a:endParaRPr lang="en-US" dirty="0">
-              <a:latin typeface="Söhne"/>
-            </a:endParaRPr>
-          </a:p>
-          <a:p>
-            <a:pPr lvl="1"/>
-            <a:r>
-              <a:rPr lang="en-US" b="1" dirty="0"/>
-              <a:t>Portfolio Performance</a:t>
-            </a:r>
-            <a:r>
-              <a:rPr lang="en-US" dirty="0"/>
-              <a:t>:</a:t>
-            </a:r>
-          </a:p>
-          <a:p>
-            <a:pPr lvl="1"/>
-            <a:r>
-              <a:rPr lang="en-US" dirty="0">
-                <a:latin typeface="Söhne"/>
-              </a:rPr>
-              <a:t>Monitoring and managing the charged off(14%) loans is crucial for optimizing portfolio performance and minimizing financial losses.</a:t>
-            </a:r>
-          </a:p>
-          <a:p>
-            <a:pPr lvl="1"/>
-            <a:endParaRPr lang="en-US" dirty="0">
-              <a:latin typeface="Söhne"/>
-            </a:endParaRPr>
-          </a:p>
-          <a:p>
-            <a:pPr lvl="1"/>
-            <a:r>
-              <a:rPr lang="en-IN" b="1" dirty="0"/>
-              <a:t>Lending Strategy:</a:t>
-            </a:r>
-          </a:p>
-          <a:p>
-            <a:pPr lvl="1"/>
-            <a:r>
-              <a:rPr lang="en-US" dirty="0"/>
-              <a:t>Lenders may adjust their lending strategies based on the observed default rates to mitigate risk and improve overall portfolio performance</a:t>
-            </a:r>
-            <a:endParaRPr lang="en-IN" dirty="0"/>
-          </a:p>
-          <a:p>
-            <a:pPr lvl="1"/>
-            <a:endParaRPr lang="en-IN" dirty="0"/>
-          </a:p>
-        </p:txBody>
-      </p:sp>
-      <p:sp>
-        <p:nvSpPr>
-          <p:cNvPr id="14" name="Rectangle 13"/>
-          <p:cNvSpPr/>
-          <p:nvPr/>
-        </p:nvSpPr>
-        <p:spPr>
-          <a:xfrm>
-            <a:off x="810365" y="1363431"/>
-            <a:ext cx="11254256" cy="369332"/>
-          </a:xfrm>
-          <a:prstGeom prst="rect">
-            <a:avLst/>
-          </a:prstGeom>
-        </p:spPr>
-        <p:txBody>
-          <a:bodyPr wrap="square">
-            <a:spAutoFit/>
-          </a:bodyPr>
-          <a:lstStyle/>
-          <a:p>
-            <a:r>
-              <a:rPr lang="en-US" dirty="0">
-                <a:latin typeface="Söhne"/>
-              </a:rPr>
-              <a:t>The </a:t>
-            </a:r>
-            <a:r>
-              <a:rPr lang="en-US" b="1" dirty="0">
-                <a:latin typeface="Söhne"/>
-              </a:rPr>
-              <a:t>loan default</a:t>
-            </a:r>
-            <a:r>
-              <a:rPr lang="en-US" dirty="0">
-                <a:latin typeface="Söhne"/>
-              </a:rPr>
-              <a:t> statistics provided indicate the distribution of loan statuses within the dataset</a:t>
-            </a:r>
-            <a:endParaRPr lang="en-IN" dirty="0"/>
           </a:p>
         </p:txBody>
       </p:sp>
     </p:spTree>
     <p:extLst>
       <p:ext uri="{BB962C8B-B14F-4D97-AF65-F5344CB8AC3E}">
-        <p14:creationId xmlns:p14="http://schemas.microsoft.com/office/powerpoint/2010/main" val="982111565"/>
+        <p14:creationId xmlns:p14="http://schemas.microsoft.com/office/powerpoint/2010/main" val="1538369794"/>
       </p:ext>
     </p:extLst>
   </p:cSld>
   <p:clrMapOvr>
     <a:masterClrMapping/>
   </p:clrMapOvr>
+  <p:timing>
+    <p:tnLst>
+      <p:par>
+        <p:cTn id="1" dur="indefinite" restart="never" nodeType="tmRoot"/>
+      </p:par>
+    </p:tnLst>
+  </p:timing>
 </p:sld>
 </file>
 
@@ -8713,7 +11795,7 @@
         <p:spPr>
           <a:xfrm>
             <a:off x="646110" y="452718"/>
-            <a:ext cx="8347765" cy="830172"/>
+            <a:ext cx="8948266" cy="830172"/>
           </a:xfrm>
         </p:spPr>
         <p:txBody>
@@ -8721,59 +11803,29 @@
           <a:lstStyle/>
           <a:p>
             <a:r>
-              <a:rPr lang="en-US" dirty="0"/>
-              <a:t>Data understanding – Insights</a:t>
-            </a:r>
-            <a:endParaRPr lang="en-IN" b="1" dirty="0"/>
-          </a:p>
-        </p:txBody>
-      </p:sp>
-      <p:sp>
-        <p:nvSpPr>
-          <p:cNvPr id="15" name="Rectangle 14"/>
-          <p:cNvSpPr/>
-          <p:nvPr/>
-        </p:nvSpPr>
-        <p:spPr>
-          <a:xfrm>
-            <a:off x="762056" y="1313189"/>
-            <a:ext cx="10415459" cy="646331"/>
-          </a:xfrm>
-          <a:prstGeom prst="rect">
-            <a:avLst/>
-          </a:prstGeom>
-        </p:spPr>
-        <p:txBody>
-          <a:bodyPr wrap="square">
-            <a:spAutoFit/>
-          </a:bodyPr>
-          <a:lstStyle/>
-          <a:p>
-            <a:r>
               <a:rPr lang="en-US" dirty="0">
-                <a:latin typeface="Söhne"/>
-              </a:rPr>
-              <a:t>The Debt-to-Income (</a:t>
-            </a:r>
-            <a:r>
-              <a:rPr lang="en-US" b="1" dirty="0">
-                <a:latin typeface="Söhne"/>
-              </a:rPr>
-              <a:t>DTI</a:t>
-            </a:r>
-            <a:r>
-              <a:rPr lang="en-US" dirty="0">
-                <a:latin typeface="Söhne"/>
-              </a:rPr>
-              <a:t>) Ratio statistics provided offer insights into the financial health and risk assessment of borrowers within the dataset. </a:t>
-            </a:r>
-            <a:endParaRPr lang="en-IN" dirty="0"/>
+                <a:latin typeface="Arial" panose="020B0604020202020204" pitchFamily="34" charset="0"/>
+                <a:cs typeface="Arial" panose="020B0604020202020204" pitchFamily="34" charset="0"/>
+              </a:rPr>
+              <a:t>Data understanding – </a:t>
+            </a:r>
+            <a:r>
+              <a:rPr lang="en-US" dirty="0" smtClean="0">
+                <a:latin typeface="Arial" panose="020B0604020202020204" pitchFamily="34" charset="0"/>
+                <a:cs typeface="Arial" panose="020B0604020202020204" pitchFamily="34" charset="0"/>
+              </a:rPr>
+              <a:t>Insights #2</a:t>
+            </a:r>
+            <a:endParaRPr lang="en-IN" b="1" dirty="0">
+              <a:latin typeface="Arial" panose="020B0604020202020204" pitchFamily="34" charset="0"/>
+              <a:cs typeface="Arial" panose="020B0604020202020204" pitchFamily="34" charset="0"/>
+            </a:endParaRPr>
           </a:p>
         </p:txBody>
       </p:sp>
       <p:pic>
         <p:nvPicPr>
-          <p:cNvPr id="16" name="Picture 15"/>
+          <p:cNvPr id="10" name="Picture 9"/>
           <p:cNvPicPr>
             <a:picLocks noChangeAspect="1"/>
           </p:cNvPicPr>
@@ -8787,8 +11839,8 @@
         </p:blipFill>
         <p:spPr>
           <a:xfrm>
-            <a:off x="5503583" y="1734500"/>
-            <a:ext cx="2428875" cy="1485900"/>
+            <a:off x="988179" y="1813304"/>
+            <a:ext cx="2612527" cy="981075"/>
           </a:xfrm>
           <a:prstGeom prst="rect">
             <a:avLst/>
@@ -8797,14 +11849,14 @@
       </p:pic>
       <p:sp>
         <p:nvSpPr>
-          <p:cNvPr id="18" name="Rectangle 17"/>
+          <p:cNvPr id="11" name="Rectangle 10"/>
           <p:cNvSpPr/>
           <p:nvPr/>
         </p:nvSpPr>
         <p:spPr>
           <a:xfrm>
-            <a:off x="436121" y="2669318"/>
-            <a:ext cx="10741394" cy="4524315"/>
+            <a:off x="423079" y="2685410"/>
+            <a:ext cx="10863619" cy="3693319"/>
           </a:xfrm>
           <a:prstGeom prst="rect">
             <a:avLst/>
@@ -8821,138 +11873,167 @@
               <a:buAutoNum type="arabicPeriod"/>
             </a:pPr>
             <a:endParaRPr lang="en-US" dirty="0">
-              <a:latin typeface="Söhne"/>
+              <a:latin typeface="Arial" panose="020B0604020202020204" pitchFamily="34" charset="0"/>
+              <a:cs typeface="Arial" panose="020B0604020202020204" pitchFamily="34" charset="0"/>
             </a:endParaRPr>
           </a:p>
           <a:p>
             <a:pPr lvl="1"/>
             <a:r>
               <a:rPr lang="en-US" b="1" dirty="0">
-                <a:latin typeface="Söhne"/>
+                <a:latin typeface="Arial" panose="020B0604020202020204" pitchFamily="34" charset="0"/>
+                <a:cs typeface="Arial" panose="020B0604020202020204" pitchFamily="34" charset="0"/>
               </a:rPr>
               <a:t>Business Implication</a:t>
             </a:r>
             <a:r>
               <a:rPr lang="en-US" dirty="0">
-                <a:latin typeface="Söhne"/>
-              </a:rPr>
-              <a:t>: </a:t>
-            </a:r>
-          </a:p>
-          <a:p>
-            <a:pPr marL="800100" lvl="1" indent="-342900">
-              <a:buAutoNum type="arabicPeriod"/>
-            </a:pPr>
-            <a:r>
-              <a:rPr lang="en-US" dirty="0">
-                <a:latin typeface="Söhne"/>
-              </a:rPr>
-              <a:t>Lower mean (13%) indicates – on average borrowers are managing their debt obligations within a reasonable portion of their income</a:t>
-            </a:r>
-          </a:p>
-          <a:p>
-            <a:pPr marL="800100" lvl="1" indent="-342900">
-              <a:buAutoNum type="arabicPeriod"/>
-            </a:pPr>
-            <a:r>
-              <a:rPr lang="en-US" dirty="0">
-                <a:latin typeface="Söhne"/>
-              </a:rPr>
-              <a:t>Borrowers in 75</a:t>
-            </a:r>
-            <a:r>
-              <a:rPr lang="en-US" baseline="30000" dirty="0">
-                <a:latin typeface="Söhne"/>
-              </a:rPr>
-              <a:t>th</a:t>
-            </a:r>
-            <a:r>
-              <a:rPr lang="en-US" dirty="0">
-                <a:latin typeface="Söhne"/>
-              </a:rPr>
-              <a:t> percentile may have a higher risk of financial strain compared to those in 25</a:t>
-            </a:r>
-            <a:r>
-              <a:rPr lang="en-US" baseline="30000" dirty="0">
-                <a:latin typeface="Söhne"/>
-              </a:rPr>
-              <a:t>th</a:t>
-            </a:r>
-            <a:r>
-              <a:rPr lang="en-US" dirty="0">
-                <a:latin typeface="Söhne"/>
-              </a:rPr>
-              <a:t> percentile </a:t>
+                <a:latin typeface="Arial" panose="020B0604020202020204" pitchFamily="34" charset="0"/>
+                <a:cs typeface="Arial" panose="020B0604020202020204" pitchFamily="34" charset="0"/>
+              </a:rPr>
+              <a:t>: A high percentage of fully paid(82%) loans indicates that a majority of borrowers have successfully met their repayment obligations. This can be a positive indicator of borrower creditworthiness and loan performance within the portfolio.</a:t>
             </a:r>
           </a:p>
           <a:p>
             <a:pPr lvl="1"/>
             <a:endParaRPr lang="en-US" dirty="0">
-              <a:latin typeface="Söhne"/>
+              <a:latin typeface="Arial" panose="020B0604020202020204" pitchFamily="34" charset="0"/>
+              <a:cs typeface="Arial" panose="020B0604020202020204" pitchFamily="34" charset="0"/>
             </a:endParaRPr>
           </a:p>
           <a:p>
             <a:pPr lvl="1"/>
             <a:r>
-              <a:rPr lang="en-US" b="1" dirty="0"/>
+              <a:rPr lang="en-US" b="1" dirty="0">
+                <a:latin typeface="Arial" panose="020B0604020202020204" pitchFamily="34" charset="0"/>
+                <a:cs typeface="Arial" panose="020B0604020202020204" pitchFamily="34" charset="0"/>
+              </a:rPr>
               <a:t>Portfolio Performance</a:t>
             </a:r>
             <a:r>
-              <a:rPr lang="en-US" dirty="0"/>
+              <a:rPr lang="en-US" dirty="0">
+                <a:latin typeface="Arial" panose="020B0604020202020204" pitchFamily="34" charset="0"/>
+                <a:cs typeface="Arial" panose="020B0604020202020204" pitchFamily="34" charset="0"/>
+              </a:rPr>
               <a:t>:</a:t>
             </a:r>
           </a:p>
           <a:p>
             <a:pPr lvl="1"/>
             <a:r>
-              <a:rPr lang="en-US" dirty="0"/>
-              <a:t>Higher mean and maximum DTI ratios may indicate increased risk of default among borrowers with elevated debt levels relative to their income</a:t>
+              <a:rPr lang="en-US" dirty="0">
+                <a:latin typeface="Arial" panose="020B0604020202020204" pitchFamily="34" charset="0"/>
+                <a:cs typeface="Arial" panose="020B0604020202020204" pitchFamily="34" charset="0"/>
+              </a:rPr>
+              <a:t>Monitoring and managing the charged off(14%) loans is crucial for optimizing portfolio performance and minimizing financial losses.</a:t>
             </a:r>
           </a:p>
           <a:p>
             <a:pPr lvl="1"/>
             <a:endParaRPr lang="en-US" dirty="0">
-              <a:latin typeface="Söhne"/>
+              <a:latin typeface="Arial" panose="020B0604020202020204" pitchFamily="34" charset="0"/>
+              <a:cs typeface="Arial" panose="020B0604020202020204" pitchFamily="34" charset="0"/>
             </a:endParaRPr>
           </a:p>
           <a:p>
             <a:pPr lvl="1"/>
             <a:r>
-              <a:rPr lang="en-US" b="1" dirty="0"/>
-              <a:t>Lending Strategy</a:t>
-            </a:r>
-            <a:r>
-              <a:rPr lang="en-US" dirty="0"/>
-              <a:t>:</a:t>
+              <a:rPr lang="en-IN" b="1" dirty="0">
+                <a:latin typeface="Arial" panose="020B0604020202020204" pitchFamily="34" charset="0"/>
+                <a:cs typeface="Arial" panose="020B0604020202020204" pitchFamily="34" charset="0"/>
+              </a:rPr>
+              <a:t>Lending Strategy:</a:t>
             </a:r>
           </a:p>
           <a:p>
             <a:pPr lvl="1"/>
             <a:r>
-              <a:rPr lang="en-US" dirty="0"/>
-              <a:t>Identifying borrowers with excessively high DTI ratios can help lenders proactively address potential default risks and implement appropriate risk mitigation measures</a:t>
-            </a:r>
+              <a:rPr lang="en-US" dirty="0">
+                <a:latin typeface="Arial" panose="020B0604020202020204" pitchFamily="34" charset="0"/>
+                <a:cs typeface="Arial" panose="020B0604020202020204" pitchFamily="34" charset="0"/>
+              </a:rPr>
+              <a:t>Lenders may adjust their lending strategies based on the observed default rates to mitigate risk and improve overall portfolio performance</a:t>
+            </a:r>
+            <a:endParaRPr lang="en-IN" dirty="0">
+              <a:latin typeface="Arial" panose="020B0604020202020204" pitchFamily="34" charset="0"/>
+              <a:cs typeface="Arial" panose="020B0604020202020204" pitchFamily="34" charset="0"/>
+            </a:endParaRPr>
           </a:p>
           <a:p>
             <a:pPr lvl="1"/>
-            <a:endParaRPr lang="en-US" dirty="0"/>
-          </a:p>
-          <a:p>
-            <a:pPr lvl="1"/>
-            <a:endParaRPr lang="en-IN" dirty="0"/>
+            <a:endParaRPr lang="en-IN" dirty="0">
+              <a:latin typeface="Arial" panose="020B0604020202020204" pitchFamily="34" charset="0"/>
+              <a:cs typeface="Arial" panose="020B0604020202020204" pitchFamily="34" charset="0"/>
+            </a:endParaRPr>
+          </a:p>
+        </p:txBody>
+      </p:sp>
+      <p:sp>
+        <p:nvSpPr>
+          <p:cNvPr id="14" name="Rectangle 13"/>
+          <p:cNvSpPr/>
+          <p:nvPr/>
+        </p:nvSpPr>
+        <p:spPr>
+          <a:xfrm>
+            <a:off x="810365" y="1363431"/>
+            <a:ext cx="11254256" cy="369332"/>
+          </a:xfrm>
+          <a:prstGeom prst="rect">
+            <a:avLst/>
+          </a:prstGeom>
+        </p:spPr>
+        <p:txBody>
+          <a:bodyPr wrap="square">
+            <a:spAutoFit/>
+          </a:bodyPr>
+          <a:lstStyle/>
+          <a:p>
+            <a:r>
+              <a:rPr lang="en-US" dirty="0">
+                <a:latin typeface="Arial" panose="020B0604020202020204" pitchFamily="34" charset="0"/>
+                <a:cs typeface="Arial" panose="020B0604020202020204" pitchFamily="34" charset="0"/>
+              </a:rPr>
+              <a:t>The </a:t>
+            </a:r>
+            <a:r>
+              <a:rPr lang="en-US" b="1" dirty="0">
+                <a:latin typeface="Arial" panose="020B0604020202020204" pitchFamily="34" charset="0"/>
+                <a:cs typeface="Arial" panose="020B0604020202020204" pitchFamily="34" charset="0"/>
+              </a:rPr>
+              <a:t>loan default</a:t>
+            </a:r>
+            <a:r>
+              <a:rPr lang="en-US" dirty="0">
+                <a:latin typeface="Arial" panose="020B0604020202020204" pitchFamily="34" charset="0"/>
+                <a:cs typeface="Arial" panose="020B0604020202020204" pitchFamily="34" charset="0"/>
+              </a:rPr>
+              <a:t> statistics provided indicate the distribution of loan statuses within the dataset</a:t>
+            </a:r>
+            <a:endParaRPr lang="en-IN" dirty="0">
+              <a:latin typeface="Arial" panose="020B0604020202020204" pitchFamily="34" charset="0"/>
+              <a:cs typeface="Arial" panose="020B0604020202020204" pitchFamily="34" charset="0"/>
+            </a:endParaRPr>
           </a:p>
         </p:txBody>
       </p:sp>
     </p:spTree>
     <p:extLst>
       <p:ext uri="{BB962C8B-B14F-4D97-AF65-F5344CB8AC3E}">
-        <p14:creationId xmlns:p14="http://schemas.microsoft.com/office/powerpoint/2010/main" val="2692511551"/>
+        <p14:creationId xmlns:p14="http://schemas.microsoft.com/office/powerpoint/2010/main" val="982111565"/>
       </p:ext>
     </p:extLst>
   </p:cSld>
   <p:clrMapOvr>
     <a:masterClrMapping/>
   </p:clrMapOvr>
+  <p:timing>
+    <p:tnLst>
+      <p:par>
+        <p:cTn id="1" dur="indefinite" restart="never" nodeType="tmRoot"/>
+      </p:par>
+    </p:tnLst>
+  </p:timing>
 </p:sld>
 </file>
 
@@ -8983,527 +12064,289 @@
             <p:ph type="title"/>
           </p:nvPr>
         </p:nvSpPr>
-        <p:spPr/>
+        <p:spPr>
+          <a:xfrm>
+            <a:off x="436121" y="278587"/>
+            <a:ext cx="8934618" cy="830172"/>
+          </a:xfrm>
+        </p:spPr>
         <p:txBody>
           <a:bodyPr/>
           <a:lstStyle/>
           <a:p>
             <a:r>
-              <a:rPr lang="en-US" dirty="0"/>
-              <a:t>Exploratory data analysis (EDA)</a:t>
-            </a:r>
-            <a:endParaRPr lang="en-IN" dirty="0"/>
-          </a:p>
-        </p:txBody>
-      </p:sp>
-      <p:sp>
-        <p:nvSpPr>
-          <p:cNvPr id="3" name="Content Placeholder 2"/>
-          <p:cNvSpPr>
-            <a:spLocks noGrp="1"/>
-          </p:cNvSpPr>
-          <p:nvPr>
-            <p:ph idx="1"/>
-          </p:nvPr>
-        </p:nvSpPr>
-        <p:spPr>
-          <a:xfrm>
-            <a:off x="822083" y="1180560"/>
-            <a:ext cx="10865774" cy="1345375"/>
-          </a:xfrm>
-        </p:spPr>
-        <p:txBody>
-          <a:bodyPr/>
-          <a:lstStyle/>
-          <a:p>
-            <a:pPr marL="0" indent="0">
-              <a:buNone/>
-            </a:pPr>
-            <a:r>
-              <a:rPr lang="en-IN" dirty="0"/>
-              <a:t>Performing Exploratory Data Analysis (EDA) involves examining and visualizing data to understand relationships, distributions, and patterns within a dataset. Here one can conduct univariate, bivariate, and multivariate analyses using Python with pandas, matplotlib, and seaborn libraries</a:t>
-            </a:r>
-          </a:p>
-        </p:txBody>
-      </p:sp>
-      <p:sp>
-        <p:nvSpPr>
-          <p:cNvPr id="4" name="Title 1"/>
-          <p:cNvSpPr txBox="1">
-            <a:spLocks/>
-          </p:cNvSpPr>
+              <a:rPr lang="en-US" dirty="0">
+                <a:latin typeface="Arial" panose="020B0604020202020204" pitchFamily="34" charset="0"/>
+                <a:cs typeface="Arial" panose="020B0604020202020204" pitchFamily="34" charset="0"/>
+              </a:rPr>
+              <a:t>Data understanding – </a:t>
+            </a:r>
+            <a:r>
+              <a:rPr lang="en-US" dirty="0" smtClean="0">
+                <a:latin typeface="Arial" panose="020B0604020202020204" pitchFamily="34" charset="0"/>
+                <a:cs typeface="Arial" panose="020B0604020202020204" pitchFamily="34" charset="0"/>
+              </a:rPr>
+              <a:t>Insights #3</a:t>
+            </a:r>
+            <a:endParaRPr lang="en-IN" b="1" dirty="0">
+              <a:latin typeface="Arial" panose="020B0604020202020204" pitchFamily="34" charset="0"/>
+              <a:cs typeface="Arial" panose="020B0604020202020204" pitchFamily="34" charset="0"/>
+            </a:endParaRPr>
+          </a:p>
+        </p:txBody>
+      </p:sp>
+      <p:sp>
+        <p:nvSpPr>
+          <p:cNvPr id="15" name="Rectangle 14"/>
+          <p:cNvSpPr/>
           <p:nvPr/>
         </p:nvSpPr>
         <p:spPr>
           <a:xfrm>
-            <a:off x="1092881" y="2702821"/>
-            <a:ext cx="3209380" cy="3984582"/>
+            <a:off x="762056" y="1313189"/>
+            <a:ext cx="10415459" cy="646331"/>
           </a:xfrm>
           <a:prstGeom prst="rect">
             <a:avLst/>
           </a:prstGeom>
-          <a:solidFill>
-            <a:schemeClr val="bg2">
-              <a:lumMod val="20000"/>
-              <a:lumOff val="80000"/>
-            </a:schemeClr>
-          </a:solidFill>
-          <a:ln>
-            <a:solidFill>
-              <a:srgbClr val="B01513"/>
-            </a:solidFill>
-          </a:ln>
-        </p:spPr>
-        <p:txBody>
-          <a:bodyPr vert="horz" lIns="91440" tIns="45720" rIns="91440" bIns="45720" rtlCol="0" anchor="t">
-            <a:noAutofit/>
+        </p:spPr>
+        <p:txBody>
+          <a:bodyPr wrap="square">
+            <a:spAutoFit/>
           </a:bodyPr>
-          <a:lstStyle>
-            <a:lvl1pPr algn="l" defTabSz="457200" rtl="0" eaLnBrk="1" latinLnBrk="0" hangingPunct="1">
-              <a:spcBef>
-                <a:spcPct val="0"/>
-              </a:spcBef>
-              <a:buNone/>
-              <a:defRPr sz="4200" b="0" i="0" kern="1200">
-                <a:solidFill>
-                  <a:schemeClr val="tx2"/>
-                </a:solidFill>
-                <a:latin typeface="+mj-lt"/>
-                <a:ea typeface="+mj-ea"/>
-                <a:cs typeface="+mj-cs"/>
-              </a:defRPr>
-            </a:lvl1pPr>
-            <a:lvl2pPr eaLnBrk="1" hangingPunct="1">
-              <a:defRPr>
-                <a:solidFill>
-                  <a:schemeClr val="tx2"/>
-                </a:solidFill>
-              </a:defRPr>
-            </a:lvl2pPr>
-            <a:lvl3pPr eaLnBrk="1" hangingPunct="1">
-              <a:defRPr>
-                <a:solidFill>
-                  <a:schemeClr val="tx2"/>
-                </a:solidFill>
-              </a:defRPr>
-            </a:lvl3pPr>
-            <a:lvl4pPr eaLnBrk="1" hangingPunct="1">
-              <a:defRPr>
-                <a:solidFill>
-                  <a:schemeClr val="tx2"/>
-                </a:solidFill>
-              </a:defRPr>
-            </a:lvl4pPr>
-            <a:lvl5pPr eaLnBrk="1" hangingPunct="1">
-              <a:defRPr>
-                <a:solidFill>
-                  <a:schemeClr val="tx2"/>
-                </a:solidFill>
-              </a:defRPr>
-            </a:lvl5pPr>
-            <a:lvl6pPr eaLnBrk="1" hangingPunct="1">
-              <a:defRPr>
-                <a:solidFill>
-                  <a:schemeClr val="tx2"/>
-                </a:solidFill>
-              </a:defRPr>
-            </a:lvl6pPr>
-            <a:lvl7pPr eaLnBrk="1" hangingPunct="1">
-              <a:defRPr>
-                <a:solidFill>
-                  <a:schemeClr val="tx2"/>
-                </a:solidFill>
-              </a:defRPr>
-            </a:lvl7pPr>
-            <a:lvl8pPr eaLnBrk="1" hangingPunct="1">
-              <a:defRPr>
-                <a:solidFill>
-                  <a:schemeClr val="tx2"/>
-                </a:solidFill>
-              </a:defRPr>
-            </a:lvl8pPr>
-            <a:lvl9pPr eaLnBrk="1" hangingPunct="1">
-              <a:defRPr>
-                <a:solidFill>
-                  <a:schemeClr val="tx2"/>
-                </a:solidFill>
-              </a:defRPr>
-            </a:lvl9pPr>
-          </a:lstStyle>
-          <a:p>
-            <a:r>
-              <a:rPr lang="en-IN" sz="1800" b="1" dirty="0">
-                <a:solidFill>
-                  <a:schemeClr val="bg1"/>
-                </a:solidFill>
-              </a:rPr>
-              <a:t>Univariate Analysis</a:t>
-            </a:r>
-          </a:p>
-          <a:p>
-            <a:r>
-              <a:rPr lang="en-US" sz="1800" dirty="0">
-                <a:solidFill>
-                  <a:schemeClr val="bg1"/>
-                </a:solidFill>
-              </a:rPr>
-              <a:t>Univariate analysis focuses on exploring individual variables to understand their distribution and characteristics</a:t>
-            </a:r>
-          </a:p>
-          <a:p>
-            <a:endParaRPr lang="en-US" sz="1800" b="1" dirty="0">
-              <a:solidFill>
-                <a:schemeClr val="bg1"/>
-              </a:solidFill>
+          <a:lstStyle/>
+          <a:p>
+            <a:r>
+              <a:rPr lang="en-US" dirty="0">
+                <a:latin typeface="Arial" panose="020B0604020202020204" pitchFamily="34" charset="0"/>
+                <a:cs typeface="Arial" panose="020B0604020202020204" pitchFamily="34" charset="0"/>
+              </a:rPr>
+              <a:t>The Debt-to-Income (</a:t>
+            </a:r>
+            <a:r>
+              <a:rPr lang="en-US" b="1" dirty="0">
+                <a:latin typeface="Arial" panose="020B0604020202020204" pitchFamily="34" charset="0"/>
+                <a:cs typeface="Arial" panose="020B0604020202020204" pitchFamily="34" charset="0"/>
+              </a:rPr>
+              <a:t>DTI</a:t>
+            </a:r>
+            <a:r>
+              <a:rPr lang="en-US" dirty="0">
+                <a:latin typeface="Arial" panose="020B0604020202020204" pitchFamily="34" charset="0"/>
+                <a:cs typeface="Arial" panose="020B0604020202020204" pitchFamily="34" charset="0"/>
+              </a:rPr>
+              <a:t>) Ratio statistics provided offer insights into the financial health and risk assessment of borrowers within the dataset. </a:t>
+            </a:r>
+            <a:endParaRPr lang="en-IN" dirty="0">
+              <a:latin typeface="Arial" panose="020B0604020202020204" pitchFamily="34" charset="0"/>
+              <a:cs typeface="Arial" panose="020B0604020202020204" pitchFamily="34" charset="0"/>
             </a:endParaRPr>
           </a:p>
-          <a:p>
-            <a:r>
-              <a:rPr lang="en-US" sz="1800" b="1" dirty="0">
-                <a:solidFill>
-                  <a:schemeClr val="bg1"/>
-                </a:solidFill>
-              </a:rPr>
-              <a:t>Univariate Analysis (histplot, countplot): </a:t>
-            </a:r>
-            <a:r>
-              <a:rPr lang="en-US" sz="1800" dirty="0">
-                <a:solidFill>
-                  <a:schemeClr val="bg1"/>
-                </a:solidFill>
-              </a:rPr>
-              <a:t>Visualizes the distribution of individual variables using histograms for numerical variables and bar charts for categorical variables.</a:t>
-            </a:r>
-            <a:endParaRPr lang="en-IN" sz="1800" dirty="0">
-              <a:solidFill>
-                <a:schemeClr val="bg1"/>
-              </a:solidFill>
-            </a:endParaRPr>
-          </a:p>
-        </p:txBody>
-      </p:sp>
-      <p:sp>
-        <p:nvSpPr>
-          <p:cNvPr id="5" name="Title 1"/>
-          <p:cNvSpPr txBox="1">
-            <a:spLocks/>
-          </p:cNvSpPr>
+        </p:txBody>
+      </p:sp>
+      <p:pic>
+        <p:nvPicPr>
+          <p:cNvPr id="16" name="Picture 15"/>
+          <p:cNvPicPr>
+            <a:picLocks noChangeAspect="1"/>
+          </p:cNvPicPr>
           <p:nvPr/>
-        </p:nvSpPr>
-        <p:spPr>
-          <a:xfrm>
-            <a:off x="4650280" y="2702820"/>
-            <a:ext cx="3209380" cy="3984583"/>
+        </p:nvPicPr>
+        <p:blipFill>
+          <a:blip r:embed="rId2"/>
+          <a:stretch>
+            <a:fillRect/>
+          </a:stretch>
+        </p:blipFill>
+        <p:spPr>
+          <a:xfrm>
+            <a:off x="5503583" y="1734500"/>
+            <a:ext cx="2428875" cy="1485900"/>
           </a:xfrm>
           <a:prstGeom prst="rect">
             <a:avLst/>
           </a:prstGeom>
-          <a:solidFill>
-            <a:schemeClr val="bg2">
-              <a:lumMod val="20000"/>
-              <a:lumOff val="80000"/>
-            </a:schemeClr>
-          </a:solidFill>
-          <a:ln>
-            <a:solidFill>
-              <a:srgbClr val="B01513"/>
-            </a:solidFill>
-          </a:ln>
-        </p:spPr>
-        <p:txBody>
-          <a:bodyPr vert="horz" lIns="91440" tIns="45720" rIns="91440" bIns="45720" rtlCol="0" anchor="t">
-            <a:noAutofit/>
-          </a:bodyPr>
-          <a:lstStyle>
-            <a:lvl1pPr algn="l" defTabSz="457200" rtl="0" eaLnBrk="1" latinLnBrk="0" hangingPunct="1">
-              <a:spcBef>
-                <a:spcPct val="0"/>
-              </a:spcBef>
-              <a:buNone/>
-              <a:defRPr sz="4200" b="0" i="0" kern="1200">
-                <a:solidFill>
-                  <a:schemeClr val="tx2"/>
-                </a:solidFill>
-                <a:latin typeface="+mj-lt"/>
-                <a:ea typeface="+mj-ea"/>
-                <a:cs typeface="+mj-cs"/>
-              </a:defRPr>
-            </a:lvl1pPr>
-            <a:lvl2pPr eaLnBrk="1" hangingPunct="1">
-              <a:defRPr>
-                <a:solidFill>
-                  <a:schemeClr val="tx2"/>
-                </a:solidFill>
-              </a:defRPr>
-            </a:lvl2pPr>
-            <a:lvl3pPr eaLnBrk="1" hangingPunct="1">
-              <a:defRPr>
-                <a:solidFill>
-                  <a:schemeClr val="tx2"/>
-                </a:solidFill>
-              </a:defRPr>
-            </a:lvl3pPr>
-            <a:lvl4pPr eaLnBrk="1" hangingPunct="1">
-              <a:defRPr>
-                <a:solidFill>
-                  <a:schemeClr val="tx2"/>
-                </a:solidFill>
-              </a:defRPr>
-            </a:lvl4pPr>
-            <a:lvl5pPr eaLnBrk="1" hangingPunct="1">
-              <a:defRPr>
-                <a:solidFill>
-                  <a:schemeClr val="tx2"/>
-                </a:solidFill>
-              </a:defRPr>
-            </a:lvl5pPr>
-            <a:lvl6pPr eaLnBrk="1" hangingPunct="1">
-              <a:defRPr>
-                <a:solidFill>
-                  <a:schemeClr val="tx2"/>
-                </a:solidFill>
-              </a:defRPr>
-            </a:lvl6pPr>
-            <a:lvl7pPr eaLnBrk="1" hangingPunct="1">
-              <a:defRPr>
-                <a:solidFill>
-                  <a:schemeClr val="tx2"/>
-                </a:solidFill>
-              </a:defRPr>
-            </a:lvl7pPr>
-            <a:lvl8pPr eaLnBrk="1" hangingPunct="1">
-              <a:defRPr>
-                <a:solidFill>
-                  <a:schemeClr val="tx2"/>
-                </a:solidFill>
-              </a:defRPr>
-            </a:lvl8pPr>
-            <a:lvl9pPr eaLnBrk="1" hangingPunct="1">
-              <a:defRPr>
-                <a:solidFill>
-                  <a:schemeClr val="tx2"/>
-                </a:solidFill>
-              </a:defRPr>
-            </a:lvl9pPr>
-          </a:lstStyle>
-          <a:p>
-            <a:r>
-              <a:rPr lang="en-IN" sz="1800" b="1" dirty="0">
-                <a:solidFill>
-                  <a:schemeClr val="bg1"/>
-                </a:solidFill>
-              </a:rPr>
-              <a:t>Bivariate Analysis</a:t>
-            </a:r>
-          </a:p>
-          <a:p>
-            <a:r>
-              <a:rPr lang="en-US" sz="1800" dirty="0">
-                <a:solidFill>
-                  <a:schemeClr val="bg1"/>
-                </a:solidFill>
-              </a:rPr>
-              <a:t>Bivariate analysis explores relationships between pairs of variables to identify correlations or patterns.</a:t>
-            </a:r>
-          </a:p>
-          <a:p>
-            <a:endParaRPr lang="en-US" sz="1800" b="1" dirty="0">
-              <a:solidFill>
-                <a:schemeClr val="bg1"/>
-              </a:solidFill>
-            </a:endParaRPr>
-          </a:p>
-          <a:p>
-            <a:r>
-              <a:rPr lang="en-US" sz="1800" b="1" dirty="0">
-                <a:solidFill>
-                  <a:schemeClr val="bg1"/>
-                </a:solidFill>
-              </a:rPr>
-              <a:t>Bivariate Analysis (scatterplot, boxplot): </a:t>
-            </a:r>
-            <a:r>
-              <a:rPr lang="en-US" sz="1800" dirty="0">
-                <a:solidFill>
-                  <a:schemeClr val="bg1"/>
-                </a:solidFill>
-              </a:rPr>
-              <a:t>Examines relationships between pairs of variables using scatter plots to show correlation and box plots to compare distributions across categories.</a:t>
-            </a:r>
-            <a:endParaRPr lang="en-IN" sz="1800" b="1" dirty="0">
-              <a:solidFill>
-                <a:schemeClr val="bg1"/>
-              </a:solidFill>
-            </a:endParaRPr>
-          </a:p>
-        </p:txBody>
-      </p:sp>
-      <p:sp>
-        <p:nvSpPr>
-          <p:cNvPr id="6" name="Title 1"/>
-          <p:cNvSpPr txBox="1">
-            <a:spLocks/>
-          </p:cNvSpPr>
+        </p:spPr>
+      </p:pic>
+      <p:sp>
+        <p:nvSpPr>
+          <p:cNvPr id="18" name="Rectangle 17"/>
+          <p:cNvSpPr/>
           <p:nvPr/>
         </p:nvSpPr>
         <p:spPr>
           <a:xfrm>
-            <a:off x="8207679" y="2702819"/>
-            <a:ext cx="3209380" cy="3984584"/>
+            <a:off x="436121" y="2669318"/>
+            <a:ext cx="10741394" cy="4524315"/>
           </a:xfrm>
           <a:prstGeom prst="rect">
             <a:avLst/>
           </a:prstGeom>
-          <a:solidFill>
-            <a:schemeClr val="bg2">
-              <a:lumMod val="20000"/>
-              <a:lumOff val="80000"/>
-            </a:schemeClr>
-          </a:solidFill>
-          <a:ln>
-            <a:solidFill>
-              <a:srgbClr val="B01513"/>
-            </a:solidFill>
-          </a:ln>
-        </p:spPr>
-        <p:txBody>
-          <a:bodyPr vert="horz" lIns="91440" tIns="45720" rIns="91440" bIns="45720" rtlCol="0" anchor="t">
-            <a:noAutofit/>
+        </p:spPr>
+        <p:txBody>
+          <a:bodyPr wrap="square">
+            <a:spAutoFit/>
           </a:bodyPr>
-          <a:lstStyle>
-            <a:lvl1pPr algn="l" defTabSz="457200" rtl="0" eaLnBrk="1" latinLnBrk="0" hangingPunct="1">
-              <a:spcBef>
-                <a:spcPct val="0"/>
-              </a:spcBef>
-              <a:buNone/>
-              <a:defRPr sz="4200" b="0" i="0" kern="1200">
-                <a:solidFill>
-                  <a:schemeClr val="tx2"/>
-                </a:solidFill>
-                <a:latin typeface="+mj-lt"/>
-                <a:ea typeface="+mj-ea"/>
-                <a:cs typeface="+mj-cs"/>
-              </a:defRPr>
-            </a:lvl1pPr>
-            <a:lvl2pPr eaLnBrk="1" hangingPunct="1">
-              <a:defRPr>
-                <a:solidFill>
-                  <a:schemeClr val="tx2"/>
-                </a:solidFill>
-              </a:defRPr>
-            </a:lvl2pPr>
-            <a:lvl3pPr eaLnBrk="1" hangingPunct="1">
-              <a:defRPr>
-                <a:solidFill>
-                  <a:schemeClr val="tx2"/>
-                </a:solidFill>
-              </a:defRPr>
-            </a:lvl3pPr>
-            <a:lvl4pPr eaLnBrk="1" hangingPunct="1">
-              <a:defRPr>
-                <a:solidFill>
-                  <a:schemeClr val="tx2"/>
-                </a:solidFill>
-              </a:defRPr>
-            </a:lvl4pPr>
-            <a:lvl5pPr eaLnBrk="1" hangingPunct="1">
-              <a:defRPr>
-                <a:solidFill>
-                  <a:schemeClr val="tx2"/>
-                </a:solidFill>
-              </a:defRPr>
-            </a:lvl5pPr>
-            <a:lvl6pPr eaLnBrk="1" hangingPunct="1">
-              <a:defRPr>
-                <a:solidFill>
-                  <a:schemeClr val="tx2"/>
-                </a:solidFill>
-              </a:defRPr>
-            </a:lvl6pPr>
-            <a:lvl7pPr eaLnBrk="1" hangingPunct="1">
-              <a:defRPr>
-                <a:solidFill>
-                  <a:schemeClr val="tx2"/>
-                </a:solidFill>
-              </a:defRPr>
-            </a:lvl7pPr>
-            <a:lvl8pPr eaLnBrk="1" hangingPunct="1">
-              <a:defRPr>
-                <a:solidFill>
-                  <a:schemeClr val="tx2"/>
-                </a:solidFill>
-              </a:defRPr>
-            </a:lvl8pPr>
-            <a:lvl9pPr eaLnBrk="1" hangingPunct="1">
-              <a:defRPr>
-                <a:solidFill>
-                  <a:schemeClr val="tx2"/>
-                </a:solidFill>
-              </a:defRPr>
-            </a:lvl9pPr>
-          </a:lstStyle>
-          <a:p>
-            <a:r>
-              <a:rPr lang="en-IN" sz="1800" b="1" dirty="0">
-                <a:solidFill>
-                  <a:schemeClr val="bg1"/>
-                </a:solidFill>
-              </a:rPr>
-              <a:t>Multivariate Analysis</a:t>
-            </a:r>
-          </a:p>
-          <a:p>
-            <a:r>
-              <a:rPr lang="en-US" sz="1800" dirty="0">
-                <a:solidFill>
-                  <a:schemeClr val="bg1"/>
-                </a:solidFill>
-              </a:rPr>
-              <a:t>Multivariate analysis examines relationships among multiple variables simultaneously.</a:t>
-            </a:r>
-          </a:p>
-          <a:p>
-            <a:endParaRPr lang="en-US" sz="1800" b="1" dirty="0">
-              <a:solidFill>
-                <a:schemeClr val="bg1"/>
-              </a:solidFill>
+          <a:lstStyle/>
+          <a:p>
+            <a:pPr>
+              <a:buFont typeface="+mj-lt"/>
+              <a:buAutoNum type="arabicPeriod"/>
+            </a:pPr>
+            <a:endParaRPr lang="en-US" dirty="0">
+              <a:latin typeface="Arial" panose="020B0604020202020204" pitchFamily="34" charset="0"/>
+              <a:cs typeface="Arial" panose="020B0604020202020204" pitchFamily="34" charset="0"/>
             </a:endParaRPr>
           </a:p>
           <a:p>
-            <a:endParaRPr lang="en-US" sz="1800" b="1" dirty="0">
-              <a:solidFill>
-                <a:schemeClr val="bg1"/>
-              </a:solidFill>
+            <a:pPr lvl="1"/>
+            <a:r>
+              <a:rPr lang="en-US" b="1" dirty="0">
+                <a:latin typeface="Arial" panose="020B0604020202020204" pitchFamily="34" charset="0"/>
+                <a:cs typeface="Arial" panose="020B0604020202020204" pitchFamily="34" charset="0"/>
+              </a:rPr>
+              <a:t>Business Implication</a:t>
+            </a:r>
+            <a:r>
+              <a:rPr lang="en-US" dirty="0">
+                <a:latin typeface="Arial" panose="020B0604020202020204" pitchFamily="34" charset="0"/>
+                <a:cs typeface="Arial" panose="020B0604020202020204" pitchFamily="34" charset="0"/>
+              </a:rPr>
+              <a:t>: </a:t>
+            </a:r>
+          </a:p>
+          <a:p>
+            <a:pPr marL="800100" lvl="1" indent="-342900">
+              <a:buAutoNum type="arabicPeriod"/>
+            </a:pPr>
+            <a:r>
+              <a:rPr lang="en-US" dirty="0">
+                <a:latin typeface="Arial" panose="020B0604020202020204" pitchFamily="34" charset="0"/>
+                <a:cs typeface="Arial" panose="020B0604020202020204" pitchFamily="34" charset="0"/>
+              </a:rPr>
+              <a:t>Lower mean (13%) indicates – on average borrowers are managing their debt obligations within a reasonable portion of their income</a:t>
+            </a:r>
+          </a:p>
+          <a:p>
+            <a:pPr marL="800100" lvl="1" indent="-342900">
+              <a:buAutoNum type="arabicPeriod"/>
+            </a:pPr>
+            <a:r>
+              <a:rPr lang="en-US" dirty="0">
+                <a:latin typeface="Arial" panose="020B0604020202020204" pitchFamily="34" charset="0"/>
+                <a:cs typeface="Arial" panose="020B0604020202020204" pitchFamily="34" charset="0"/>
+              </a:rPr>
+              <a:t>Borrowers in 75</a:t>
+            </a:r>
+            <a:r>
+              <a:rPr lang="en-US" baseline="30000" dirty="0">
+                <a:latin typeface="Arial" panose="020B0604020202020204" pitchFamily="34" charset="0"/>
+                <a:cs typeface="Arial" panose="020B0604020202020204" pitchFamily="34" charset="0"/>
+              </a:rPr>
+              <a:t>th</a:t>
+            </a:r>
+            <a:r>
+              <a:rPr lang="en-US" dirty="0">
+                <a:latin typeface="Arial" panose="020B0604020202020204" pitchFamily="34" charset="0"/>
+                <a:cs typeface="Arial" panose="020B0604020202020204" pitchFamily="34" charset="0"/>
+              </a:rPr>
+              <a:t> percentile may have a higher risk of financial strain compared to those in 25</a:t>
+            </a:r>
+            <a:r>
+              <a:rPr lang="en-US" baseline="30000" dirty="0">
+                <a:latin typeface="Arial" panose="020B0604020202020204" pitchFamily="34" charset="0"/>
+                <a:cs typeface="Arial" panose="020B0604020202020204" pitchFamily="34" charset="0"/>
+              </a:rPr>
+              <a:t>th</a:t>
+            </a:r>
+            <a:r>
+              <a:rPr lang="en-US" dirty="0">
+                <a:latin typeface="Arial" panose="020B0604020202020204" pitchFamily="34" charset="0"/>
+                <a:cs typeface="Arial" panose="020B0604020202020204" pitchFamily="34" charset="0"/>
+              </a:rPr>
+              <a:t> percentile </a:t>
+            </a:r>
+          </a:p>
+          <a:p>
+            <a:pPr lvl="1"/>
+            <a:endParaRPr lang="en-US" dirty="0">
+              <a:latin typeface="Arial" panose="020B0604020202020204" pitchFamily="34" charset="0"/>
+              <a:cs typeface="Arial" panose="020B0604020202020204" pitchFamily="34" charset="0"/>
             </a:endParaRPr>
           </a:p>
           <a:p>
-            <a:r>
-              <a:rPr lang="en-US" sz="1800" b="1" dirty="0">
-                <a:solidFill>
-                  <a:schemeClr val="bg1"/>
-                </a:solidFill>
-              </a:rPr>
-              <a:t>Multivariate Analysis (heatmap):</a:t>
-            </a:r>
-            <a:r>
-              <a:rPr lang="en-US" sz="1800" dirty="0">
-                <a:solidFill>
-                  <a:schemeClr val="bg1"/>
-                </a:solidFill>
-              </a:rPr>
-              <a:t> Displays correlations among multiple variables using a heatmap of the correlation matrix.</a:t>
-            </a:r>
-            <a:br>
-              <a:rPr lang="en-US" sz="1800" dirty="0">
-                <a:solidFill>
-                  <a:schemeClr val="bg1"/>
-                </a:solidFill>
-              </a:rPr>
-            </a:br>
-            <a:endParaRPr lang="en-IN" sz="1800" dirty="0">
-              <a:solidFill>
-                <a:schemeClr val="bg1"/>
-              </a:solidFill>
+            <a:pPr lvl="1"/>
+            <a:r>
+              <a:rPr lang="en-US" b="1" dirty="0">
+                <a:latin typeface="Arial" panose="020B0604020202020204" pitchFamily="34" charset="0"/>
+                <a:cs typeface="Arial" panose="020B0604020202020204" pitchFamily="34" charset="0"/>
+              </a:rPr>
+              <a:t>Portfolio Performance</a:t>
+            </a:r>
+            <a:r>
+              <a:rPr lang="en-US" dirty="0">
+                <a:latin typeface="Arial" panose="020B0604020202020204" pitchFamily="34" charset="0"/>
+                <a:cs typeface="Arial" panose="020B0604020202020204" pitchFamily="34" charset="0"/>
+              </a:rPr>
+              <a:t>:</a:t>
+            </a:r>
+          </a:p>
+          <a:p>
+            <a:pPr lvl="1"/>
+            <a:r>
+              <a:rPr lang="en-US" dirty="0">
+                <a:latin typeface="Arial" panose="020B0604020202020204" pitchFamily="34" charset="0"/>
+                <a:cs typeface="Arial" panose="020B0604020202020204" pitchFamily="34" charset="0"/>
+              </a:rPr>
+              <a:t>Higher mean and maximum DTI ratios may indicate increased risk of default among borrowers with elevated debt levels relative to their income</a:t>
+            </a:r>
+          </a:p>
+          <a:p>
+            <a:pPr lvl="1"/>
+            <a:endParaRPr lang="en-US" dirty="0">
+              <a:latin typeface="Arial" panose="020B0604020202020204" pitchFamily="34" charset="0"/>
+              <a:cs typeface="Arial" panose="020B0604020202020204" pitchFamily="34" charset="0"/>
+            </a:endParaRPr>
+          </a:p>
+          <a:p>
+            <a:pPr lvl="1"/>
+            <a:r>
+              <a:rPr lang="en-US" b="1" dirty="0">
+                <a:latin typeface="Arial" panose="020B0604020202020204" pitchFamily="34" charset="0"/>
+                <a:cs typeface="Arial" panose="020B0604020202020204" pitchFamily="34" charset="0"/>
+              </a:rPr>
+              <a:t>Lending Strategy</a:t>
+            </a:r>
+            <a:r>
+              <a:rPr lang="en-US" dirty="0">
+                <a:latin typeface="Arial" panose="020B0604020202020204" pitchFamily="34" charset="0"/>
+                <a:cs typeface="Arial" panose="020B0604020202020204" pitchFamily="34" charset="0"/>
+              </a:rPr>
+              <a:t>:</a:t>
+            </a:r>
+          </a:p>
+          <a:p>
+            <a:pPr lvl="1"/>
+            <a:r>
+              <a:rPr lang="en-US" dirty="0">
+                <a:latin typeface="Arial" panose="020B0604020202020204" pitchFamily="34" charset="0"/>
+                <a:cs typeface="Arial" panose="020B0604020202020204" pitchFamily="34" charset="0"/>
+              </a:rPr>
+              <a:t>Identifying borrowers with excessively high DTI ratios can help lenders proactively address potential default risks and implement appropriate risk mitigation measures</a:t>
+            </a:r>
+          </a:p>
+          <a:p>
+            <a:pPr lvl="1"/>
+            <a:endParaRPr lang="en-US" dirty="0">
+              <a:latin typeface="Arial" panose="020B0604020202020204" pitchFamily="34" charset="0"/>
+              <a:cs typeface="Arial" panose="020B0604020202020204" pitchFamily="34" charset="0"/>
+            </a:endParaRPr>
+          </a:p>
+          <a:p>
+            <a:pPr lvl="1"/>
+            <a:endParaRPr lang="en-IN" dirty="0">
+              <a:latin typeface="Arial" panose="020B0604020202020204" pitchFamily="34" charset="0"/>
+              <a:cs typeface="Arial" panose="020B0604020202020204" pitchFamily="34" charset="0"/>
             </a:endParaRPr>
           </a:p>
         </p:txBody>
@@ -9511,13 +12354,20 @@
     </p:spTree>
     <p:extLst>
       <p:ext uri="{BB962C8B-B14F-4D97-AF65-F5344CB8AC3E}">
-        <p14:creationId xmlns:p14="http://schemas.microsoft.com/office/powerpoint/2010/main" val="2814063333"/>
+        <p14:creationId xmlns:p14="http://schemas.microsoft.com/office/powerpoint/2010/main" val="2692511551"/>
       </p:ext>
     </p:extLst>
   </p:cSld>
   <p:clrMapOvr>
     <a:masterClrMapping/>
   </p:clrMapOvr>
+  <p:timing>
+    <p:tnLst>
+      <p:par>
+        <p:cTn id="1" dur="indefinite" restart="never" nodeType="tmRoot"/>
+      </p:par>
+    </p:tnLst>
+  </p:timing>
 </p:sld>
 </file>
 
@@ -9548,26 +12398,28 @@
             <p:ph type="title"/>
           </p:nvPr>
         </p:nvSpPr>
-        <p:spPr>
-          <a:xfrm>
-            <a:off x="141144" y="199102"/>
-            <a:ext cx="9404723" cy="838128"/>
-          </a:xfrm>
-        </p:spPr>
+        <p:spPr/>
         <p:txBody>
           <a:bodyPr/>
           <a:lstStyle/>
           <a:p>
             <a:r>
-              <a:rPr lang="en-IN" dirty="0"/>
-              <a:t>Univariate Analysis – Insights(#1)</a:t>
-            </a:r>
-          </a:p>
-        </p:txBody>
-      </p:sp>
-      <p:sp>
-        <p:nvSpPr>
-          <p:cNvPr id="6" name="Content Placeholder 2"/>
+              <a:rPr lang="en-US" dirty="0" smtClean="0">
+                <a:latin typeface="Arial" panose="020B0604020202020204" pitchFamily="34" charset="0"/>
+                <a:cs typeface="Arial" panose="020B0604020202020204" pitchFamily="34" charset="0"/>
+              </a:rPr>
+              <a:t>Data Cleaning</a:t>
+            </a:r>
+            <a:endParaRPr lang="en-IN" dirty="0">
+              <a:latin typeface="Arial" panose="020B0604020202020204" pitchFamily="34" charset="0"/>
+              <a:cs typeface="Arial" panose="020B0604020202020204" pitchFamily="34" charset="0"/>
+            </a:endParaRPr>
+          </a:p>
+        </p:txBody>
+      </p:sp>
+      <p:sp>
+        <p:nvSpPr>
+          <p:cNvPr id="3" name="Content Placeholder 2"/>
           <p:cNvSpPr>
             <a:spLocks noGrp="1"/>
           </p:cNvSpPr>
@@ -9575,195 +12427,45 @@
             <p:ph idx="1"/>
           </p:nvPr>
         </p:nvSpPr>
-        <p:spPr>
-          <a:xfrm>
-            <a:off x="407276" y="908301"/>
-            <a:ext cx="5034573" cy="700264"/>
-          </a:xfrm>
-        </p:spPr>
-        <p:txBody>
-          <a:bodyPr>
-            <a:normAutofit/>
-          </a:bodyPr>
+        <p:spPr/>
+        <p:txBody>
+          <a:bodyPr/>
           <a:lstStyle/>
           <a:p>
-            <a:pPr marL="0" indent="0">
-              <a:buNone/>
-            </a:pPr>
-            <a:r>
-              <a:rPr lang="en-IN" b="1" dirty="0"/>
-              <a:t>Distribution of Loan Amount (Histogram)</a:t>
-            </a:r>
-          </a:p>
-        </p:txBody>
-      </p:sp>
-      <p:sp>
-        <p:nvSpPr>
-          <p:cNvPr id="10" name="Rectangle 9"/>
-          <p:cNvSpPr/>
-          <p:nvPr/>
-        </p:nvSpPr>
-        <p:spPr>
-          <a:xfrm>
-            <a:off x="556995" y="1285727"/>
-            <a:ext cx="9747065" cy="1077218"/>
-          </a:xfrm>
-          <a:prstGeom prst="rect">
-            <a:avLst/>
-          </a:prstGeom>
-        </p:spPr>
-        <p:txBody>
-          <a:bodyPr wrap="square">
-            <a:spAutoFit/>
-          </a:bodyPr>
-          <a:lstStyle/>
-          <a:p>
-            <a:r>
-              <a:rPr lang="en-US" sz="1600" dirty="0">
-                <a:latin typeface="Söhne"/>
-              </a:rPr>
-              <a:t># Below represents how the loan amounts are distributed across different ranges</a:t>
-            </a:r>
-          </a:p>
-          <a:p>
-            <a:r>
-              <a:rPr lang="en-US" sz="1600" dirty="0">
-                <a:latin typeface="Söhne"/>
-              </a:rPr>
-              <a:t># Most common amount range ($5000)</a:t>
-            </a:r>
-          </a:p>
-          <a:p>
-            <a:r>
-              <a:rPr lang="en-US" sz="1600" dirty="0">
-                <a:latin typeface="Söhne"/>
-              </a:rPr>
-              <a:t># Spread/Diversity of Loan Amounts – between $5000 &amp; $25000</a:t>
-            </a:r>
-          </a:p>
-          <a:p>
-            <a:r>
-              <a:rPr lang="en-US" sz="1600" dirty="0">
-                <a:latin typeface="Söhne"/>
-              </a:rPr>
-              <a:t># Below distribution is left skewed indicates common loan amount preferences ($5000) </a:t>
-            </a:r>
-            <a:endParaRPr lang="en-IN" sz="1600" dirty="0"/>
-          </a:p>
-        </p:txBody>
-      </p:sp>
-      <p:sp>
-        <p:nvSpPr>
-          <p:cNvPr id="11" name="Rectangle 10"/>
-          <p:cNvSpPr/>
-          <p:nvPr/>
-        </p:nvSpPr>
-        <p:spPr>
-          <a:xfrm>
-            <a:off x="556995" y="2802588"/>
-            <a:ext cx="4735133" cy="3785652"/>
-          </a:xfrm>
-          <a:prstGeom prst="rect">
-            <a:avLst/>
-          </a:prstGeom>
-        </p:spPr>
-        <p:txBody>
-          <a:bodyPr wrap="square">
-            <a:spAutoFit/>
-          </a:bodyPr>
-          <a:lstStyle/>
-          <a:p>
-            <a:r>
-              <a:rPr lang="en-US" sz="1600" b="1" dirty="0">
-                <a:latin typeface="Söhne"/>
-              </a:rPr>
-              <a:t>Business Implications:-</a:t>
-            </a:r>
-          </a:p>
-          <a:p>
-            <a:r>
-              <a:rPr lang="en-US" sz="1600" dirty="0"/>
-              <a:t># Understanding Borrower preferences </a:t>
-            </a:r>
-            <a:r>
-              <a:rPr lang="en-US" sz="1600" dirty="0">
-                <a:sym typeface="Wingdings" panose="05000000000000000000" pitchFamily="2" charset="2"/>
-              </a:rPr>
-              <a:t> Distribution of loan amount revealing popular loan sizes preferred by borrowers, which can influence product offerings &amp; Marketing strategies </a:t>
-            </a:r>
-            <a:endParaRPr lang="en-US" sz="1600" dirty="0"/>
-          </a:p>
-          <a:p>
-            <a:r>
-              <a:rPr lang="en-US" sz="1600" dirty="0"/>
-              <a:t># Risk Assessment </a:t>
-            </a:r>
-            <a:r>
-              <a:rPr lang="en-US" sz="1600" dirty="0">
-                <a:sym typeface="Wingdings" panose="05000000000000000000" pitchFamily="2" charset="2"/>
-              </a:rPr>
-              <a:t> Higher concentration in certain range indicate potential credit risk / market demand.</a:t>
-            </a:r>
-            <a:endParaRPr lang="en-US" sz="1600" dirty="0"/>
-          </a:p>
-          <a:p>
-            <a:r>
-              <a:rPr lang="en-US" sz="1600" dirty="0"/>
-              <a:t># Product Strategy </a:t>
-            </a:r>
-            <a:r>
-              <a:rPr lang="en-US" sz="1600" dirty="0">
-                <a:sym typeface="Wingdings" panose="05000000000000000000" pitchFamily="2" charset="2"/>
-              </a:rPr>
-              <a:t> Identifying popular loan sizes can guide product structuring &amp; segmentation</a:t>
-            </a:r>
-            <a:endParaRPr lang="en-US" sz="1600" dirty="0"/>
-          </a:p>
-          <a:p>
-            <a:r>
-              <a:rPr lang="en-US" sz="1600" dirty="0"/>
-              <a:t># Decision Making </a:t>
-            </a:r>
-            <a:r>
-              <a:rPr lang="en-US" sz="1600" dirty="0">
-                <a:sym typeface="Wingdings" panose="05000000000000000000" pitchFamily="2" charset="2"/>
-              </a:rPr>
-              <a:t> All this data helps in loan approval criteria, risk assessment &amp; customer targeting.</a:t>
-            </a:r>
-            <a:endParaRPr lang="en-US" sz="1600" dirty="0"/>
+            <a:r>
+              <a:rPr lang="en-US" b="1" dirty="0">
+                <a:latin typeface="Arial" panose="020B0604020202020204" pitchFamily="34" charset="0"/>
+                <a:cs typeface="Arial" panose="020B0604020202020204" pitchFamily="34" charset="0"/>
+              </a:rPr>
+              <a:t>Removing columns that are not required or not useful</a:t>
+            </a:r>
+          </a:p>
+          <a:p>
+            <a:endParaRPr lang="en-IN" dirty="0">
+              <a:latin typeface="Arial" panose="020B0604020202020204" pitchFamily="34" charset="0"/>
+              <a:cs typeface="Arial" panose="020B0604020202020204" pitchFamily="34" charset="0"/>
+            </a:endParaRPr>
           </a:p>
         </p:txBody>
       </p:sp>
       <p:pic>
         <p:nvPicPr>
-          <p:cNvPr id="8" name="Picture 7">
-            <a:extLst>
-              <a:ext uri="{FF2B5EF4-FFF2-40B4-BE49-F238E27FC236}">
-                <a16:creationId xmlns:a16="http://schemas.microsoft.com/office/drawing/2014/main" id="{DBFC8D15-078B-4FAE-BBD0-F891701C8F97}"/>
-              </a:ext>
-            </a:extLst>
-          </p:cNvPr>
+          <p:cNvPr id="4" name="Picture 3"/>
           <p:cNvPicPr>
             <a:picLocks noChangeAspect="1"/>
           </p:cNvPicPr>
           <p:nvPr/>
         </p:nvPicPr>
         <p:blipFill>
-          <a:blip r:embed="rId2">
-            <a:extLst>
-              <a:ext uri="{28A0092B-C50C-407E-A947-70E740481C1C}">
-                <a14:useLocalDpi xmlns:a14="http://schemas.microsoft.com/office/drawing/2010/main" val="0"/>
-              </a:ext>
-            </a:extLst>
-          </a:blip>
+          <a:blip r:embed="rId2"/>
           <a:stretch>
             <a:fillRect/>
           </a:stretch>
         </p:blipFill>
         <p:spPr>
           <a:xfrm>
-            <a:off x="5441849" y="2362945"/>
-            <a:ext cx="7112101" cy="4389129"/>
+            <a:off x="2147582" y="2731329"/>
+            <a:ext cx="6858000" cy="2105025"/>
           </a:xfrm>
           <a:prstGeom prst="rect">
             <a:avLst/>
@@ -9773,13 +12475,20 @@
     </p:spTree>
     <p:extLst>
       <p:ext uri="{BB962C8B-B14F-4D97-AF65-F5344CB8AC3E}">
-        <p14:creationId xmlns:p14="http://schemas.microsoft.com/office/powerpoint/2010/main" val="2814481821"/>
+        <p14:creationId xmlns:p14="http://schemas.microsoft.com/office/powerpoint/2010/main" val="489643733"/>
       </p:ext>
     </p:extLst>
   </p:cSld>
   <p:clrMapOvr>
     <a:masterClrMapping/>
   </p:clrMapOvr>
+  <p:timing>
+    <p:tnLst>
+      <p:par>
+        <p:cTn id="1" dur="indefinite" restart="never" nodeType="tmRoot"/>
+      </p:par>
+    </p:tnLst>
+  </p:timing>
 </p:sld>
 </file>
 
@@ -9810,443 +12519,200 @@
             <p:ph type="title"/>
           </p:nvPr>
         </p:nvSpPr>
-        <p:spPr>
-          <a:xfrm>
-            <a:off x="141144" y="199102"/>
-            <a:ext cx="9404723" cy="838128"/>
-          </a:xfrm>
-        </p:spPr>
+        <p:spPr/>
         <p:txBody>
           <a:bodyPr/>
           <a:lstStyle/>
           <a:p>
             <a:r>
-              <a:rPr lang="en-IN" dirty="0"/>
-              <a:t>Univariate Analysis – Insights(#2)</a:t>
-            </a:r>
-          </a:p>
-        </p:txBody>
-      </p:sp>
-      <p:sp>
-        <p:nvSpPr>
-          <p:cNvPr id="7" name="Content Placeholder 2"/>
-          <p:cNvSpPr txBox="1">
-            <a:spLocks/>
-          </p:cNvSpPr>
-          <p:nvPr/>
-        </p:nvSpPr>
-        <p:spPr>
-          <a:xfrm>
-            <a:off x="405758" y="972275"/>
-            <a:ext cx="4043412" cy="514888"/>
-          </a:xfrm>
-          <a:prstGeom prst="rect">
-            <a:avLst/>
-          </a:prstGeom>
-        </p:spPr>
-        <p:txBody>
-          <a:bodyPr vert="horz" lIns="91440" tIns="45720" rIns="91440" bIns="45720" rtlCol="0">
-            <a:normAutofit fontScale="85000" lnSpcReduction="10000"/>
-          </a:bodyPr>
-          <a:lstStyle>
-            <a:lvl1pPr marL="342900" indent="-342900" algn="l" defTabSz="457200" rtl="0" eaLnBrk="1" latinLnBrk="0" hangingPunct="1">
-              <a:spcBef>
-                <a:spcPts val="1000"/>
-              </a:spcBef>
-              <a:spcAft>
-                <a:spcPts val="0"/>
-              </a:spcAft>
-              <a:buClr>
-                <a:schemeClr val="bg2">
-                  <a:lumMod val="40000"/>
-                  <a:lumOff val="60000"/>
-                </a:schemeClr>
-              </a:buClr>
-              <a:buSzPct val="80000"/>
-              <a:buFont typeface="Wingdings 3" charset="2"/>
-              <a:buChar char=""/>
-              <a:defRPr sz="2000" b="0" i="0" kern="1200">
-                <a:solidFill>
-                  <a:schemeClr val="tx1"/>
-                </a:solidFill>
-                <a:latin typeface="+mj-lt"/>
-                <a:ea typeface="+mj-ea"/>
-                <a:cs typeface="+mj-cs"/>
-              </a:defRPr>
-            </a:lvl1pPr>
-            <a:lvl2pPr marL="742950" indent="-285750" algn="l" defTabSz="457200" rtl="0" eaLnBrk="1" latinLnBrk="0" hangingPunct="1">
-              <a:spcBef>
-                <a:spcPts val="1000"/>
-              </a:spcBef>
-              <a:spcAft>
-                <a:spcPts val="0"/>
-              </a:spcAft>
-              <a:buClr>
-                <a:schemeClr val="bg2">
-                  <a:lumMod val="40000"/>
-                  <a:lumOff val="60000"/>
-                </a:schemeClr>
-              </a:buClr>
-              <a:buSzPct val="80000"/>
-              <a:buFont typeface="Wingdings 3" charset="2"/>
-              <a:buChar char=""/>
-              <a:defRPr sz="1800" b="0" i="0" kern="1200">
-                <a:solidFill>
-                  <a:schemeClr val="tx1"/>
-                </a:solidFill>
-                <a:latin typeface="+mj-lt"/>
-                <a:ea typeface="+mj-ea"/>
-                <a:cs typeface="+mj-cs"/>
-              </a:defRPr>
-            </a:lvl2pPr>
-            <a:lvl3pPr marL="1143000" indent="-228600" algn="l" defTabSz="457200" rtl="0" eaLnBrk="1" latinLnBrk="0" hangingPunct="1">
-              <a:spcBef>
-                <a:spcPts val="1000"/>
-              </a:spcBef>
-              <a:spcAft>
-                <a:spcPts val="0"/>
-              </a:spcAft>
-              <a:buClr>
-                <a:schemeClr val="bg2">
-                  <a:lumMod val="40000"/>
-                  <a:lumOff val="60000"/>
-                </a:schemeClr>
-              </a:buClr>
-              <a:buSzPct val="80000"/>
-              <a:buFont typeface="Wingdings 3" charset="2"/>
-              <a:buChar char=""/>
-              <a:defRPr sz="1600" b="0" i="0" kern="1200">
-                <a:solidFill>
-                  <a:schemeClr val="tx1"/>
-                </a:solidFill>
-                <a:latin typeface="+mj-lt"/>
-                <a:ea typeface="+mj-ea"/>
-                <a:cs typeface="+mj-cs"/>
-              </a:defRPr>
-            </a:lvl3pPr>
-            <a:lvl4pPr marL="1600200" indent="-228600" algn="l" defTabSz="457200" rtl="0" eaLnBrk="1" latinLnBrk="0" hangingPunct="1">
-              <a:spcBef>
-                <a:spcPts val="1000"/>
-              </a:spcBef>
-              <a:spcAft>
-                <a:spcPts val="0"/>
-              </a:spcAft>
-              <a:buClr>
-                <a:schemeClr val="bg2">
-                  <a:lumMod val="40000"/>
-                  <a:lumOff val="60000"/>
-                </a:schemeClr>
-              </a:buClr>
-              <a:buSzPct val="80000"/>
-              <a:buFont typeface="Wingdings 3" charset="2"/>
-              <a:buChar char=""/>
-              <a:defRPr sz="1400" b="0" i="0" kern="1200">
-                <a:solidFill>
-                  <a:schemeClr val="tx1"/>
-                </a:solidFill>
-                <a:latin typeface="+mj-lt"/>
-                <a:ea typeface="+mj-ea"/>
-                <a:cs typeface="+mj-cs"/>
-              </a:defRPr>
-            </a:lvl4pPr>
-            <a:lvl5pPr marL="2057400" indent="-228600" algn="l" defTabSz="457200" rtl="0" eaLnBrk="1" latinLnBrk="0" hangingPunct="1">
-              <a:spcBef>
-                <a:spcPts val="1000"/>
-              </a:spcBef>
-              <a:spcAft>
-                <a:spcPts val="0"/>
-              </a:spcAft>
-              <a:buClr>
-                <a:schemeClr val="bg2">
-                  <a:lumMod val="40000"/>
-                  <a:lumOff val="60000"/>
-                </a:schemeClr>
-              </a:buClr>
-              <a:buSzPct val="80000"/>
-              <a:buFont typeface="Wingdings 3" charset="2"/>
-              <a:buChar char=""/>
-              <a:defRPr sz="1400" b="0" i="0" kern="1200">
-                <a:solidFill>
-                  <a:schemeClr val="tx1"/>
-                </a:solidFill>
-                <a:latin typeface="+mj-lt"/>
-                <a:ea typeface="+mj-ea"/>
-                <a:cs typeface="+mj-cs"/>
-              </a:defRPr>
-            </a:lvl5pPr>
-            <a:lvl6pPr marL="2506000" indent="-228600" algn="l" defTabSz="457200" rtl="0" eaLnBrk="1" latinLnBrk="0" hangingPunct="1">
-              <a:spcBef>
-                <a:spcPts val="1000"/>
-              </a:spcBef>
-              <a:spcAft>
-                <a:spcPts val="0"/>
-              </a:spcAft>
-              <a:buClr>
-                <a:schemeClr val="bg2">
-                  <a:lumMod val="40000"/>
-                  <a:lumOff val="60000"/>
-                </a:schemeClr>
-              </a:buClr>
-              <a:buSzPct val="80000"/>
-              <a:buFont typeface="Wingdings 3" charset="2"/>
-              <a:buChar char=""/>
-              <a:defRPr sz="1400" b="0" i="0" kern="1200">
-                <a:solidFill>
-                  <a:schemeClr val="tx1"/>
-                </a:solidFill>
-                <a:latin typeface="+mj-lt"/>
-                <a:ea typeface="+mj-ea"/>
-                <a:cs typeface="+mj-cs"/>
-              </a:defRPr>
-            </a:lvl6pPr>
-            <a:lvl7pPr marL="2971800" indent="-228600" algn="l" defTabSz="457200" rtl="0" eaLnBrk="1" latinLnBrk="0" hangingPunct="1">
-              <a:spcBef>
-                <a:spcPts val="1000"/>
-              </a:spcBef>
-              <a:spcAft>
-                <a:spcPts val="0"/>
-              </a:spcAft>
-              <a:buClr>
-                <a:schemeClr val="bg2">
-                  <a:lumMod val="40000"/>
-                  <a:lumOff val="60000"/>
-                </a:schemeClr>
-              </a:buClr>
-              <a:buSzPct val="80000"/>
-              <a:buFont typeface="Wingdings 3" charset="2"/>
-              <a:buChar char=""/>
-              <a:defRPr sz="1400" b="0" i="0" kern="1200">
-                <a:solidFill>
-                  <a:schemeClr val="tx1"/>
-                </a:solidFill>
-                <a:latin typeface="+mj-lt"/>
-                <a:ea typeface="+mj-ea"/>
-                <a:cs typeface="+mj-cs"/>
-              </a:defRPr>
-            </a:lvl7pPr>
-            <a:lvl8pPr marL="3429000" indent="-228600" algn="l" defTabSz="457200" rtl="0" eaLnBrk="1" latinLnBrk="0" hangingPunct="1">
-              <a:spcBef>
-                <a:spcPts val="1000"/>
-              </a:spcBef>
-              <a:spcAft>
-                <a:spcPts val="0"/>
-              </a:spcAft>
-              <a:buClr>
-                <a:schemeClr val="bg2">
-                  <a:lumMod val="40000"/>
-                  <a:lumOff val="60000"/>
-                </a:schemeClr>
-              </a:buClr>
-              <a:buSzPct val="80000"/>
-              <a:buFont typeface="Wingdings 3" charset="2"/>
-              <a:buChar char=""/>
-              <a:defRPr sz="1400" b="0" i="0" kern="1200">
-                <a:solidFill>
-                  <a:schemeClr val="tx1"/>
-                </a:solidFill>
-                <a:latin typeface="+mj-lt"/>
-                <a:ea typeface="+mj-ea"/>
-                <a:cs typeface="+mj-cs"/>
-              </a:defRPr>
-            </a:lvl8pPr>
-            <a:lvl9pPr marL="3886200" indent="-228600" algn="l" defTabSz="457200" rtl="0" eaLnBrk="1" latinLnBrk="0" hangingPunct="1">
-              <a:spcBef>
-                <a:spcPts val="1000"/>
-              </a:spcBef>
-              <a:spcAft>
-                <a:spcPts val="0"/>
-              </a:spcAft>
-              <a:buClr>
-                <a:schemeClr val="bg2">
-                  <a:lumMod val="40000"/>
-                  <a:lumOff val="60000"/>
-                </a:schemeClr>
-              </a:buClr>
-              <a:buSzPct val="80000"/>
-              <a:buFont typeface="Wingdings 3" charset="2"/>
-              <a:buChar char=""/>
-              <a:defRPr sz="1400" b="0" i="0" kern="1200">
-                <a:solidFill>
-                  <a:schemeClr val="tx1"/>
-                </a:solidFill>
-                <a:latin typeface="+mj-lt"/>
-                <a:ea typeface="+mj-ea"/>
-                <a:cs typeface="+mj-cs"/>
-              </a:defRPr>
-            </a:lvl9pPr>
-          </a:lstStyle>
+              <a:rPr lang="en-US" dirty="0" smtClean="0">
+                <a:latin typeface="Arial" panose="020B0604020202020204" pitchFamily="34" charset="0"/>
+                <a:cs typeface="Arial" panose="020B0604020202020204" pitchFamily="34" charset="0"/>
+              </a:rPr>
+              <a:t>Data Cleaning</a:t>
+            </a:r>
+            <a:endParaRPr lang="en-IN" dirty="0">
+              <a:latin typeface="Arial" panose="020B0604020202020204" pitchFamily="34" charset="0"/>
+              <a:cs typeface="Arial" panose="020B0604020202020204" pitchFamily="34" charset="0"/>
+            </a:endParaRPr>
+          </a:p>
+        </p:txBody>
+      </p:sp>
+      <p:sp>
+        <p:nvSpPr>
+          <p:cNvPr id="3" name="Content Placeholder 2"/>
+          <p:cNvSpPr>
+            <a:spLocks noGrp="1"/>
+          </p:cNvSpPr>
+          <p:nvPr>
+            <p:ph idx="1"/>
+          </p:nvPr>
+        </p:nvSpPr>
+        <p:spPr>
+          <a:xfrm>
+            <a:off x="1103312" y="1507008"/>
+            <a:ext cx="10579172" cy="4195481"/>
+          </a:xfrm>
+        </p:spPr>
+        <p:txBody>
+          <a:bodyPr/>
+          <a:lstStyle/>
           <a:p>
             <a:pPr marL="0" indent="0">
-              <a:buFont typeface="Wingdings 3" charset="2"/>
               <a:buNone/>
             </a:pPr>
             <a:r>
-              <a:rPr lang="en-IN" b="1" dirty="0"/>
-              <a:t>Loan Status Distribution (Bar Chart)</a:t>
-            </a:r>
-          </a:p>
-        </p:txBody>
-      </p:sp>
-      <p:sp>
-        <p:nvSpPr>
-          <p:cNvPr id="10" name="Rectangle 9"/>
-          <p:cNvSpPr/>
-          <p:nvPr/>
-        </p:nvSpPr>
-        <p:spPr>
-          <a:xfrm>
-            <a:off x="665773" y="1335475"/>
-            <a:ext cx="10948068" cy="1323439"/>
-          </a:xfrm>
-          <a:prstGeom prst="rect">
-            <a:avLst/>
-          </a:prstGeom>
-        </p:spPr>
-        <p:txBody>
-          <a:bodyPr wrap="square">
-            <a:spAutoFit/>
-          </a:bodyPr>
-          <a:lstStyle/>
-          <a:p>
-            <a:r>
-              <a:rPr lang="en-US" sz="1600" dirty="0">
-                <a:latin typeface="Söhne"/>
-              </a:rPr>
-              <a:t># Below chart represents </a:t>
-            </a:r>
-            <a:r>
-              <a:rPr lang="en-US" sz="1600" dirty="0"/>
-              <a:t>frequency or count of different categories (loan statuses) within a categorical variable</a:t>
-            </a:r>
-            <a:endParaRPr lang="en-US" sz="1600" dirty="0">
-              <a:latin typeface="Söhne"/>
+              <a:rPr lang="en-IN" b="1" dirty="0">
+                <a:latin typeface="Arial" panose="020B0604020202020204" pitchFamily="34" charset="0"/>
+                <a:cs typeface="Arial" panose="020B0604020202020204" pitchFamily="34" charset="0"/>
+              </a:rPr>
+              <a:t>Missing Employment Length Data</a:t>
+            </a:r>
+            <a:endParaRPr lang="en-IN" dirty="0" smtClean="0">
+              <a:latin typeface="Arial" panose="020B0604020202020204" pitchFamily="34" charset="0"/>
+              <a:cs typeface="Arial" panose="020B0604020202020204" pitchFamily="34" charset="0"/>
             </a:endParaRPr>
           </a:p>
           <a:p>
-            <a:r>
-              <a:rPr lang="en-US" sz="1600" dirty="0">
-                <a:latin typeface="Söhne"/>
+            <a:pPr marL="0" indent="0">
+              <a:buNone/>
+            </a:pPr>
+            <a:r>
+              <a:rPr lang="en-IN" dirty="0" smtClean="0">
+                <a:latin typeface="Arial" panose="020B0604020202020204" pitchFamily="34" charset="0"/>
+                <a:cs typeface="Arial" panose="020B0604020202020204" pitchFamily="34" charset="0"/>
+              </a:rPr>
+              <a:t># loan_data.emp_length.isnull</a:t>
+            </a:r>
+            <a:r>
+              <a:rPr lang="en-IN" dirty="0">
+                <a:latin typeface="Arial" panose="020B0604020202020204" pitchFamily="34" charset="0"/>
+                <a:cs typeface="Arial" panose="020B0604020202020204" pitchFamily="34" charset="0"/>
+              </a:rPr>
+              <a:t>().sum</a:t>
+            </a:r>
+            <a:r>
+              <a:rPr lang="en-IN" dirty="0" smtClean="0">
+                <a:latin typeface="Arial" panose="020B0604020202020204" pitchFamily="34" charset="0"/>
+                <a:cs typeface="Arial" panose="020B0604020202020204" pitchFamily="34" charset="0"/>
+              </a:rPr>
+              <a:t>():- </a:t>
+            </a:r>
+            <a:r>
+              <a:rPr lang="en-US" dirty="0">
+                <a:latin typeface="Arial" panose="020B0604020202020204" pitchFamily="34" charset="0"/>
+                <a:cs typeface="Arial" panose="020B0604020202020204" pitchFamily="34" charset="0"/>
+              </a:rPr>
+              <a:t>provides a count of how many borrowers have missing employment length information. This is crucial for assessing data completeness and potential impacts on loan </a:t>
+            </a:r>
+            <a:r>
+              <a:rPr lang="en-US" dirty="0" smtClean="0">
+                <a:latin typeface="Arial" panose="020B0604020202020204" pitchFamily="34" charset="0"/>
+                <a:cs typeface="Arial" panose="020B0604020202020204" pitchFamily="34" charset="0"/>
+              </a:rPr>
+              <a:t>decision-making</a:t>
+            </a:r>
+          </a:p>
+          <a:p>
+            <a:pPr marL="0" indent="0">
+              <a:buNone/>
+            </a:pPr>
+            <a:endParaRPr lang="en-US" dirty="0" smtClean="0">
+              <a:latin typeface="Arial" panose="020B0604020202020204" pitchFamily="34" charset="0"/>
+              <a:cs typeface="Arial" panose="020B0604020202020204" pitchFamily="34" charset="0"/>
+            </a:endParaRPr>
+          </a:p>
+          <a:p>
+            <a:pPr marL="0" indent="0">
+              <a:buNone/>
+            </a:pPr>
+            <a:r>
+              <a:rPr lang="en-IN" b="1" dirty="0">
+                <a:latin typeface="Arial" panose="020B0604020202020204" pitchFamily="34" charset="0"/>
+                <a:cs typeface="Arial" panose="020B0604020202020204" pitchFamily="34" charset="0"/>
+              </a:rPr>
+              <a:t>Missing Bankruptcy </a:t>
+            </a:r>
+            <a:r>
+              <a:rPr lang="en-IN" b="1" dirty="0" smtClean="0">
+                <a:latin typeface="Arial" panose="020B0604020202020204" pitchFamily="34" charset="0"/>
+                <a:cs typeface="Arial" panose="020B0604020202020204" pitchFamily="34" charset="0"/>
+              </a:rPr>
+              <a:t>Records</a:t>
+            </a:r>
+          </a:p>
+          <a:p>
+            <a:pPr marL="0" indent="0">
+              <a:buNone/>
+            </a:pPr>
+            <a:r>
+              <a:rPr lang="en-IN" dirty="0" smtClean="0">
+                <a:latin typeface="Arial" panose="020B0604020202020204" pitchFamily="34" charset="0"/>
+                <a:cs typeface="Arial" panose="020B0604020202020204" pitchFamily="34" charset="0"/>
               </a:rPr>
               <a:t># </a:t>
             </a:r>
             <a:r>
-              <a:rPr lang="en-US" sz="1600" dirty="0"/>
-              <a:t>Each bar represents a category (loan status), and the height of the bar corresponds to the number of occurrences (count) of that category in the dataset</a:t>
-            </a:r>
-            <a:endParaRPr lang="en-US" sz="1600" dirty="0">
-              <a:latin typeface="Söhne"/>
+              <a:rPr lang="en-US" dirty="0">
+                <a:latin typeface="Arial" panose="020B0604020202020204" pitchFamily="34" charset="0"/>
+                <a:cs typeface="Arial" panose="020B0604020202020204" pitchFamily="34" charset="0"/>
+              </a:rPr>
+              <a:t>loan_data.pub_rec_bankruptcies.isnull().sum() provides a count of how many borrowers have missing bankruptcy record information. This is important for assessing data completeness and potential impacts on credit risk assessment</a:t>
+            </a:r>
+          </a:p>
+          <a:p>
+            <a:pPr marL="0" indent="0">
+              <a:buNone/>
+            </a:pPr>
+            <a:endParaRPr lang="en-IN" dirty="0">
+              <a:latin typeface="Arial" panose="020B0604020202020204" pitchFamily="34" charset="0"/>
+              <a:cs typeface="Arial" panose="020B0604020202020204" pitchFamily="34" charset="0"/>
             </a:endParaRPr>
-          </a:p>
-          <a:p>
-            <a:r>
-              <a:rPr lang="en-US" sz="1600" dirty="0">
-                <a:latin typeface="Söhne"/>
-              </a:rPr>
-              <a:t># Fully Paid (above ~30000), Charged Off(~5000) and Current – Performance of loans in terms of repayment</a:t>
-            </a:r>
-            <a:endParaRPr lang="en-IN" sz="1600" dirty="0"/>
-          </a:p>
-        </p:txBody>
-      </p:sp>
-      <p:sp>
-        <p:nvSpPr>
-          <p:cNvPr id="11" name="Rectangle 10"/>
-          <p:cNvSpPr/>
-          <p:nvPr/>
-        </p:nvSpPr>
-        <p:spPr>
-          <a:xfrm>
-            <a:off x="665773" y="2957160"/>
-            <a:ext cx="4735133" cy="2062103"/>
-          </a:xfrm>
-          <a:prstGeom prst="rect">
-            <a:avLst/>
-          </a:prstGeom>
-        </p:spPr>
-        <p:txBody>
-          <a:bodyPr wrap="square">
-            <a:spAutoFit/>
-          </a:bodyPr>
-          <a:lstStyle/>
-          <a:p>
-            <a:r>
-              <a:rPr lang="en-US" sz="1600" b="1" dirty="0">
-                <a:latin typeface="Söhne"/>
-              </a:rPr>
-              <a:t>Business Implications:-</a:t>
-            </a:r>
-          </a:p>
-          <a:p>
-            <a:r>
-              <a:rPr lang="en-US" sz="1600" dirty="0"/>
-              <a:t># Portfolio Management </a:t>
-            </a:r>
-            <a:r>
-              <a:rPr lang="en-US" sz="1600" dirty="0">
-                <a:sym typeface="Wingdings" panose="05000000000000000000" pitchFamily="2" charset="2"/>
-              </a:rPr>
-              <a:t> Loan status assists in areas that requires attention (example: Charged Off)</a:t>
-            </a:r>
-            <a:endParaRPr lang="en-US" sz="1600" dirty="0"/>
-          </a:p>
-          <a:p>
-            <a:r>
-              <a:rPr lang="en-US" sz="1600" dirty="0"/>
-              <a:t># Risk Assessment </a:t>
-            </a:r>
-            <a:r>
-              <a:rPr lang="en-US" sz="1600" dirty="0">
-                <a:sym typeface="Wingdings" panose="05000000000000000000" pitchFamily="2" charset="2"/>
-              </a:rPr>
-              <a:t> Potential default risk</a:t>
-            </a:r>
-            <a:endParaRPr lang="en-US" sz="1600" dirty="0"/>
-          </a:p>
-          <a:p>
-            <a:r>
-              <a:rPr lang="en-US" sz="1600" dirty="0"/>
-              <a:t># Customer Engagement </a:t>
-            </a:r>
-            <a:r>
-              <a:rPr lang="en-US" sz="1600" dirty="0">
-                <a:sym typeface="Wingdings" panose="05000000000000000000" pitchFamily="2" charset="2"/>
-              </a:rPr>
-              <a:t> customer engagement strategies based on repayment behavior</a:t>
-            </a:r>
-            <a:endParaRPr lang="en-US" sz="1600" dirty="0"/>
           </a:p>
         </p:txBody>
       </p:sp>
       <p:pic>
         <p:nvPicPr>
-          <p:cNvPr id="4" name="Picture 3">
-            <a:extLst>
-              <a:ext uri="{FF2B5EF4-FFF2-40B4-BE49-F238E27FC236}">
-                <a16:creationId xmlns:a16="http://schemas.microsoft.com/office/drawing/2014/main" id="{022268F1-DAF7-4FAE-A28F-FE253B6FA2B2}"/>
-              </a:ext>
-            </a:extLst>
-          </p:cNvPr>
+          <p:cNvPr id="4" name="Picture 3"/>
           <p:cNvPicPr>
             <a:picLocks noChangeAspect="1"/>
           </p:cNvPicPr>
           <p:nvPr/>
         </p:nvPicPr>
         <p:blipFill>
-          <a:blip r:embed="rId2">
-            <a:extLst>
-              <a:ext uri="{28A0092B-C50C-407E-A947-70E740481C1C}">
-                <a14:useLocalDpi xmlns:a14="http://schemas.microsoft.com/office/drawing/2010/main" val="0"/>
-              </a:ext>
-            </a:extLst>
-          </a:blip>
+          <a:blip r:embed="rId2"/>
           <a:stretch>
             <a:fillRect/>
           </a:stretch>
         </p:blipFill>
         <p:spPr>
           <a:xfrm>
-            <a:off x="5329033" y="2957159"/>
-            <a:ext cx="6689690" cy="3189448"/>
+            <a:off x="7394213" y="2992056"/>
+            <a:ext cx="3857625" cy="523875"/>
+          </a:xfrm>
+          <a:prstGeom prst="rect">
+            <a:avLst/>
+          </a:prstGeom>
+        </p:spPr>
+      </p:pic>
+      <p:pic>
+        <p:nvPicPr>
+          <p:cNvPr id="6" name="Picture 5"/>
+          <p:cNvPicPr>
+            <a:picLocks noChangeAspect="1"/>
+          </p:cNvPicPr>
+          <p:nvPr/>
+        </p:nvPicPr>
+        <p:blipFill>
+          <a:blip r:embed="rId3"/>
+          <a:stretch>
+            <a:fillRect/>
+          </a:stretch>
+        </p:blipFill>
+        <p:spPr>
+          <a:xfrm>
+            <a:off x="7403738" y="5022869"/>
+            <a:ext cx="3848100" cy="571500"/>
           </a:xfrm>
           <a:prstGeom prst="rect">
             <a:avLst/>
@@ -10256,13 +12722,20 @@
     </p:spTree>
     <p:extLst>
       <p:ext uri="{BB962C8B-B14F-4D97-AF65-F5344CB8AC3E}">
-        <p14:creationId xmlns:p14="http://schemas.microsoft.com/office/powerpoint/2010/main" val="319134451"/>
+        <p14:creationId xmlns:p14="http://schemas.microsoft.com/office/powerpoint/2010/main" val="3154837174"/>
       </p:ext>
     </p:extLst>
   </p:cSld>
   <p:clrMapOvr>
     <a:masterClrMapping/>
   </p:clrMapOvr>
+  <p:timing>
+    <p:tnLst>
+      <p:par>
+        <p:cTn id="1" dur="indefinite" restart="never" nodeType="tmRoot"/>
+      </p:par>
+    </p:tnLst>
+  </p:timing>
 </p:sld>
 </file>
 

--- a/Lending Club Case Study.pptx
+++ b/Lending Club Case Study.pptx
@@ -7409,7 +7409,7 @@
           <p:cNvPr id="8" name="Picture 7">
             <a:extLst>
               <a:ext uri="{FF2B5EF4-FFF2-40B4-BE49-F238E27FC236}">
-                <a16:creationId xmlns="" xmlns:a16="http://schemas.microsoft.com/office/drawing/2014/main" id="{DBFC8D15-078B-4FAE-BBD0-F891701C8F97}"/>
+                <a16:creationId xmlns:a16="http://schemas.microsoft.com/office/drawing/2014/main" xmlns="" id="{DBFC8D15-078B-4FAE-BBD0-F891701C8F97}"/>
               </a:ext>
             </a:extLst>
           </p:cNvPr>
@@ -7922,7 +7922,7 @@
           <p:cNvPr id="4" name="Picture 3">
             <a:extLst>
               <a:ext uri="{FF2B5EF4-FFF2-40B4-BE49-F238E27FC236}">
-                <a16:creationId xmlns="" xmlns:a16="http://schemas.microsoft.com/office/drawing/2014/main" id="{022268F1-DAF7-4FAE-A28F-FE253B6FA2B2}"/>
+                <a16:creationId xmlns:a16="http://schemas.microsoft.com/office/drawing/2014/main" xmlns="" id="{022268F1-DAF7-4FAE-A28F-FE253B6FA2B2}"/>
               </a:ext>
             </a:extLst>
           </p:cNvPr>
@@ -8414,7 +8414,7 @@
           <p:cNvPr id="14" name="Picture 13">
             <a:extLst>
               <a:ext uri="{FF2B5EF4-FFF2-40B4-BE49-F238E27FC236}">
-                <a16:creationId xmlns="" xmlns:a16="http://schemas.microsoft.com/office/drawing/2014/main" id="{AADA6BF1-BCA2-4E5C-9A57-10BEEB7C8BEF}"/>
+                <a16:creationId xmlns:a16="http://schemas.microsoft.com/office/drawing/2014/main" xmlns="" id="{AADA6BF1-BCA2-4E5C-9A57-10BEEB7C8BEF}"/>
               </a:ext>
             </a:extLst>
           </p:cNvPr>
@@ -8677,22 +8677,28 @@
       </p:sp>
       <p:pic>
         <p:nvPicPr>
-          <p:cNvPr id="17" name="Picture 16"/>
+          <p:cNvPr id="3" name="Picture 2"/>
           <p:cNvPicPr>
             <a:picLocks noChangeAspect="1"/>
           </p:cNvPicPr>
           <p:nvPr/>
         </p:nvPicPr>
         <p:blipFill>
-          <a:blip r:embed="rId2"/>
+          <a:blip r:embed="rId2">
+            <a:extLst>
+              <a:ext uri="{28A0092B-C50C-407E-A947-70E740481C1C}">
+                <a14:useLocalDpi xmlns:a14="http://schemas.microsoft.com/office/drawing/2010/main" val="0"/>
+              </a:ext>
+            </a:extLst>
+          </a:blip>
           <a:stretch>
             <a:fillRect/>
           </a:stretch>
         </p:blipFill>
         <p:spPr>
           <a:xfrm>
-            <a:off x="3673580" y="2136296"/>
-            <a:ext cx="8382000" cy="4572000"/>
+            <a:off x="3466531" y="2495265"/>
+            <a:ext cx="8725469" cy="4362735"/>
           </a:xfrm>
           <a:prstGeom prst="rect">
             <a:avLst/>
@@ -9258,7 +9264,7 @@
           <p:cNvPr id="4" name="Picture 3">
             <a:extLst>
               <a:ext uri="{FF2B5EF4-FFF2-40B4-BE49-F238E27FC236}">
-                <a16:creationId xmlns="" xmlns:a16="http://schemas.microsoft.com/office/drawing/2014/main" id="{74D93C9E-5FFF-49A9-A266-3096BE69906D}"/>
+                <a16:creationId xmlns:a16="http://schemas.microsoft.com/office/drawing/2014/main" xmlns="" id="{74D93C9E-5FFF-49A9-A266-3096BE69906D}"/>
               </a:ext>
             </a:extLst>
           </p:cNvPr>
@@ -9281,8 +9287,8 @@
         </p:blipFill>
         <p:spPr>
           <a:xfrm>
-            <a:off x="4870800" y="2619375"/>
-            <a:ext cx="7802343" cy="4059245"/>
+            <a:off x="4573530" y="2464717"/>
+            <a:ext cx="8099614" cy="4213903"/>
           </a:xfrm>
           <a:prstGeom prst="rect">
             <a:avLst/>
